--- a/PNREC/PNREC slides.pptx
+++ b/PNREC/PNREC slides.pptx
@@ -8,14 +8,20 @@
     <p:sldId id="256" r:id="rId2"/>
     <p:sldId id="257" r:id="rId3"/>
     <p:sldId id="258" r:id="rId4"/>
-    <p:sldId id="265" r:id="rId5"/>
-    <p:sldId id="266" r:id="rId6"/>
-    <p:sldId id="259" r:id="rId7"/>
-    <p:sldId id="260" r:id="rId8"/>
-    <p:sldId id="261" r:id="rId9"/>
-    <p:sldId id="267" r:id="rId10"/>
-    <p:sldId id="263" r:id="rId11"/>
-    <p:sldId id="264" r:id="rId12"/>
+    <p:sldId id="268" r:id="rId5"/>
+    <p:sldId id="259" r:id="rId6"/>
+    <p:sldId id="260" r:id="rId7"/>
+    <p:sldId id="269" r:id="rId8"/>
+    <p:sldId id="275" r:id="rId9"/>
+    <p:sldId id="270" r:id="rId10"/>
+    <p:sldId id="272" r:id="rId11"/>
+    <p:sldId id="261" r:id="rId12"/>
+    <p:sldId id="267" r:id="rId13"/>
+    <p:sldId id="271" r:id="rId14"/>
+    <p:sldId id="263" r:id="rId15"/>
+    <p:sldId id="273" r:id="rId16"/>
+    <p:sldId id="274" r:id="rId17"/>
+    <p:sldId id="264" r:id="rId18"/>
   </p:sldIdLst>
   <p:sldSz cx="12192000" cy="6858000"/>
   <p:notesSz cx="6858000" cy="9144000"/>
@@ -114,6 +120,11 @@
       </a:defRPr>
     </a:lvl9pPr>
   </p:defaultTextStyle>
+  <p:extLst>
+    <p:ext uri="{EFAFB233-063F-42B5-8137-9DF3F51BA10A}">
+      <p15:sldGuideLst xmlns:p15="http://schemas.microsoft.com/office/powerpoint/2012/main"/>
+    </p:ext>
+  </p:extLst>
 </p:presentation>
 </file>
 
@@ -282,7 +293,7 @@
           <a:p>
             <a:fld id="{72EA7947-E287-4738-8C82-07CE4F01EF03}" type="datetime2">
               <a:rPr lang="en-US" smtClean="0"/>
-              <a:t>Friday, May 10, 2024</a:t>
+              <a:t>Thursday, May 16, 2024</a:t>
             </a:fld>
             <a:endParaRPr lang="en-US" dirty="0"/>
           </a:p>
@@ -1318,7 +1329,7 @@
           <a:p>
             <a:fld id="{EE2EBD84-71F4-4271-8C46-0D47C0A9B12E}" type="datetime2">
               <a:rPr lang="en-US" smtClean="0"/>
-              <a:t>Friday, May 10, 2024</a:t>
+              <a:t>Thursday, May 16, 2024</a:t>
             </a:fld>
             <a:endParaRPr lang="en-US"/>
           </a:p>
@@ -1529,7 +1540,7 @@
           <a:p>
             <a:fld id="{ABAE0CE1-F450-4107-B2CB-17B18F8A3F4A}" type="datetime2">
               <a:rPr lang="en-US" smtClean="0"/>
-              <a:t>Friday, May 10, 2024</a:t>
+              <a:t>Thursday, May 16, 2024</a:t>
             </a:fld>
             <a:endParaRPr lang="en-US"/>
           </a:p>
@@ -2239,7 +2250,7 @@
           <a:p>
             <a:fld id="{6FE8C025-CD7A-4966-867E-81CF82B15267}" type="datetime2">
               <a:rPr lang="en-US" smtClean="0"/>
-              <a:t>Friday, May 10, 2024</a:t>
+              <a:t>Thursday, May 16, 2024</a:t>
             </a:fld>
             <a:endParaRPr lang="en-US"/>
           </a:p>
@@ -2859,7 +2870,7 @@
           <a:p>
             <a:fld id="{FE809929-0719-4517-94D6-FDF7F99E70F6}" type="datetime2">
               <a:rPr lang="en-US" smtClean="0"/>
-              <a:t>Friday, May 10, 2024</a:t>
+              <a:t>Thursday, May 16, 2024</a:t>
             </a:fld>
             <a:endParaRPr lang="en-US"/>
           </a:p>
@@ -3977,7 +3988,7 @@
           <a:p>
             <a:fld id="{20E95673-5512-4AAA-9AEB-E00C61EC65D5}" type="datetime2">
               <a:rPr lang="en-US" smtClean="0"/>
-              <a:t>Friday, May 10, 2024</a:t>
+              <a:t>Thursday, May 16, 2024</a:t>
             </a:fld>
             <a:endParaRPr lang="en-US"/>
           </a:p>
@@ -4524,7 +4535,7 @@
           <a:p>
             <a:fld id="{C13138FA-2E87-4873-8BBA-13E447C9A99A}" type="datetime2">
               <a:rPr lang="en-US" smtClean="0"/>
-              <a:t>Friday, May 10, 2024</a:t>
+              <a:t>Thursday, May 16, 2024</a:t>
             </a:fld>
             <a:endParaRPr lang="en-US"/>
           </a:p>
@@ -4685,7 +4696,7 @@
           <a:p>
             <a:fld id="{D75BB40A-97BD-4BFB-B639-0BFF95FDE8B7}" type="datetime2">
               <a:rPr lang="en-US" smtClean="0"/>
-              <a:t>Friday, May 10, 2024</a:t>
+              <a:t>Thursday, May 16, 2024</a:t>
             </a:fld>
             <a:endParaRPr lang="en-US"/>
           </a:p>
@@ -5720,7 +5731,7 @@
           <a:p>
             <a:fld id="{9EE9E0E3-ECF6-4CFE-8698-AEFEBCECC3C0}" type="datetime2">
               <a:rPr lang="en-US" smtClean="0"/>
-              <a:t>Friday, May 10, 2024</a:t>
+              <a:t>Thursday, May 16, 2024</a:t>
             </a:fld>
             <a:endParaRPr lang="en-US"/>
           </a:p>
@@ -6366,7 +6377,7 @@
           <a:p>
             <a:fld id="{251462FC-960E-4740-921F-B36862979F21}" type="datetime2">
               <a:rPr lang="en-US" smtClean="0"/>
-              <a:t>Friday, May 10, 2024</a:t>
+              <a:t>Thursday, May 16, 2024</a:t>
             </a:fld>
             <a:endParaRPr lang="en-US"/>
           </a:p>
@@ -7130,7 +7141,7 @@
           <a:p>
             <a:fld id="{E50BC9E2-CB44-4C05-9BB5-496C18A241E0}" type="datetime2">
               <a:rPr lang="en-US" smtClean="0"/>
-              <a:t>Friday, May 10, 2024</a:t>
+              <a:t>Thursday, May 16, 2024</a:t>
             </a:fld>
             <a:endParaRPr lang="en-US"/>
           </a:p>
@@ -7383,7 +7394,7 @@
           <a:p>
             <a:fld id="{246CB39B-5F4C-4A7E-9BE3-AAFD45576D16}" type="datetime2">
               <a:rPr lang="en-US" smtClean="0"/>
-              <a:t>Friday, May 10, 2024</a:t>
+              <a:t>Thursday, May 16, 2024</a:t>
             </a:fld>
             <a:endParaRPr lang="en-US" dirty="0"/>
           </a:p>
@@ -8643,64 +8654,40 @@
           <a:chExt cx="0" cy="0"/>
         </a:xfrm>
       </p:grpSpPr>
-      <p:sp>
-        <p:nvSpPr>
-          <p:cNvPr id="2" name="Title 1">
-            <a:extLst>
-              <a:ext uri="{FF2B5EF4-FFF2-40B4-BE49-F238E27FC236}">
-                <a16:creationId xmlns:a16="http://schemas.microsoft.com/office/drawing/2014/main" id="{AF2E3981-9DFD-BF9E-08D6-FEEEEB015B9E}"/>
-              </a:ext>
-            </a:extLst>
-          </p:cNvPr>
-          <p:cNvSpPr>
-            <a:spLocks noGrp="1"/>
-          </p:cNvSpPr>
-          <p:nvPr>
-            <p:ph type="title"/>
-          </p:nvPr>
-        </p:nvSpPr>
-        <p:spPr/>
-        <p:txBody>
-          <a:bodyPr/>
-          <a:lstStyle/>
-          <a:p>
-            <a:r>
-              <a:rPr lang="en-US"/>
-              <a:t>Cargo Sharing through Time</a:t>
-            </a:r>
-            <a:endParaRPr lang="en-US" dirty="0"/>
-          </a:p>
-        </p:txBody>
-      </p:sp>
-      <p:sp>
-        <p:nvSpPr>
-          <p:cNvPr id="9" name="Content Placeholder 8">
-            <a:extLst>
-              <a:ext uri="{FF2B5EF4-FFF2-40B4-BE49-F238E27FC236}">
-                <a16:creationId xmlns:a16="http://schemas.microsoft.com/office/drawing/2014/main" id="{D813F25D-1CD5-0371-DD5F-D846EC6277DF}"/>
-              </a:ext>
-            </a:extLst>
-          </p:cNvPr>
-          <p:cNvSpPr>
-            <a:spLocks noGrp="1"/>
-          </p:cNvSpPr>
-          <p:nvPr>
-            <p:ph idx="1"/>
-          </p:nvPr>
-        </p:nvSpPr>
-        <p:spPr/>
-        <p:txBody>
-          <a:bodyPr/>
-          <a:lstStyle/>
-          <a:p>
-            <a:endParaRPr lang="en-US"/>
-          </a:p>
-        </p:txBody>
-      </p:sp>
+      <p:pic>
+        <p:nvPicPr>
+          <p:cNvPr id="5" name="Picture 4" descr="A chart of different colored squares&#10;&#10;Description automatically generated">
+            <a:extLst>
+              <a:ext uri="{FF2B5EF4-FFF2-40B4-BE49-F238E27FC236}">
+                <a16:creationId xmlns:a16="http://schemas.microsoft.com/office/drawing/2014/main" id="{459737C4-AC13-0311-C1B4-46ADC826212F}"/>
+              </a:ext>
+            </a:extLst>
+          </p:cNvPr>
+          <p:cNvPicPr>
+            <a:picLocks noChangeAspect="1"/>
+          </p:cNvPicPr>
+          <p:nvPr/>
+        </p:nvPicPr>
+        <p:blipFill>
+          <a:blip r:embed="rId2"/>
+          <a:stretch>
+            <a:fillRect/>
+          </a:stretch>
+        </p:blipFill>
+        <p:spPr>
+          <a:xfrm>
+            <a:off x="438647" y="286026"/>
+            <a:ext cx="11314706" cy="6285948"/>
+          </a:xfrm>
+          <a:prstGeom prst="rect">
+            <a:avLst/>
+          </a:prstGeom>
+        </p:spPr>
+      </p:pic>
     </p:spTree>
     <p:extLst>
       <p:ext uri="{BB962C8B-B14F-4D97-AF65-F5344CB8AC3E}">
-        <p14:creationId xmlns:p14="http://schemas.microsoft.com/office/powerpoint/2010/main" val="9489644"/>
+        <p14:creationId xmlns:p14="http://schemas.microsoft.com/office/powerpoint/2010/main" val="2094747406"/>
       </p:ext>
     </p:extLst>
   </p:cSld>
@@ -8732,7 +8719,7 @@
           <p:cNvPr id="2" name="Title 1">
             <a:extLst>
               <a:ext uri="{FF2B5EF4-FFF2-40B4-BE49-F238E27FC236}">
-                <a16:creationId xmlns:a16="http://schemas.microsoft.com/office/drawing/2014/main" id="{19EAA029-7673-8249-43FC-31B91BEFE7BE}"/>
+                <a16:creationId xmlns:a16="http://schemas.microsoft.com/office/drawing/2014/main" id="{E9694D66-FA82-3BA0-A5A3-E9039A840147}"/>
               </a:ext>
             </a:extLst>
           </p:cNvPr>
@@ -8748,7 +8735,302 @@
           <a:bodyPr/>
           <a:lstStyle/>
           <a:p>
-            <a:endParaRPr lang="en-US"/>
+            <a:r>
+              <a:rPr lang="en-US" dirty="0"/>
+              <a:t>Measuring OCA Utilization</a:t>
+            </a:r>
+          </a:p>
+        </p:txBody>
+      </p:sp>
+      <mc:AlternateContent xmlns:mc="http://schemas.openxmlformats.org/markup-compatibility/2006">
+        <mc:Choice xmlns:a14="http://schemas.microsoft.com/office/drawing/2010/main" Requires="a14">
+          <p:sp>
+            <p:nvSpPr>
+              <p:cNvPr id="3" name="Content Placeholder 2">
+                <a:extLst>
+                  <a:ext uri="{FF2B5EF4-FFF2-40B4-BE49-F238E27FC236}">
+                    <a16:creationId xmlns:a16="http://schemas.microsoft.com/office/drawing/2014/main" id="{9C7AE789-2E18-8177-BE0B-1104DDB9A435}"/>
+                  </a:ext>
+                </a:extLst>
+              </p:cNvPr>
+              <p:cNvSpPr>
+                <a:spLocks noGrp="1"/>
+              </p:cNvSpPr>
+              <p:nvPr>
+                <p:ph idx="1"/>
+              </p:nvPr>
+            </p:nvSpPr>
+            <p:spPr/>
+            <p:txBody>
+              <a:bodyPr/>
+              <a:lstStyle/>
+              <a:p>
+                <a:r>
+                  <a:rPr lang="en-US" dirty="0"/>
+                  <a:t>OCAs are not utilized on all lanes</a:t>
+                </a:r>
+              </a:p>
+              <a:p>
+                <a:r>
+                  <a:rPr lang="en-US" dirty="0"/>
+                  <a:t>Impacts of OCAs on a given lane should be proportional to utilization </a:t>
+                </a:r>
+              </a:p>
+              <a:p>
+                <a:r>
+                  <a:rPr lang="en-US" dirty="0"/>
+                  <a:t>We are developing a metric for OCA utilization based on cargo sharing behavior</a:t>
+                </a:r>
+              </a:p>
+              <a:p>
+                <a:pPr marL="0" indent="0">
+                  <a:buNone/>
+                </a:pPr>
+                <a14:m>
+                  <m:oMathPara xmlns:m="http://schemas.openxmlformats.org/officeDocument/2006/math">
+                    <m:oMathParaPr>
+                      <m:jc m:val="centerGroup"/>
+                    </m:oMathParaPr>
+                    <m:oMath xmlns:m="http://schemas.openxmlformats.org/officeDocument/2006/math">
+                      <m:r>
+                        <a:rPr lang="en-US" b="0" i="1" smtClean="0">
+                          <a:latin typeface="Cambria Math" panose="02040503050406030204" pitchFamily="18" charset="0"/>
+                        </a:rPr>
+                        <m:t>𝐴𝑙𝑙𝑖𝑎𝑛𝑐𝑒</m:t>
+                      </m:r>
+                      <m:r>
+                        <a:rPr lang="en-US" b="0" i="1" smtClean="0">
+                          <a:latin typeface="Cambria Math" panose="02040503050406030204" pitchFamily="18" charset="0"/>
+                        </a:rPr>
+                        <m:t> </m:t>
+                      </m:r>
+                      <m:r>
+                        <a:rPr lang="en-US" b="0" i="1" smtClean="0">
+                          <a:latin typeface="Cambria Math" panose="02040503050406030204" pitchFamily="18" charset="0"/>
+                        </a:rPr>
+                        <m:t>𝑈𝑡𝑖𝑙𝑖𝑧𝑎𝑡𝑖𝑜𝑛</m:t>
+                      </m:r>
+                      <m:r>
+                        <a:rPr lang="en-US" b="0" i="1" smtClean="0">
+                          <a:latin typeface="Cambria Math" panose="02040503050406030204" pitchFamily="18" charset="0"/>
+                        </a:rPr>
+                        <m:t> =  </m:t>
+                      </m:r>
+                      <m:f>
+                        <m:fPr>
+                          <m:ctrlPr>
+                            <a:rPr lang="en-US" b="0" i="1" smtClean="0">
+                              <a:latin typeface="Cambria Math" panose="02040503050406030204" pitchFamily="18" charset="0"/>
+                              <a:ea typeface="Cambria Math" panose="02040503050406030204" pitchFamily="18" charset="0"/>
+                            </a:rPr>
+                          </m:ctrlPr>
+                        </m:fPr>
+                        <m:num>
+                          <m:r>
+                            <a:rPr lang="en-US" b="0" i="1" smtClean="0">
+                              <a:latin typeface="Cambria Math" panose="02040503050406030204" pitchFamily="18" charset="0"/>
+                              <a:ea typeface="Cambria Math" panose="02040503050406030204" pitchFamily="18" charset="0"/>
+                            </a:rPr>
+                            <m:t>𝐶𝑎𝑝𝑎𝑐𝑖𝑡𝑦</m:t>
+                          </m:r>
+                          <m:r>
+                            <a:rPr lang="en-US" b="0" i="1" smtClean="0">
+                              <a:latin typeface="Cambria Math" panose="02040503050406030204" pitchFamily="18" charset="0"/>
+                              <a:ea typeface="Cambria Math" panose="02040503050406030204" pitchFamily="18" charset="0"/>
+                            </a:rPr>
+                            <m:t> </m:t>
+                          </m:r>
+                          <m:r>
+                            <a:rPr lang="en-US" b="0" i="1" smtClean="0">
+                              <a:latin typeface="Cambria Math" panose="02040503050406030204" pitchFamily="18" charset="0"/>
+                              <a:ea typeface="Cambria Math" panose="02040503050406030204" pitchFamily="18" charset="0"/>
+                            </a:rPr>
+                            <m:t>𝑆h𝑎𝑟𝑒𝑑</m:t>
+                          </m:r>
+                          <m:r>
+                            <a:rPr lang="en-US" b="0" i="1" smtClean="0">
+                              <a:latin typeface="Cambria Math" panose="02040503050406030204" pitchFamily="18" charset="0"/>
+                              <a:ea typeface="Cambria Math" panose="02040503050406030204" pitchFamily="18" charset="0"/>
+                            </a:rPr>
+                            <m:t> </m:t>
+                          </m:r>
+                          <m:r>
+                            <a:rPr lang="en-US" b="0" i="1" smtClean="0">
+                              <a:latin typeface="Cambria Math" panose="02040503050406030204" pitchFamily="18" charset="0"/>
+                              <a:ea typeface="Cambria Math" panose="02040503050406030204" pitchFamily="18" charset="0"/>
+                            </a:rPr>
+                            <m:t>𝑤𝑖𝑡h</m:t>
+                          </m:r>
+                          <m:r>
+                            <a:rPr lang="en-US" b="0" i="1" smtClean="0">
+                              <a:latin typeface="Cambria Math" panose="02040503050406030204" pitchFamily="18" charset="0"/>
+                              <a:ea typeface="Cambria Math" panose="02040503050406030204" pitchFamily="18" charset="0"/>
+                            </a:rPr>
+                            <m:t> </m:t>
+                          </m:r>
+                          <m:r>
+                            <a:rPr lang="en-US" b="0" i="1" smtClean="0">
+                              <a:latin typeface="Cambria Math" panose="02040503050406030204" pitchFamily="18" charset="0"/>
+                              <a:ea typeface="Cambria Math" panose="02040503050406030204" pitchFamily="18" charset="0"/>
+                            </a:rPr>
+                            <m:t>𝐴𝑙𝑙𝑖𝑒𝑑</m:t>
+                          </m:r>
+                          <m:r>
+                            <a:rPr lang="en-US" b="0" i="1" smtClean="0">
+                              <a:latin typeface="Cambria Math" panose="02040503050406030204" pitchFamily="18" charset="0"/>
+                              <a:ea typeface="Cambria Math" panose="02040503050406030204" pitchFamily="18" charset="0"/>
+                            </a:rPr>
+                            <m:t> </m:t>
+                          </m:r>
+                          <m:r>
+                            <a:rPr lang="en-US" b="0" i="1" smtClean="0">
+                              <a:latin typeface="Cambria Math" panose="02040503050406030204" pitchFamily="18" charset="0"/>
+                              <a:ea typeface="Cambria Math" panose="02040503050406030204" pitchFamily="18" charset="0"/>
+                            </a:rPr>
+                            <m:t>𝐶𝑎𝑟𝑟𝑖𝑒𝑟𝑠</m:t>
+                          </m:r>
+                        </m:num>
+                        <m:den>
+                          <m:r>
+                            <a:rPr lang="en-US" b="0" i="1" smtClean="0">
+                              <a:latin typeface="Cambria Math" panose="02040503050406030204" pitchFamily="18" charset="0"/>
+                              <a:ea typeface="Cambria Math" panose="02040503050406030204" pitchFamily="18" charset="0"/>
+                            </a:rPr>
+                            <m:t>𝑇𝑜𝑡𝑎𝑙</m:t>
+                          </m:r>
+                          <m:r>
+                            <a:rPr lang="en-US" b="0" i="1" smtClean="0">
+                              <a:latin typeface="Cambria Math" panose="02040503050406030204" pitchFamily="18" charset="0"/>
+                              <a:ea typeface="Cambria Math" panose="02040503050406030204" pitchFamily="18" charset="0"/>
+                            </a:rPr>
+                            <m:t> </m:t>
+                          </m:r>
+                          <m:r>
+                            <a:rPr lang="en-US" b="0" i="1" smtClean="0">
+                              <a:latin typeface="Cambria Math" panose="02040503050406030204" pitchFamily="18" charset="0"/>
+                              <a:ea typeface="Cambria Math" panose="02040503050406030204" pitchFamily="18" charset="0"/>
+                            </a:rPr>
+                            <m:t>𝐶𝑎𝑝𝑎𝑐𝑖𝑡𝑦</m:t>
+                          </m:r>
+                          <m:r>
+                            <a:rPr lang="en-US" b="0" i="1" smtClean="0">
+                              <a:latin typeface="Cambria Math" panose="02040503050406030204" pitchFamily="18" charset="0"/>
+                              <a:ea typeface="Cambria Math" panose="02040503050406030204" pitchFamily="18" charset="0"/>
+                            </a:rPr>
+                            <m:t> </m:t>
+                          </m:r>
+                          <m:r>
+                            <a:rPr lang="en-US" b="0" i="1" smtClean="0">
+                              <a:latin typeface="Cambria Math" panose="02040503050406030204" pitchFamily="18" charset="0"/>
+                              <a:ea typeface="Cambria Math" panose="02040503050406030204" pitchFamily="18" charset="0"/>
+                            </a:rPr>
+                            <m:t>𝑆h𝑎𝑟𝑒𝑑</m:t>
+                          </m:r>
+                        </m:den>
+                      </m:f>
+                    </m:oMath>
+                  </m:oMathPara>
+                </a14:m>
+                <a:endParaRPr lang="en-US" dirty="0"/>
+              </a:p>
+            </p:txBody>
+          </p:sp>
+        </mc:Choice>
+        <mc:Fallback>
+          <p:sp>
+            <p:nvSpPr>
+              <p:cNvPr id="3" name="Content Placeholder 2">
+                <a:extLst>
+                  <a:ext uri="{FF2B5EF4-FFF2-40B4-BE49-F238E27FC236}">
+                    <a16:creationId xmlns:a16="http://schemas.microsoft.com/office/drawing/2014/main" id="{9C7AE789-2E18-8177-BE0B-1104DDB9A435}"/>
+                  </a:ext>
+                </a:extLst>
+              </p:cNvPr>
+              <p:cNvSpPr>
+                <a:spLocks noGrp="1" noRot="1" noChangeAspect="1" noMove="1" noResize="1" noEditPoints="1" noAdjustHandles="1" noChangeArrowheads="1" noChangeShapeType="1" noTextEdit="1"/>
+              </p:cNvSpPr>
+              <p:nvPr>
+                <p:ph idx="1"/>
+              </p:nvPr>
+            </p:nvSpPr>
+            <p:spPr>
+              <a:blipFill>
+                <a:blip r:embed="rId2"/>
+                <a:stretch>
+                  <a:fillRect l="-1602" t="-2229"/>
+                </a:stretch>
+              </a:blipFill>
+            </p:spPr>
+            <p:txBody>
+              <a:bodyPr/>
+              <a:lstStyle/>
+              <a:p>
+                <a:r>
+                  <a:rPr lang="en-US">
+                    <a:noFill/>
+                  </a:rPr>
+                  <a:t> </a:t>
+                </a:r>
+              </a:p>
+            </p:txBody>
+          </p:sp>
+        </mc:Fallback>
+      </mc:AlternateContent>
+    </p:spTree>
+    <p:extLst>
+      <p:ext uri="{BB962C8B-B14F-4D97-AF65-F5344CB8AC3E}">
+        <p14:creationId xmlns:p14="http://schemas.microsoft.com/office/powerpoint/2010/main" val="992323294"/>
+      </p:ext>
+    </p:extLst>
+  </p:cSld>
+  <p:clrMapOvr>
+    <a:masterClrMapping/>
+  </p:clrMapOvr>
+</p:sld>
+</file>
+
+<file path=ppt/slides/slide12.xml><?xml version="1.0" encoding="utf-8"?>
+<p:sld xmlns:a="http://schemas.openxmlformats.org/drawingml/2006/main" xmlns:r="http://schemas.openxmlformats.org/officeDocument/2006/relationships" xmlns:p="http://schemas.openxmlformats.org/presentationml/2006/main">
+  <p:cSld>
+    <p:spTree>
+      <p:nvGrpSpPr>
+        <p:cNvPr id="1" name=""/>
+        <p:cNvGrpSpPr/>
+        <p:nvPr/>
+      </p:nvGrpSpPr>
+      <p:grpSpPr>
+        <a:xfrm>
+          <a:off x="0" y="0"/>
+          <a:ext cx="0" cy="0"/>
+          <a:chOff x="0" y="0"/>
+          <a:chExt cx="0" cy="0"/>
+        </a:xfrm>
+      </p:grpSpPr>
+      <p:sp>
+        <p:nvSpPr>
+          <p:cNvPr id="2" name="Title 1">
+            <a:extLst>
+              <a:ext uri="{FF2B5EF4-FFF2-40B4-BE49-F238E27FC236}">
+                <a16:creationId xmlns:a16="http://schemas.microsoft.com/office/drawing/2014/main" id="{BD3D2DDA-6E53-BC56-3749-8C9A7B0140C5}"/>
+              </a:ext>
+            </a:extLst>
+          </p:cNvPr>
+          <p:cNvSpPr>
+            <a:spLocks noGrp="1"/>
+          </p:cNvSpPr>
+          <p:nvPr>
+            <p:ph type="title"/>
+          </p:nvPr>
+        </p:nvSpPr>
+        <p:spPr/>
+        <p:txBody>
+          <a:bodyPr/>
+          <a:lstStyle/>
+          <a:p>
+            <a:r>
+              <a:rPr lang="en-US" dirty="0"/>
+              <a:t>Cargo Sharing</a:t>
+            </a:r>
           </a:p>
         </p:txBody>
       </p:sp>
@@ -8757,7 +9039,7 @@
           <p:cNvPr id="3" name="Content Placeholder 2">
             <a:extLst>
               <a:ext uri="{FF2B5EF4-FFF2-40B4-BE49-F238E27FC236}">
-                <a16:creationId xmlns:a16="http://schemas.microsoft.com/office/drawing/2014/main" id="{149A675F-7EE3-BF0E-23B9-DD104AB800E2}"/>
+                <a16:creationId xmlns:a16="http://schemas.microsoft.com/office/drawing/2014/main" id="{C0490D74-F13F-5733-CD43-9CA2E2DC2E82}"/>
               </a:ext>
             </a:extLst>
           </p:cNvPr>
@@ -8773,7 +9055,348 @@
           <a:bodyPr/>
           <a:lstStyle/>
           <a:p>
-            <a:endParaRPr lang="en-US"/>
+            <a:r>
+              <a:rPr lang="en-US" sz="2400" dirty="0"/>
+              <a:t>We define a vessel’s ”Primary Carrier” as the carrier representing the most cargo carried on that vessel in any given month.</a:t>
+            </a:r>
+          </a:p>
+          <a:p>
+            <a:r>
+              <a:rPr lang="en-US" sz="2400" dirty="0"/>
+              <a:t>“Shared Cargo” is the cargo carried on a vessel not from the primary carrier.</a:t>
+            </a:r>
+          </a:p>
+          <a:p>
+            <a:endParaRPr lang="en-US" dirty="0"/>
+          </a:p>
+        </p:txBody>
+      </p:sp>
+    </p:spTree>
+    <p:extLst>
+      <p:ext uri="{BB962C8B-B14F-4D97-AF65-F5344CB8AC3E}">
+        <p14:creationId xmlns:p14="http://schemas.microsoft.com/office/powerpoint/2010/main" val="2517794356"/>
+      </p:ext>
+    </p:extLst>
+  </p:cSld>
+  <p:clrMapOvr>
+    <a:masterClrMapping/>
+  </p:clrMapOvr>
+</p:sld>
+</file>
+
+<file path=ppt/slides/slide13.xml><?xml version="1.0" encoding="utf-8"?>
+<p:sld xmlns:a="http://schemas.openxmlformats.org/drawingml/2006/main" xmlns:r="http://schemas.openxmlformats.org/officeDocument/2006/relationships" xmlns:p="http://schemas.openxmlformats.org/presentationml/2006/main">
+  <p:cSld>
+    <p:spTree>
+      <p:nvGrpSpPr>
+        <p:cNvPr id="1" name=""/>
+        <p:cNvGrpSpPr/>
+        <p:nvPr/>
+      </p:nvGrpSpPr>
+      <p:grpSpPr>
+        <a:xfrm>
+          <a:off x="0" y="0"/>
+          <a:ext cx="0" cy="0"/>
+          <a:chOff x="0" y="0"/>
+          <a:chExt cx="0" cy="0"/>
+        </a:xfrm>
+      </p:grpSpPr>
+      <p:pic>
+        <p:nvPicPr>
+          <p:cNvPr id="5" name="Picture 4" descr="A graph of red and blue lines&#10;&#10;Description automatically generated">
+            <a:extLst>
+              <a:ext uri="{FF2B5EF4-FFF2-40B4-BE49-F238E27FC236}">
+                <a16:creationId xmlns:a16="http://schemas.microsoft.com/office/drawing/2014/main" id="{61161BB2-5D9A-AC04-F1F6-6A347F2CECAA}"/>
+              </a:ext>
+            </a:extLst>
+          </p:cNvPr>
+          <p:cNvPicPr>
+            <a:picLocks noChangeAspect="1"/>
+          </p:cNvPicPr>
+          <p:nvPr/>
+        </p:nvPicPr>
+        <p:blipFill>
+          <a:blip r:embed="rId2"/>
+          <a:stretch>
+            <a:fillRect/>
+          </a:stretch>
+        </p:blipFill>
+        <p:spPr>
+          <a:xfrm>
+            <a:off x="461897" y="298943"/>
+            <a:ext cx="11268205" cy="6260114"/>
+          </a:xfrm>
+          <a:prstGeom prst="rect">
+            <a:avLst/>
+          </a:prstGeom>
+        </p:spPr>
+      </p:pic>
+    </p:spTree>
+    <p:extLst>
+      <p:ext uri="{BB962C8B-B14F-4D97-AF65-F5344CB8AC3E}">
+        <p14:creationId xmlns:p14="http://schemas.microsoft.com/office/powerpoint/2010/main" val="4048034761"/>
+      </p:ext>
+    </p:extLst>
+  </p:cSld>
+  <p:clrMapOvr>
+    <a:masterClrMapping/>
+  </p:clrMapOvr>
+</p:sld>
+</file>
+
+<file path=ppt/slides/slide14.xml><?xml version="1.0" encoding="utf-8"?>
+<p:sld xmlns:a="http://schemas.openxmlformats.org/drawingml/2006/main" xmlns:r="http://schemas.openxmlformats.org/officeDocument/2006/relationships" xmlns:p="http://schemas.openxmlformats.org/presentationml/2006/main">
+  <p:cSld>
+    <p:spTree>
+      <p:nvGrpSpPr>
+        <p:cNvPr id="1" name=""/>
+        <p:cNvGrpSpPr/>
+        <p:nvPr/>
+      </p:nvGrpSpPr>
+      <p:grpSpPr>
+        <a:xfrm>
+          <a:off x="0" y="0"/>
+          <a:ext cx="0" cy="0"/>
+          <a:chOff x="0" y="0"/>
+          <a:chExt cx="0" cy="0"/>
+        </a:xfrm>
+      </p:grpSpPr>
+      <p:pic>
+        <p:nvPicPr>
+          <p:cNvPr id="8" name="Picture 7" descr="A graph with different colored lines&#10;&#10;Description automatically generated">
+            <a:extLst>
+              <a:ext uri="{FF2B5EF4-FFF2-40B4-BE49-F238E27FC236}">
+                <a16:creationId xmlns:a16="http://schemas.microsoft.com/office/drawing/2014/main" id="{E0828031-824F-8B1C-FA0B-E9FEC4A62F85}"/>
+              </a:ext>
+            </a:extLst>
+          </p:cNvPr>
+          <p:cNvPicPr>
+            <a:picLocks noChangeAspect="1"/>
+          </p:cNvPicPr>
+          <p:nvPr/>
+        </p:nvPicPr>
+        <p:blipFill>
+          <a:blip r:embed="rId2"/>
+          <a:stretch>
+            <a:fillRect/>
+          </a:stretch>
+        </p:blipFill>
+        <p:spPr>
+          <a:xfrm>
+            <a:off x="429701" y="281056"/>
+            <a:ext cx="11332597" cy="6295887"/>
+          </a:xfrm>
+          <a:prstGeom prst="rect">
+            <a:avLst/>
+          </a:prstGeom>
+        </p:spPr>
+      </p:pic>
+    </p:spTree>
+    <p:extLst>
+      <p:ext uri="{BB962C8B-B14F-4D97-AF65-F5344CB8AC3E}">
+        <p14:creationId xmlns:p14="http://schemas.microsoft.com/office/powerpoint/2010/main" val="9489644"/>
+      </p:ext>
+    </p:extLst>
+  </p:cSld>
+  <p:clrMapOvr>
+    <a:masterClrMapping/>
+  </p:clrMapOvr>
+</p:sld>
+</file>
+
+<file path=ppt/slides/slide15.xml><?xml version="1.0" encoding="utf-8"?>
+<p:sld xmlns:a="http://schemas.openxmlformats.org/drawingml/2006/main" xmlns:r="http://schemas.openxmlformats.org/officeDocument/2006/relationships" xmlns:p="http://schemas.openxmlformats.org/presentationml/2006/main">
+  <p:cSld>
+    <p:spTree>
+      <p:nvGrpSpPr>
+        <p:cNvPr id="1" name=""/>
+        <p:cNvGrpSpPr/>
+        <p:nvPr/>
+      </p:nvGrpSpPr>
+      <p:grpSpPr>
+        <a:xfrm>
+          <a:off x="0" y="0"/>
+          <a:ext cx="0" cy="0"/>
+          <a:chOff x="0" y="0"/>
+          <a:chExt cx="0" cy="0"/>
+        </a:xfrm>
+      </p:grpSpPr>
+      <p:pic>
+        <p:nvPicPr>
+          <p:cNvPr id="7" name="Picture 6" descr="A graph of a graph&#10;&#10;Description automatically generated with medium confidence">
+            <a:extLst>
+              <a:ext uri="{FF2B5EF4-FFF2-40B4-BE49-F238E27FC236}">
+                <a16:creationId xmlns:a16="http://schemas.microsoft.com/office/drawing/2014/main" id="{9E3F2936-58AA-9D25-3560-132F299C4DF5}"/>
+              </a:ext>
+            </a:extLst>
+          </p:cNvPr>
+          <p:cNvPicPr>
+            <a:picLocks noChangeAspect="1"/>
+          </p:cNvPicPr>
+          <p:nvPr/>
+        </p:nvPicPr>
+        <p:blipFill>
+          <a:blip r:embed="rId2"/>
+          <a:stretch>
+            <a:fillRect/>
+          </a:stretch>
+        </p:blipFill>
+        <p:spPr>
+          <a:xfrm>
+            <a:off x="419100" y="275166"/>
+            <a:ext cx="11353800" cy="6307667"/>
+          </a:xfrm>
+          <a:prstGeom prst="rect">
+            <a:avLst/>
+          </a:prstGeom>
+        </p:spPr>
+      </p:pic>
+    </p:spTree>
+    <p:extLst>
+      <p:ext uri="{BB962C8B-B14F-4D97-AF65-F5344CB8AC3E}">
+        <p14:creationId xmlns:p14="http://schemas.microsoft.com/office/powerpoint/2010/main" val="3969749951"/>
+      </p:ext>
+    </p:extLst>
+  </p:cSld>
+  <p:clrMapOvr>
+    <a:masterClrMapping/>
+  </p:clrMapOvr>
+</p:sld>
+</file>
+
+<file path=ppt/slides/slide16.xml><?xml version="1.0" encoding="utf-8"?>
+<p:sld xmlns:a="http://schemas.openxmlformats.org/drawingml/2006/main" xmlns:r="http://schemas.openxmlformats.org/officeDocument/2006/relationships" xmlns:p="http://schemas.openxmlformats.org/presentationml/2006/main">
+  <p:cSld>
+    <p:spTree>
+      <p:nvGrpSpPr>
+        <p:cNvPr id="1" name=""/>
+        <p:cNvGrpSpPr/>
+        <p:nvPr/>
+      </p:nvGrpSpPr>
+      <p:grpSpPr>
+        <a:xfrm>
+          <a:off x="0" y="0"/>
+          <a:ext cx="0" cy="0"/>
+          <a:chOff x="0" y="0"/>
+          <a:chExt cx="0" cy="0"/>
+        </a:xfrm>
+      </p:grpSpPr>
+      <p:pic>
+        <p:nvPicPr>
+          <p:cNvPr id="5" name="Picture 4" descr="A graph showing the growth of a stock market&#10;&#10;Description automatically generated">
+            <a:extLst>
+              <a:ext uri="{FF2B5EF4-FFF2-40B4-BE49-F238E27FC236}">
+                <a16:creationId xmlns:a16="http://schemas.microsoft.com/office/drawing/2014/main" id="{072606C4-7E81-BECF-5AD7-D9AE730C208F}"/>
+              </a:ext>
+            </a:extLst>
+          </p:cNvPr>
+          <p:cNvPicPr>
+            <a:picLocks noChangeAspect="1"/>
+          </p:cNvPicPr>
+          <p:nvPr/>
+        </p:nvPicPr>
+        <p:blipFill>
+          <a:blip r:embed="rId2"/>
+          <a:stretch>
+            <a:fillRect/>
+          </a:stretch>
+        </p:blipFill>
+        <p:spPr>
+          <a:xfrm>
+            <a:off x="403830" y="266683"/>
+            <a:ext cx="11384340" cy="6324633"/>
+          </a:xfrm>
+          <a:prstGeom prst="rect">
+            <a:avLst/>
+          </a:prstGeom>
+        </p:spPr>
+      </p:pic>
+    </p:spTree>
+    <p:extLst>
+      <p:ext uri="{BB962C8B-B14F-4D97-AF65-F5344CB8AC3E}">
+        <p14:creationId xmlns:p14="http://schemas.microsoft.com/office/powerpoint/2010/main" val="1104407931"/>
+      </p:ext>
+    </p:extLst>
+  </p:cSld>
+  <p:clrMapOvr>
+    <a:masterClrMapping/>
+  </p:clrMapOvr>
+</p:sld>
+</file>
+
+<file path=ppt/slides/slide17.xml><?xml version="1.0" encoding="utf-8"?>
+<p:sld xmlns:a="http://schemas.openxmlformats.org/drawingml/2006/main" xmlns:r="http://schemas.openxmlformats.org/officeDocument/2006/relationships" xmlns:p="http://schemas.openxmlformats.org/presentationml/2006/main">
+  <p:cSld>
+    <p:spTree>
+      <p:nvGrpSpPr>
+        <p:cNvPr id="1" name=""/>
+        <p:cNvGrpSpPr/>
+        <p:nvPr/>
+      </p:nvGrpSpPr>
+      <p:grpSpPr>
+        <a:xfrm>
+          <a:off x="0" y="0"/>
+          <a:ext cx="0" cy="0"/>
+          <a:chOff x="0" y="0"/>
+          <a:chExt cx="0" cy="0"/>
+        </a:xfrm>
+      </p:grpSpPr>
+      <p:sp>
+        <p:nvSpPr>
+          <p:cNvPr id="2" name="Title 1">
+            <a:extLst>
+              <a:ext uri="{FF2B5EF4-FFF2-40B4-BE49-F238E27FC236}">
+                <a16:creationId xmlns:a16="http://schemas.microsoft.com/office/drawing/2014/main" id="{19EAA029-7673-8249-43FC-31B91BEFE7BE}"/>
+              </a:ext>
+            </a:extLst>
+          </p:cNvPr>
+          <p:cNvSpPr>
+            <a:spLocks noGrp="1"/>
+          </p:cNvSpPr>
+          <p:nvPr>
+            <p:ph type="title"/>
+          </p:nvPr>
+        </p:nvSpPr>
+        <p:spPr/>
+        <p:txBody>
+          <a:bodyPr/>
+          <a:lstStyle/>
+          <a:p>
+            <a:r>
+              <a:rPr lang="en-US" dirty="0"/>
+              <a:t>Limitations</a:t>
+            </a:r>
+          </a:p>
+        </p:txBody>
+      </p:sp>
+      <p:sp>
+        <p:nvSpPr>
+          <p:cNvPr id="3" name="Content Placeholder 2">
+            <a:extLst>
+              <a:ext uri="{FF2B5EF4-FFF2-40B4-BE49-F238E27FC236}">
+                <a16:creationId xmlns:a16="http://schemas.microsoft.com/office/drawing/2014/main" id="{149A675F-7EE3-BF0E-23B9-DD104AB800E2}"/>
+              </a:ext>
+            </a:extLst>
+          </p:cNvPr>
+          <p:cNvSpPr>
+            <a:spLocks noGrp="1"/>
+          </p:cNvSpPr>
+          <p:nvPr>
+            <p:ph idx="1"/>
+          </p:nvPr>
+        </p:nvSpPr>
+        <p:spPr/>
+        <p:txBody>
+          <a:bodyPr/>
+          <a:lstStyle/>
+          <a:p>
+            <a:r>
+              <a:rPr lang="en-US" dirty="0"/>
+              <a:t>OCAs are only one form of vessel sharing agreements (VSA); we do not observe any other form of VSA. </a:t>
+            </a:r>
+          </a:p>
+          <a:p>
+            <a:endParaRPr lang="en-US" dirty="0"/>
           </a:p>
         </p:txBody>
       </p:sp>
@@ -8877,6 +9500,25 @@
             </a:r>
           </a:p>
           <a:p>
+            <a:r>
+              <a:rPr lang="en-US" dirty="0"/>
+              <a:t>OCAs allow carriers to offer additional services (e.g., additional lanes) and more efficiently allocate capacity.</a:t>
+            </a:r>
+          </a:p>
+          <a:p>
+            <a:r>
+              <a:rPr lang="en-US" dirty="0"/>
+              <a:t>The impact on shippers/consumers is not well studied. </a:t>
+            </a:r>
+          </a:p>
+          <a:p>
+            <a:pPr lvl="1"/>
+            <a:r>
+              <a:rPr lang="en-US" dirty="0"/>
+              <a:t>For example, carriers sometimes offer very low prices on otherwise-used capacity in order to minimize empty haul. Under an alliance agreement, this capacity might be sold at normal prices to another carrier.  </a:t>
+            </a:r>
+          </a:p>
+          <a:p>
             <a:endParaRPr lang="en-US" dirty="0"/>
           </a:p>
         </p:txBody>
@@ -8939,30 +9581,75 @@
           </a:p>
         </p:txBody>
       </p:sp>
+      <p:pic>
+        <p:nvPicPr>
+          <p:cNvPr id="7" name="Picture 6" descr="A screen shot of a computer&#10;&#10;Description automatically generated">
+            <a:extLst>
+              <a:ext uri="{FF2B5EF4-FFF2-40B4-BE49-F238E27FC236}">
+                <a16:creationId xmlns:a16="http://schemas.microsoft.com/office/drawing/2014/main" id="{A78AAFC6-1545-3678-51AC-68676CB0CD64}"/>
+              </a:ext>
+            </a:extLst>
+          </p:cNvPr>
+          <p:cNvPicPr>
+            <a:picLocks noChangeAspect="1"/>
+          </p:cNvPicPr>
+          <p:nvPr/>
+        </p:nvPicPr>
+        <p:blipFill>
+          <a:blip r:embed="rId2"/>
+          <a:stretch>
+            <a:fillRect/>
+          </a:stretch>
+        </p:blipFill>
+        <p:spPr>
+          <a:xfrm>
+            <a:off x="1444310" y="1040182"/>
+            <a:ext cx="9303380" cy="4996933"/>
+          </a:xfrm>
+          <a:prstGeom prst="rect">
+            <a:avLst/>
+          </a:prstGeom>
+        </p:spPr>
+      </p:pic>
       <p:sp>
         <p:nvSpPr>
-          <p:cNvPr id="3" name="Content Placeholder 2">
-            <a:extLst>
-              <a:ext uri="{FF2B5EF4-FFF2-40B4-BE49-F238E27FC236}">
-                <a16:creationId xmlns:a16="http://schemas.microsoft.com/office/drawing/2014/main" id="{9FDA933D-DF2D-F704-84A3-C1F28795212F}"/>
-              </a:ext>
-            </a:extLst>
-          </p:cNvPr>
-          <p:cNvSpPr>
-            <a:spLocks noGrp="1"/>
-          </p:cNvSpPr>
-          <p:nvPr>
-            <p:ph idx="1"/>
-          </p:nvPr>
+          <p:cNvPr id="8" name="TextBox 7">
+            <a:extLst>
+              <a:ext uri="{FF2B5EF4-FFF2-40B4-BE49-F238E27FC236}">
+                <a16:creationId xmlns:a16="http://schemas.microsoft.com/office/drawing/2014/main" id="{18206DCD-9F9A-82BD-D00C-9EFFDC57DADC}"/>
+              </a:ext>
+            </a:extLst>
+          </p:cNvPr>
+          <p:cNvSpPr txBox="1"/>
+          <p:nvPr/>
         </p:nvSpPr>
-        <p:spPr/>
+        <p:spPr>
+          <a:xfrm>
+            <a:off x="7543800" y="6037115"/>
+            <a:ext cx="3717100" cy="369332"/>
+          </a:xfrm>
+          <a:prstGeom prst="rect">
+            <a:avLst/>
+          </a:prstGeom>
+          <a:noFill/>
+        </p:spPr>
         <p:txBody>
-          <a:bodyPr/>
+          <a:bodyPr wrap="square" rtlCol="0">
+            <a:spAutoFit/>
+          </a:bodyPr>
           <a:lstStyle/>
           <a:p>
             <a:r>
-              <a:rPr lang="en-US" dirty="0"/>
-              <a:t>[alliance membership timeline]</a:t>
+              <a:rPr lang="en-US" i="1" dirty="0"/>
+              <a:t>Source: Theo </a:t>
+            </a:r>
+            <a:r>
+              <a:rPr lang="en-US" i="1" dirty="0" err="1"/>
+              <a:t>Notteboom</a:t>
+            </a:r>
+            <a:r>
+              <a:rPr lang="en-US" i="1" dirty="0"/>
+              <a:t>, PEMP</a:t>
             </a:r>
           </a:p>
         </p:txBody>
@@ -8997,39 +9684,79 @@
           <a:chExt cx="0" cy="0"/>
         </a:xfrm>
       </p:grpSpPr>
-      <p:pic>
-        <p:nvPicPr>
-          <p:cNvPr id="5" name="Content Placeholder 4" descr="A graph showing the growth of the company's export&#10;&#10;Description automatically generated">
-            <a:extLst>
-              <a:ext uri="{FF2B5EF4-FFF2-40B4-BE49-F238E27FC236}">
-                <a16:creationId xmlns:a16="http://schemas.microsoft.com/office/drawing/2014/main" id="{1E3AB8C5-DAB3-8872-3CF2-FA4261655B4E}"/>
-              </a:ext>
-            </a:extLst>
-          </p:cNvPr>
-          <p:cNvPicPr>
-            <a:picLocks noGrp="1" noChangeAspect="1"/>
-          </p:cNvPicPr>
+      <p:sp>
+        <p:nvSpPr>
+          <p:cNvPr id="2" name="Title 1">
+            <a:extLst>
+              <a:ext uri="{FF2B5EF4-FFF2-40B4-BE49-F238E27FC236}">
+                <a16:creationId xmlns:a16="http://schemas.microsoft.com/office/drawing/2014/main" id="{DA904277-4230-28CD-0D12-B6D55F85195D}"/>
+              </a:ext>
+            </a:extLst>
+          </p:cNvPr>
+          <p:cNvSpPr>
+            <a:spLocks noGrp="1"/>
+          </p:cNvSpPr>
+          <p:nvPr>
+            <p:ph type="title"/>
+          </p:nvPr>
+        </p:nvSpPr>
+        <p:spPr/>
+        <p:txBody>
+          <a:bodyPr/>
+          <a:lstStyle/>
+          <a:p>
+            <a:r>
+              <a:rPr lang="en-US" dirty="0"/>
+              <a:t>Do OCAs Reduce Competition?</a:t>
+            </a:r>
+          </a:p>
+        </p:txBody>
+      </p:sp>
+      <p:sp>
+        <p:nvSpPr>
+          <p:cNvPr id="3" name="Content Placeholder 2">
+            <a:extLst>
+              <a:ext uri="{FF2B5EF4-FFF2-40B4-BE49-F238E27FC236}">
+                <a16:creationId xmlns:a16="http://schemas.microsoft.com/office/drawing/2014/main" id="{17437E95-D6AF-30C6-F8BB-98A08C246D84}"/>
+              </a:ext>
+            </a:extLst>
+          </p:cNvPr>
+          <p:cNvSpPr>
+            <a:spLocks noGrp="1"/>
+          </p:cNvSpPr>
           <p:nvPr>
             <p:ph idx="1"/>
           </p:nvPr>
-        </p:nvPicPr>
-        <p:blipFill>
-          <a:blip r:embed="rId2"/>
-          <a:stretch>
-            <a:fillRect/>
-          </a:stretch>
-        </p:blipFill>
-        <p:spPr>
-          <a:xfrm>
-            <a:off x="989944" y="592302"/>
-            <a:ext cx="10212111" cy="5673395"/>
-          </a:xfrm>
-        </p:spPr>
-      </p:pic>
+        </p:nvSpPr>
+        <p:spPr/>
+        <p:txBody>
+          <a:bodyPr/>
+          <a:lstStyle/>
+          <a:p>
+            <a:r>
+              <a:rPr lang="en-US" dirty="0"/>
+              <a:t>Carriers argue that the increased efficiencies help keep costs down and allow them to provide better service.</a:t>
+            </a:r>
+          </a:p>
+          <a:p>
+            <a:r>
+              <a:rPr lang="en-US" dirty="0"/>
+              <a:t>Shippers and regulating bodies are concerned that OCAs give carriers too much market power</a:t>
+            </a:r>
+          </a:p>
+          <a:p>
+            <a:pPr lvl="1"/>
+            <a:r>
+              <a:rPr lang="en-US" dirty="0"/>
+              <a:t>Anecdotal reports from US producers include high prices, reductions in frequency of service, and reduced delivery windows</a:t>
+            </a:r>
+          </a:p>
+        </p:txBody>
+      </p:sp>
     </p:spTree>
     <p:extLst>
       <p:ext uri="{BB962C8B-B14F-4D97-AF65-F5344CB8AC3E}">
-        <p14:creationId xmlns:p14="http://schemas.microsoft.com/office/powerpoint/2010/main" val="4064491542"/>
+        <p14:creationId xmlns:p14="http://schemas.microsoft.com/office/powerpoint/2010/main" val="1861624256"/>
       </p:ext>
     </p:extLst>
   </p:cSld>
@@ -9056,40 +9783,107 @@
           <a:chExt cx="0" cy="0"/>
         </a:xfrm>
       </p:grpSpPr>
-      <p:pic>
-        <p:nvPicPr>
-          <p:cNvPr id="5" name="Picture 4" descr="A graph of different colored squares&#10;&#10;Description automatically generated">
-            <a:extLst>
-              <a:ext uri="{FF2B5EF4-FFF2-40B4-BE49-F238E27FC236}">
-                <a16:creationId xmlns:a16="http://schemas.microsoft.com/office/drawing/2014/main" id="{1D73C175-58C9-5046-32EC-EAF029BAE719}"/>
-              </a:ext>
-            </a:extLst>
-          </p:cNvPr>
-          <p:cNvPicPr>
-            <a:picLocks noChangeAspect="1"/>
-          </p:cNvPicPr>
-          <p:nvPr/>
-        </p:nvPicPr>
-        <p:blipFill>
-          <a:blip r:embed="rId2"/>
-          <a:stretch>
-            <a:fillRect/>
-          </a:stretch>
-        </p:blipFill>
-        <p:spPr>
-          <a:xfrm>
-            <a:off x="768878" y="469488"/>
-            <a:ext cx="10654243" cy="5919024"/>
-          </a:xfrm>
-          <a:prstGeom prst="rect">
-            <a:avLst/>
-          </a:prstGeom>
-        </p:spPr>
-      </p:pic>
+      <p:sp>
+        <p:nvSpPr>
+          <p:cNvPr id="2" name="Title 1">
+            <a:extLst>
+              <a:ext uri="{FF2B5EF4-FFF2-40B4-BE49-F238E27FC236}">
+                <a16:creationId xmlns:a16="http://schemas.microsoft.com/office/drawing/2014/main" id="{22965314-E236-98C6-DF03-DB40AAA03F99}"/>
+              </a:ext>
+            </a:extLst>
+          </p:cNvPr>
+          <p:cNvSpPr>
+            <a:spLocks noGrp="1"/>
+          </p:cNvSpPr>
+          <p:nvPr>
+            <p:ph type="title"/>
+          </p:nvPr>
+        </p:nvSpPr>
+        <p:spPr/>
+        <p:txBody>
+          <a:bodyPr/>
+          <a:lstStyle/>
+          <a:p>
+            <a:r>
+              <a:rPr lang="en-US" dirty="0"/>
+              <a:t>Antitrust Exemptions</a:t>
+            </a:r>
+          </a:p>
+        </p:txBody>
+      </p:sp>
+      <p:sp>
+        <p:nvSpPr>
+          <p:cNvPr id="3" name="Content Placeholder 2">
+            <a:extLst>
+              <a:ext uri="{FF2B5EF4-FFF2-40B4-BE49-F238E27FC236}">
+                <a16:creationId xmlns:a16="http://schemas.microsoft.com/office/drawing/2014/main" id="{3D3FFD83-0F9B-0B2F-3704-478038684AD5}"/>
+              </a:ext>
+            </a:extLst>
+          </p:cNvPr>
+          <p:cNvSpPr>
+            <a:spLocks noGrp="1"/>
+          </p:cNvSpPr>
+          <p:nvPr>
+            <p:ph idx="1"/>
+          </p:nvPr>
+        </p:nvSpPr>
+        <p:spPr/>
+        <p:txBody>
+          <a:bodyPr/>
+          <a:lstStyle/>
+          <a:p>
+            <a:r>
+              <a:rPr lang="en-US" dirty="0"/>
+              <a:t>Both US and EU have historically agreed that OCAs are a net good:</a:t>
+            </a:r>
+          </a:p>
+          <a:p>
+            <a:pPr lvl="1"/>
+            <a:r>
+              <a:rPr lang="en-US" dirty="0"/>
+              <a:t>European Union’s Consortia Bloc Exemption Regulation (EU CBER) exempted OCAs from most EU antitrust rules</a:t>
+            </a:r>
+          </a:p>
+          <a:p>
+            <a:pPr lvl="1"/>
+            <a:r>
+              <a:rPr lang="en-US" dirty="0"/>
+              <a:t>US regulates OCAs via the Federal Maritime Commission (FMC) rather than applying traditional antitrust regs </a:t>
+            </a:r>
+          </a:p>
+          <a:p>
+            <a:r>
+              <a:rPr lang="en-US" dirty="0"/>
+              <a:t>This tide may be changing</a:t>
+            </a:r>
+          </a:p>
+          <a:p>
+            <a:pPr lvl="1"/>
+            <a:r>
+              <a:rPr lang="en-US" dirty="0"/>
+              <a:t>EU Consortia Block Exemption Regulation expired on 25 April 2024</a:t>
+            </a:r>
+          </a:p>
+          <a:p>
+            <a:pPr lvl="1"/>
+            <a:r>
+              <a:rPr lang="en-US" dirty="0"/>
+              <a:t>US Congress is considering similar regulation changes</a:t>
+            </a:r>
+          </a:p>
+          <a:p>
+            <a:pPr lvl="2"/>
+            <a:r>
+              <a:rPr lang="en-US" dirty="0"/>
+              <a:t>e.g. the Ocean Shipping Antitrust Enforcement Act </a:t>
+            </a:r>
+          </a:p>
+        </p:txBody>
+      </p:sp>
     </p:spTree>
     <p:extLst>
       <p:ext uri="{BB962C8B-B14F-4D97-AF65-F5344CB8AC3E}">
-        <p14:creationId xmlns:p14="http://schemas.microsoft.com/office/powerpoint/2010/main" val="4276663109"/>
+        <p14:creationId xmlns:p14="http://schemas.microsoft.com/office/powerpoint/2010/main" val="2133206924"/>
       </p:ext>
     </p:extLst>
   </p:cSld>
@@ -9121,7 +9915,7 @@
           <p:cNvPr id="2" name="Title 1">
             <a:extLst>
               <a:ext uri="{FF2B5EF4-FFF2-40B4-BE49-F238E27FC236}">
-                <a16:creationId xmlns:a16="http://schemas.microsoft.com/office/drawing/2014/main" id="{22965314-E236-98C6-DF03-DB40AAA03F99}"/>
+                <a16:creationId xmlns:a16="http://schemas.microsoft.com/office/drawing/2014/main" id="{00F7FCF6-A5A0-B02A-783E-2193C1BFCF7E}"/>
               </a:ext>
             </a:extLst>
           </p:cNvPr>
@@ -9134,12 +9928,14 @@
         </p:nvSpPr>
         <p:spPr/>
         <p:txBody>
-          <a:bodyPr/>
+          <a:bodyPr>
+            <a:normAutofit/>
+          </a:bodyPr>
           <a:lstStyle/>
           <a:p>
             <a:r>
               <a:rPr lang="en-US" dirty="0"/>
-              <a:t>Antitrust Exemptions</a:t>
+              <a:t>WSU Transportation Research Group</a:t>
             </a:r>
           </a:p>
         </p:txBody>
@@ -9149,7 +9945,7 @@
           <p:cNvPr id="3" name="Content Placeholder 2">
             <a:extLst>
               <a:ext uri="{FF2B5EF4-FFF2-40B4-BE49-F238E27FC236}">
-                <a16:creationId xmlns:a16="http://schemas.microsoft.com/office/drawing/2014/main" id="{3D3FFD83-0F9B-0B2F-3704-478038684AD5}"/>
+                <a16:creationId xmlns:a16="http://schemas.microsoft.com/office/drawing/2014/main" id="{A16A1964-752C-2A09-5211-DCC330769732}"/>
               </a:ext>
             </a:extLst>
           </p:cNvPr>
@@ -9166,43 +9962,112 @@
           <a:lstStyle/>
           <a:p>
             <a:r>
+              <a:rPr lang="en-US" dirty="0">
+                <a:solidFill>
+                  <a:schemeClr val="tx1">
+                    <a:alpha val="85000"/>
+                  </a:schemeClr>
+                </a:solidFill>
+              </a:rPr>
+              <a:t>USDA Grant</a:t>
+            </a:r>
+          </a:p>
+          <a:p>
+            <a:pPr lvl="1"/>
+            <a:r>
               <a:rPr lang="en-US" dirty="0"/>
-              <a:t>Both US and EU have historically exempted carrier alliances from antitrust regulations</a:t>
-            </a:r>
-          </a:p>
-          <a:p>
+              <a:t>This research is supported by the U.S. Department of Agriculture, Agricultural Marketing Service. The findings and conclusions in this publication are those of the authors and should not be construed to represent any official USDA or U.S. Government determination or policy.</a:t>
+            </a:r>
+            <a:endParaRPr lang="en-US" dirty="0">
+              <a:solidFill>
+                <a:schemeClr val="tx1">
+                  <a:alpha val="85000"/>
+                </a:schemeClr>
+              </a:solidFill>
+            </a:endParaRPr>
+          </a:p>
+          <a:p>
+            <a:r>
+              <a:rPr lang="en-US" dirty="0">
+                <a:solidFill>
+                  <a:schemeClr val="tx1">
+                    <a:alpha val="85000"/>
+                  </a:schemeClr>
+                </a:solidFill>
+              </a:rPr>
+              <a:t>Investigating impacts </a:t>
+            </a:r>
             <a:r>
               <a:rPr lang="en-US" dirty="0"/>
-              <a:t>This tide may be changing</a:t>
-            </a:r>
+              <a:t>of OCAs on Containerized Ag Exports</a:t>
+            </a:r>
+            <a:endParaRPr lang="en-US" dirty="0">
+              <a:solidFill>
+                <a:schemeClr val="tx1">
+                  <a:alpha val="85000"/>
+                </a:schemeClr>
+              </a:solidFill>
+            </a:endParaRPr>
           </a:p>
           <a:p>
             <a:pPr lvl="1"/>
             <a:r>
+              <a:rPr lang="en-US" dirty="0">
+                <a:solidFill>
+                  <a:schemeClr val="tx1">
+                    <a:alpha val="85000"/>
+                  </a:schemeClr>
+                </a:solidFill>
+              </a:rPr>
+              <a:t>Price</a:t>
+            </a:r>
+          </a:p>
+          <a:p>
+            <a:pPr lvl="1"/>
+            <a:r>
+              <a:rPr lang="en-US" dirty="0">
+                <a:solidFill>
+                  <a:schemeClr val="tx1">
+                    <a:alpha val="85000"/>
+                  </a:schemeClr>
+                </a:solidFill>
+              </a:rPr>
+              <a:t>Quality of Service</a:t>
+            </a:r>
+          </a:p>
+          <a:p>
+            <a:pPr lvl="2"/>
+            <a:r>
+              <a:rPr lang="en-US" dirty="0">
+                <a:solidFill>
+                  <a:schemeClr val="tx1">
+                    <a:alpha val="85000"/>
+                  </a:schemeClr>
+                </a:solidFill>
+              </a:rPr>
+              <a:t>Service Frequency (number of voyages, total capacity)</a:t>
+            </a:r>
+          </a:p>
+          <a:p>
+            <a:pPr lvl="2"/>
+            <a:r>
               <a:rPr lang="en-US" dirty="0"/>
-              <a:t>EU Consortia Block Exemption Regulation expired on 25 April 2024</a:t>
-            </a:r>
-          </a:p>
-          <a:p>
-            <a:pPr lvl="1"/>
-            <a:r>
-              <a:rPr lang="en-US" dirty="0"/>
-              <a:t>US Congress is considering similar regulation changes</a:t>
-            </a:r>
-          </a:p>
-          <a:p>
-            <a:pPr lvl="2"/>
-            <a:r>
-              <a:rPr lang="en-US" dirty="0"/>
-              <a:t>e.g. the Ocean Shipping Antitrust Enforcement Act </a:t>
-            </a:r>
+              <a:t>Competitive Options (number of carriers servicing a given lane)</a:t>
+            </a:r>
+            <a:endParaRPr lang="en-US" dirty="0">
+              <a:solidFill>
+                <a:schemeClr val="tx1">
+                  <a:alpha val="85000"/>
+                </a:schemeClr>
+              </a:solidFill>
+            </a:endParaRPr>
           </a:p>
         </p:txBody>
       </p:sp>
     </p:spTree>
     <p:extLst>
       <p:ext uri="{BB962C8B-B14F-4D97-AF65-F5344CB8AC3E}">
-        <p14:creationId xmlns:p14="http://schemas.microsoft.com/office/powerpoint/2010/main" val="2133206924"/>
+        <p14:creationId xmlns:p14="http://schemas.microsoft.com/office/powerpoint/2010/main" val="3291558162"/>
       </p:ext>
     </p:extLst>
   </p:cSld>
@@ -9234,7 +10099,7 @@
           <p:cNvPr id="2" name="Title 1">
             <a:extLst>
               <a:ext uri="{FF2B5EF4-FFF2-40B4-BE49-F238E27FC236}">
-                <a16:creationId xmlns:a16="http://schemas.microsoft.com/office/drawing/2014/main" id="{00F7FCF6-A5A0-B02A-783E-2193C1BFCF7E}"/>
+                <a16:creationId xmlns:a16="http://schemas.microsoft.com/office/drawing/2014/main" id="{27E6CFF0-D9F3-AF5F-7929-8B88904CC5BF}"/>
               </a:ext>
             </a:extLst>
           </p:cNvPr>
@@ -9245,16 +10110,19 @@
             <p:ph type="title"/>
           </p:nvPr>
         </p:nvSpPr>
-        <p:spPr/>
+        <p:spPr>
+          <a:xfrm>
+            <a:off x="550862" y="549275"/>
+            <a:ext cx="11091600" cy="921716"/>
+          </a:xfrm>
+        </p:spPr>
         <p:txBody>
-          <a:bodyPr>
-            <a:normAutofit fontScale="90000"/>
-          </a:bodyPr>
+          <a:bodyPr/>
           <a:lstStyle/>
           <a:p>
             <a:r>
               <a:rPr lang="en-US" dirty="0"/>
-              <a:t>Impacts of OCAs on Domestic Producers</a:t>
+              <a:t>Data Sets</a:t>
             </a:r>
           </a:p>
         </p:txBody>
@@ -9264,7 +10132,7 @@
           <p:cNvPr id="3" name="Content Placeholder 2">
             <a:extLst>
               <a:ext uri="{FF2B5EF4-FFF2-40B4-BE49-F238E27FC236}">
-                <a16:creationId xmlns:a16="http://schemas.microsoft.com/office/drawing/2014/main" id="{A16A1964-752C-2A09-5211-DCC330769732}"/>
+                <a16:creationId xmlns:a16="http://schemas.microsoft.com/office/drawing/2014/main" id="{3C168641-2F2C-B26F-D8DD-3203CBD7147D}"/>
               </a:ext>
             </a:extLst>
           </p:cNvPr>
@@ -9275,71 +10143,92 @@
             <p:ph idx="1"/>
           </p:nvPr>
         </p:nvSpPr>
-        <p:spPr/>
+        <p:spPr>
+          <a:xfrm>
+            <a:off x="549537" y="1755391"/>
+            <a:ext cx="11090274" cy="3979625"/>
+          </a:xfrm>
+        </p:spPr>
         <p:txBody>
-          <a:bodyPr/>
+          <a:bodyPr>
+            <a:normAutofit lnSpcReduction="10000"/>
+          </a:bodyPr>
           <a:lstStyle/>
           <a:p>
             <a:r>
-              <a:rPr lang="en-US" dirty="0">
-                <a:solidFill>
-                  <a:schemeClr val="tx1">
-                    <a:alpha val="85000"/>
-                  </a:schemeClr>
-                </a:solidFill>
-              </a:rPr>
-              <a:t>USDA Grant</a:t>
-            </a:r>
-          </a:p>
-          <a:p>
-            <a:r>
-              <a:rPr lang="en-US" dirty="0">
-                <a:solidFill>
-                  <a:schemeClr val="tx1">
-                    <a:alpha val="85000"/>
-                  </a:schemeClr>
-                </a:solidFill>
-              </a:rPr>
-              <a:t>Investigating impacts on US producers</a:t>
+              <a:rPr lang="en-US" dirty="0"/>
+              <a:t>S&amp;P </a:t>
+            </a:r>
+            <a:r>
+              <a:rPr lang="en-US" dirty="0" err="1"/>
+              <a:t>Global’s</a:t>
+            </a:r>
+            <a:r>
+              <a:rPr lang="en-US" dirty="0"/>
+              <a:t> PIERS database</a:t>
             </a:r>
           </a:p>
           <a:p>
             <a:pPr lvl="1"/>
             <a:r>
-              <a:rPr lang="en-US" dirty="0">
-                <a:solidFill>
-                  <a:schemeClr val="tx1">
-                    <a:alpha val="85000"/>
-                  </a:schemeClr>
-                </a:solidFill>
-              </a:rPr>
-              <a:t>Price</a:t>
+              <a:rPr lang="en-US" dirty="0"/>
+              <a:t>Bill of Lading level data including volume, date, arrival and departure ports, commodity codes, vessel IDs (IMO codes), etc.</a:t>
             </a:r>
           </a:p>
           <a:p>
             <a:pPr lvl="1"/>
             <a:r>
-              <a:rPr lang="en-US" dirty="0">
-                <a:solidFill>
-                  <a:schemeClr val="tx1">
-                    <a:alpha val="85000"/>
-                  </a:schemeClr>
-                </a:solidFill>
-              </a:rPr>
-              <a:t>Quality of Service</a:t>
-            </a:r>
-          </a:p>
-          <a:p>
-            <a:pPr lvl="2"/>
-            <a:r>
-              <a:rPr lang="en-US" dirty="0">
-                <a:solidFill>
-                  <a:schemeClr val="tx1">
-                    <a:alpha val="85000"/>
-                  </a:schemeClr>
-                </a:solidFill>
-              </a:rPr>
-              <a:t>Service Frequency</a:t>
+              <a:rPr lang="en-US" dirty="0"/>
+              <a:t>Dataset captures all maritime containerized freight bills processed by US Customs since 2005 </a:t>
+            </a:r>
+          </a:p>
+          <a:p>
+            <a:pPr lvl="1"/>
+            <a:r>
+              <a:rPr lang="en-US" dirty="0"/>
+              <a:t>~179M import bills, ~70M export bills</a:t>
+            </a:r>
+          </a:p>
+          <a:p>
+            <a:r>
+              <a:rPr lang="en-US" dirty="0"/>
+              <a:t>Alliance Membership Data</a:t>
+            </a:r>
+          </a:p>
+          <a:p>
+            <a:pPr lvl="1"/>
+            <a:r>
+              <a:rPr lang="en-US" dirty="0"/>
+              <a:t>Referencing the work of Port Economics, Management and Policy’s Theo </a:t>
+            </a:r>
+            <a:r>
+              <a:rPr lang="en-US" dirty="0" err="1"/>
+              <a:t>Notteboom</a:t>
+            </a:r>
+            <a:r>
+              <a:rPr lang="en-US" dirty="0"/>
+              <a:t> </a:t>
+            </a:r>
+          </a:p>
+          <a:p>
+            <a:r>
+              <a:rPr lang="en-US" dirty="0"/>
+              <a:t>Future analysis will include </a:t>
+            </a:r>
+            <a:r>
+              <a:rPr lang="en-US" dirty="0" err="1"/>
+              <a:t>Drewery’s</a:t>
+            </a:r>
+            <a:r>
+              <a:rPr lang="en-US" dirty="0"/>
+              <a:t> Container Insights price data</a:t>
+            </a:r>
+          </a:p>
+          <a:p>
+            <a:pPr lvl="1"/>
+            <a:r>
+              <a:rPr lang="en-US" dirty="0"/>
+              <a:t>Average prices per TEU for a given lane and month</a:t>
             </a:r>
           </a:p>
         </p:txBody>
@@ -9347,7 +10236,7 @@
     </p:spTree>
     <p:extLst>
       <p:ext uri="{BB962C8B-B14F-4D97-AF65-F5344CB8AC3E}">
-        <p14:creationId xmlns:p14="http://schemas.microsoft.com/office/powerpoint/2010/main" val="3291558162"/>
+        <p14:creationId xmlns:p14="http://schemas.microsoft.com/office/powerpoint/2010/main" val="3328601177"/>
       </p:ext>
     </p:extLst>
   </p:cSld>
@@ -9379,7 +10268,7 @@
           <p:cNvPr id="2" name="Title 1">
             <a:extLst>
               <a:ext uri="{FF2B5EF4-FFF2-40B4-BE49-F238E27FC236}">
-                <a16:creationId xmlns:a16="http://schemas.microsoft.com/office/drawing/2014/main" id="{E9694D66-FA82-3BA0-A5A3-E9039A840147}"/>
+                <a16:creationId xmlns:a16="http://schemas.microsoft.com/office/drawing/2014/main" id="{1F1E5F77-54E7-5CCE-8DC8-8B127751AF3E}"/>
               </a:ext>
             </a:extLst>
           </p:cNvPr>
@@ -9397,7 +10286,7 @@
           <a:p>
             <a:r>
               <a:rPr lang="en-US" dirty="0"/>
-              <a:t>Measuring OCA Utilization</a:t>
+              <a:t>West Coast Exports	</a:t>
             </a:r>
           </a:p>
         </p:txBody>
@@ -9407,7 +10296,7 @@
           <p:cNvPr id="3" name="Content Placeholder 2">
             <a:extLst>
               <a:ext uri="{FF2B5EF4-FFF2-40B4-BE49-F238E27FC236}">
-                <a16:creationId xmlns:a16="http://schemas.microsoft.com/office/drawing/2014/main" id="{9C7AE789-2E18-8177-BE0B-1104DDB9A435}"/>
+                <a16:creationId xmlns:a16="http://schemas.microsoft.com/office/drawing/2014/main" id="{F14797B4-7159-0C1C-7514-D17F610840B4}"/>
               </a:ext>
             </a:extLst>
           </p:cNvPr>
@@ -9425,26 +10314,7 @@
           <a:p>
             <a:r>
               <a:rPr lang="en-US" dirty="0"/>
-              <a:t>OCAs are not utilized on all lanes</a:t>
-            </a:r>
-          </a:p>
-          <a:p>
-            <a:r>
-              <a:rPr lang="en-US" dirty="0"/>
-              <a:t>Impacts of OCAs on a given lane should be proportional to utilization </a:t>
-            </a:r>
-          </a:p>
-          <a:p>
-            <a:pPr lvl="1"/>
-            <a:r>
-              <a:rPr lang="en-US" dirty="0"/>
-              <a:t>i.e., the extent to which membership in an OCA causes a carrier to change its behavior</a:t>
-            </a:r>
-          </a:p>
-          <a:p>
-            <a:r>
-              <a:rPr lang="en-US" dirty="0"/>
-              <a:t>We are developing a metric for OCA utilization based on cargo sharing behavior</a:t>
+              <a:t>Since we are initially focused on the impacts of OCAs on US producers and this is PNREC, this presentation presents data from US West Coast ports only.</a:t>
             </a:r>
           </a:p>
         </p:txBody>
@@ -9452,7 +10322,7 @@
     </p:spTree>
     <p:extLst>
       <p:ext uri="{BB962C8B-B14F-4D97-AF65-F5344CB8AC3E}">
-        <p14:creationId xmlns:p14="http://schemas.microsoft.com/office/powerpoint/2010/main" val="992323294"/>
+        <p14:creationId xmlns:p14="http://schemas.microsoft.com/office/powerpoint/2010/main" val="1438172883"/>
       </p:ext>
     </p:extLst>
   </p:cSld>
@@ -9479,75 +10349,40 @@
           <a:chExt cx="0" cy="0"/>
         </a:xfrm>
       </p:grpSpPr>
-      <p:sp>
-        <p:nvSpPr>
-          <p:cNvPr id="2" name="Title 1">
-            <a:extLst>
-              <a:ext uri="{FF2B5EF4-FFF2-40B4-BE49-F238E27FC236}">
-                <a16:creationId xmlns:a16="http://schemas.microsoft.com/office/drawing/2014/main" id="{BD3D2DDA-6E53-BC56-3749-8C9A7B0140C5}"/>
-              </a:ext>
-            </a:extLst>
-          </p:cNvPr>
-          <p:cNvSpPr>
-            <a:spLocks noGrp="1"/>
-          </p:cNvSpPr>
-          <p:nvPr>
-            <p:ph type="title"/>
-          </p:nvPr>
-        </p:nvSpPr>
-        <p:spPr/>
-        <p:txBody>
-          <a:bodyPr/>
-          <a:lstStyle/>
-          <a:p>
-            <a:r>
-              <a:rPr lang="en-US" dirty="0"/>
-              <a:t>Cargo Sharing</a:t>
-            </a:r>
-          </a:p>
-        </p:txBody>
-      </p:sp>
-      <p:sp>
-        <p:nvSpPr>
-          <p:cNvPr id="3" name="Content Placeholder 2">
-            <a:extLst>
-              <a:ext uri="{FF2B5EF4-FFF2-40B4-BE49-F238E27FC236}">
-                <a16:creationId xmlns:a16="http://schemas.microsoft.com/office/drawing/2014/main" id="{C0490D74-F13F-5733-CD43-9CA2E2DC2E82}"/>
-              </a:ext>
-            </a:extLst>
-          </p:cNvPr>
-          <p:cNvSpPr>
-            <a:spLocks noGrp="1"/>
-          </p:cNvSpPr>
-          <p:nvPr>
-            <p:ph idx="1"/>
-          </p:nvPr>
-        </p:nvSpPr>
-        <p:spPr/>
-        <p:txBody>
-          <a:bodyPr/>
-          <a:lstStyle/>
-          <a:p>
-            <a:r>
-              <a:rPr lang="en-US" sz="2400" dirty="0"/>
-              <a:t>We define a vessel’s ”Primary Carrier” as the carrier representing the most cargo carried on that vessel in any given month.</a:t>
-            </a:r>
-          </a:p>
-          <a:p>
-            <a:r>
-              <a:rPr lang="en-US" sz="2400" dirty="0"/>
-              <a:t>“Shared Cargo” is the cargo carried on a vessel not from the primary carrier.</a:t>
-            </a:r>
-          </a:p>
-          <a:p>
-            <a:endParaRPr lang="en-US" dirty="0"/>
-          </a:p>
-        </p:txBody>
-      </p:sp>
+      <p:pic>
+        <p:nvPicPr>
+          <p:cNvPr id="5" name="Picture 4" descr="A graph of different colored squares&#10;&#10;Description automatically generated">
+            <a:extLst>
+              <a:ext uri="{FF2B5EF4-FFF2-40B4-BE49-F238E27FC236}">
+                <a16:creationId xmlns:a16="http://schemas.microsoft.com/office/drawing/2014/main" id="{CBC16A60-BF90-9970-FD32-3E1DAB180CC0}"/>
+              </a:ext>
+            </a:extLst>
+          </p:cNvPr>
+          <p:cNvPicPr>
+            <a:picLocks noChangeAspect="1"/>
+          </p:cNvPicPr>
+          <p:nvPr/>
+        </p:nvPicPr>
+        <p:blipFill>
+          <a:blip r:embed="rId2"/>
+          <a:stretch>
+            <a:fillRect/>
+          </a:stretch>
+        </p:blipFill>
+        <p:spPr>
+          <a:xfrm>
+            <a:off x="392353" y="260307"/>
+            <a:ext cx="11407294" cy="6337386"/>
+          </a:xfrm>
+          <a:prstGeom prst="rect">
+            <a:avLst/>
+          </a:prstGeom>
+        </p:spPr>
+      </p:pic>
     </p:spTree>
     <p:extLst>
       <p:ext uri="{BB962C8B-B14F-4D97-AF65-F5344CB8AC3E}">
-        <p14:creationId xmlns:p14="http://schemas.microsoft.com/office/powerpoint/2010/main" val="2517794356"/>
+        <p14:creationId xmlns:p14="http://schemas.microsoft.com/office/powerpoint/2010/main" val="1585077462"/>
       </p:ext>
     </p:extLst>
   </p:cSld>

--- a/PNREC/PNREC slides.pptx
+++ b/PNREC/PNREC slides.pptx
@@ -8,20 +8,23 @@
     <p:sldId id="256" r:id="rId2"/>
     <p:sldId id="257" r:id="rId3"/>
     <p:sldId id="258" r:id="rId4"/>
-    <p:sldId id="268" r:id="rId5"/>
-    <p:sldId id="259" r:id="rId6"/>
-    <p:sldId id="260" r:id="rId7"/>
-    <p:sldId id="269" r:id="rId8"/>
-    <p:sldId id="275" r:id="rId9"/>
-    <p:sldId id="270" r:id="rId10"/>
-    <p:sldId id="272" r:id="rId11"/>
+    <p:sldId id="270" r:id="rId5"/>
+    <p:sldId id="272" r:id="rId6"/>
+    <p:sldId id="268" r:id="rId7"/>
+    <p:sldId id="260" r:id="rId8"/>
+    <p:sldId id="269" r:id="rId9"/>
+    <p:sldId id="275" r:id="rId10"/>
+    <p:sldId id="277" r:id="rId11"/>
     <p:sldId id="261" r:id="rId12"/>
     <p:sldId id="267" r:id="rId13"/>
     <p:sldId id="271" r:id="rId14"/>
     <p:sldId id="263" r:id="rId15"/>
     <p:sldId id="273" r:id="rId16"/>
     <p:sldId id="274" r:id="rId17"/>
-    <p:sldId id="264" r:id="rId18"/>
+    <p:sldId id="278" r:id="rId18"/>
+    <p:sldId id="280" r:id="rId19"/>
+    <p:sldId id="264" r:id="rId20"/>
+    <p:sldId id="279" r:id="rId21"/>
   </p:sldIdLst>
   <p:sldSz cx="12192000" cy="6858000"/>
   <p:notesSz cx="6858000" cy="9144000"/>
@@ -293,7 +296,7 @@
           <a:p>
             <a:fld id="{72EA7947-E287-4738-8C82-07CE4F01EF03}" type="datetime2">
               <a:rPr lang="en-US" smtClean="0"/>
-              <a:t>Thursday, May 16, 2024</a:t>
+              <a:t>Friday, May 17, 2024</a:t>
             </a:fld>
             <a:endParaRPr lang="en-US" dirty="0"/>
           </a:p>
@@ -1329,7 +1332,7 @@
           <a:p>
             <a:fld id="{EE2EBD84-71F4-4271-8C46-0D47C0A9B12E}" type="datetime2">
               <a:rPr lang="en-US" smtClean="0"/>
-              <a:t>Thursday, May 16, 2024</a:t>
+              <a:t>Friday, May 17, 2024</a:t>
             </a:fld>
             <a:endParaRPr lang="en-US"/>
           </a:p>
@@ -1540,7 +1543,7 @@
           <a:p>
             <a:fld id="{ABAE0CE1-F450-4107-B2CB-17B18F8A3F4A}" type="datetime2">
               <a:rPr lang="en-US" smtClean="0"/>
-              <a:t>Thursday, May 16, 2024</a:t>
+              <a:t>Friday, May 17, 2024</a:t>
             </a:fld>
             <a:endParaRPr lang="en-US"/>
           </a:p>
@@ -2250,7 +2253,7 @@
           <a:p>
             <a:fld id="{6FE8C025-CD7A-4966-867E-81CF82B15267}" type="datetime2">
               <a:rPr lang="en-US" smtClean="0"/>
-              <a:t>Thursday, May 16, 2024</a:t>
+              <a:t>Friday, May 17, 2024</a:t>
             </a:fld>
             <a:endParaRPr lang="en-US"/>
           </a:p>
@@ -2870,7 +2873,7 @@
           <a:p>
             <a:fld id="{FE809929-0719-4517-94D6-FDF7F99E70F6}" type="datetime2">
               <a:rPr lang="en-US" smtClean="0"/>
-              <a:t>Thursday, May 16, 2024</a:t>
+              <a:t>Friday, May 17, 2024</a:t>
             </a:fld>
             <a:endParaRPr lang="en-US"/>
           </a:p>
@@ -3988,7 +3991,7 @@
           <a:p>
             <a:fld id="{20E95673-5512-4AAA-9AEB-E00C61EC65D5}" type="datetime2">
               <a:rPr lang="en-US" smtClean="0"/>
-              <a:t>Thursday, May 16, 2024</a:t>
+              <a:t>Friday, May 17, 2024</a:t>
             </a:fld>
             <a:endParaRPr lang="en-US"/>
           </a:p>
@@ -4535,7 +4538,7 @@
           <a:p>
             <a:fld id="{C13138FA-2E87-4873-8BBA-13E447C9A99A}" type="datetime2">
               <a:rPr lang="en-US" smtClean="0"/>
-              <a:t>Thursday, May 16, 2024</a:t>
+              <a:t>Friday, May 17, 2024</a:t>
             </a:fld>
             <a:endParaRPr lang="en-US"/>
           </a:p>
@@ -4696,7 +4699,7 @@
           <a:p>
             <a:fld id="{D75BB40A-97BD-4BFB-B639-0BFF95FDE8B7}" type="datetime2">
               <a:rPr lang="en-US" smtClean="0"/>
-              <a:t>Thursday, May 16, 2024</a:t>
+              <a:t>Friday, May 17, 2024</a:t>
             </a:fld>
             <a:endParaRPr lang="en-US"/>
           </a:p>
@@ -5731,7 +5734,7 @@
           <a:p>
             <a:fld id="{9EE9E0E3-ECF6-4CFE-8698-AEFEBCECC3C0}" type="datetime2">
               <a:rPr lang="en-US" smtClean="0"/>
-              <a:t>Thursday, May 16, 2024</a:t>
+              <a:t>Friday, May 17, 2024</a:t>
             </a:fld>
             <a:endParaRPr lang="en-US"/>
           </a:p>
@@ -6377,7 +6380,7 @@
           <a:p>
             <a:fld id="{251462FC-960E-4740-921F-B36862979F21}" type="datetime2">
               <a:rPr lang="en-US" smtClean="0"/>
-              <a:t>Thursday, May 16, 2024</a:t>
+              <a:t>Friday, May 17, 2024</a:t>
             </a:fld>
             <a:endParaRPr lang="en-US"/>
           </a:p>
@@ -7141,7 +7144,7 @@
           <a:p>
             <a:fld id="{E50BC9E2-CB44-4C05-9BB5-496C18A241E0}" type="datetime2">
               <a:rPr lang="en-US" smtClean="0"/>
-              <a:t>Thursday, May 16, 2024</a:t>
+              <a:t>Friday, May 17, 2024</a:t>
             </a:fld>
             <a:endParaRPr lang="en-US"/>
           </a:p>
@@ -7394,7 +7397,7 @@
           <a:p>
             <a:fld id="{246CB39B-5F4C-4A7E-9BE3-AAFD45576D16}" type="datetime2">
               <a:rPr lang="en-US" smtClean="0"/>
-              <a:t>Thursday, May 16, 2024</a:t>
+              <a:t>Friday, May 17, 2024</a:t>
             </a:fld>
             <a:endParaRPr lang="en-US" dirty="0"/>
           </a:p>
@@ -8589,41 +8592,110 @@
           </a:custGeom>
         </p:spPr>
       </p:pic>
+      <p:pic>
+        <p:nvPicPr>
+          <p:cNvPr id="6" name="Picture 5" descr="A black and white logo&#10;&#10;Description automatically generated">
+            <a:extLst>
+              <a:ext uri="{FF2B5EF4-FFF2-40B4-BE49-F238E27FC236}">
+                <a16:creationId xmlns:a16="http://schemas.microsoft.com/office/drawing/2014/main" id="{9966CE7A-FD2B-798C-0CBF-2F854F712782}"/>
+              </a:ext>
+            </a:extLst>
+          </p:cNvPr>
+          <p:cNvPicPr>
+            <a:picLocks noChangeAspect="1"/>
+          </p:cNvPicPr>
+          <p:nvPr/>
+        </p:nvPicPr>
+        <p:blipFill>
+          <a:blip r:embed="rId3"/>
+          <a:stretch>
+            <a:fillRect/>
+          </a:stretch>
+        </p:blipFill>
+        <p:spPr>
+          <a:xfrm>
+            <a:off x="7093298" y="5194944"/>
+            <a:ext cx="4177818" cy="817064"/>
+          </a:xfrm>
+          <a:prstGeom prst="rect">
+            <a:avLst/>
+          </a:prstGeom>
+        </p:spPr>
+      </p:pic>
       <p:sp>
         <p:nvSpPr>
-          <p:cNvPr id="5" name="TextBox 4">
-            <a:extLst>
-              <a:ext uri="{FF2B5EF4-FFF2-40B4-BE49-F238E27FC236}">
-                <a16:creationId xmlns:a16="http://schemas.microsoft.com/office/drawing/2014/main" id="{A6A8E72A-AC48-CD15-7E25-6DD40D5B2D23}"/>
-              </a:ext>
-            </a:extLst>
-          </p:cNvPr>
-          <p:cNvSpPr txBox="1"/>
+          <p:cNvPr id="8" name="Rectangle 7">
+            <a:extLst>
+              <a:ext uri="{FF2B5EF4-FFF2-40B4-BE49-F238E27FC236}">
+                <a16:creationId xmlns:a16="http://schemas.microsoft.com/office/drawing/2014/main" id="{6DF74755-A58E-1987-8C89-6C75468CFF85}"/>
+              </a:ext>
+            </a:extLst>
+          </p:cNvPr>
+          <p:cNvSpPr/>
           <p:nvPr/>
         </p:nvSpPr>
         <p:spPr>
           <a:xfrm>
-            <a:off x="8972551" y="5456504"/>
-            <a:ext cx="2668586" cy="369332"/>
+            <a:off x="7039627" y="5194944"/>
+            <a:ext cx="4409162" cy="892705"/>
           </a:xfrm>
           <a:prstGeom prst="rect">
             <a:avLst/>
           </a:prstGeom>
-          <a:noFill/>
         </p:spPr>
+        <p:style>
+          <a:lnRef idx="2">
+            <a:schemeClr val="accent6"/>
+          </a:lnRef>
+          <a:fillRef idx="1">
+            <a:schemeClr val="lt1"/>
+          </a:fillRef>
+          <a:effectRef idx="0">
+            <a:schemeClr val="accent6"/>
+          </a:effectRef>
+          <a:fontRef idx="minor">
+            <a:schemeClr val="dk1"/>
+          </a:fontRef>
+        </p:style>
         <p:txBody>
-          <a:bodyPr wrap="square" rtlCol="0">
-            <a:spAutoFit/>
-          </a:bodyPr>
+          <a:bodyPr rtlCol="0" anchor="ctr"/>
           <a:lstStyle/>
           <a:p>
-            <a:r>
-              <a:rPr lang="en-US" dirty="0"/>
-              <a:t>[WSU LOGO HERE]</a:t>
-            </a:r>
+            <a:pPr algn="ctr"/>
+            <a:endParaRPr lang="en-US" dirty="0"/>
           </a:p>
         </p:txBody>
       </p:sp>
+      <p:pic>
+        <p:nvPicPr>
+          <p:cNvPr id="14" name="Picture 13" descr="A black and white logo&#10;&#10;Description automatically generated">
+            <a:extLst>
+              <a:ext uri="{FF2B5EF4-FFF2-40B4-BE49-F238E27FC236}">
+                <a16:creationId xmlns:a16="http://schemas.microsoft.com/office/drawing/2014/main" id="{535964D1-F577-A13D-D73E-0A93EA1F0688}"/>
+              </a:ext>
+            </a:extLst>
+          </p:cNvPr>
+          <p:cNvPicPr>
+            <a:picLocks noChangeAspect="1"/>
+          </p:cNvPicPr>
+          <p:nvPr/>
+        </p:nvPicPr>
+        <p:blipFill>
+          <a:blip r:embed="rId3"/>
+          <a:stretch>
+            <a:fillRect/>
+          </a:stretch>
+        </p:blipFill>
+        <p:spPr>
+          <a:xfrm>
+            <a:off x="7146969" y="5192740"/>
+            <a:ext cx="4177818" cy="817064"/>
+          </a:xfrm>
+          <a:prstGeom prst="rect">
+            <a:avLst/>
+          </a:prstGeom>
+        </p:spPr>
+      </p:pic>
     </p:spTree>
     <p:extLst>
       <p:ext uri="{BB962C8B-B14F-4D97-AF65-F5344CB8AC3E}">
@@ -8656,10 +8728,10 @@
       </p:grpSpPr>
       <p:pic>
         <p:nvPicPr>
-          <p:cNvPr id="5" name="Picture 4" descr="A chart of different colored squares&#10;&#10;Description automatically generated">
-            <a:extLst>
-              <a:ext uri="{FF2B5EF4-FFF2-40B4-BE49-F238E27FC236}">
-                <a16:creationId xmlns:a16="http://schemas.microsoft.com/office/drawing/2014/main" id="{459737C4-AC13-0311-C1B4-46ADC826212F}"/>
+          <p:cNvPr id="7" name="Picture 6" descr="A graph of a cargo ship&#10;&#10;Description automatically generated with medium confidence">
+            <a:extLst>
+              <a:ext uri="{FF2B5EF4-FFF2-40B4-BE49-F238E27FC236}">
+                <a16:creationId xmlns:a16="http://schemas.microsoft.com/office/drawing/2014/main" id="{5EBA9F59-BC0C-8F3C-1D0E-96BC6ECF9C6A}"/>
               </a:ext>
             </a:extLst>
           </p:cNvPr>
@@ -8676,8 +8748,8 @@
         </p:blipFill>
         <p:spPr>
           <a:xfrm>
-            <a:off x="438647" y="286026"/>
-            <a:ext cx="11314706" cy="6285948"/>
+            <a:off x="358140" y="241300"/>
+            <a:ext cx="11475720" cy="6375400"/>
           </a:xfrm>
           <a:prstGeom prst="rect">
             <a:avLst/>
@@ -8687,7 +8759,7 @@
     </p:spTree>
     <p:extLst>
       <p:ext uri="{BB962C8B-B14F-4D97-AF65-F5344CB8AC3E}">
-        <p14:creationId xmlns:p14="http://schemas.microsoft.com/office/powerpoint/2010/main" val="2094747406"/>
+        <p14:creationId xmlns:p14="http://schemas.microsoft.com/office/powerpoint/2010/main" val="32356986"/>
       </p:ext>
     </p:extLst>
   </p:cSld>
@@ -8767,13 +8839,13 @@
               <a:p>
                 <a:r>
                   <a:rPr lang="en-US" dirty="0"/>
-                  <a:t>OCAs are not utilized on all lanes</a:t>
+                  <a:t>OCAs are not utilized on all lanes, and utilization varies over time.</a:t>
                 </a:r>
               </a:p>
               <a:p>
                 <a:r>
                   <a:rPr lang="en-US" dirty="0"/>
-                  <a:t>Impacts of OCAs on a given lane should be proportional to utilization </a:t>
+                  <a:t>Premise: Impacts of OCAs on a given lane are proportional to utilization </a:t>
                 </a:r>
               </a:p>
               <a:p>
@@ -9103,10 +9175,10 @@
       </p:grpSpPr>
       <p:pic>
         <p:nvPicPr>
-          <p:cNvPr id="5" name="Picture 4" descr="A graph of red and blue lines&#10;&#10;Description automatically generated">
-            <a:extLst>
-              <a:ext uri="{FF2B5EF4-FFF2-40B4-BE49-F238E27FC236}">
-                <a16:creationId xmlns:a16="http://schemas.microsoft.com/office/drawing/2014/main" id="{61161BB2-5D9A-AC04-F1F6-6A347F2CECAA}"/>
+          <p:cNvPr id="3" name="Picture 2" descr="A graph of a line graph&#10;&#10;Description automatically generated with medium confidence">
+            <a:extLst>
+              <a:ext uri="{FF2B5EF4-FFF2-40B4-BE49-F238E27FC236}">
+                <a16:creationId xmlns:a16="http://schemas.microsoft.com/office/drawing/2014/main" id="{8978D35C-2A8C-C73F-B3C6-BCEC75E940DA}"/>
               </a:ext>
             </a:extLst>
           </p:cNvPr>
@@ -9123,8 +9195,8 @@
         </p:blipFill>
         <p:spPr>
           <a:xfrm>
-            <a:off x="461897" y="298943"/>
-            <a:ext cx="11268205" cy="6260114"/>
+            <a:off x="442856" y="288364"/>
+            <a:ext cx="11306288" cy="6281271"/>
           </a:xfrm>
           <a:prstGeom prst="rect">
             <a:avLst/>
@@ -9163,10 +9235,10 @@
       </p:grpSpPr>
       <p:pic>
         <p:nvPicPr>
-          <p:cNvPr id="8" name="Picture 7" descr="A graph with different colored lines&#10;&#10;Description automatically generated">
-            <a:extLst>
-              <a:ext uri="{FF2B5EF4-FFF2-40B4-BE49-F238E27FC236}">
-                <a16:creationId xmlns:a16="http://schemas.microsoft.com/office/drawing/2014/main" id="{E0828031-824F-8B1C-FA0B-E9FEC4A62F85}"/>
+          <p:cNvPr id="3" name="Picture 2" descr="A graph with different colored lines&#10;&#10;Description automatically generated">
+            <a:extLst>
+              <a:ext uri="{FF2B5EF4-FFF2-40B4-BE49-F238E27FC236}">
+                <a16:creationId xmlns:a16="http://schemas.microsoft.com/office/drawing/2014/main" id="{0EFFA968-E5D5-C03D-4858-3B07DE37C5B9}"/>
               </a:ext>
             </a:extLst>
           </p:cNvPr>
@@ -9183,8 +9255,8 @@
         </p:blipFill>
         <p:spPr>
           <a:xfrm>
-            <a:off x="429701" y="281056"/>
-            <a:ext cx="11332597" cy="6295887"/>
+            <a:off x="370242" y="248023"/>
+            <a:ext cx="11451515" cy="6361953"/>
           </a:xfrm>
           <a:prstGeom prst="rect">
             <a:avLst/>
@@ -9223,10 +9295,10 @@
       </p:grpSpPr>
       <p:pic>
         <p:nvPicPr>
-          <p:cNvPr id="7" name="Picture 6" descr="A graph of a graph&#10;&#10;Description automatically generated with medium confidence">
-            <a:extLst>
-              <a:ext uri="{FF2B5EF4-FFF2-40B4-BE49-F238E27FC236}">
-                <a16:creationId xmlns:a16="http://schemas.microsoft.com/office/drawing/2014/main" id="{9E3F2936-58AA-9D25-3560-132F299C4DF5}"/>
+          <p:cNvPr id="3" name="Picture 2" descr="A graph with red and blue lines&#10;&#10;Description automatically generated">
+            <a:extLst>
+              <a:ext uri="{FF2B5EF4-FFF2-40B4-BE49-F238E27FC236}">
+                <a16:creationId xmlns:a16="http://schemas.microsoft.com/office/drawing/2014/main" id="{4D25BF75-541D-EBE6-7D64-5CA8551F4EA7}"/>
               </a:ext>
             </a:extLst>
           </p:cNvPr>
@@ -9243,8 +9315,8 @@
         </p:blipFill>
         <p:spPr>
           <a:xfrm>
-            <a:off x="419100" y="275166"/>
-            <a:ext cx="11353800" cy="6307667"/>
+            <a:off x="382344" y="254747"/>
+            <a:ext cx="11427311" cy="6348506"/>
           </a:xfrm>
           <a:prstGeom prst="rect">
             <a:avLst/>
@@ -9283,10 +9355,10 @@
       </p:grpSpPr>
       <p:pic>
         <p:nvPicPr>
-          <p:cNvPr id="5" name="Picture 4" descr="A graph showing the growth of a stock market&#10;&#10;Description automatically generated">
-            <a:extLst>
-              <a:ext uri="{FF2B5EF4-FFF2-40B4-BE49-F238E27FC236}">
-                <a16:creationId xmlns:a16="http://schemas.microsoft.com/office/drawing/2014/main" id="{072606C4-7E81-BECF-5AD7-D9AE730C208F}"/>
+          <p:cNvPr id="2" name="Picture 1">
+            <a:extLst>
+              <a:ext uri="{FF2B5EF4-FFF2-40B4-BE49-F238E27FC236}">
+                <a16:creationId xmlns:a16="http://schemas.microsoft.com/office/drawing/2014/main" id="{BDC6B69A-B9DF-7904-3A16-17B29A97AB56}"/>
               </a:ext>
             </a:extLst>
           </p:cNvPr>
@@ -9303,8 +9375,8 @@
         </p:blipFill>
         <p:spPr>
           <a:xfrm>
-            <a:off x="403830" y="266683"/>
-            <a:ext cx="11384340" cy="6324633"/>
+            <a:off x="394447" y="261470"/>
+            <a:ext cx="11403106" cy="6335059"/>
           </a:xfrm>
           <a:prstGeom prst="rect">
             <a:avLst/>
@@ -9341,6 +9413,156 @@
           <a:chExt cx="0" cy="0"/>
         </a:xfrm>
       </p:grpSpPr>
+      <p:pic>
+        <p:nvPicPr>
+          <p:cNvPr id="9" name="Picture 8" descr="A graph showing different colored lines&#10;&#10;Description automatically generated">
+            <a:extLst>
+              <a:ext uri="{FF2B5EF4-FFF2-40B4-BE49-F238E27FC236}">
+                <a16:creationId xmlns:a16="http://schemas.microsoft.com/office/drawing/2014/main" id="{6B76795C-3A41-D845-1059-B4BBD20B3BBF}"/>
+              </a:ext>
+            </a:extLst>
+          </p:cNvPr>
+          <p:cNvPicPr>
+            <a:picLocks noChangeAspect="1"/>
+          </p:cNvPicPr>
+          <p:nvPr/>
+        </p:nvPicPr>
+        <p:blipFill>
+          <a:blip r:embed="rId2"/>
+          <a:stretch>
+            <a:fillRect/>
+          </a:stretch>
+        </p:blipFill>
+        <p:spPr>
+          <a:xfrm>
+            <a:off x="461010" y="298450"/>
+            <a:ext cx="11269980" cy="6261100"/>
+          </a:xfrm>
+          <a:prstGeom prst="rect">
+            <a:avLst/>
+          </a:prstGeom>
+        </p:spPr>
+      </p:pic>
+    </p:spTree>
+    <p:extLst>
+      <p:ext uri="{BB962C8B-B14F-4D97-AF65-F5344CB8AC3E}">
+        <p14:creationId xmlns:p14="http://schemas.microsoft.com/office/powerpoint/2010/main" val="3751274947"/>
+      </p:ext>
+    </p:extLst>
+  </p:cSld>
+  <p:clrMapOvr>
+    <a:masterClrMapping/>
+  </p:clrMapOvr>
+</p:sld>
+</file>
+
+<file path=ppt/slides/slide18.xml><?xml version="1.0" encoding="utf-8"?>
+<p:sld xmlns:a="http://schemas.openxmlformats.org/drawingml/2006/main" xmlns:r="http://schemas.openxmlformats.org/officeDocument/2006/relationships" xmlns:p="http://schemas.openxmlformats.org/presentationml/2006/main">
+  <p:cSld>
+    <p:spTree>
+      <p:nvGrpSpPr>
+        <p:cNvPr id="1" name=""/>
+        <p:cNvGrpSpPr/>
+        <p:nvPr/>
+      </p:nvGrpSpPr>
+      <p:grpSpPr>
+        <a:xfrm>
+          <a:off x="0" y="0"/>
+          <a:ext cx="0" cy="0"/>
+          <a:chOff x="0" y="0"/>
+          <a:chExt cx="0" cy="0"/>
+        </a:xfrm>
+      </p:grpSpPr>
+      <p:pic>
+        <p:nvPicPr>
+          <p:cNvPr id="4" name="Picture 3">
+            <a:extLst>
+              <a:ext uri="{FF2B5EF4-FFF2-40B4-BE49-F238E27FC236}">
+                <a16:creationId xmlns:a16="http://schemas.microsoft.com/office/drawing/2014/main" id="{C9429CBE-7422-29F2-FD09-923F35F300F5}"/>
+              </a:ext>
+            </a:extLst>
+          </p:cNvPr>
+          <p:cNvPicPr>
+            <a:picLocks noChangeAspect="1"/>
+          </p:cNvPicPr>
+          <p:nvPr/>
+        </p:nvPicPr>
+        <p:blipFill>
+          <a:blip r:embed="rId2"/>
+          <a:stretch>
+            <a:fillRect/>
+          </a:stretch>
+        </p:blipFill>
+        <p:spPr>
+          <a:xfrm>
+            <a:off x="148046" y="1304731"/>
+            <a:ext cx="5947954" cy="4248538"/>
+          </a:xfrm>
+          <a:prstGeom prst="rect">
+            <a:avLst/>
+          </a:prstGeom>
+        </p:spPr>
+      </p:pic>
+      <p:pic>
+        <p:nvPicPr>
+          <p:cNvPr id="5" name="Picture 4">
+            <a:extLst>
+              <a:ext uri="{FF2B5EF4-FFF2-40B4-BE49-F238E27FC236}">
+                <a16:creationId xmlns:a16="http://schemas.microsoft.com/office/drawing/2014/main" id="{0C65F3B3-E7DF-488D-A940-832F80213416}"/>
+              </a:ext>
+            </a:extLst>
+          </p:cNvPr>
+          <p:cNvPicPr>
+            <a:picLocks noChangeAspect="1"/>
+          </p:cNvPicPr>
+          <p:nvPr/>
+        </p:nvPicPr>
+        <p:blipFill>
+          <a:blip r:embed="rId3"/>
+          <a:stretch>
+            <a:fillRect/>
+          </a:stretch>
+        </p:blipFill>
+        <p:spPr>
+          <a:xfrm>
+            <a:off x="6095999" y="1304729"/>
+            <a:ext cx="5947955" cy="4248540"/>
+          </a:xfrm>
+          <a:prstGeom prst="rect">
+            <a:avLst/>
+          </a:prstGeom>
+        </p:spPr>
+      </p:pic>
+    </p:spTree>
+    <p:extLst>
+      <p:ext uri="{BB962C8B-B14F-4D97-AF65-F5344CB8AC3E}">
+        <p14:creationId xmlns:p14="http://schemas.microsoft.com/office/powerpoint/2010/main" val="1353151747"/>
+      </p:ext>
+    </p:extLst>
+  </p:cSld>
+  <p:clrMapOvr>
+    <a:masterClrMapping/>
+  </p:clrMapOvr>
+</p:sld>
+</file>
+
+<file path=ppt/slides/slide19.xml><?xml version="1.0" encoding="utf-8"?>
+<p:sld xmlns:a="http://schemas.openxmlformats.org/drawingml/2006/main" xmlns:r="http://schemas.openxmlformats.org/officeDocument/2006/relationships" xmlns:p="http://schemas.openxmlformats.org/presentationml/2006/main">
+  <p:cSld>
+    <p:spTree>
+      <p:nvGrpSpPr>
+        <p:cNvPr id="1" name=""/>
+        <p:cNvGrpSpPr/>
+        <p:nvPr/>
+      </p:nvGrpSpPr>
+      <p:grpSpPr>
+        <a:xfrm>
+          <a:off x="0" y="0"/>
+          <a:ext cx="0" cy="0"/>
+          <a:chOff x="0" y="0"/>
+          <a:chExt cx="0" cy="0"/>
+        </a:xfrm>
+      </p:grpSpPr>
       <p:sp>
         <p:nvSpPr>
           <p:cNvPr id="2" name="Title 1">
@@ -9389,6 +9611,12 @@
         <p:txBody>
           <a:bodyPr/>
           <a:lstStyle/>
+          <a:p>
+            <a:r>
+              <a:rPr lang="en-US" dirty="0"/>
+              <a:t>The PIERS data do not include empty haul</a:t>
+            </a:r>
+          </a:p>
           <a:p>
             <a:r>
               <a:rPr lang="en-US" dirty="0"/>
@@ -9483,13 +9711,7 @@
           <a:p>
             <a:r>
               <a:rPr lang="en-US" dirty="0"/>
-              <a:t>Cooperative agreements between maritime freight carriers</a:t>
-            </a:r>
-          </a:p>
-          <a:p>
-            <a:r>
-              <a:rPr lang="en-US" dirty="0"/>
-              <a:t>Allies share capacity </a:t>
+              <a:t>Cooperative sharing agreements between maritime freight carriers</a:t>
             </a:r>
           </a:p>
           <a:p>
@@ -9503,6 +9725,13 @@
             <a:r>
               <a:rPr lang="en-US" dirty="0"/>
               <a:t>OCAs allow carriers to offer additional services (e.g., additional lanes) and more efficiently allocate capacity.</a:t>
+            </a:r>
+          </a:p>
+          <a:p>
+            <a:pPr lvl="1"/>
+            <a:r>
+              <a:rPr lang="en-US" dirty="0"/>
+              <a:t>Carriers can utilize larger ships by filling volume from other carriers.</a:t>
             </a:r>
           </a:p>
           <a:p>
@@ -9527,6 +9756,119 @@
     <p:extLst>
       <p:ext uri="{BB962C8B-B14F-4D97-AF65-F5344CB8AC3E}">
         <p14:creationId xmlns:p14="http://schemas.microsoft.com/office/powerpoint/2010/main" val="1623064167"/>
+      </p:ext>
+    </p:extLst>
+  </p:cSld>
+  <p:clrMapOvr>
+    <a:masterClrMapping/>
+  </p:clrMapOvr>
+</p:sld>
+</file>
+
+<file path=ppt/slides/slide20.xml><?xml version="1.0" encoding="utf-8"?>
+<p:sld xmlns:a="http://schemas.openxmlformats.org/drawingml/2006/main" xmlns:r="http://schemas.openxmlformats.org/officeDocument/2006/relationships" xmlns:p="http://schemas.openxmlformats.org/presentationml/2006/main">
+  <p:cSld>
+    <p:spTree>
+      <p:nvGrpSpPr>
+        <p:cNvPr id="1" name=""/>
+        <p:cNvGrpSpPr/>
+        <p:nvPr/>
+      </p:nvGrpSpPr>
+      <p:grpSpPr>
+        <a:xfrm>
+          <a:off x="0" y="0"/>
+          <a:ext cx="0" cy="0"/>
+          <a:chOff x="0" y="0"/>
+          <a:chExt cx="0" cy="0"/>
+        </a:xfrm>
+      </p:grpSpPr>
+      <p:sp>
+        <p:nvSpPr>
+          <p:cNvPr id="2" name="Title 1">
+            <a:extLst>
+              <a:ext uri="{FF2B5EF4-FFF2-40B4-BE49-F238E27FC236}">
+                <a16:creationId xmlns:a16="http://schemas.microsoft.com/office/drawing/2014/main" id="{851E7B48-98AC-7B25-CB3D-8CBBC598C220}"/>
+              </a:ext>
+            </a:extLst>
+          </p:cNvPr>
+          <p:cNvSpPr>
+            <a:spLocks noGrp="1"/>
+          </p:cNvSpPr>
+          <p:nvPr>
+            <p:ph type="title"/>
+          </p:nvPr>
+        </p:nvSpPr>
+        <p:spPr/>
+        <p:txBody>
+          <a:bodyPr/>
+          <a:lstStyle/>
+          <a:p>
+            <a:r>
+              <a:rPr lang="en-US" dirty="0"/>
+              <a:t>Concluding Remarks</a:t>
+            </a:r>
+          </a:p>
+        </p:txBody>
+      </p:sp>
+      <p:sp>
+        <p:nvSpPr>
+          <p:cNvPr id="3" name="Content Placeholder 2">
+            <a:extLst>
+              <a:ext uri="{FF2B5EF4-FFF2-40B4-BE49-F238E27FC236}">
+                <a16:creationId xmlns:a16="http://schemas.microsoft.com/office/drawing/2014/main" id="{8AD0A0AA-0740-6721-568D-C75B7993EC59}"/>
+              </a:ext>
+            </a:extLst>
+          </p:cNvPr>
+          <p:cNvSpPr>
+            <a:spLocks noGrp="1"/>
+          </p:cNvSpPr>
+          <p:nvPr>
+            <p:ph idx="1"/>
+          </p:nvPr>
+        </p:nvSpPr>
+        <p:spPr/>
+        <p:txBody>
+          <a:bodyPr/>
+          <a:lstStyle/>
+          <a:p>
+            <a:r>
+              <a:rPr lang="en-US" dirty="0"/>
+              <a:t>Alliance utilization varies over time and across lanes</a:t>
+            </a:r>
+          </a:p>
+          <a:p>
+            <a:r>
+              <a:rPr lang="en-US" dirty="0"/>
+              <a:t>Impacts on producers depend on utilization</a:t>
+            </a:r>
+          </a:p>
+          <a:p>
+            <a:r>
+              <a:rPr lang="en-US" dirty="0"/>
+              <a:t>Study results re: US ag producers expected this fall</a:t>
+            </a:r>
+          </a:p>
+          <a:p>
+            <a:r>
+              <a:rPr lang="en-US" dirty="0"/>
+              <a:t>Questions and comments welcome!</a:t>
+            </a:r>
+          </a:p>
+          <a:p>
+            <a:pPr marL="0" indent="0" algn="ctr">
+              <a:buNone/>
+            </a:pPr>
+            <a:r>
+              <a:rPr lang="en-US" dirty="0"/>
+              <a:t>adam.wilson1@wsu.edu</a:t>
+            </a:r>
+          </a:p>
+        </p:txBody>
+      </p:sp>
+    </p:spTree>
+    <p:extLst>
+      <p:ext uri="{BB962C8B-B14F-4D97-AF65-F5344CB8AC3E}">
+        <p14:creationId xmlns:p14="http://schemas.microsoft.com/office/powerpoint/2010/main" val="3929261373"/>
       </p:ext>
     </p:extLst>
   </p:cSld>
@@ -9684,79 +10026,40 @@
           <a:chExt cx="0" cy="0"/>
         </a:xfrm>
       </p:grpSpPr>
-      <p:sp>
-        <p:nvSpPr>
-          <p:cNvPr id="2" name="Title 1">
-            <a:extLst>
-              <a:ext uri="{FF2B5EF4-FFF2-40B4-BE49-F238E27FC236}">
-                <a16:creationId xmlns:a16="http://schemas.microsoft.com/office/drawing/2014/main" id="{DA904277-4230-28CD-0D12-B6D55F85195D}"/>
-              </a:ext>
-            </a:extLst>
-          </p:cNvPr>
-          <p:cNvSpPr>
-            <a:spLocks noGrp="1"/>
-          </p:cNvSpPr>
-          <p:nvPr>
-            <p:ph type="title"/>
-          </p:nvPr>
-        </p:nvSpPr>
-        <p:spPr/>
-        <p:txBody>
-          <a:bodyPr/>
-          <a:lstStyle/>
-          <a:p>
-            <a:r>
-              <a:rPr lang="en-US" dirty="0"/>
-              <a:t>Do OCAs Reduce Competition?</a:t>
-            </a:r>
-          </a:p>
-        </p:txBody>
-      </p:sp>
-      <p:sp>
-        <p:nvSpPr>
-          <p:cNvPr id="3" name="Content Placeholder 2">
-            <a:extLst>
-              <a:ext uri="{FF2B5EF4-FFF2-40B4-BE49-F238E27FC236}">
-                <a16:creationId xmlns:a16="http://schemas.microsoft.com/office/drawing/2014/main" id="{17437E95-D6AF-30C6-F8BB-98A08C246D84}"/>
-              </a:ext>
-            </a:extLst>
-          </p:cNvPr>
-          <p:cNvSpPr>
-            <a:spLocks noGrp="1"/>
-          </p:cNvSpPr>
-          <p:nvPr>
-            <p:ph idx="1"/>
-          </p:nvPr>
-        </p:nvSpPr>
-        <p:spPr/>
-        <p:txBody>
-          <a:bodyPr/>
-          <a:lstStyle/>
-          <a:p>
-            <a:r>
-              <a:rPr lang="en-US" dirty="0"/>
-              <a:t>Carriers argue that the increased efficiencies help keep costs down and allow them to provide better service.</a:t>
-            </a:r>
-          </a:p>
-          <a:p>
-            <a:r>
-              <a:rPr lang="en-US" dirty="0"/>
-              <a:t>Shippers and regulating bodies are concerned that OCAs give carriers too much market power</a:t>
-            </a:r>
-          </a:p>
-          <a:p>
-            <a:pPr lvl="1"/>
-            <a:r>
-              <a:rPr lang="en-US" dirty="0"/>
-              <a:t>Anecdotal reports from US producers include high prices, reductions in frequency of service, and reduced delivery windows</a:t>
-            </a:r>
-          </a:p>
-        </p:txBody>
-      </p:sp>
+      <p:pic>
+        <p:nvPicPr>
+          <p:cNvPr id="6" name="Picture 5" descr="A chart of different colored squares&#10;&#10;Description automatically generated">
+            <a:extLst>
+              <a:ext uri="{FF2B5EF4-FFF2-40B4-BE49-F238E27FC236}">
+                <a16:creationId xmlns:a16="http://schemas.microsoft.com/office/drawing/2014/main" id="{52488248-A3C7-CD22-E7C3-C518EE077DE3}"/>
+              </a:ext>
+            </a:extLst>
+          </p:cNvPr>
+          <p:cNvPicPr>
+            <a:picLocks noChangeAspect="1"/>
+          </p:cNvPicPr>
+          <p:nvPr/>
+        </p:nvPicPr>
+        <p:blipFill>
+          <a:blip r:embed="rId2"/>
+          <a:stretch>
+            <a:fillRect/>
+          </a:stretch>
+        </p:blipFill>
+        <p:spPr>
+          <a:xfrm>
+            <a:off x="406549" y="268194"/>
+            <a:ext cx="11378902" cy="6321612"/>
+          </a:xfrm>
+          <a:prstGeom prst="rect">
+            <a:avLst/>
+          </a:prstGeom>
+        </p:spPr>
+      </p:pic>
     </p:spTree>
     <p:extLst>
       <p:ext uri="{BB962C8B-B14F-4D97-AF65-F5344CB8AC3E}">
-        <p14:creationId xmlns:p14="http://schemas.microsoft.com/office/powerpoint/2010/main" val="1861624256"/>
+        <p14:creationId xmlns:p14="http://schemas.microsoft.com/office/powerpoint/2010/main" val="1585077462"/>
       </p:ext>
     </p:extLst>
   </p:cSld>
@@ -9783,107 +10086,40 @@
           <a:chExt cx="0" cy="0"/>
         </a:xfrm>
       </p:grpSpPr>
-      <p:sp>
-        <p:nvSpPr>
-          <p:cNvPr id="2" name="Title 1">
-            <a:extLst>
-              <a:ext uri="{FF2B5EF4-FFF2-40B4-BE49-F238E27FC236}">
-                <a16:creationId xmlns:a16="http://schemas.microsoft.com/office/drawing/2014/main" id="{22965314-E236-98C6-DF03-DB40AAA03F99}"/>
-              </a:ext>
-            </a:extLst>
-          </p:cNvPr>
-          <p:cNvSpPr>
-            <a:spLocks noGrp="1"/>
-          </p:cNvSpPr>
-          <p:nvPr>
-            <p:ph type="title"/>
-          </p:nvPr>
-        </p:nvSpPr>
-        <p:spPr/>
-        <p:txBody>
-          <a:bodyPr/>
-          <a:lstStyle/>
-          <a:p>
-            <a:r>
-              <a:rPr lang="en-US" dirty="0"/>
-              <a:t>Antitrust Exemptions</a:t>
-            </a:r>
-          </a:p>
-        </p:txBody>
-      </p:sp>
-      <p:sp>
-        <p:nvSpPr>
-          <p:cNvPr id="3" name="Content Placeholder 2">
-            <a:extLst>
-              <a:ext uri="{FF2B5EF4-FFF2-40B4-BE49-F238E27FC236}">
-                <a16:creationId xmlns:a16="http://schemas.microsoft.com/office/drawing/2014/main" id="{3D3FFD83-0F9B-0B2F-3704-478038684AD5}"/>
-              </a:ext>
-            </a:extLst>
-          </p:cNvPr>
-          <p:cNvSpPr>
-            <a:spLocks noGrp="1"/>
-          </p:cNvSpPr>
-          <p:nvPr>
-            <p:ph idx="1"/>
-          </p:nvPr>
-        </p:nvSpPr>
-        <p:spPr/>
-        <p:txBody>
-          <a:bodyPr/>
-          <a:lstStyle/>
-          <a:p>
-            <a:r>
-              <a:rPr lang="en-US" dirty="0"/>
-              <a:t>Both US and EU have historically agreed that OCAs are a net good:</a:t>
-            </a:r>
-          </a:p>
-          <a:p>
-            <a:pPr lvl="1"/>
-            <a:r>
-              <a:rPr lang="en-US" dirty="0"/>
-              <a:t>European Union’s Consortia Bloc Exemption Regulation (EU CBER) exempted OCAs from most EU antitrust rules</a:t>
-            </a:r>
-          </a:p>
-          <a:p>
-            <a:pPr lvl="1"/>
-            <a:r>
-              <a:rPr lang="en-US" dirty="0"/>
-              <a:t>US regulates OCAs via the Federal Maritime Commission (FMC) rather than applying traditional antitrust regs </a:t>
-            </a:r>
-          </a:p>
-          <a:p>
-            <a:r>
-              <a:rPr lang="en-US" dirty="0"/>
-              <a:t>This tide may be changing</a:t>
-            </a:r>
-          </a:p>
-          <a:p>
-            <a:pPr lvl="1"/>
-            <a:r>
-              <a:rPr lang="en-US" dirty="0"/>
-              <a:t>EU Consortia Block Exemption Regulation expired on 25 April 2024</a:t>
-            </a:r>
-          </a:p>
-          <a:p>
-            <a:pPr lvl="1"/>
-            <a:r>
-              <a:rPr lang="en-US" dirty="0"/>
-              <a:t>US Congress is considering similar regulation changes</a:t>
-            </a:r>
-          </a:p>
-          <a:p>
-            <a:pPr lvl="2"/>
-            <a:r>
-              <a:rPr lang="en-US" dirty="0"/>
-              <a:t>e.g. the Ocean Shipping Antitrust Enforcement Act </a:t>
-            </a:r>
-          </a:p>
-        </p:txBody>
-      </p:sp>
+      <p:pic>
+        <p:nvPicPr>
+          <p:cNvPr id="6" name="Picture 5" descr="A chart of different colored squares&#10;&#10;Description automatically generated">
+            <a:extLst>
+              <a:ext uri="{FF2B5EF4-FFF2-40B4-BE49-F238E27FC236}">
+                <a16:creationId xmlns:a16="http://schemas.microsoft.com/office/drawing/2014/main" id="{E33BB4B4-1BB2-FD3D-9516-5A143F0A0FEF}"/>
+              </a:ext>
+            </a:extLst>
+          </p:cNvPr>
+          <p:cNvPicPr>
+            <a:picLocks noChangeAspect="1"/>
+          </p:cNvPicPr>
+          <p:nvPr/>
+        </p:nvPicPr>
+        <p:blipFill>
+          <a:blip r:embed="rId2"/>
+          <a:stretch>
+            <a:fillRect/>
+          </a:stretch>
+        </p:blipFill>
+        <p:spPr>
+          <a:xfrm>
+            <a:off x="430754" y="281641"/>
+            <a:ext cx="11330492" cy="6294718"/>
+          </a:xfrm>
+          <a:prstGeom prst="rect">
+            <a:avLst/>
+          </a:prstGeom>
+        </p:spPr>
+      </p:pic>
     </p:spTree>
     <p:extLst>
       <p:ext uri="{BB962C8B-B14F-4D97-AF65-F5344CB8AC3E}">
-        <p14:creationId xmlns:p14="http://schemas.microsoft.com/office/powerpoint/2010/main" val="2133206924"/>
+        <p14:creationId xmlns:p14="http://schemas.microsoft.com/office/powerpoint/2010/main" val="2094747406"/>
       </p:ext>
     </p:extLst>
   </p:cSld>
@@ -9915,7 +10151,7 @@
           <p:cNvPr id="2" name="Title 1">
             <a:extLst>
               <a:ext uri="{FF2B5EF4-FFF2-40B4-BE49-F238E27FC236}">
-                <a16:creationId xmlns:a16="http://schemas.microsoft.com/office/drawing/2014/main" id="{00F7FCF6-A5A0-B02A-783E-2193C1BFCF7E}"/>
+                <a16:creationId xmlns:a16="http://schemas.microsoft.com/office/drawing/2014/main" id="{DA904277-4230-28CD-0D12-B6D55F85195D}"/>
               </a:ext>
             </a:extLst>
           </p:cNvPr>
@@ -9926,16 +10162,19 @@
             <p:ph type="title"/>
           </p:nvPr>
         </p:nvSpPr>
-        <p:spPr/>
+        <p:spPr>
+          <a:xfrm>
+            <a:off x="550862" y="549275"/>
+            <a:ext cx="11091600" cy="971412"/>
+          </a:xfrm>
+        </p:spPr>
         <p:txBody>
-          <a:bodyPr>
-            <a:normAutofit/>
-          </a:bodyPr>
+          <a:bodyPr/>
           <a:lstStyle/>
           <a:p>
             <a:r>
               <a:rPr lang="en-US" dirty="0"/>
-              <a:t>WSU Transportation Research Group</a:t>
+              <a:t>Do OCAs Reduce Competition?</a:t>
             </a:r>
           </a:p>
         </p:txBody>
@@ -9945,7 +10184,7 @@
           <p:cNvPr id="3" name="Content Placeholder 2">
             <a:extLst>
               <a:ext uri="{FF2B5EF4-FFF2-40B4-BE49-F238E27FC236}">
-                <a16:creationId xmlns:a16="http://schemas.microsoft.com/office/drawing/2014/main" id="{A16A1964-752C-2A09-5211-DCC330769732}"/>
+                <a16:creationId xmlns:a16="http://schemas.microsoft.com/office/drawing/2014/main" id="{17437E95-D6AF-30C6-F8BB-98A08C246D84}"/>
               </a:ext>
             </a:extLst>
           </p:cNvPr>
@@ -9956,118 +10195,60 @@
             <p:ph idx="1"/>
           </p:nvPr>
         </p:nvSpPr>
-        <p:spPr/>
+        <p:spPr>
+          <a:xfrm>
+            <a:off x="552188" y="1795147"/>
+            <a:ext cx="11090274" cy="4367114"/>
+          </a:xfrm>
+        </p:spPr>
         <p:txBody>
           <a:bodyPr/>
           <a:lstStyle/>
           <a:p>
             <a:r>
-              <a:rPr lang="en-US" dirty="0">
-                <a:solidFill>
-                  <a:schemeClr val="tx1">
-                    <a:alpha val="85000"/>
-                  </a:schemeClr>
-                </a:solidFill>
-              </a:rPr>
-              <a:t>USDA Grant</a:t>
+              <a:rPr lang="en-US" dirty="0"/>
+              <a:t>Carriers argue that the increased efficiencies help keep costs down and allow them to provide better service.</a:t>
+            </a:r>
+          </a:p>
+          <a:p>
+            <a:r>
+              <a:rPr lang="en-US" dirty="0"/>
+              <a:t>Shippers and regulating bodies are concerned that OCAs give carriers too much market power</a:t>
             </a:r>
           </a:p>
           <a:p>
             <a:pPr lvl="1"/>
             <a:r>
               <a:rPr lang="en-US" dirty="0"/>
-              <a:t>This research is supported by the U.S. Department of Agriculture, Agricultural Marketing Service. The findings and conclusions in this publication are those of the authors and should not be construed to represent any official USDA or U.S. Government determination or policy.</a:t>
-            </a:r>
-            <a:endParaRPr lang="en-US" dirty="0">
-              <a:solidFill>
-                <a:schemeClr val="tx1">
-                  <a:alpha val="85000"/>
-                </a:schemeClr>
-              </a:solidFill>
-            </a:endParaRPr>
-          </a:p>
-          <a:p>
-            <a:r>
-              <a:rPr lang="en-US" dirty="0">
-                <a:solidFill>
-                  <a:schemeClr val="tx1">
-                    <a:alpha val="85000"/>
-                  </a:schemeClr>
-                </a:solidFill>
-              </a:rPr>
-              <a:t>Investigating impacts </a:t>
-            </a:r>
+              <a:t>Anecdotal reports from US producers include high prices, reductions in frequency of service, and reduced delivery windows</a:t>
+            </a:r>
+          </a:p>
+          <a:p>
+            <a:pPr lvl="1"/>
             <a:r>
               <a:rPr lang="en-US" dirty="0"/>
-              <a:t>of OCAs on Containerized Ag Exports</a:t>
-            </a:r>
-            <a:endParaRPr lang="en-US" dirty="0">
-              <a:solidFill>
-                <a:schemeClr val="tx1">
-                  <a:alpha val="85000"/>
-                </a:schemeClr>
-              </a:solidFill>
-            </a:endParaRPr>
+              <a:t>Industry analysts point out that OCAs currently represent some ¾ of global capacity </a:t>
+            </a:r>
+          </a:p>
+          <a:p>
+            <a:r>
+              <a:rPr lang="en-US" dirty="0"/>
+              <a:t>OCAs have historically been exempt from antitrust regulation</a:t>
+            </a:r>
           </a:p>
           <a:p>
             <a:pPr lvl="1"/>
             <a:r>
-              <a:rPr lang="en-US" dirty="0">
-                <a:solidFill>
-                  <a:schemeClr val="tx1">
-                    <a:alpha val="85000"/>
-                  </a:schemeClr>
-                </a:solidFill>
-              </a:rPr>
-              <a:t>Price</a:t>
-            </a:r>
-          </a:p>
-          <a:p>
-            <a:pPr lvl="1"/>
-            <a:r>
-              <a:rPr lang="en-US" dirty="0">
-                <a:solidFill>
-                  <a:schemeClr val="tx1">
-                    <a:alpha val="85000"/>
-                  </a:schemeClr>
-                </a:solidFill>
-              </a:rPr>
-              <a:t>Quality of Service</a:t>
-            </a:r>
-          </a:p>
-          <a:p>
-            <a:pPr lvl="2"/>
-            <a:r>
-              <a:rPr lang="en-US" dirty="0">
-                <a:solidFill>
-                  <a:schemeClr val="tx1">
-                    <a:alpha val="85000"/>
-                  </a:schemeClr>
-                </a:solidFill>
-              </a:rPr>
-              <a:t>Service Frequency (number of voyages, total capacity)</a:t>
-            </a:r>
-          </a:p>
-          <a:p>
-            <a:pPr lvl="2"/>
-            <a:r>
               <a:rPr lang="en-US" dirty="0"/>
-              <a:t>Competitive Options (number of carriers servicing a given lane)</a:t>
-            </a:r>
-            <a:endParaRPr lang="en-US" dirty="0">
-              <a:solidFill>
-                <a:schemeClr val="tx1">
-                  <a:alpha val="85000"/>
-                </a:schemeClr>
-              </a:solidFill>
-            </a:endParaRPr>
+              <a:t>This tide may be changing: EU exemption expired in April, and US is investigating similar moves</a:t>
+            </a:r>
           </a:p>
         </p:txBody>
       </p:sp>
     </p:spTree>
     <p:extLst>
       <p:ext uri="{BB962C8B-B14F-4D97-AF65-F5344CB8AC3E}">
-        <p14:creationId xmlns:p14="http://schemas.microsoft.com/office/powerpoint/2010/main" val="3291558162"/>
+        <p14:creationId xmlns:p14="http://schemas.microsoft.com/office/powerpoint/2010/main" val="1861624256"/>
       </p:ext>
     </p:extLst>
   </p:cSld>
@@ -10099,7 +10280,7 @@
           <p:cNvPr id="2" name="Title 1">
             <a:extLst>
               <a:ext uri="{FF2B5EF4-FFF2-40B4-BE49-F238E27FC236}">
-                <a16:creationId xmlns:a16="http://schemas.microsoft.com/office/drawing/2014/main" id="{27E6CFF0-D9F3-AF5F-7929-8B88904CC5BF}"/>
+                <a16:creationId xmlns:a16="http://schemas.microsoft.com/office/drawing/2014/main" id="{00F7FCF6-A5A0-B02A-783E-2193C1BFCF7E}"/>
               </a:ext>
             </a:extLst>
           </p:cNvPr>
@@ -10110,19 +10291,16 @@
             <p:ph type="title"/>
           </p:nvPr>
         </p:nvSpPr>
-        <p:spPr>
-          <a:xfrm>
-            <a:off x="550862" y="549275"/>
-            <a:ext cx="11091600" cy="921716"/>
-          </a:xfrm>
-        </p:spPr>
+        <p:spPr/>
         <p:txBody>
-          <a:bodyPr/>
+          <a:bodyPr>
+            <a:normAutofit/>
+          </a:bodyPr>
           <a:lstStyle/>
           <a:p>
             <a:r>
               <a:rPr lang="en-US" dirty="0"/>
-              <a:t>Data Sets</a:t>
+              <a:t>WSU Transportation Research Group</a:t>
             </a:r>
           </a:p>
         </p:txBody>
@@ -10132,7 +10310,7 @@
           <p:cNvPr id="3" name="Content Placeholder 2">
             <a:extLst>
               <a:ext uri="{FF2B5EF4-FFF2-40B4-BE49-F238E27FC236}">
-                <a16:creationId xmlns:a16="http://schemas.microsoft.com/office/drawing/2014/main" id="{3C168641-2F2C-B26F-D8DD-3203CBD7147D}"/>
+                <a16:creationId xmlns:a16="http://schemas.microsoft.com/office/drawing/2014/main" id="{A16A1964-752C-2A09-5211-DCC330769732}"/>
               </a:ext>
             </a:extLst>
           </p:cNvPr>
@@ -10145,90 +10323,133 @@
         </p:nvSpPr>
         <p:spPr>
           <a:xfrm>
-            <a:off x="549537" y="1755391"/>
+            <a:off x="550864" y="1881275"/>
             <a:ext cx="11090274" cy="3979625"/>
           </a:xfrm>
         </p:spPr>
         <p:txBody>
           <a:bodyPr>
-            <a:normAutofit lnSpcReduction="10000"/>
+            <a:normAutofit fontScale="85000" lnSpcReduction="20000"/>
           </a:bodyPr>
           <a:lstStyle/>
           <a:p>
             <a:r>
+              <a:rPr lang="en-US" dirty="0">
+                <a:solidFill>
+                  <a:schemeClr val="tx1">
+                    <a:alpha val="85000"/>
+                  </a:schemeClr>
+                </a:solidFill>
+              </a:rPr>
+              <a:t>USDA Grant</a:t>
+            </a:r>
+          </a:p>
+          <a:p>
+            <a:pPr lvl="1"/>
+            <a:r>
               <a:rPr lang="en-US" dirty="0"/>
-              <a:t>S&amp;P </a:t>
-            </a:r>
-            <a:r>
-              <a:rPr lang="en-US" dirty="0" err="1"/>
-              <a:t>Global’s</a:t>
+              <a:t>This research is supported by the U.S. Department of Agriculture, Agricultural Marketing Service. The findings and conclusions in this publication are those of the authors and should not be construed to represent any official USDA or U.S. Government determination or policy.</a:t>
+            </a:r>
+            <a:endParaRPr lang="en-US" dirty="0">
+              <a:solidFill>
+                <a:schemeClr val="tx1">
+                  <a:alpha val="85000"/>
+                </a:schemeClr>
+              </a:solidFill>
+            </a:endParaRPr>
+          </a:p>
+          <a:p>
+            <a:r>
+              <a:rPr lang="en-US" dirty="0">
+                <a:solidFill>
+                  <a:schemeClr val="tx1">
+                    <a:alpha val="85000"/>
+                  </a:schemeClr>
+                </a:solidFill>
+              </a:rPr>
+              <a:t>Investigating impacts </a:t>
             </a:r>
             <a:r>
               <a:rPr lang="en-US" dirty="0"/>
-              <a:t> PIERS database</a:t>
-            </a:r>
+              <a:t>of OCAs on Containerized Ag Exports</a:t>
+            </a:r>
+            <a:endParaRPr lang="en-US" dirty="0">
+              <a:solidFill>
+                <a:schemeClr val="tx1">
+                  <a:alpha val="85000"/>
+                </a:schemeClr>
+              </a:solidFill>
+            </a:endParaRPr>
           </a:p>
           <a:p>
             <a:pPr lvl="1"/>
             <a:r>
+              <a:rPr lang="en-US" dirty="0">
+                <a:solidFill>
+                  <a:schemeClr val="tx1">
+                    <a:alpha val="85000"/>
+                  </a:schemeClr>
+                </a:solidFill>
+              </a:rPr>
+              <a:t>Price</a:t>
+            </a:r>
+          </a:p>
+          <a:p>
+            <a:pPr lvl="1"/>
+            <a:r>
+              <a:rPr lang="en-US" dirty="0">
+                <a:solidFill>
+                  <a:schemeClr val="tx1">
+                    <a:alpha val="85000"/>
+                  </a:schemeClr>
+                </a:solidFill>
+              </a:rPr>
+              <a:t>Quality of Service</a:t>
+            </a:r>
+          </a:p>
+          <a:p>
+            <a:pPr lvl="2"/>
+            <a:r>
+              <a:rPr lang="en-US" dirty="0">
+                <a:solidFill>
+                  <a:schemeClr val="tx1">
+                    <a:alpha val="85000"/>
+                  </a:schemeClr>
+                </a:solidFill>
+              </a:rPr>
+              <a:t>Service Frequency (number of voyages, total capacity)</a:t>
+            </a:r>
+          </a:p>
+          <a:p>
+            <a:pPr lvl="2"/>
+            <a:r>
               <a:rPr lang="en-US" dirty="0"/>
-              <a:t>Bill of Lading level data including volume, date, arrival and departure ports, commodity codes, vessel IDs (IMO codes), etc.</a:t>
+              <a:t>Competitive Options (number of carriers servicing a given lane)</a:t>
+            </a:r>
+          </a:p>
+          <a:p>
+            <a:r>
+              <a:rPr lang="en-US" dirty="0">
+                <a:solidFill>
+                  <a:schemeClr val="tx1">
+                    <a:alpha val="85000"/>
+                  </a:schemeClr>
+                </a:solidFill>
+              </a:rPr>
+              <a:t>Premise: Impacts of OCAs depend on how much carriers utilize the OCA </a:t>
             </a:r>
           </a:p>
           <a:p>
             <a:pPr lvl="1"/>
             <a:r>
-              <a:rPr lang="en-US" dirty="0"/>
-              <a:t>Dataset captures all maritime containerized freight bills processed by US Customs since 2005 </a:t>
-            </a:r>
-          </a:p>
-          <a:p>
-            <a:pPr lvl="1"/>
-            <a:r>
-              <a:rPr lang="en-US" dirty="0"/>
-              <a:t>~179M import bills, ~70M export bills</a:t>
-            </a:r>
-          </a:p>
-          <a:p>
-            <a:r>
-              <a:rPr lang="en-US" dirty="0"/>
-              <a:t>Alliance Membership Data</a:t>
-            </a:r>
-          </a:p>
-          <a:p>
-            <a:pPr lvl="1"/>
-            <a:r>
-              <a:rPr lang="en-US" dirty="0"/>
-              <a:t>Referencing the work of Port Economics, Management and Policy’s Theo </a:t>
-            </a:r>
-            <a:r>
-              <a:rPr lang="en-US" dirty="0" err="1"/>
-              <a:t>Notteboom</a:t>
-            </a:r>
-            <a:r>
-              <a:rPr lang="en-US" dirty="0"/>
-              <a:t> </a:t>
-            </a:r>
-          </a:p>
-          <a:p>
-            <a:r>
-              <a:rPr lang="en-US" dirty="0"/>
-              <a:t>Future analysis will include </a:t>
-            </a:r>
-            <a:r>
-              <a:rPr lang="en-US" dirty="0" err="1"/>
-              <a:t>Drewery’s</a:t>
-            </a:r>
-            <a:r>
-              <a:rPr lang="en-US" dirty="0"/>
-              <a:t> Container Insights price data</a:t>
-            </a:r>
-          </a:p>
-          <a:p>
-            <a:pPr lvl="1"/>
-            <a:r>
-              <a:rPr lang="en-US" dirty="0"/>
-              <a:t>Average prices per TEU for a given lane and month</a:t>
+              <a:rPr lang="en-US" dirty="0">
+                <a:solidFill>
+                  <a:schemeClr val="tx1">
+                    <a:alpha val="85000"/>
+                  </a:schemeClr>
+                </a:solidFill>
+              </a:rPr>
+              <a:t>To our knowledge, this has not been studied</a:t>
             </a:r>
           </a:p>
         </p:txBody>
@@ -10236,7 +10457,7 @@
     </p:spTree>
     <p:extLst>
       <p:ext uri="{BB962C8B-B14F-4D97-AF65-F5344CB8AC3E}">
-        <p14:creationId xmlns:p14="http://schemas.microsoft.com/office/powerpoint/2010/main" val="3328601177"/>
+        <p14:creationId xmlns:p14="http://schemas.microsoft.com/office/powerpoint/2010/main" val="3291558162"/>
       </p:ext>
     </p:extLst>
   </p:cSld>
@@ -10268,7 +10489,7 @@
           <p:cNvPr id="2" name="Title 1">
             <a:extLst>
               <a:ext uri="{FF2B5EF4-FFF2-40B4-BE49-F238E27FC236}">
-                <a16:creationId xmlns:a16="http://schemas.microsoft.com/office/drawing/2014/main" id="{1F1E5F77-54E7-5CCE-8DC8-8B127751AF3E}"/>
+                <a16:creationId xmlns:a16="http://schemas.microsoft.com/office/drawing/2014/main" id="{27E6CFF0-D9F3-AF5F-7929-8B88904CC5BF}"/>
               </a:ext>
             </a:extLst>
           </p:cNvPr>
@@ -10279,14 +10500,19 @@
             <p:ph type="title"/>
           </p:nvPr>
         </p:nvSpPr>
-        <p:spPr/>
+        <p:spPr>
+          <a:xfrm>
+            <a:off x="550862" y="549275"/>
+            <a:ext cx="11091600" cy="921716"/>
+          </a:xfrm>
+        </p:spPr>
         <p:txBody>
           <a:bodyPr/>
           <a:lstStyle/>
           <a:p>
             <a:r>
               <a:rPr lang="en-US" dirty="0"/>
-              <a:t>West Coast Exports	</a:t>
+              <a:t>Data Sets</a:t>
             </a:r>
           </a:p>
         </p:txBody>
@@ -10296,7 +10522,7 @@
           <p:cNvPr id="3" name="Content Placeholder 2">
             <a:extLst>
               <a:ext uri="{FF2B5EF4-FFF2-40B4-BE49-F238E27FC236}">
-                <a16:creationId xmlns:a16="http://schemas.microsoft.com/office/drawing/2014/main" id="{F14797B4-7159-0C1C-7514-D17F610840B4}"/>
+                <a16:creationId xmlns:a16="http://schemas.microsoft.com/office/drawing/2014/main" id="{3C168641-2F2C-B26F-D8DD-3203CBD7147D}"/>
               </a:ext>
             </a:extLst>
           </p:cNvPr>
@@ -10307,14 +10533,99 @@
             <p:ph idx="1"/>
           </p:nvPr>
         </p:nvSpPr>
-        <p:spPr/>
+        <p:spPr>
+          <a:xfrm>
+            <a:off x="549537" y="1755391"/>
+            <a:ext cx="11090274" cy="4404109"/>
+          </a:xfrm>
+        </p:spPr>
         <p:txBody>
-          <a:bodyPr/>
+          <a:bodyPr>
+            <a:normAutofit lnSpcReduction="10000"/>
+          </a:bodyPr>
           <a:lstStyle/>
           <a:p>
             <a:r>
               <a:rPr lang="en-US" dirty="0"/>
-              <a:t>Since we are initially focused on the impacts of OCAs on US producers and this is PNREC, this presentation presents data from US West Coast ports only.</a:t>
+              <a:t>S&amp;P </a:t>
+            </a:r>
+            <a:r>
+              <a:rPr lang="en-US" dirty="0" err="1"/>
+              <a:t>Global’s</a:t>
+            </a:r>
+            <a:r>
+              <a:rPr lang="en-US" dirty="0"/>
+              <a:t> PIERS database</a:t>
+            </a:r>
+          </a:p>
+          <a:p>
+            <a:pPr lvl="1"/>
+            <a:r>
+              <a:rPr lang="en-US" dirty="0"/>
+              <a:t>Bill of Lading level data including volume, date, arrival and departure ports, commodity codes, vessel IDs (IMO codes), etc.</a:t>
+            </a:r>
+          </a:p>
+          <a:p>
+            <a:pPr lvl="1"/>
+            <a:r>
+              <a:rPr lang="en-US" dirty="0"/>
+              <a:t>Dataset captures all maritime containerized freight bills processed by US Customs since 2005 </a:t>
+            </a:r>
+          </a:p>
+          <a:p>
+            <a:pPr lvl="1"/>
+            <a:r>
+              <a:rPr lang="en-US" dirty="0"/>
+              <a:t>Excludes trade via air, truck, rail, Canadian and Mexican borders, etc.</a:t>
+            </a:r>
+          </a:p>
+          <a:p>
+            <a:pPr lvl="1"/>
+            <a:r>
+              <a:rPr lang="en-US" dirty="0"/>
+              <a:t>~179M import bills, ~70M export bills</a:t>
+            </a:r>
+          </a:p>
+          <a:p>
+            <a:r>
+              <a:rPr lang="en-US" dirty="0"/>
+              <a:t>Alliance Membership Data</a:t>
+            </a:r>
+          </a:p>
+          <a:p>
+            <a:pPr lvl="1"/>
+            <a:r>
+              <a:rPr lang="en-US" dirty="0"/>
+              <a:t>Referencing the work of Port Economics, Management and Policy’s Theo </a:t>
+            </a:r>
+            <a:r>
+              <a:rPr lang="en-US" dirty="0" err="1"/>
+              <a:t>Notteboom</a:t>
+            </a:r>
+            <a:r>
+              <a:rPr lang="en-US" dirty="0"/>
+              <a:t> </a:t>
+            </a:r>
+          </a:p>
+          <a:p>
+            <a:r>
+              <a:rPr lang="en-US" dirty="0"/>
+              <a:t>Future analysis will include </a:t>
+            </a:r>
+            <a:r>
+              <a:rPr lang="en-US" dirty="0" err="1"/>
+              <a:t>Drewery’s</a:t>
+            </a:r>
+            <a:r>
+              <a:rPr lang="en-US" dirty="0"/>
+              <a:t> Container Insights price data</a:t>
+            </a:r>
+          </a:p>
+          <a:p>
+            <a:pPr lvl="1"/>
+            <a:r>
+              <a:rPr lang="en-US" dirty="0"/>
+              <a:t>Average prices per TEU for a given lane and month</a:t>
             </a:r>
           </a:p>
         </p:txBody>
@@ -10322,7 +10633,7 @@
     </p:spTree>
     <p:extLst>
       <p:ext uri="{BB962C8B-B14F-4D97-AF65-F5344CB8AC3E}">
-        <p14:creationId xmlns:p14="http://schemas.microsoft.com/office/powerpoint/2010/main" val="1438172883"/>
+        <p14:creationId xmlns:p14="http://schemas.microsoft.com/office/powerpoint/2010/main" val="3328601177"/>
       </p:ext>
     </p:extLst>
   </p:cSld>
@@ -10349,40 +10660,66 @@
           <a:chExt cx="0" cy="0"/>
         </a:xfrm>
       </p:grpSpPr>
-      <p:pic>
-        <p:nvPicPr>
-          <p:cNvPr id="5" name="Picture 4" descr="A graph of different colored squares&#10;&#10;Description automatically generated">
-            <a:extLst>
-              <a:ext uri="{FF2B5EF4-FFF2-40B4-BE49-F238E27FC236}">
-                <a16:creationId xmlns:a16="http://schemas.microsoft.com/office/drawing/2014/main" id="{CBC16A60-BF90-9970-FD32-3E1DAB180CC0}"/>
-              </a:ext>
-            </a:extLst>
-          </p:cNvPr>
-          <p:cNvPicPr>
-            <a:picLocks noChangeAspect="1"/>
-          </p:cNvPicPr>
-          <p:nvPr/>
-        </p:nvPicPr>
-        <p:blipFill>
-          <a:blip r:embed="rId2"/>
-          <a:stretch>
-            <a:fillRect/>
-          </a:stretch>
-        </p:blipFill>
-        <p:spPr>
-          <a:xfrm>
-            <a:off x="392353" y="260307"/>
-            <a:ext cx="11407294" cy="6337386"/>
-          </a:xfrm>
-          <a:prstGeom prst="rect">
-            <a:avLst/>
-          </a:prstGeom>
-        </p:spPr>
-      </p:pic>
+      <p:sp>
+        <p:nvSpPr>
+          <p:cNvPr id="2" name="Title 1">
+            <a:extLst>
+              <a:ext uri="{FF2B5EF4-FFF2-40B4-BE49-F238E27FC236}">
+                <a16:creationId xmlns:a16="http://schemas.microsoft.com/office/drawing/2014/main" id="{1F1E5F77-54E7-5CCE-8DC8-8B127751AF3E}"/>
+              </a:ext>
+            </a:extLst>
+          </p:cNvPr>
+          <p:cNvSpPr>
+            <a:spLocks noGrp="1"/>
+          </p:cNvSpPr>
+          <p:nvPr>
+            <p:ph type="title"/>
+          </p:nvPr>
+        </p:nvSpPr>
+        <p:spPr/>
+        <p:txBody>
+          <a:bodyPr/>
+          <a:lstStyle/>
+          <a:p>
+            <a:r>
+              <a:rPr lang="en-US" dirty="0"/>
+              <a:t>West Coast Exports	</a:t>
+            </a:r>
+          </a:p>
+        </p:txBody>
+      </p:sp>
+      <p:sp>
+        <p:nvSpPr>
+          <p:cNvPr id="3" name="Content Placeholder 2">
+            <a:extLst>
+              <a:ext uri="{FF2B5EF4-FFF2-40B4-BE49-F238E27FC236}">
+                <a16:creationId xmlns:a16="http://schemas.microsoft.com/office/drawing/2014/main" id="{F14797B4-7159-0C1C-7514-D17F610840B4}"/>
+              </a:ext>
+            </a:extLst>
+          </p:cNvPr>
+          <p:cNvSpPr>
+            <a:spLocks noGrp="1"/>
+          </p:cNvSpPr>
+          <p:nvPr>
+            <p:ph idx="1"/>
+          </p:nvPr>
+        </p:nvSpPr>
+        <p:spPr/>
+        <p:txBody>
+          <a:bodyPr/>
+          <a:lstStyle/>
+          <a:p>
+            <a:r>
+              <a:rPr lang="en-US" dirty="0"/>
+              <a:t>Since we are initially focused on the impacts of OCAs on US producers and this is PNREC, this presentation presents data from US West Coast ports only.</a:t>
+            </a:r>
+          </a:p>
+        </p:txBody>
+      </p:sp>
     </p:spTree>
     <p:extLst>
       <p:ext uri="{BB962C8B-B14F-4D97-AF65-F5344CB8AC3E}">
-        <p14:creationId xmlns:p14="http://schemas.microsoft.com/office/powerpoint/2010/main" val="1585077462"/>
+        <p14:creationId xmlns:p14="http://schemas.microsoft.com/office/powerpoint/2010/main" val="1438172883"/>
       </p:ext>
     </p:extLst>
   </p:cSld>

--- a/PNREC/PNREC slides.pptx
+++ b/PNREC/PNREC slides.pptx
@@ -14,17 +14,18 @@
     <p:sldId id="260" r:id="rId8"/>
     <p:sldId id="269" r:id="rId9"/>
     <p:sldId id="275" r:id="rId10"/>
-    <p:sldId id="277" r:id="rId11"/>
-    <p:sldId id="261" r:id="rId12"/>
-    <p:sldId id="267" r:id="rId13"/>
+    <p:sldId id="261" r:id="rId11"/>
+    <p:sldId id="267" r:id="rId12"/>
+    <p:sldId id="277" r:id="rId13"/>
     <p:sldId id="271" r:id="rId14"/>
     <p:sldId id="263" r:id="rId15"/>
     <p:sldId id="273" r:id="rId16"/>
     <p:sldId id="274" r:id="rId17"/>
     <p:sldId id="278" r:id="rId18"/>
     <p:sldId id="280" r:id="rId19"/>
-    <p:sldId id="264" r:id="rId20"/>
-    <p:sldId id="279" r:id="rId21"/>
+    <p:sldId id="281" r:id="rId20"/>
+    <p:sldId id="264" r:id="rId21"/>
+    <p:sldId id="279" r:id="rId22"/>
   </p:sldIdLst>
   <p:sldSz cx="12192000" cy="6858000"/>
   <p:notesSz cx="6858000" cy="9144000"/>
@@ -296,7 +297,7 @@
           <a:p>
             <a:fld id="{72EA7947-E287-4738-8C82-07CE4F01EF03}" type="datetime2">
               <a:rPr lang="en-US" smtClean="0"/>
-              <a:t>Friday, May 17, 2024</a:t>
+              <a:t>Monday, May 20, 2024</a:t>
             </a:fld>
             <a:endParaRPr lang="en-US" dirty="0"/>
           </a:p>
@@ -1332,7 +1333,7 @@
           <a:p>
             <a:fld id="{EE2EBD84-71F4-4271-8C46-0D47C0A9B12E}" type="datetime2">
               <a:rPr lang="en-US" smtClean="0"/>
-              <a:t>Friday, May 17, 2024</a:t>
+              <a:t>Monday, May 20, 2024</a:t>
             </a:fld>
             <a:endParaRPr lang="en-US"/>
           </a:p>
@@ -1543,7 +1544,7 @@
           <a:p>
             <a:fld id="{ABAE0CE1-F450-4107-B2CB-17B18F8A3F4A}" type="datetime2">
               <a:rPr lang="en-US" smtClean="0"/>
-              <a:t>Friday, May 17, 2024</a:t>
+              <a:t>Monday, May 20, 2024</a:t>
             </a:fld>
             <a:endParaRPr lang="en-US"/>
           </a:p>
@@ -2253,7 +2254,7 @@
           <a:p>
             <a:fld id="{6FE8C025-CD7A-4966-867E-81CF82B15267}" type="datetime2">
               <a:rPr lang="en-US" smtClean="0"/>
-              <a:t>Friday, May 17, 2024</a:t>
+              <a:t>Monday, May 20, 2024</a:t>
             </a:fld>
             <a:endParaRPr lang="en-US"/>
           </a:p>
@@ -2873,7 +2874,7 @@
           <a:p>
             <a:fld id="{FE809929-0719-4517-94D6-FDF7F99E70F6}" type="datetime2">
               <a:rPr lang="en-US" smtClean="0"/>
-              <a:t>Friday, May 17, 2024</a:t>
+              <a:t>Monday, May 20, 2024</a:t>
             </a:fld>
             <a:endParaRPr lang="en-US"/>
           </a:p>
@@ -3991,7 +3992,7 @@
           <a:p>
             <a:fld id="{20E95673-5512-4AAA-9AEB-E00C61EC65D5}" type="datetime2">
               <a:rPr lang="en-US" smtClean="0"/>
-              <a:t>Friday, May 17, 2024</a:t>
+              <a:t>Monday, May 20, 2024</a:t>
             </a:fld>
             <a:endParaRPr lang="en-US"/>
           </a:p>
@@ -4538,7 +4539,7 @@
           <a:p>
             <a:fld id="{C13138FA-2E87-4873-8BBA-13E447C9A99A}" type="datetime2">
               <a:rPr lang="en-US" smtClean="0"/>
-              <a:t>Friday, May 17, 2024</a:t>
+              <a:t>Monday, May 20, 2024</a:t>
             </a:fld>
             <a:endParaRPr lang="en-US"/>
           </a:p>
@@ -4699,7 +4700,7 @@
           <a:p>
             <a:fld id="{D75BB40A-97BD-4BFB-B639-0BFF95FDE8B7}" type="datetime2">
               <a:rPr lang="en-US" smtClean="0"/>
-              <a:t>Friday, May 17, 2024</a:t>
+              <a:t>Monday, May 20, 2024</a:t>
             </a:fld>
             <a:endParaRPr lang="en-US"/>
           </a:p>
@@ -5734,7 +5735,7 @@
           <a:p>
             <a:fld id="{9EE9E0E3-ECF6-4CFE-8698-AEFEBCECC3C0}" type="datetime2">
               <a:rPr lang="en-US" smtClean="0"/>
-              <a:t>Friday, May 17, 2024</a:t>
+              <a:t>Monday, May 20, 2024</a:t>
             </a:fld>
             <a:endParaRPr lang="en-US"/>
           </a:p>
@@ -6380,7 +6381,7 @@
           <a:p>
             <a:fld id="{251462FC-960E-4740-921F-B36862979F21}" type="datetime2">
               <a:rPr lang="en-US" smtClean="0"/>
-              <a:t>Friday, May 17, 2024</a:t>
+              <a:t>Monday, May 20, 2024</a:t>
             </a:fld>
             <a:endParaRPr lang="en-US"/>
           </a:p>
@@ -7144,7 +7145,7 @@
           <a:p>
             <a:fld id="{E50BC9E2-CB44-4C05-9BB5-496C18A241E0}" type="datetime2">
               <a:rPr lang="en-US" smtClean="0"/>
-              <a:t>Friday, May 17, 2024</a:t>
+              <a:t>Monday, May 20, 2024</a:t>
             </a:fld>
             <a:endParaRPr lang="en-US"/>
           </a:p>
@@ -7397,7 +7398,7 @@
           <a:p>
             <a:fld id="{246CB39B-5F4C-4A7E-9BE3-AAFD45576D16}" type="datetime2">
               <a:rPr lang="en-US" smtClean="0"/>
-              <a:t>Friday, May 17, 2024</a:t>
+              <a:t>Monday, May 20, 2024</a:t>
             </a:fld>
             <a:endParaRPr lang="en-US" dirty="0"/>
           </a:p>
@@ -8726,66 +8727,6 @@
           <a:chExt cx="0" cy="0"/>
         </a:xfrm>
       </p:grpSpPr>
-      <p:pic>
-        <p:nvPicPr>
-          <p:cNvPr id="7" name="Picture 6" descr="A graph of a cargo ship&#10;&#10;Description automatically generated with medium confidence">
-            <a:extLst>
-              <a:ext uri="{FF2B5EF4-FFF2-40B4-BE49-F238E27FC236}">
-                <a16:creationId xmlns:a16="http://schemas.microsoft.com/office/drawing/2014/main" id="{5EBA9F59-BC0C-8F3C-1D0E-96BC6ECF9C6A}"/>
-              </a:ext>
-            </a:extLst>
-          </p:cNvPr>
-          <p:cNvPicPr>
-            <a:picLocks noChangeAspect="1"/>
-          </p:cNvPicPr>
-          <p:nvPr/>
-        </p:nvPicPr>
-        <p:blipFill>
-          <a:blip r:embed="rId2"/>
-          <a:stretch>
-            <a:fillRect/>
-          </a:stretch>
-        </p:blipFill>
-        <p:spPr>
-          <a:xfrm>
-            <a:off x="358140" y="241300"/>
-            <a:ext cx="11475720" cy="6375400"/>
-          </a:xfrm>
-          <a:prstGeom prst="rect">
-            <a:avLst/>
-          </a:prstGeom>
-        </p:spPr>
-      </p:pic>
-    </p:spTree>
-    <p:extLst>
-      <p:ext uri="{BB962C8B-B14F-4D97-AF65-F5344CB8AC3E}">
-        <p14:creationId xmlns:p14="http://schemas.microsoft.com/office/powerpoint/2010/main" val="32356986"/>
-      </p:ext>
-    </p:extLst>
-  </p:cSld>
-  <p:clrMapOvr>
-    <a:masterClrMapping/>
-  </p:clrMapOvr>
-</p:sld>
-</file>
-
-<file path=ppt/slides/slide11.xml><?xml version="1.0" encoding="utf-8"?>
-<p:sld xmlns:a="http://schemas.openxmlformats.org/drawingml/2006/main" xmlns:r="http://schemas.openxmlformats.org/officeDocument/2006/relationships" xmlns:p="http://schemas.openxmlformats.org/presentationml/2006/main">
-  <p:cSld>
-    <p:spTree>
-      <p:nvGrpSpPr>
-        <p:cNvPr id="1" name=""/>
-        <p:cNvGrpSpPr/>
-        <p:nvPr/>
-      </p:nvGrpSpPr>
-      <p:grpSpPr>
-        <a:xfrm>
-          <a:off x="0" y="0"/>
-          <a:ext cx="0" cy="0"/>
-          <a:chOff x="0" y="0"/>
-          <a:chExt cx="0" cy="0"/>
-        </a:xfrm>
-      </p:grpSpPr>
       <p:sp>
         <p:nvSpPr>
           <p:cNvPr id="2" name="Title 1">
@@ -8814,8 +8755,8 @@
           </a:p>
         </p:txBody>
       </p:sp>
-      <mc:AlternateContent xmlns:mc="http://schemas.openxmlformats.org/markup-compatibility/2006">
-        <mc:Choice xmlns:a14="http://schemas.microsoft.com/office/drawing/2010/main" Requires="a14">
+      <mc:AlternateContent xmlns:mc="http://schemas.openxmlformats.org/markup-compatibility/2006" xmlns:a14="http://schemas.microsoft.com/office/drawing/2010/main">
+        <mc:Choice Requires="a14">
           <p:sp>
             <p:nvSpPr>
               <p:cNvPr id="3" name="Content Placeholder 2">
@@ -9008,7 +8949,7 @@
             </p:txBody>
           </p:sp>
         </mc:Choice>
-        <mc:Fallback>
+        <mc:Fallback xmlns="">
           <p:sp>
             <p:nvSpPr>
               <p:cNvPr id="3" name="Content Placeholder 2">
@@ -9061,7 +9002,7 @@
 </p:sld>
 </file>
 
-<file path=ppt/slides/slide12.xml><?xml version="1.0" encoding="utf-8"?>
+<file path=ppt/slides/slide11.xml><?xml version="1.0" encoding="utf-8"?>
 <p:sld xmlns:a="http://schemas.openxmlformats.org/drawingml/2006/main" xmlns:r="http://schemas.openxmlformats.org/officeDocument/2006/relationships" xmlns:p="http://schemas.openxmlformats.org/presentationml/2006/main">
   <p:cSld>
     <p:spTree>
@@ -9147,6 +9088,66 @@
     <p:extLst>
       <p:ext uri="{BB962C8B-B14F-4D97-AF65-F5344CB8AC3E}">
         <p14:creationId xmlns:p14="http://schemas.microsoft.com/office/powerpoint/2010/main" val="2517794356"/>
+      </p:ext>
+    </p:extLst>
+  </p:cSld>
+  <p:clrMapOvr>
+    <a:masterClrMapping/>
+  </p:clrMapOvr>
+</p:sld>
+</file>
+
+<file path=ppt/slides/slide12.xml><?xml version="1.0" encoding="utf-8"?>
+<p:sld xmlns:a="http://schemas.openxmlformats.org/drawingml/2006/main" xmlns:r="http://schemas.openxmlformats.org/officeDocument/2006/relationships" xmlns:p="http://schemas.openxmlformats.org/presentationml/2006/main">
+  <p:cSld>
+    <p:spTree>
+      <p:nvGrpSpPr>
+        <p:cNvPr id="1" name=""/>
+        <p:cNvGrpSpPr/>
+        <p:nvPr/>
+      </p:nvGrpSpPr>
+      <p:grpSpPr>
+        <a:xfrm>
+          <a:off x="0" y="0"/>
+          <a:ext cx="0" cy="0"/>
+          <a:chOff x="0" y="0"/>
+          <a:chExt cx="0" cy="0"/>
+        </a:xfrm>
+      </p:grpSpPr>
+      <p:pic>
+        <p:nvPicPr>
+          <p:cNvPr id="3" name="Picture 2" descr="A graph of different colored lines&#10;&#10;Description automatically generated">
+            <a:extLst>
+              <a:ext uri="{FF2B5EF4-FFF2-40B4-BE49-F238E27FC236}">
+                <a16:creationId xmlns:a16="http://schemas.microsoft.com/office/drawing/2014/main" id="{12E08F26-CF4B-736A-9BF3-668F96B713BA}"/>
+              </a:ext>
+            </a:extLst>
+          </p:cNvPr>
+          <p:cNvPicPr>
+            <a:picLocks noChangeAspect="1"/>
+          </p:cNvPicPr>
+          <p:nvPr/>
+        </p:nvPicPr>
+        <p:blipFill>
+          <a:blip r:embed="rId2"/>
+          <a:stretch>
+            <a:fillRect/>
+          </a:stretch>
+        </p:blipFill>
+        <p:spPr>
+          <a:xfrm>
+            <a:off x="0" y="658090"/>
+            <a:ext cx="12192000" cy="5541816"/>
+          </a:xfrm>
+          <a:prstGeom prst="rect">
+            <a:avLst/>
+          </a:prstGeom>
+        </p:spPr>
+      </p:pic>
+    </p:spTree>
+    <p:extLst>
+      <p:ext uri="{BB962C8B-B14F-4D97-AF65-F5344CB8AC3E}">
+        <p14:creationId xmlns:p14="http://schemas.microsoft.com/office/powerpoint/2010/main" val="32356986"/>
       </p:ext>
     </p:extLst>
   </p:cSld>
@@ -9175,10 +9176,10 @@
       </p:grpSpPr>
       <p:pic>
         <p:nvPicPr>
-          <p:cNvPr id="3" name="Picture 2" descr="A graph of a line graph&#10;&#10;Description automatically generated with medium confidence">
-            <a:extLst>
-              <a:ext uri="{FF2B5EF4-FFF2-40B4-BE49-F238E27FC236}">
-                <a16:creationId xmlns:a16="http://schemas.microsoft.com/office/drawing/2014/main" id="{8978D35C-2A8C-C73F-B3C6-BCEC75E940DA}"/>
+          <p:cNvPr id="2" name="Picture 1">
+            <a:extLst>
+              <a:ext uri="{FF2B5EF4-FFF2-40B4-BE49-F238E27FC236}">
+                <a16:creationId xmlns:a16="http://schemas.microsoft.com/office/drawing/2014/main" id="{CC1CF00F-535A-B9D9-C103-645B7BA05003}"/>
               </a:ext>
             </a:extLst>
           </p:cNvPr>
@@ -9195,8 +9196,8 @@
         </p:blipFill>
         <p:spPr>
           <a:xfrm>
-            <a:off x="442856" y="288364"/>
-            <a:ext cx="11306288" cy="6281271"/>
+            <a:off x="335280" y="228600"/>
+            <a:ext cx="11521440" cy="6400800"/>
           </a:xfrm>
           <a:prstGeom prst="rect">
             <a:avLst/>
@@ -9235,10 +9236,10 @@
       </p:grpSpPr>
       <p:pic>
         <p:nvPicPr>
-          <p:cNvPr id="3" name="Picture 2" descr="A graph with different colored lines&#10;&#10;Description automatically generated">
-            <a:extLst>
-              <a:ext uri="{FF2B5EF4-FFF2-40B4-BE49-F238E27FC236}">
-                <a16:creationId xmlns:a16="http://schemas.microsoft.com/office/drawing/2014/main" id="{0EFFA968-E5D5-C03D-4858-3B07DE37C5B9}"/>
+          <p:cNvPr id="2" name="Picture 1">
+            <a:extLst>
+              <a:ext uri="{FF2B5EF4-FFF2-40B4-BE49-F238E27FC236}">
+                <a16:creationId xmlns:a16="http://schemas.microsoft.com/office/drawing/2014/main" id="{D6C8576F-7DB3-D510-10C6-245B9E7BFBE0}"/>
               </a:ext>
             </a:extLst>
           </p:cNvPr>
@@ -9255,8 +9256,8 @@
         </p:blipFill>
         <p:spPr>
           <a:xfrm>
-            <a:off x="370242" y="248023"/>
-            <a:ext cx="11451515" cy="6361953"/>
+            <a:off x="381000" y="254000"/>
+            <a:ext cx="11430000" cy="6350000"/>
           </a:xfrm>
           <a:prstGeom prst="rect">
             <a:avLst/>
@@ -9295,10 +9296,10 @@
       </p:grpSpPr>
       <p:pic>
         <p:nvPicPr>
-          <p:cNvPr id="3" name="Picture 2" descr="A graph with red and blue lines&#10;&#10;Description automatically generated">
-            <a:extLst>
-              <a:ext uri="{FF2B5EF4-FFF2-40B4-BE49-F238E27FC236}">
-                <a16:creationId xmlns:a16="http://schemas.microsoft.com/office/drawing/2014/main" id="{4D25BF75-541D-EBE6-7D64-5CA8551F4EA7}"/>
+          <p:cNvPr id="2" name="Picture 1">
+            <a:extLst>
+              <a:ext uri="{FF2B5EF4-FFF2-40B4-BE49-F238E27FC236}">
+                <a16:creationId xmlns:a16="http://schemas.microsoft.com/office/drawing/2014/main" id="{9E2EAF86-99AE-71F1-18B6-A30EDE341CE3}"/>
               </a:ext>
             </a:extLst>
           </p:cNvPr>
@@ -9315,8 +9316,8 @@
         </p:blipFill>
         <p:spPr>
           <a:xfrm>
-            <a:off x="382344" y="254747"/>
-            <a:ext cx="11427311" cy="6348506"/>
+            <a:off x="381000" y="254000"/>
+            <a:ext cx="11430000" cy="6350000"/>
           </a:xfrm>
           <a:prstGeom prst="rect">
             <a:avLst/>
@@ -9355,10 +9356,10 @@
       </p:grpSpPr>
       <p:pic>
         <p:nvPicPr>
-          <p:cNvPr id="2" name="Picture 1">
-            <a:extLst>
-              <a:ext uri="{FF2B5EF4-FFF2-40B4-BE49-F238E27FC236}">
-                <a16:creationId xmlns:a16="http://schemas.microsoft.com/office/drawing/2014/main" id="{BDC6B69A-B9DF-7904-3A16-17B29A97AB56}"/>
+          <p:cNvPr id="3" name="Picture 2">
+            <a:extLst>
+              <a:ext uri="{FF2B5EF4-FFF2-40B4-BE49-F238E27FC236}">
+                <a16:creationId xmlns:a16="http://schemas.microsoft.com/office/drawing/2014/main" id="{BF15E949-11C4-A1BA-3C41-94F20EF0E27F}"/>
               </a:ext>
             </a:extLst>
           </p:cNvPr>
@@ -9375,8 +9376,8 @@
         </p:blipFill>
         <p:spPr>
           <a:xfrm>
-            <a:off x="394447" y="261470"/>
-            <a:ext cx="11403106" cy="6335059"/>
+            <a:off x="381000" y="254000"/>
+            <a:ext cx="11430000" cy="6350000"/>
           </a:xfrm>
           <a:prstGeom prst="rect">
             <a:avLst/>
@@ -9415,10 +9416,10 @@
       </p:grpSpPr>
       <p:pic>
         <p:nvPicPr>
-          <p:cNvPr id="9" name="Picture 8" descr="A graph showing different colored lines&#10;&#10;Description automatically generated">
-            <a:extLst>
-              <a:ext uri="{FF2B5EF4-FFF2-40B4-BE49-F238E27FC236}">
-                <a16:creationId xmlns:a16="http://schemas.microsoft.com/office/drawing/2014/main" id="{6B76795C-3A41-D845-1059-B4BBD20B3BBF}"/>
+          <p:cNvPr id="2" name="Picture 1">
+            <a:extLst>
+              <a:ext uri="{FF2B5EF4-FFF2-40B4-BE49-F238E27FC236}">
+                <a16:creationId xmlns:a16="http://schemas.microsoft.com/office/drawing/2014/main" id="{596B27E6-2C24-8D7B-4F2E-7794F23C27E2}"/>
               </a:ext>
             </a:extLst>
           </p:cNvPr>
@@ -9435,8 +9436,8 @@
         </p:blipFill>
         <p:spPr>
           <a:xfrm>
-            <a:off x="461010" y="298450"/>
-            <a:ext cx="11269980" cy="6261100"/>
+            <a:off x="495300" y="317500"/>
+            <a:ext cx="11201400" cy="6223000"/>
           </a:xfrm>
           <a:prstGeom prst="rect">
             <a:avLst/>
@@ -9475,10 +9476,10 @@
       </p:grpSpPr>
       <p:pic>
         <p:nvPicPr>
-          <p:cNvPr id="4" name="Picture 3">
-            <a:extLst>
-              <a:ext uri="{FF2B5EF4-FFF2-40B4-BE49-F238E27FC236}">
-                <a16:creationId xmlns:a16="http://schemas.microsoft.com/office/drawing/2014/main" id="{C9429CBE-7422-29F2-FD09-923F35F300F5}"/>
+          <p:cNvPr id="2" name="Picture 1">
+            <a:extLst>
+              <a:ext uri="{FF2B5EF4-FFF2-40B4-BE49-F238E27FC236}">
+                <a16:creationId xmlns:a16="http://schemas.microsoft.com/office/drawing/2014/main" id="{2BB294BC-E94C-920E-55D1-8227D828141D}"/>
               </a:ext>
             </a:extLst>
           </p:cNvPr>
@@ -9495,38 +9496,8 @@
         </p:blipFill>
         <p:spPr>
           <a:xfrm>
-            <a:off x="148046" y="1304731"/>
-            <a:ext cx="5947954" cy="4248538"/>
-          </a:xfrm>
-          <a:prstGeom prst="rect">
-            <a:avLst/>
-          </a:prstGeom>
-        </p:spPr>
-      </p:pic>
-      <p:pic>
-        <p:nvPicPr>
-          <p:cNvPr id="5" name="Picture 4">
-            <a:extLst>
-              <a:ext uri="{FF2B5EF4-FFF2-40B4-BE49-F238E27FC236}">
-                <a16:creationId xmlns:a16="http://schemas.microsoft.com/office/drawing/2014/main" id="{0C65F3B3-E7DF-488D-A940-832F80213416}"/>
-              </a:ext>
-            </a:extLst>
-          </p:cNvPr>
-          <p:cNvPicPr>
-            <a:picLocks noChangeAspect="1"/>
-          </p:cNvPicPr>
-          <p:nvPr/>
-        </p:nvPicPr>
-        <p:blipFill>
-          <a:blip r:embed="rId3"/>
-          <a:stretch>
-            <a:fillRect/>
-          </a:stretch>
-        </p:blipFill>
-        <p:spPr>
-          <a:xfrm>
-            <a:off x="6095999" y="1304729"/>
-            <a:ext cx="5947955" cy="4248540"/>
+            <a:off x="1606550" y="222250"/>
+            <a:ext cx="8978900" cy="6413500"/>
           </a:xfrm>
           <a:prstGeom prst="rect">
             <a:avLst/>
@@ -9563,75 +9534,40 @@
           <a:chExt cx="0" cy="0"/>
         </a:xfrm>
       </p:grpSpPr>
-      <p:sp>
-        <p:nvSpPr>
-          <p:cNvPr id="2" name="Title 1">
-            <a:extLst>
-              <a:ext uri="{FF2B5EF4-FFF2-40B4-BE49-F238E27FC236}">
-                <a16:creationId xmlns:a16="http://schemas.microsoft.com/office/drawing/2014/main" id="{19EAA029-7673-8249-43FC-31B91BEFE7BE}"/>
-              </a:ext>
-            </a:extLst>
-          </p:cNvPr>
-          <p:cNvSpPr>
-            <a:spLocks noGrp="1"/>
-          </p:cNvSpPr>
-          <p:nvPr>
-            <p:ph type="title"/>
-          </p:nvPr>
-        </p:nvSpPr>
-        <p:spPr/>
-        <p:txBody>
-          <a:bodyPr/>
-          <a:lstStyle/>
-          <a:p>
-            <a:r>
-              <a:rPr lang="en-US" dirty="0"/>
-              <a:t>Limitations</a:t>
-            </a:r>
-          </a:p>
-        </p:txBody>
-      </p:sp>
-      <p:sp>
-        <p:nvSpPr>
-          <p:cNvPr id="3" name="Content Placeholder 2">
-            <a:extLst>
-              <a:ext uri="{FF2B5EF4-FFF2-40B4-BE49-F238E27FC236}">
-                <a16:creationId xmlns:a16="http://schemas.microsoft.com/office/drawing/2014/main" id="{149A675F-7EE3-BF0E-23B9-DD104AB800E2}"/>
-              </a:ext>
-            </a:extLst>
-          </p:cNvPr>
-          <p:cNvSpPr>
-            <a:spLocks noGrp="1"/>
-          </p:cNvSpPr>
-          <p:nvPr>
-            <p:ph idx="1"/>
-          </p:nvPr>
-        </p:nvSpPr>
-        <p:spPr/>
-        <p:txBody>
-          <a:bodyPr/>
-          <a:lstStyle/>
-          <a:p>
-            <a:r>
-              <a:rPr lang="en-US" dirty="0"/>
-              <a:t>The PIERS data do not include empty haul</a:t>
-            </a:r>
-          </a:p>
-          <a:p>
-            <a:r>
-              <a:rPr lang="en-US" dirty="0"/>
-              <a:t>OCAs are only one form of vessel sharing agreements (VSA); we do not observe any other form of VSA. </a:t>
-            </a:r>
-          </a:p>
-          <a:p>
-            <a:endParaRPr lang="en-US" dirty="0"/>
-          </a:p>
-        </p:txBody>
-      </p:sp>
+      <p:pic>
+        <p:nvPicPr>
+          <p:cNvPr id="4" name="Picture 3">
+            <a:extLst>
+              <a:ext uri="{FF2B5EF4-FFF2-40B4-BE49-F238E27FC236}">
+                <a16:creationId xmlns:a16="http://schemas.microsoft.com/office/drawing/2014/main" id="{669A8788-EAF7-6E61-4E09-9D50C9E6A628}"/>
+              </a:ext>
+            </a:extLst>
+          </p:cNvPr>
+          <p:cNvPicPr>
+            <a:picLocks noChangeAspect="1"/>
+          </p:cNvPicPr>
+          <p:nvPr/>
+        </p:nvPicPr>
+        <p:blipFill>
+          <a:blip r:embed="rId2"/>
+          <a:stretch>
+            <a:fillRect/>
+          </a:stretch>
+        </p:blipFill>
+        <p:spPr>
+          <a:xfrm>
+            <a:off x="952500" y="0"/>
+            <a:ext cx="10287000" cy="6858000"/>
+          </a:xfrm>
+          <a:prstGeom prst="rect">
+            <a:avLst/>
+          </a:prstGeom>
+        </p:spPr>
+      </p:pic>
     </p:spTree>
     <p:extLst>
       <p:ext uri="{BB962C8B-B14F-4D97-AF65-F5344CB8AC3E}">
-        <p14:creationId xmlns:p14="http://schemas.microsoft.com/office/powerpoint/2010/main" val="1936259183"/>
+        <p14:creationId xmlns:p14="http://schemas.microsoft.com/office/powerpoint/2010/main" val="180870616"/>
       </p:ext>
     </p:extLst>
   </p:cSld>
@@ -9766,6 +9702,101 @@
 </file>
 
 <file path=ppt/slides/slide20.xml><?xml version="1.0" encoding="utf-8"?>
+<p:sld xmlns:a="http://schemas.openxmlformats.org/drawingml/2006/main" xmlns:r="http://schemas.openxmlformats.org/officeDocument/2006/relationships" xmlns:p="http://schemas.openxmlformats.org/presentationml/2006/main">
+  <p:cSld>
+    <p:spTree>
+      <p:nvGrpSpPr>
+        <p:cNvPr id="1" name=""/>
+        <p:cNvGrpSpPr/>
+        <p:nvPr/>
+      </p:nvGrpSpPr>
+      <p:grpSpPr>
+        <a:xfrm>
+          <a:off x="0" y="0"/>
+          <a:ext cx="0" cy="0"/>
+          <a:chOff x="0" y="0"/>
+          <a:chExt cx="0" cy="0"/>
+        </a:xfrm>
+      </p:grpSpPr>
+      <p:sp>
+        <p:nvSpPr>
+          <p:cNvPr id="2" name="Title 1">
+            <a:extLst>
+              <a:ext uri="{FF2B5EF4-FFF2-40B4-BE49-F238E27FC236}">
+                <a16:creationId xmlns:a16="http://schemas.microsoft.com/office/drawing/2014/main" id="{19EAA029-7673-8249-43FC-31B91BEFE7BE}"/>
+              </a:ext>
+            </a:extLst>
+          </p:cNvPr>
+          <p:cNvSpPr>
+            <a:spLocks noGrp="1"/>
+          </p:cNvSpPr>
+          <p:nvPr>
+            <p:ph type="title"/>
+          </p:nvPr>
+        </p:nvSpPr>
+        <p:spPr/>
+        <p:txBody>
+          <a:bodyPr/>
+          <a:lstStyle/>
+          <a:p>
+            <a:r>
+              <a:rPr lang="en-US" dirty="0"/>
+              <a:t>Limitations</a:t>
+            </a:r>
+          </a:p>
+        </p:txBody>
+      </p:sp>
+      <p:sp>
+        <p:nvSpPr>
+          <p:cNvPr id="3" name="Content Placeholder 2">
+            <a:extLst>
+              <a:ext uri="{FF2B5EF4-FFF2-40B4-BE49-F238E27FC236}">
+                <a16:creationId xmlns:a16="http://schemas.microsoft.com/office/drawing/2014/main" id="{149A675F-7EE3-BF0E-23B9-DD104AB800E2}"/>
+              </a:ext>
+            </a:extLst>
+          </p:cNvPr>
+          <p:cNvSpPr>
+            <a:spLocks noGrp="1"/>
+          </p:cNvSpPr>
+          <p:nvPr>
+            <p:ph idx="1"/>
+          </p:nvPr>
+        </p:nvSpPr>
+        <p:spPr/>
+        <p:txBody>
+          <a:bodyPr/>
+          <a:lstStyle/>
+          <a:p>
+            <a:r>
+              <a:rPr lang="en-US" dirty="0"/>
+              <a:t>The PIERS data do not include empty haul</a:t>
+            </a:r>
+          </a:p>
+          <a:p>
+            <a:r>
+              <a:rPr lang="en-US" dirty="0"/>
+              <a:t>OCAs are only one form of vessel sharing agreements (VSA); we do not observe any other form of VSA. </a:t>
+            </a:r>
+          </a:p>
+          <a:p>
+            <a:endParaRPr lang="en-US" dirty="0"/>
+          </a:p>
+        </p:txBody>
+      </p:sp>
+    </p:spTree>
+    <p:extLst>
+      <p:ext uri="{BB962C8B-B14F-4D97-AF65-F5344CB8AC3E}">
+        <p14:creationId xmlns:p14="http://schemas.microsoft.com/office/powerpoint/2010/main" val="1936259183"/>
+      </p:ext>
+    </p:extLst>
+  </p:cSld>
+  <p:clrMapOvr>
+    <a:masterClrMapping/>
+  </p:clrMapOvr>
+</p:sld>
+</file>
+
+<file path=ppt/slides/slide21.xml><?xml version="1.0" encoding="utf-8"?>
 <p:sld xmlns:a="http://schemas.openxmlformats.org/drawingml/2006/main" xmlns:r="http://schemas.openxmlformats.org/officeDocument/2006/relationships" xmlns:p="http://schemas.openxmlformats.org/presentationml/2006/main">
   <p:cSld>
     <p:spTree>

--- a/PNREC/PNREC slides.pptx
+++ b/PNREC/PNREC slides.pptx
@@ -7,9 +7,9 @@
   <p:sldIdLst>
     <p:sldId id="256" r:id="rId2"/>
     <p:sldId id="257" r:id="rId3"/>
-    <p:sldId id="258" r:id="rId4"/>
-    <p:sldId id="270" r:id="rId5"/>
-    <p:sldId id="272" r:id="rId6"/>
+    <p:sldId id="270" r:id="rId4"/>
+    <p:sldId id="272" r:id="rId5"/>
+    <p:sldId id="258" r:id="rId6"/>
     <p:sldId id="268" r:id="rId7"/>
     <p:sldId id="260" r:id="rId8"/>
     <p:sldId id="269" r:id="rId9"/>
@@ -17,15 +17,16 @@
     <p:sldId id="261" r:id="rId11"/>
     <p:sldId id="267" r:id="rId12"/>
     <p:sldId id="277" r:id="rId13"/>
-    <p:sldId id="271" r:id="rId14"/>
+    <p:sldId id="282" r:id="rId14"/>
     <p:sldId id="263" r:id="rId15"/>
-    <p:sldId id="273" r:id="rId16"/>
-    <p:sldId id="274" r:id="rId17"/>
-    <p:sldId id="278" r:id="rId18"/>
-    <p:sldId id="280" r:id="rId19"/>
-    <p:sldId id="281" r:id="rId20"/>
-    <p:sldId id="264" r:id="rId21"/>
-    <p:sldId id="279" r:id="rId22"/>
+    <p:sldId id="271" r:id="rId16"/>
+    <p:sldId id="273" r:id="rId17"/>
+    <p:sldId id="274" r:id="rId18"/>
+    <p:sldId id="278" r:id="rId19"/>
+    <p:sldId id="280" r:id="rId20"/>
+    <p:sldId id="281" r:id="rId21"/>
+    <p:sldId id="264" r:id="rId22"/>
+    <p:sldId id="279" r:id="rId23"/>
   </p:sldIdLst>
   <p:sldSz cx="12192000" cy="6858000"/>
   <p:notesSz cx="6858000" cy="9144000"/>
@@ -9176,10 +9177,10 @@
       </p:grpSpPr>
       <p:pic>
         <p:nvPicPr>
-          <p:cNvPr id="2" name="Picture 1">
-            <a:extLst>
-              <a:ext uri="{FF2B5EF4-FFF2-40B4-BE49-F238E27FC236}">
-                <a16:creationId xmlns:a16="http://schemas.microsoft.com/office/drawing/2014/main" id="{CC1CF00F-535A-B9D9-C103-645B7BA05003}"/>
+          <p:cNvPr id="5" name="Picture 4" descr="A graph of different colored lines&#10;&#10;Description automatically generated">
+            <a:extLst>
+              <a:ext uri="{FF2B5EF4-FFF2-40B4-BE49-F238E27FC236}">
+                <a16:creationId xmlns:a16="http://schemas.microsoft.com/office/drawing/2014/main" id="{4DFCC526-2BD8-D201-DF89-E230C4BFDC53}"/>
               </a:ext>
             </a:extLst>
           </p:cNvPr>
@@ -9196,8 +9197,8 @@
         </p:blipFill>
         <p:spPr>
           <a:xfrm>
-            <a:off x="335280" y="228600"/>
-            <a:ext cx="11521440" cy="6400800"/>
+            <a:off x="0" y="659245"/>
+            <a:ext cx="12186926" cy="5539510"/>
           </a:xfrm>
           <a:prstGeom prst="rect">
             <a:avLst/>
@@ -9207,7 +9208,7 @@
     </p:spTree>
     <p:extLst>
       <p:ext uri="{BB962C8B-B14F-4D97-AF65-F5344CB8AC3E}">
-        <p14:creationId xmlns:p14="http://schemas.microsoft.com/office/powerpoint/2010/main" val="4048034761"/>
+        <p14:creationId xmlns:p14="http://schemas.microsoft.com/office/powerpoint/2010/main" val="1854961387"/>
       </p:ext>
     </p:extLst>
   </p:cSld>
@@ -9299,6 +9300,66 @@
           <p:cNvPr id="2" name="Picture 1">
             <a:extLst>
               <a:ext uri="{FF2B5EF4-FFF2-40B4-BE49-F238E27FC236}">
+                <a16:creationId xmlns:a16="http://schemas.microsoft.com/office/drawing/2014/main" id="{CC1CF00F-535A-B9D9-C103-645B7BA05003}"/>
+              </a:ext>
+            </a:extLst>
+          </p:cNvPr>
+          <p:cNvPicPr>
+            <a:picLocks noChangeAspect="1"/>
+          </p:cNvPicPr>
+          <p:nvPr/>
+        </p:nvPicPr>
+        <p:blipFill>
+          <a:blip r:embed="rId2"/>
+          <a:stretch>
+            <a:fillRect/>
+          </a:stretch>
+        </p:blipFill>
+        <p:spPr>
+          <a:xfrm>
+            <a:off x="335280" y="228600"/>
+            <a:ext cx="11521440" cy="6400800"/>
+          </a:xfrm>
+          <a:prstGeom prst="rect">
+            <a:avLst/>
+          </a:prstGeom>
+        </p:spPr>
+      </p:pic>
+    </p:spTree>
+    <p:extLst>
+      <p:ext uri="{BB962C8B-B14F-4D97-AF65-F5344CB8AC3E}">
+        <p14:creationId xmlns:p14="http://schemas.microsoft.com/office/powerpoint/2010/main" val="4048034761"/>
+      </p:ext>
+    </p:extLst>
+  </p:cSld>
+  <p:clrMapOvr>
+    <a:masterClrMapping/>
+  </p:clrMapOvr>
+</p:sld>
+</file>
+
+<file path=ppt/slides/slide16.xml><?xml version="1.0" encoding="utf-8"?>
+<p:sld xmlns:a="http://schemas.openxmlformats.org/drawingml/2006/main" xmlns:r="http://schemas.openxmlformats.org/officeDocument/2006/relationships" xmlns:p="http://schemas.openxmlformats.org/presentationml/2006/main">
+  <p:cSld>
+    <p:spTree>
+      <p:nvGrpSpPr>
+        <p:cNvPr id="1" name=""/>
+        <p:cNvGrpSpPr/>
+        <p:nvPr/>
+      </p:nvGrpSpPr>
+      <p:grpSpPr>
+        <a:xfrm>
+          <a:off x="0" y="0"/>
+          <a:ext cx="0" cy="0"/>
+          <a:chOff x="0" y="0"/>
+          <a:chExt cx="0" cy="0"/>
+        </a:xfrm>
+      </p:grpSpPr>
+      <p:pic>
+        <p:nvPicPr>
+          <p:cNvPr id="2" name="Picture 1">
+            <a:extLst>
+              <a:ext uri="{FF2B5EF4-FFF2-40B4-BE49-F238E27FC236}">
                 <a16:creationId xmlns:a16="http://schemas.microsoft.com/office/drawing/2014/main" id="{9E2EAF86-99AE-71F1-18B6-A30EDE341CE3}"/>
               </a:ext>
             </a:extLst>
@@ -9337,7 +9398,7 @@
 </p:sld>
 </file>
 
-<file path=ppt/slides/slide16.xml><?xml version="1.0" encoding="utf-8"?>
+<file path=ppt/slides/slide17.xml><?xml version="1.0" encoding="utf-8"?>
 <p:sld xmlns:a="http://schemas.openxmlformats.org/drawingml/2006/main" xmlns:r="http://schemas.openxmlformats.org/officeDocument/2006/relationships" xmlns:p="http://schemas.openxmlformats.org/presentationml/2006/main">
   <p:cSld>
     <p:spTree>
@@ -9397,7 +9458,7 @@
 </p:sld>
 </file>
 
-<file path=ppt/slides/slide17.xml><?xml version="1.0" encoding="utf-8"?>
+<file path=ppt/slides/slide18.xml><?xml version="1.0" encoding="utf-8"?>
 <p:sld xmlns:a="http://schemas.openxmlformats.org/drawingml/2006/main" xmlns:r="http://schemas.openxmlformats.org/officeDocument/2006/relationships" xmlns:p="http://schemas.openxmlformats.org/presentationml/2006/main">
   <p:cSld>
     <p:spTree>
@@ -9457,7 +9518,7 @@
 </p:sld>
 </file>
 
-<file path=ppt/slides/slide18.xml><?xml version="1.0" encoding="utf-8"?>
+<file path=ppt/slides/slide19.xml><?xml version="1.0" encoding="utf-8"?>
 <p:sld xmlns:a="http://schemas.openxmlformats.org/drawingml/2006/main" xmlns:r="http://schemas.openxmlformats.org/officeDocument/2006/relationships" xmlns:p="http://schemas.openxmlformats.org/presentationml/2006/main">
   <p:cSld>
     <p:spTree>
@@ -9517,7 +9578,131 @@
 </p:sld>
 </file>
 
-<file path=ppt/slides/slide19.xml><?xml version="1.0" encoding="utf-8"?>
+<file path=ppt/slides/slide2.xml><?xml version="1.0" encoding="utf-8"?>
+<p:sld xmlns:a="http://schemas.openxmlformats.org/drawingml/2006/main" xmlns:r="http://schemas.openxmlformats.org/officeDocument/2006/relationships" xmlns:p="http://schemas.openxmlformats.org/presentationml/2006/main">
+  <p:cSld>
+    <p:spTree>
+      <p:nvGrpSpPr>
+        <p:cNvPr id="1" name=""/>
+        <p:cNvGrpSpPr/>
+        <p:nvPr/>
+      </p:nvGrpSpPr>
+      <p:grpSpPr>
+        <a:xfrm>
+          <a:off x="0" y="0"/>
+          <a:ext cx="0" cy="0"/>
+          <a:chOff x="0" y="0"/>
+          <a:chExt cx="0" cy="0"/>
+        </a:xfrm>
+      </p:grpSpPr>
+      <p:sp>
+        <p:nvSpPr>
+          <p:cNvPr id="2" name="Title 1">
+            <a:extLst>
+              <a:ext uri="{FF2B5EF4-FFF2-40B4-BE49-F238E27FC236}">
+                <a16:creationId xmlns:a16="http://schemas.microsoft.com/office/drawing/2014/main" id="{BDF4B1EA-023E-71A0-2641-C6EE20CC7065}"/>
+              </a:ext>
+            </a:extLst>
+          </p:cNvPr>
+          <p:cNvSpPr>
+            <a:spLocks noGrp="1"/>
+          </p:cNvSpPr>
+          <p:nvPr>
+            <p:ph type="title"/>
+          </p:nvPr>
+        </p:nvSpPr>
+        <p:spPr/>
+        <p:txBody>
+          <a:bodyPr>
+            <a:normAutofit fontScale="90000"/>
+          </a:bodyPr>
+          <a:lstStyle/>
+          <a:p>
+            <a:r>
+              <a:rPr lang="en-US" dirty="0"/>
+              <a:t>What are Ocean Carrier Alliances (OCAs)?</a:t>
+            </a:r>
+          </a:p>
+        </p:txBody>
+      </p:sp>
+      <p:sp>
+        <p:nvSpPr>
+          <p:cNvPr id="3" name="Content Placeholder 2">
+            <a:extLst>
+              <a:ext uri="{FF2B5EF4-FFF2-40B4-BE49-F238E27FC236}">
+                <a16:creationId xmlns:a16="http://schemas.microsoft.com/office/drawing/2014/main" id="{D37FBFD0-94EE-33A7-024C-F20DBBEA4FCF}"/>
+              </a:ext>
+            </a:extLst>
+          </p:cNvPr>
+          <p:cNvSpPr>
+            <a:spLocks noGrp="1"/>
+          </p:cNvSpPr>
+          <p:nvPr>
+            <p:ph idx="1"/>
+          </p:nvPr>
+        </p:nvSpPr>
+        <p:spPr/>
+        <p:txBody>
+          <a:bodyPr/>
+          <a:lstStyle/>
+          <a:p>
+            <a:r>
+              <a:rPr lang="en-US" dirty="0"/>
+              <a:t>Cooperative sharing agreements between maritime freight carriers</a:t>
+            </a:r>
+          </a:p>
+          <a:p>
+            <a:pPr lvl="1"/>
+            <a:r>
+              <a:rPr lang="en-US" dirty="0"/>
+              <a:t>e.g., Maersk will carry some cargo for Mediterranean and vice versa </a:t>
+            </a:r>
+          </a:p>
+          <a:p>
+            <a:r>
+              <a:rPr lang="en-US" dirty="0"/>
+              <a:t>OCAs allow carriers to offer additional services (e.g., additional lanes) and more efficiently allocate capacity.</a:t>
+            </a:r>
+          </a:p>
+          <a:p>
+            <a:pPr lvl="1"/>
+            <a:r>
+              <a:rPr lang="en-US" dirty="0"/>
+              <a:t>Carriers can utilize larger ships by filling volume from other carriers.</a:t>
+            </a:r>
+          </a:p>
+          <a:p>
+            <a:r>
+              <a:rPr lang="en-US" dirty="0"/>
+              <a:t>The impact on shippers/consumers is not well studied. </a:t>
+            </a:r>
+          </a:p>
+          <a:p>
+            <a:pPr lvl="1"/>
+            <a:r>
+              <a:rPr lang="en-US" dirty="0"/>
+              <a:t>For example, carriers sometimes offer very low prices on otherwise-used capacity in order to minimize empty haul. Under an alliance agreement, this capacity might be sold at normal prices to another carrier.  </a:t>
+            </a:r>
+          </a:p>
+          <a:p>
+            <a:endParaRPr lang="en-US" dirty="0"/>
+          </a:p>
+        </p:txBody>
+      </p:sp>
+    </p:spTree>
+    <p:extLst>
+      <p:ext uri="{BB962C8B-B14F-4D97-AF65-F5344CB8AC3E}">
+        <p14:creationId xmlns:p14="http://schemas.microsoft.com/office/powerpoint/2010/main" val="1623064167"/>
+      </p:ext>
+    </p:extLst>
+  </p:cSld>
+  <p:clrMapOvr>
+    <a:masterClrMapping/>
+  </p:clrMapOvr>
+</p:sld>
+</file>
+
+<file path=ppt/slides/slide20.xml><?xml version="1.0" encoding="utf-8"?>
 <p:sld xmlns:a="http://schemas.openxmlformats.org/drawingml/2006/main" xmlns:r="http://schemas.openxmlformats.org/officeDocument/2006/relationships" xmlns:p="http://schemas.openxmlformats.org/presentationml/2006/main">
   <p:cSld>
     <p:spTree>
@@ -9577,225 +9762,6 @@
 </p:sld>
 </file>
 
-<file path=ppt/slides/slide2.xml><?xml version="1.0" encoding="utf-8"?>
-<p:sld xmlns:a="http://schemas.openxmlformats.org/drawingml/2006/main" xmlns:r="http://schemas.openxmlformats.org/officeDocument/2006/relationships" xmlns:p="http://schemas.openxmlformats.org/presentationml/2006/main">
-  <p:cSld>
-    <p:spTree>
-      <p:nvGrpSpPr>
-        <p:cNvPr id="1" name=""/>
-        <p:cNvGrpSpPr/>
-        <p:nvPr/>
-      </p:nvGrpSpPr>
-      <p:grpSpPr>
-        <a:xfrm>
-          <a:off x="0" y="0"/>
-          <a:ext cx="0" cy="0"/>
-          <a:chOff x="0" y="0"/>
-          <a:chExt cx="0" cy="0"/>
-        </a:xfrm>
-      </p:grpSpPr>
-      <p:sp>
-        <p:nvSpPr>
-          <p:cNvPr id="2" name="Title 1">
-            <a:extLst>
-              <a:ext uri="{FF2B5EF4-FFF2-40B4-BE49-F238E27FC236}">
-                <a16:creationId xmlns:a16="http://schemas.microsoft.com/office/drawing/2014/main" id="{BDF4B1EA-023E-71A0-2641-C6EE20CC7065}"/>
-              </a:ext>
-            </a:extLst>
-          </p:cNvPr>
-          <p:cNvSpPr>
-            <a:spLocks noGrp="1"/>
-          </p:cNvSpPr>
-          <p:nvPr>
-            <p:ph type="title"/>
-          </p:nvPr>
-        </p:nvSpPr>
-        <p:spPr/>
-        <p:txBody>
-          <a:bodyPr>
-            <a:normAutofit fontScale="90000"/>
-          </a:bodyPr>
-          <a:lstStyle/>
-          <a:p>
-            <a:r>
-              <a:rPr lang="en-US" dirty="0"/>
-              <a:t>What are Ocean Carrier Alliances (OCAs)?</a:t>
-            </a:r>
-          </a:p>
-        </p:txBody>
-      </p:sp>
-      <p:sp>
-        <p:nvSpPr>
-          <p:cNvPr id="3" name="Content Placeholder 2">
-            <a:extLst>
-              <a:ext uri="{FF2B5EF4-FFF2-40B4-BE49-F238E27FC236}">
-                <a16:creationId xmlns:a16="http://schemas.microsoft.com/office/drawing/2014/main" id="{D37FBFD0-94EE-33A7-024C-F20DBBEA4FCF}"/>
-              </a:ext>
-            </a:extLst>
-          </p:cNvPr>
-          <p:cNvSpPr>
-            <a:spLocks noGrp="1"/>
-          </p:cNvSpPr>
-          <p:nvPr>
-            <p:ph idx="1"/>
-          </p:nvPr>
-        </p:nvSpPr>
-        <p:spPr/>
-        <p:txBody>
-          <a:bodyPr/>
-          <a:lstStyle/>
-          <a:p>
-            <a:r>
-              <a:rPr lang="en-US" dirty="0"/>
-              <a:t>Cooperative sharing agreements between maritime freight carriers</a:t>
-            </a:r>
-          </a:p>
-          <a:p>
-            <a:pPr lvl="1"/>
-            <a:r>
-              <a:rPr lang="en-US" dirty="0"/>
-              <a:t>e.g., Maersk will carry some cargo for Mediterranean and vice versa </a:t>
-            </a:r>
-          </a:p>
-          <a:p>
-            <a:r>
-              <a:rPr lang="en-US" dirty="0"/>
-              <a:t>OCAs allow carriers to offer additional services (e.g., additional lanes) and more efficiently allocate capacity.</a:t>
-            </a:r>
-          </a:p>
-          <a:p>
-            <a:pPr lvl="1"/>
-            <a:r>
-              <a:rPr lang="en-US" dirty="0"/>
-              <a:t>Carriers can utilize larger ships by filling volume from other carriers.</a:t>
-            </a:r>
-          </a:p>
-          <a:p>
-            <a:r>
-              <a:rPr lang="en-US" dirty="0"/>
-              <a:t>The impact on shippers/consumers is not well studied. </a:t>
-            </a:r>
-          </a:p>
-          <a:p>
-            <a:pPr lvl="1"/>
-            <a:r>
-              <a:rPr lang="en-US" dirty="0"/>
-              <a:t>For example, carriers sometimes offer very low prices on otherwise-used capacity in order to minimize empty haul. Under an alliance agreement, this capacity might be sold at normal prices to another carrier.  </a:t>
-            </a:r>
-          </a:p>
-          <a:p>
-            <a:endParaRPr lang="en-US" dirty="0"/>
-          </a:p>
-        </p:txBody>
-      </p:sp>
-    </p:spTree>
-    <p:extLst>
-      <p:ext uri="{BB962C8B-B14F-4D97-AF65-F5344CB8AC3E}">
-        <p14:creationId xmlns:p14="http://schemas.microsoft.com/office/powerpoint/2010/main" val="1623064167"/>
-      </p:ext>
-    </p:extLst>
-  </p:cSld>
-  <p:clrMapOvr>
-    <a:masterClrMapping/>
-  </p:clrMapOvr>
-</p:sld>
-</file>
-
-<file path=ppt/slides/slide20.xml><?xml version="1.0" encoding="utf-8"?>
-<p:sld xmlns:a="http://schemas.openxmlformats.org/drawingml/2006/main" xmlns:r="http://schemas.openxmlformats.org/officeDocument/2006/relationships" xmlns:p="http://schemas.openxmlformats.org/presentationml/2006/main">
-  <p:cSld>
-    <p:spTree>
-      <p:nvGrpSpPr>
-        <p:cNvPr id="1" name=""/>
-        <p:cNvGrpSpPr/>
-        <p:nvPr/>
-      </p:nvGrpSpPr>
-      <p:grpSpPr>
-        <a:xfrm>
-          <a:off x="0" y="0"/>
-          <a:ext cx="0" cy="0"/>
-          <a:chOff x="0" y="0"/>
-          <a:chExt cx="0" cy="0"/>
-        </a:xfrm>
-      </p:grpSpPr>
-      <p:sp>
-        <p:nvSpPr>
-          <p:cNvPr id="2" name="Title 1">
-            <a:extLst>
-              <a:ext uri="{FF2B5EF4-FFF2-40B4-BE49-F238E27FC236}">
-                <a16:creationId xmlns:a16="http://schemas.microsoft.com/office/drawing/2014/main" id="{19EAA029-7673-8249-43FC-31B91BEFE7BE}"/>
-              </a:ext>
-            </a:extLst>
-          </p:cNvPr>
-          <p:cNvSpPr>
-            <a:spLocks noGrp="1"/>
-          </p:cNvSpPr>
-          <p:nvPr>
-            <p:ph type="title"/>
-          </p:nvPr>
-        </p:nvSpPr>
-        <p:spPr/>
-        <p:txBody>
-          <a:bodyPr/>
-          <a:lstStyle/>
-          <a:p>
-            <a:r>
-              <a:rPr lang="en-US" dirty="0"/>
-              <a:t>Limitations</a:t>
-            </a:r>
-          </a:p>
-        </p:txBody>
-      </p:sp>
-      <p:sp>
-        <p:nvSpPr>
-          <p:cNvPr id="3" name="Content Placeholder 2">
-            <a:extLst>
-              <a:ext uri="{FF2B5EF4-FFF2-40B4-BE49-F238E27FC236}">
-                <a16:creationId xmlns:a16="http://schemas.microsoft.com/office/drawing/2014/main" id="{149A675F-7EE3-BF0E-23B9-DD104AB800E2}"/>
-              </a:ext>
-            </a:extLst>
-          </p:cNvPr>
-          <p:cNvSpPr>
-            <a:spLocks noGrp="1"/>
-          </p:cNvSpPr>
-          <p:nvPr>
-            <p:ph idx="1"/>
-          </p:nvPr>
-        </p:nvSpPr>
-        <p:spPr/>
-        <p:txBody>
-          <a:bodyPr/>
-          <a:lstStyle/>
-          <a:p>
-            <a:r>
-              <a:rPr lang="en-US" dirty="0"/>
-              <a:t>The PIERS data do not include empty haul</a:t>
-            </a:r>
-          </a:p>
-          <a:p>
-            <a:r>
-              <a:rPr lang="en-US" dirty="0"/>
-              <a:t>OCAs are only one form of vessel sharing agreements (VSA); we do not observe any other form of VSA. </a:t>
-            </a:r>
-          </a:p>
-          <a:p>
-            <a:endParaRPr lang="en-US" dirty="0"/>
-          </a:p>
-        </p:txBody>
-      </p:sp>
-    </p:spTree>
-    <p:extLst>
-      <p:ext uri="{BB962C8B-B14F-4D97-AF65-F5344CB8AC3E}">
-        <p14:creationId xmlns:p14="http://schemas.microsoft.com/office/powerpoint/2010/main" val="1936259183"/>
-      </p:ext>
-    </p:extLst>
-  </p:cSld>
-  <p:clrMapOvr>
-    <a:masterClrMapping/>
-  </p:clrMapOvr>
-</p:sld>
-</file>
-
 <file path=ppt/slides/slide21.xml><?xml version="1.0" encoding="utf-8"?>
 <p:sld xmlns:a="http://schemas.openxmlformats.org/drawingml/2006/main" xmlns:r="http://schemas.openxmlformats.org/officeDocument/2006/relationships" xmlns:p="http://schemas.openxmlformats.org/presentationml/2006/main">
   <p:cSld>
@@ -9818,7 +9784,7 @@
           <p:cNvPr id="2" name="Title 1">
             <a:extLst>
               <a:ext uri="{FF2B5EF4-FFF2-40B4-BE49-F238E27FC236}">
-                <a16:creationId xmlns:a16="http://schemas.microsoft.com/office/drawing/2014/main" id="{851E7B48-98AC-7B25-CB3D-8CBBC598C220}"/>
+                <a16:creationId xmlns:a16="http://schemas.microsoft.com/office/drawing/2014/main" id="{19EAA029-7673-8249-43FC-31B91BEFE7BE}"/>
               </a:ext>
             </a:extLst>
           </p:cNvPr>
@@ -9836,7 +9802,7 @@
           <a:p>
             <a:r>
               <a:rPr lang="en-US" dirty="0"/>
-              <a:t>Concluding Remarks</a:t>
+              <a:t>Limitations</a:t>
             </a:r>
           </a:p>
         </p:txBody>
@@ -9846,7 +9812,7 @@
           <p:cNvPr id="3" name="Content Placeholder 2">
             <a:extLst>
               <a:ext uri="{FF2B5EF4-FFF2-40B4-BE49-F238E27FC236}">
-                <a16:creationId xmlns:a16="http://schemas.microsoft.com/office/drawing/2014/main" id="{8AD0A0AA-0740-6721-568D-C75B7993EC59}"/>
+                <a16:creationId xmlns:a16="http://schemas.microsoft.com/office/drawing/2014/main" id="{149A675F-7EE3-BF0E-23B9-DD104AB800E2}"/>
               </a:ext>
             </a:extLst>
           </p:cNvPr>
@@ -9864,42 +9830,24 @@
           <a:p>
             <a:r>
               <a:rPr lang="en-US" dirty="0"/>
-              <a:t>Alliance utilization varies over time and across lanes</a:t>
+              <a:t>The PIERS data do not include empty haul</a:t>
             </a:r>
           </a:p>
           <a:p>
             <a:r>
               <a:rPr lang="en-US" dirty="0"/>
-              <a:t>Impacts on producers depend on utilization</a:t>
-            </a:r>
-          </a:p>
-          <a:p>
-            <a:r>
-              <a:rPr lang="en-US" dirty="0"/>
-              <a:t>Study results re: US ag producers expected this fall</a:t>
-            </a:r>
-          </a:p>
-          <a:p>
-            <a:r>
-              <a:rPr lang="en-US" dirty="0"/>
-              <a:t>Questions and comments welcome!</a:t>
-            </a:r>
-          </a:p>
-          <a:p>
-            <a:pPr marL="0" indent="0" algn="ctr">
-              <a:buNone/>
-            </a:pPr>
-            <a:r>
-              <a:rPr lang="en-US" dirty="0"/>
-              <a:t>adam.wilson1@wsu.edu</a:t>
-            </a:r>
+              <a:t>OCAs are only one form of vessel sharing agreements (VSA); we do not observe any other form of VSA. </a:t>
+            </a:r>
+          </a:p>
+          <a:p>
+            <a:endParaRPr lang="en-US" dirty="0"/>
           </a:p>
         </p:txBody>
       </p:sp>
     </p:spTree>
     <p:extLst>
       <p:ext uri="{BB962C8B-B14F-4D97-AF65-F5344CB8AC3E}">
-        <p14:creationId xmlns:p14="http://schemas.microsoft.com/office/powerpoint/2010/main" val="3929261373"/>
+        <p14:creationId xmlns:p14="http://schemas.microsoft.com/office/powerpoint/2010/main" val="1936259183"/>
       </p:ext>
     </p:extLst>
   </p:cSld>
@@ -9909,7 +9857,7 @@
 </p:sld>
 </file>
 
-<file path=ppt/slides/slide3.xml><?xml version="1.0" encoding="utf-8"?>
+<file path=ppt/slides/slide22.xml><?xml version="1.0" encoding="utf-8"?>
 <p:sld xmlns:a="http://schemas.openxmlformats.org/drawingml/2006/main" xmlns:r="http://schemas.openxmlformats.org/officeDocument/2006/relationships" xmlns:p="http://schemas.openxmlformats.org/presentationml/2006/main">
   <p:cSld>
     <p:spTree>
@@ -9931,7 +9879,7 @@
           <p:cNvPr id="2" name="Title 1">
             <a:extLst>
               <a:ext uri="{FF2B5EF4-FFF2-40B4-BE49-F238E27FC236}">
-                <a16:creationId xmlns:a16="http://schemas.microsoft.com/office/drawing/2014/main" id="{1755B255-42B9-C1B2-A31D-4AF7A1765882}"/>
+                <a16:creationId xmlns:a16="http://schemas.microsoft.com/office/drawing/2014/main" id="{851E7B48-98AC-7B25-CB3D-8CBBC598C220}"/>
               </a:ext>
             </a:extLst>
           </p:cNvPr>
@@ -9949,80 +9897,62 @@
           <a:p>
             <a:r>
               <a:rPr lang="en-US" dirty="0"/>
-              <a:t>A Brief History of Alliances</a:t>
+              <a:t>Concluding Remarks</a:t>
             </a:r>
           </a:p>
         </p:txBody>
       </p:sp>
-      <p:pic>
-        <p:nvPicPr>
-          <p:cNvPr id="7" name="Picture 6" descr="A screen shot of a computer&#10;&#10;Description automatically generated">
-            <a:extLst>
-              <a:ext uri="{FF2B5EF4-FFF2-40B4-BE49-F238E27FC236}">
-                <a16:creationId xmlns:a16="http://schemas.microsoft.com/office/drawing/2014/main" id="{A78AAFC6-1545-3678-51AC-68676CB0CD64}"/>
-              </a:ext>
-            </a:extLst>
-          </p:cNvPr>
-          <p:cNvPicPr>
-            <a:picLocks noChangeAspect="1"/>
-          </p:cNvPicPr>
-          <p:nvPr/>
-        </p:nvPicPr>
-        <p:blipFill>
-          <a:blip r:embed="rId2"/>
-          <a:stretch>
-            <a:fillRect/>
-          </a:stretch>
-        </p:blipFill>
-        <p:spPr>
-          <a:xfrm>
-            <a:off x="1444310" y="1040182"/>
-            <a:ext cx="9303380" cy="4996933"/>
-          </a:xfrm>
-          <a:prstGeom prst="rect">
-            <a:avLst/>
-          </a:prstGeom>
-        </p:spPr>
-      </p:pic>
       <p:sp>
         <p:nvSpPr>
-          <p:cNvPr id="8" name="TextBox 7">
-            <a:extLst>
-              <a:ext uri="{FF2B5EF4-FFF2-40B4-BE49-F238E27FC236}">
-                <a16:creationId xmlns:a16="http://schemas.microsoft.com/office/drawing/2014/main" id="{18206DCD-9F9A-82BD-D00C-9EFFDC57DADC}"/>
-              </a:ext>
-            </a:extLst>
-          </p:cNvPr>
-          <p:cNvSpPr txBox="1"/>
-          <p:nvPr/>
+          <p:cNvPr id="3" name="Content Placeholder 2">
+            <a:extLst>
+              <a:ext uri="{FF2B5EF4-FFF2-40B4-BE49-F238E27FC236}">
+                <a16:creationId xmlns:a16="http://schemas.microsoft.com/office/drawing/2014/main" id="{8AD0A0AA-0740-6721-568D-C75B7993EC59}"/>
+              </a:ext>
+            </a:extLst>
+          </p:cNvPr>
+          <p:cNvSpPr>
+            <a:spLocks noGrp="1"/>
+          </p:cNvSpPr>
+          <p:nvPr>
+            <p:ph idx="1"/>
+          </p:nvPr>
         </p:nvSpPr>
-        <p:spPr>
-          <a:xfrm>
-            <a:off x="7543800" y="6037115"/>
-            <a:ext cx="3717100" cy="369332"/>
-          </a:xfrm>
-          <a:prstGeom prst="rect">
-            <a:avLst/>
-          </a:prstGeom>
-          <a:noFill/>
-        </p:spPr>
+        <p:spPr/>
         <p:txBody>
-          <a:bodyPr wrap="square" rtlCol="0">
-            <a:spAutoFit/>
-          </a:bodyPr>
+          <a:bodyPr/>
           <a:lstStyle/>
           <a:p>
             <a:r>
-              <a:rPr lang="en-US" i="1" dirty="0"/>
-              <a:t>Source: Theo </a:t>
-            </a:r>
-            <a:r>
-              <a:rPr lang="en-US" i="1" dirty="0" err="1"/>
-              <a:t>Notteboom</a:t>
-            </a:r>
-            <a:r>
-              <a:rPr lang="en-US" i="1" dirty="0"/>
-              <a:t>, PEMP</a:t>
+              <a:rPr lang="en-US" dirty="0"/>
+              <a:t>Alliance utilization varies over time and across lanes</a:t>
+            </a:r>
+          </a:p>
+          <a:p>
+            <a:r>
+              <a:rPr lang="en-US" dirty="0"/>
+              <a:t>Impacts on producers depend on utilization</a:t>
+            </a:r>
+          </a:p>
+          <a:p>
+            <a:r>
+              <a:rPr lang="en-US" dirty="0"/>
+              <a:t>Study results re: US ag producers expected this fall</a:t>
+            </a:r>
+          </a:p>
+          <a:p>
+            <a:r>
+              <a:rPr lang="en-US" dirty="0"/>
+              <a:t>Questions and comments welcome!</a:t>
+            </a:r>
+          </a:p>
+          <a:p>
+            <a:pPr marL="0" indent="0" algn="ctr">
+              <a:buNone/>
+            </a:pPr>
+            <a:r>
+              <a:rPr lang="en-US" dirty="0"/>
+              <a:t>adam.wilson1@wsu.edu</a:t>
             </a:r>
           </a:p>
         </p:txBody>
@@ -10030,7 +9960,7 @@
     </p:spTree>
     <p:extLst>
       <p:ext uri="{BB962C8B-B14F-4D97-AF65-F5344CB8AC3E}">
-        <p14:creationId xmlns:p14="http://schemas.microsoft.com/office/powerpoint/2010/main" val="3206686003"/>
+        <p14:creationId xmlns:p14="http://schemas.microsoft.com/office/powerpoint/2010/main" val="3929261373"/>
       </p:ext>
     </p:extLst>
   </p:cSld>
@@ -10040,7 +9970,7 @@
 </p:sld>
 </file>
 
-<file path=ppt/slides/slide4.xml><?xml version="1.0" encoding="utf-8"?>
+<file path=ppt/slides/slide3.xml><?xml version="1.0" encoding="utf-8"?>
 <p:sld xmlns:a="http://schemas.openxmlformats.org/drawingml/2006/main" xmlns:r="http://schemas.openxmlformats.org/officeDocument/2006/relationships" xmlns:p="http://schemas.openxmlformats.org/presentationml/2006/main">
   <p:cSld>
     <p:spTree>
@@ -10100,7 +10030,7 @@
 </p:sld>
 </file>
 
-<file path=ppt/slides/slide5.xml><?xml version="1.0" encoding="utf-8"?>
+<file path=ppt/slides/slide4.xml><?xml version="1.0" encoding="utf-8"?>
 <p:sld xmlns:a="http://schemas.openxmlformats.org/drawingml/2006/main" xmlns:r="http://schemas.openxmlformats.org/officeDocument/2006/relationships" xmlns:p="http://schemas.openxmlformats.org/presentationml/2006/main">
   <p:cSld>
     <p:spTree>
@@ -10151,6 +10081,137 @@
     <p:extLst>
       <p:ext uri="{BB962C8B-B14F-4D97-AF65-F5344CB8AC3E}">
         <p14:creationId xmlns:p14="http://schemas.microsoft.com/office/powerpoint/2010/main" val="2094747406"/>
+      </p:ext>
+    </p:extLst>
+  </p:cSld>
+  <p:clrMapOvr>
+    <a:masterClrMapping/>
+  </p:clrMapOvr>
+</p:sld>
+</file>
+
+<file path=ppt/slides/slide5.xml><?xml version="1.0" encoding="utf-8"?>
+<p:sld xmlns:a="http://schemas.openxmlformats.org/drawingml/2006/main" xmlns:r="http://schemas.openxmlformats.org/officeDocument/2006/relationships" xmlns:p="http://schemas.openxmlformats.org/presentationml/2006/main">
+  <p:cSld>
+    <p:spTree>
+      <p:nvGrpSpPr>
+        <p:cNvPr id="1" name=""/>
+        <p:cNvGrpSpPr/>
+        <p:nvPr/>
+      </p:nvGrpSpPr>
+      <p:grpSpPr>
+        <a:xfrm>
+          <a:off x="0" y="0"/>
+          <a:ext cx="0" cy="0"/>
+          <a:chOff x="0" y="0"/>
+          <a:chExt cx="0" cy="0"/>
+        </a:xfrm>
+      </p:grpSpPr>
+      <p:sp>
+        <p:nvSpPr>
+          <p:cNvPr id="2" name="Title 1">
+            <a:extLst>
+              <a:ext uri="{FF2B5EF4-FFF2-40B4-BE49-F238E27FC236}">
+                <a16:creationId xmlns:a16="http://schemas.microsoft.com/office/drawing/2014/main" id="{1755B255-42B9-C1B2-A31D-4AF7A1765882}"/>
+              </a:ext>
+            </a:extLst>
+          </p:cNvPr>
+          <p:cNvSpPr>
+            <a:spLocks noGrp="1"/>
+          </p:cNvSpPr>
+          <p:nvPr>
+            <p:ph type="title"/>
+          </p:nvPr>
+        </p:nvSpPr>
+        <p:spPr/>
+        <p:txBody>
+          <a:bodyPr/>
+          <a:lstStyle/>
+          <a:p>
+            <a:r>
+              <a:rPr lang="en-US" dirty="0"/>
+              <a:t>A Brief History of Alliances</a:t>
+            </a:r>
+          </a:p>
+        </p:txBody>
+      </p:sp>
+      <p:pic>
+        <p:nvPicPr>
+          <p:cNvPr id="7" name="Picture 6" descr="A screen shot of a computer&#10;&#10;Description automatically generated">
+            <a:extLst>
+              <a:ext uri="{FF2B5EF4-FFF2-40B4-BE49-F238E27FC236}">
+                <a16:creationId xmlns:a16="http://schemas.microsoft.com/office/drawing/2014/main" id="{A78AAFC6-1545-3678-51AC-68676CB0CD64}"/>
+              </a:ext>
+            </a:extLst>
+          </p:cNvPr>
+          <p:cNvPicPr>
+            <a:picLocks noChangeAspect="1"/>
+          </p:cNvPicPr>
+          <p:nvPr/>
+        </p:nvPicPr>
+        <p:blipFill>
+          <a:blip r:embed="rId2"/>
+          <a:stretch>
+            <a:fillRect/>
+          </a:stretch>
+        </p:blipFill>
+        <p:spPr>
+          <a:xfrm>
+            <a:off x="1444310" y="1040182"/>
+            <a:ext cx="9303380" cy="4996933"/>
+          </a:xfrm>
+          <a:prstGeom prst="rect">
+            <a:avLst/>
+          </a:prstGeom>
+        </p:spPr>
+      </p:pic>
+      <p:sp>
+        <p:nvSpPr>
+          <p:cNvPr id="8" name="TextBox 7">
+            <a:extLst>
+              <a:ext uri="{FF2B5EF4-FFF2-40B4-BE49-F238E27FC236}">
+                <a16:creationId xmlns:a16="http://schemas.microsoft.com/office/drawing/2014/main" id="{18206DCD-9F9A-82BD-D00C-9EFFDC57DADC}"/>
+              </a:ext>
+            </a:extLst>
+          </p:cNvPr>
+          <p:cNvSpPr txBox="1"/>
+          <p:nvPr/>
+        </p:nvSpPr>
+        <p:spPr>
+          <a:xfrm>
+            <a:off x="7543800" y="6037115"/>
+            <a:ext cx="3717100" cy="369332"/>
+          </a:xfrm>
+          <a:prstGeom prst="rect">
+            <a:avLst/>
+          </a:prstGeom>
+          <a:noFill/>
+        </p:spPr>
+        <p:txBody>
+          <a:bodyPr wrap="square" rtlCol="0">
+            <a:spAutoFit/>
+          </a:bodyPr>
+          <a:lstStyle/>
+          <a:p>
+            <a:r>
+              <a:rPr lang="en-US" i="1" dirty="0"/>
+              <a:t>Source: Theo </a:t>
+            </a:r>
+            <a:r>
+              <a:rPr lang="en-US" i="1" dirty="0" err="1"/>
+              <a:t>Notteboom</a:t>
+            </a:r>
+            <a:r>
+              <a:rPr lang="en-US" i="1" dirty="0"/>
+              <a:t>, PEMP</a:t>
+            </a:r>
+          </a:p>
+        </p:txBody>
+      </p:sp>
+    </p:spTree>
+    <p:extLst>
+      <p:ext uri="{BB962C8B-B14F-4D97-AF65-F5344CB8AC3E}">
+        <p14:creationId xmlns:p14="http://schemas.microsoft.com/office/powerpoint/2010/main" val="3206686003"/>
       </p:ext>
     </p:extLst>
   </p:cSld>

--- a/PNREC/PNREC slides.pptx
+++ b/PNREC/PNREC slides.pptx
@@ -4,29 +4,30 @@
   <p:sldMasterIdLst>
     <p:sldMasterId id="2147483673" r:id="rId1"/>
   </p:sldMasterIdLst>
+  <p:notesMasterIdLst>
+    <p:notesMasterId r:id="rId22"/>
+  </p:notesMasterIdLst>
   <p:sldIdLst>
     <p:sldId id="256" r:id="rId2"/>
     <p:sldId id="257" r:id="rId3"/>
-    <p:sldId id="270" r:id="rId4"/>
-    <p:sldId id="272" r:id="rId5"/>
-    <p:sldId id="258" r:id="rId6"/>
+    <p:sldId id="258" r:id="rId4"/>
+    <p:sldId id="270" r:id="rId5"/>
+    <p:sldId id="272" r:id="rId6"/>
     <p:sldId id="268" r:id="rId7"/>
-    <p:sldId id="260" r:id="rId8"/>
-    <p:sldId id="269" r:id="rId9"/>
-    <p:sldId id="275" r:id="rId10"/>
-    <p:sldId id="261" r:id="rId11"/>
-    <p:sldId id="267" r:id="rId12"/>
-    <p:sldId id="277" r:id="rId13"/>
-    <p:sldId id="282" r:id="rId14"/>
-    <p:sldId id="263" r:id="rId15"/>
-    <p:sldId id="271" r:id="rId16"/>
-    <p:sldId id="273" r:id="rId17"/>
-    <p:sldId id="274" r:id="rId18"/>
-    <p:sldId id="278" r:id="rId19"/>
-    <p:sldId id="280" r:id="rId20"/>
-    <p:sldId id="281" r:id="rId21"/>
-    <p:sldId id="264" r:id="rId22"/>
-    <p:sldId id="279" r:id="rId23"/>
+    <p:sldId id="283" r:id="rId8"/>
+    <p:sldId id="277" r:id="rId9"/>
+    <p:sldId id="282" r:id="rId10"/>
+    <p:sldId id="271" r:id="rId11"/>
+    <p:sldId id="260" r:id="rId12"/>
+    <p:sldId id="261" r:id="rId13"/>
+    <p:sldId id="263" r:id="rId14"/>
+    <p:sldId id="273" r:id="rId15"/>
+    <p:sldId id="278" r:id="rId16"/>
+    <p:sldId id="280" r:id="rId17"/>
+    <p:sldId id="281" r:id="rId18"/>
+    <p:sldId id="284" r:id="rId19"/>
+    <p:sldId id="264" r:id="rId20"/>
+    <p:sldId id="279" r:id="rId21"/>
   </p:sldIdLst>
   <p:sldSz cx="12192000" cy="6858000"/>
   <p:notesSz cx="6858000" cy="9144000"/>
@@ -133,6 +134,1501 @@
 </p:presentation>
 </file>
 
+<file path=ppt/notesMasters/notesMaster1.xml><?xml version="1.0" encoding="utf-8"?>
+<p:notesMaster xmlns:a="http://schemas.openxmlformats.org/drawingml/2006/main" xmlns:r="http://schemas.openxmlformats.org/officeDocument/2006/relationships" xmlns:p="http://schemas.openxmlformats.org/presentationml/2006/main">
+  <p:cSld>
+    <p:bg>
+      <p:bgRef idx="1001">
+        <a:schemeClr val="bg1"/>
+      </p:bgRef>
+    </p:bg>
+    <p:spTree>
+      <p:nvGrpSpPr>
+        <p:cNvPr id="1" name=""/>
+        <p:cNvGrpSpPr/>
+        <p:nvPr/>
+      </p:nvGrpSpPr>
+      <p:grpSpPr>
+        <a:xfrm>
+          <a:off x="0" y="0"/>
+          <a:ext cx="0" cy="0"/>
+          <a:chOff x="0" y="0"/>
+          <a:chExt cx="0" cy="0"/>
+        </a:xfrm>
+      </p:grpSpPr>
+      <p:sp>
+        <p:nvSpPr>
+          <p:cNvPr id="2" name="Header Placeholder 1"/>
+          <p:cNvSpPr>
+            <a:spLocks noGrp="1"/>
+          </p:cNvSpPr>
+          <p:nvPr>
+            <p:ph type="hdr" sz="quarter"/>
+          </p:nvPr>
+        </p:nvSpPr>
+        <p:spPr>
+          <a:xfrm>
+            <a:off x="0" y="0"/>
+            <a:ext cx="2971800" cy="458788"/>
+          </a:xfrm>
+          <a:prstGeom prst="rect">
+            <a:avLst/>
+          </a:prstGeom>
+        </p:spPr>
+        <p:txBody>
+          <a:bodyPr vert="horz" lIns="91440" tIns="45720" rIns="91440" bIns="45720" rtlCol="0"/>
+          <a:lstStyle>
+            <a:lvl1pPr algn="l">
+              <a:defRPr sz="1200"/>
+            </a:lvl1pPr>
+          </a:lstStyle>
+          <a:p>
+            <a:endParaRPr lang="en-US"/>
+          </a:p>
+        </p:txBody>
+      </p:sp>
+      <p:sp>
+        <p:nvSpPr>
+          <p:cNvPr id="3" name="Date Placeholder 2"/>
+          <p:cNvSpPr>
+            <a:spLocks noGrp="1"/>
+          </p:cNvSpPr>
+          <p:nvPr>
+            <p:ph type="dt" idx="1"/>
+          </p:nvPr>
+        </p:nvSpPr>
+        <p:spPr>
+          <a:xfrm>
+            <a:off x="3884613" y="0"/>
+            <a:ext cx="2971800" cy="458788"/>
+          </a:xfrm>
+          <a:prstGeom prst="rect">
+            <a:avLst/>
+          </a:prstGeom>
+        </p:spPr>
+        <p:txBody>
+          <a:bodyPr vert="horz" lIns="91440" tIns="45720" rIns="91440" bIns="45720" rtlCol="0"/>
+          <a:lstStyle>
+            <a:lvl1pPr algn="r">
+              <a:defRPr sz="1200"/>
+            </a:lvl1pPr>
+          </a:lstStyle>
+          <a:p>
+            <a:fld id="{034AD978-8D11-DD48-A11C-B9C87484E294}" type="datetimeFigureOut">
+              <a:rPr lang="en-US" smtClean="0"/>
+              <a:t>5/22/24</a:t>
+            </a:fld>
+            <a:endParaRPr lang="en-US"/>
+          </a:p>
+        </p:txBody>
+      </p:sp>
+      <p:sp>
+        <p:nvSpPr>
+          <p:cNvPr id="4" name="Slide Image Placeholder 3"/>
+          <p:cNvSpPr>
+            <a:spLocks noGrp="1" noRot="1" noChangeAspect="1"/>
+          </p:cNvSpPr>
+          <p:nvPr>
+            <p:ph type="sldImg" idx="2"/>
+          </p:nvPr>
+        </p:nvSpPr>
+        <p:spPr>
+          <a:xfrm>
+            <a:off x="685800" y="1143000"/>
+            <a:ext cx="5486400" cy="3086100"/>
+          </a:xfrm>
+          <a:prstGeom prst="rect">
+            <a:avLst/>
+          </a:prstGeom>
+          <a:noFill/>
+          <a:ln w="12700">
+            <a:solidFill>
+              <a:prstClr val="black"/>
+            </a:solidFill>
+          </a:ln>
+        </p:spPr>
+        <p:txBody>
+          <a:bodyPr vert="horz" lIns="91440" tIns="45720" rIns="91440" bIns="45720" rtlCol="0" anchor="ctr"/>
+          <a:lstStyle/>
+          <a:p>
+            <a:endParaRPr lang="en-US"/>
+          </a:p>
+        </p:txBody>
+      </p:sp>
+      <p:sp>
+        <p:nvSpPr>
+          <p:cNvPr id="5" name="Notes Placeholder 4"/>
+          <p:cNvSpPr>
+            <a:spLocks noGrp="1"/>
+          </p:cNvSpPr>
+          <p:nvPr>
+            <p:ph type="body" sz="quarter" idx="3"/>
+          </p:nvPr>
+        </p:nvSpPr>
+        <p:spPr>
+          <a:xfrm>
+            <a:off x="685800" y="4400550"/>
+            <a:ext cx="5486400" cy="3600450"/>
+          </a:xfrm>
+          <a:prstGeom prst="rect">
+            <a:avLst/>
+          </a:prstGeom>
+        </p:spPr>
+        <p:txBody>
+          <a:bodyPr vert="horz" lIns="91440" tIns="45720" rIns="91440" bIns="45720" rtlCol="0"/>
+          <a:lstStyle/>
+          <a:p>
+            <a:pPr lvl="0"/>
+            <a:r>
+              <a:rPr lang="en-US"/>
+              <a:t>Click to edit Master text styles</a:t>
+            </a:r>
+          </a:p>
+          <a:p>
+            <a:pPr lvl="1"/>
+            <a:r>
+              <a:rPr lang="en-US"/>
+              <a:t>Second level</a:t>
+            </a:r>
+          </a:p>
+          <a:p>
+            <a:pPr lvl="2"/>
+            <a:r>
+              <a:rPr lang="en-US"/>
+              <a:t>Third level</a:t>
+            </a:r>
+          </a:p>
+          <a:p>
+            <a:pPr lvl="3"/>
+            <a:r>
+              <a:rPr lang="en-US"/>
+              <a:t>Fourth level</a:t>
+            </a:r>
+          </a:p>
+          <a:p>
+            <a:pPr lvl="4"/>
+            <a:r>
+              <a:rPr lang="en-US"/>
+              <a:t>Fifth level</a:t>
+            </a:r>
+          </a:p>
+        </p:txBody>
+      </p:sp>
+      <p:sp>
+        <p:nvSpPr>
+          <p:cNvPr id="6" name="Footer Placeholder 5"/>
+          <p:cNvSpPr>
+            <a:spLocks noGrp="1"/>
+          </p:cNvSpPr>
+          <p:nvPr>
+            <p:ph type="ftr" sz="quarter" idx="4"/>
+          </p:nvPr>
+        </p:nvSpPr>
+        <p:spPr>
+          <a:xfrm>
+            <a:off x="0" y="8685213"/>
+            <a:ext cx="2971800" cy="458787"/>
+          </a:xfrm>
+          <a:prstGeom prst="rect">
+            <a:avLst/>
+          </a:prstGeom>
+        </p:spPr>
+        <p:txBody>
+          <a:bodyPr vert="horz" lIns="91440" tIns="45720" rIns="91440" bIns="45720" rtlCol="0" anchor="b"/>
+          <a:lstStyle>
+            <a:lvl1pPr algn="l">
+              <a:defRPr sz="1200"/>
+            </a:lvl1pPr>
+          </a:lstStyle>
+          <a:p>
+            <a:endParaRPr lang="en-US"/>
+          </a:p>
+        </p:txBody>
+      </p:sp>
+      <p:sp>
+        <p:nvSpPr>
+          <p:cNvPr id="7" name="Slide Number Placeholder 6"/>
+          <p:cNvSpPr>
+            <a:spLocks noGrp="1"/>
+          </p:cNvSpPr>
+          <p:nvPr>
+            <p:ph type="sldNum" sz="quarter" idx="5"/>
+          </p:nvPr>
+        </p:nvSpPr>
+        <p:spPr>
+          <a:xfrm>
+            <a:off x="3884613" y="8685213"/>
+            <a:ext cx="2971800" cy="458787"/>
+          </a:xfrm>
+          <a:prstGeom prst="rect">
+            <a:avLst/>
+          </a:prstGeom>
+        </p:spPr>
+        <p:txBody>
+          <a:bodyPr vert="horz" lIns="91440" tIns="45720" rIns="91440" bIns="45720" rtlCol="0" anchor="b"/>
+          <a:lstStyle>
+            <a:lvl1pPr algn="r">
+              <a:defRPr sz="1200"/>
+            </a:lvl1pPr>
+          </a:lstStyle>
+          <a:p>
+            <a:fld id="{7533C227-D97C-7C43-8E0F-F2A2332E3D76}" type="slidenum">
+              <a:rPr lang="en-US" smtClean="0"/>
+              <a:t>‹#›</a:t>
+            </a:fld>
+            <a:endParaRPr lang="en-US"/>
+          </a:p>
+        </p:txBody>
+      </p:sp>
+    </p:spTree>
+    <p:extLst>
+      <p:ext uri="{BB962C8B-B14F-4D97-AF65-F5344CB8AC3E}">
+        <p14:creationId xmlns:p14="http://schemas.microsoft.com/office/powerpoint/2010/main" val="27659917"/>
+      </p:ext>
+    </p:extLst>
+  </p:cSld>
+  <p:clrMap bg1="lt1" tx1="dk1" bg2="lt2" tx2="dk2" accent1="accent1" accent2="accent2" accent3="accent3" accent4="accent4" accent5="accent5" accent6="accent6" hlink="hlink" folHlink="folHlink"/>
+  <p:notesStyle>
+    <a:lvl1pPr marL="0" algn="l" defTabSz="914400" rtl="0" eaLnBrk="1" latinLnBrk="0" hangingPunct="1">
+      <a:defRPr sz="1200" kern="1200">
+        <a:solidFill>
+          <a:schemeClr val="tx1"/>
+        </a:solidFill>
+        <a:latin typeface="+mn-lt"/>
+        <a:ea typeface="+mn-ea"/>
+        <a:cs typeface="+mn-cs"/>
+      </a:defRPr>
+    </a:lvl1pPr>
+    <a:lvl2pPr marL="457200" algn="l" defTabSz="914400" rtl="0" eaLnBrk="1" latinLnBrk="0" hangingPunct="1">
+      <a:defRPr sz="1200" kern="1200">
+        <a:solidFill>
+          <a:schemeClr val="tx1"/>
+        </a:solidFill>
+        <a:latin typeface="+mn-lt"/>
+        <a:ea typeface="+mn-ea"/>
+        <a:cs typeface="+mn-cs"/>
+      </a:defRPr>
+    </a:lvl2pPr>
+    <a:lvl3pPr marL="914400" algn="l" defTabSz="914400" rtl="0" eaLnBrk="1" latinLnBrk="0" hangingPunct="1">
+      <a:defRPr sz="1200" kern="1200">
+        <a:solidFill>
+          <a:schemeClr val="tx1"/>
+        </a:solidFill>
+        <a:latin typeface="+mn-lt"/>
+        <a:ea typeface="+mn-ea"/>
+        <a:cs typeface="+mn-cs"/>
+      </a:defRPr>
+    </a:lvl3pPr>
+    <a:lvl4pPr marL="1371600" algn="l" defTabSz="914400" rtl="0" eaLnBrk="1" latinLnBrk="0" hangingPunct="1">
+      <a:defRPr sz="1200" kern="1200">
+        <a:solidFill>
+          <a:schemeClr val="tx1"/>
+        </a:solidFill>
+        <a:latin typeface="+mn-lt"/>
+        <a:ea typeface="+mn-ea"/>
+        <a:cs typeface="+mn-cs"/>
+      </a:defRPr>
+    </a:lvl4pPr>
+    <a:lvl5pPr marL="1828800" algn="l" defTabSz="914400" rtl="0" eaLnBrk="1" latinLnBrk="0" hangingPunct="1">
+      <a:defRPr sz="1200" kern="1200">
+        <a:solidFill>
+          <a:schemeClr val="tx1"/>
+        </a:solidFill>
+        <a:latin typeface="+mn-lt"/>
+        <a:ea typeface="+mn-ea"/>
+        <a:cs typeface="+mn-cs"/>
+      </a:defRPr>
+    </a:lvl5pPr>
+    <a:lvl6pPr marL="2286000" algn="l" defTabSz="914400" rtl="0" eaLnBrk="1" latinLnBrk="0" hangingPunct="1">
+      <a:defRPr sz="1200" kern="1200">
+        <a:solidFill>
+          <a:schemeClr val="tx1"/>
+        </a:solidFill>
+        <a:latin typeface="+mn-lt"/>
+        <a:ea typeface="+mn-ea"/>
+        <a:cs typeface="+mn-cs"/>
+      </a:defRPr>
+    </a:lvl6pPr>
+    <a:lvl7pPr marL="2743200" algn="l" defTabSz="914400" rtl="0" eaLnBrk="1" latinLnBrk="0" hangingPunct="1">
+      <a:defRPr sz="1200" kern="1200">
+        <a:solidFill>
+          <a:schemeClr val="tx1"/>
+        </a:solidFill>
+        <a:latin typeface="+mn-lt"/>
+        <a:ea typeface="+mn-ea"/>
+        <a:cs typeface="+mn-cs"/>
+      </a:defRPr>
+    </a:lvl7pPr>
+    <a:lvl8pPr marL="3200400" algn="l" defTabSz="914400" rtl="0" eaLnBrk="1" latinLnBrk="0" hangingPunct="1">
+      <a:defRPr sz="1200" kern="1200">
+        <a:solidFill>
+          <a:schemeClr val="tx1"/>
+        </a:solidFill>
+        <a:latin typeface="+mn-lt"/>
+        <a:ea typeface="+mn-ea"/>
+        <a:cs typeface="+mn-cs"/>
+      </a:defRPr>
+    </a:lvl8pPr>
+    <a:lvl9pPr marL="3657600" algn="l" defTabSz="914400" rtl="0" eaLnBrk="1" latinLnBrk="0" hangingPunct="1">
+      <a:defRPr sz="1200" kern="1200">
+        <a:solidFill>
+          <a:schemeClr val="tx1"/>
+        </a:solidFill>
+        <a:latin typeface="+mn-lt"/>
+        <a:ea typeface="+mn-ea"/>
+        <a:cs typeface="+mn-cs"/>
+      </a:defRPr>
+    </a:lvl9pPr>
+  </p:notesStyle>
+</p:notesMaster>
+</file>
+
+<file path=ppt/notesSlides/notesSlide1.xml><?xml version="1.0" encoding="utf-8"?>
+<p:notes xmlns:a="http://schemas.openxmlformats.org/drawingml/2006/main" xmlns:r="http://schemas.openxmlformats.org/officeDocument/2006/relationships" xmlns:p="http://schemas.openxmlformats.org/presentationml/2006/main">
+  <p:cSld>
+    <p:spTree>
+      <p:nvGrpSpPr>
+        <p:cNvPr id="1" name=""/>
+        <p:cNvGrpSpPr/>
+        <p:nvPr/>
+      </p:nvGrpSpPr>
+      <p:grpSpPr>
+        <a:xfrm>
+          <a:off x="0" y="0"/>
+          <a:ext cx="0" cy="0"/>
+          <a:chOff x="0" y="0"/>
+          <a:chExt cx="0" cy="0"/>
+        </a:xfrm>
+      </p:grpSpPr>
+      <p:sp>
+        <p:nvSpPr>
+          <p:cNvPr id="2" name="Slide Image Placeholder 1"/>
+          <p:cNvSpPr>
+            <a:spLocks noGrp="1" noRot="1" noChangeAspect="1"/>
+          </p:cNvSpPr>
+          <p:nvPr>
+            <p:ph type="sldImg"/>
+          </p:nvPr>
+        </p:nvSpPr>
+        <p:spPr/>
+      </p:sp>
+      <p:sp>
+        <p:nvSpPr>
+          <p:cNvPr id="3" name="Notes Placeholder 2"/>
+          <p:cNvSpPr>
+            <a:spLocks noGrp="1"/>
+          </p:cNvSpPr>
+          <p:nvPr>
+            <p:ph type="body" idx="1"/>
+          </p:nvPr>
+        </p:nvSpPr>
+        <p:spPr/>
+        <p:txBody>
+          <a:bodyPr/>
+          <a:lstStyle/>
+          <a:p>
+            <a:r>
+              <a:rPr lang="en-US" dirty="0"/>
+              <a:t>Cheap rates on excess capacity can be vital for ag producers </a:t>
+            </a:r>
+          </a:p>
+        </p:txBody>
+      </p:sp>
+      <p:sp>
+        <p:nvSpPr>
+          <p:cNvPr id="4" name="Slide Number Placeholder 3"/>
+          <p:cNvSpPr>
+            <a:spLocks noGrp="1"/>
+          </p:cNvSpPr>
+          <p:nvPr>
+            <p:ph type="sldNum" sz="quarter" idx="5"/>
+          </p:nvPr>
+        </p:nvSpPr>
+        <p:spPr/>
+        <p:txBody>
+          <a:bodyPr/>
+          <a:lstStyle/>
+          <a:p>
+            <a:fld id="{7533C227-D97C-7C43-8E0F-F2A2332E3D76}" type="slidenum">
+              <a:rPr lang="en-US" smtClean="0"/>
+              <a:t>2</a:t>
+            </a:fld>
+            <a:endParaRPr lang="en-US"/>
+          </a:p>
+        </p:txBody>
+      </p:sp>
+    </p:spTree>
+    <p:extLst>
+      <p:ext uri="{BB962C8B-B14F-4D97-AF65-F5344CB8AC3E}">
+        <p14:creationId xmlns:p14="http://schemas.microsoft.com/office/powerpoint/2010/main" val="841891799"/>
+      </p:ext>
+    </p:extLst>
+  </p:cSld>
+  <p:clrMapOvr>
+    <a:masterClrMapping/>
+  </p:clrMapOvr>
+</p:notes>
+</file>
+
+<file path=ppt/notesSlides/notesSlide10.xml><?xml version="1.0" encoding="utf-8"?>
+<p:notes xmlns:a="http://schemas.openxmlformats.org/drawingml/2006/main" xmlns:r="http://schemas.openxmlformats.org/officeDocument/2006/relationships" xmlns:p="http://schemas.openxmlformats.org/presentationml/2006/main">
+  <p:cSld>
+    <p:spTree>
+      <p:nvGrpSpPr>
+        <p:cNvPr id="1" name=""/>
+        <p:cNvGrpSpPr/>
+        <p:nvPr/>
+      </p:nvGrpSpPr>
+      <p:grpSpPr>
+        <a:xfrm>
+          <a:off x="0" y="0"/>
+          <a:ext cx="0" cy="0"/>
+          <a:chOff x="0" y="0"/>
+          <a:chExt cx="0" cy="0"/>
+        </a:xfrm>
+      </p:grpSpPr>
+      <p:sp>
+        <p:nvSpPr>
+          <p:cNvPr id="2" name="Slide Image Placeholder 1"/>
+          <p:cNvSpPr>
+            <a:spLocks noGrp="1" noRot="1" noChangeAspect="1"/>
+          </p:cNvSpPr>
+          <p:nvPr>
+            <p:ph type="sldImg"/>
+          </p:nvPr>
+        </p:nvSpPr>
+        <p:spPr/>
+      </p:sp>
+      <p:sp>
+        <p:nvSpPr>
+          <p:cNvPr id="3" name="Notes Placeholder 2"/>
+          <p:cNvSpPr>
+            <a:spLocks noGrp="1"/>
+          </p:cNvSpPr>
+          <p:nvPr>
+            <p:ph type="body" idx="1"/>
+          </p:nvPr>
+        </p:nvSpPr>
+        <p:spPr/>
+        <p:txBody>
+          <a:bodyPr/>
+          <a:lstStyle/>
+          <a:p>
+            <a:r>
+              <a:rPr lang="en-US" dirty="0"/>
+              <a:t>Alliance utilization is correlated with reductions in service frequencies</a:t>
+            </a:r>
+          </a:p>
+          <a:p>
+            <a:endParaRPr lang="en-US" dirty="0"/>
+          </a:p>
+          <a:p>
+            <a:r>
+              <a:rPr lang="en-US" dirty="0"/>
+              <a:t>What else could be causing this correlation?</a:t>
+            </a:r>
+          </a:p>
+          <a:p>
+            <a:endParaRPr lang="en-US" dirty="0"/>
+          </a:p>
+          <a:p>
+            <a:r>
+              <a:rPr lang="en-US" dirty="0"/>
+              <a:t>We don't (yet) have a good way of measuring vessel size</a:t>
+            </a:r>
+          </a:p>
+        </p:txBody>
+      </p:sp>
+      <p:sp>
+        <p:nvSpPr>
+          <p:cNvPr id="4" name="Slide Number Placeholder 3"/>
+          <p:cNvSpPr>
+            <a:spLocks noGrp="1"/>
+          </p:cNvSpPr>
+          <p:nvPr>
+            <p:ph type="sldNum" sz="quarter" idx="5"/>
+          </p:nvPr>
+        </p:nvSpPr>
+        <p:spPr/>
+        <p:txBody>
+          <a:bodyPr/>
+          <a:lstStyle/>
+          <a:p>
+            <a:fld id="{7533C227-D97C-7C43-8E0F-F2A2332E3D76}" type="slidenum">
+              <a:rPr lang="en-US" smtClean="0"/>
+              <a:t>16</a:t>
+            </a:fld>
+            <a:endParaRPr lang="en-US"/>
+          </a:p>
+        </p:txBody>
+      </p:sp>
+    </p:spTree>
+    <p:extLst>
+      <p:ext uri="{BB962C8B-B14F-4D97-AF65-F5344CB8AC3E}">
+        <p14:creationId xmlns:p14="http://schemas.microsoft.com/office/powerpoint/2010/main" val="2009125903"/>
+      </p:ext>
+    </p:extLst>
+  </p:cSld>
+  <p:clrMapOvr>
+    <a:masterClrMapping/>
+  </p:clrMapOvr>
+</p:notes>
+</file>
+
+<file path=ppt/notesSlides/notesSlide11.xml><?xml version="1.0" encoding="utf-8"?>
+<p:notes xmlns:a="http://schemas.openxmlformats.org/drawingml/2006/main" xmlns:r="http://schemas.openxmlformats.org/officeDocument/2006/relationships" xmlns:p="http://schemas.openxmlformats.org/presentationml/2006/main">
+  <p:cSld>
+    <p:spTree>
+      <p:nvGrpSpPr>
+        <p:cNvPr id="1" name=""/>
+        <p:cNvGrpSpPr/>
+        <p:nvPr/>
+      </p:nvGrpSpPr>
+      <p:grpSpPr>
+        <a:xfrm>
+          <a:off x="0" y="0"/>
+          <a:ext cx="0" cy="0"/>
+          <a:chOff x="0" y="0"/>
+          <a:chExt cx="0" cy="0"/>
+        </a:xfrm>
+      </p:grpSpPr>
+      <p:sp>
+        <p:nvSpPr>
+          <p:cNvPr id="2" name="Slide Image Placeholder 1"/>
+          <p:cNvSpPr>
+            <a:spLocks noGrp="1" noRot="1" noChangeAspect="1"/>
+          </p:cNvSpPr>
+          <p:nvPr>
+            <p:ph type="sldImg"/>
+          </p:nvPr>
+        </p:nvSpPr>
+        <p:spPr/>
+      </p:sp>
+      <p:sp>
+        <p:nvSpPr>
+          <p:cNvPr id="3" name="Notes Placeholder 2"/>
+          <p:cNvSpPr>
+            <a:spLocks noGrp="1"/>
+          </p:cNvSpPr>
+          <p:nvPr>
+            <p:ph type="body" idx="1"/>
+          </p:nvPr>
+        </p:nvSpPr>
+        <p:spPr/>
+        <p:txBody>
+          <a:bodyPr/>
+          <a:lstStyle/>
+          <a:p>
+            <a:r>
+              <a:rPr lang="en-US" dirty="0"/>
+              <a:t>The relationship between utilization and service frequency varies from port to port</a:t>
+            </a:r>
+          </a:p>
+        </p:txBody>
+      </p:sp>
+      <p:sp>
+        <p:nvSpPr>
+          <p:cNvPr id="4" name="Slide Number Placeholder 3"/>
+          <p:cNvSpPr>
+            <a:spLocks noGrp="1"/>
+          </p:cNvSpPr>
+          <p:nvPr>
+            <p:ph type="sldNum" sz="quarter" idx="5"/>
+          </p:nvPr>
+        </p:nvSpPr>
+        <p:spPr/>
+        <p:txBody>
+          <a:bodyPr/>
+          <a:lstStyle/>
+          <a:p>
+            <a:fld id="{7533C227-D97C-7C43-8E0F-F2A2332E3D76}" type="slidenum">
+              <a:rPr lang="en-US" smtClean="0"/>
+              <a:t>17</a:t>
+            </a:fld>
+            <a:endParaRPr lang="en-US"/>
+          </a:p>
+        </p:txBody>
+      </p:sp>
+    </p:spTree>
+    <p:extLst>
+      <p:ext uri="{BB962C8B-B14F-4D97-AF65-F5344CB8AC3E}">
+        <p14:creationId xmlns:p14="http://schemas.microsoft.com/office/powerpoint/2010/main" val="141223241"/>
+      </p:ext>
+    </p:extLst>
+  </p:cSld>
+  <p:clrMapOvr>
+    <a:masterClrMapping/>
+  </p:clrMapOvr>
+</p:notes>
+</file>
+
+<file path=ppt/notesSlides/notesSlide12.xml><?xml version="1.0" encoding="utf-8"?>
+<p:notes xmlns:a="http://schemas.openxmlformats.org/drawingml/2006/main" xmlns:r="http://schemas.openxmlformats.org/officeDocument/2006/relationships" xmlns:p="http://schemas.openxmlformats.org/presentationml/2006/main">
+  <p:cSld>
+    <p:spTree>
+      <p:nvGrpSpPr>
+        <p:cNvPr id="1" name=""/>
+        <p:cNvGrpSpPr/>
+        <p:nvPr/>
+      </p:nvGrpSpPr>
+      <p:grpSpPr>
+        <a:xfrm>
+          <a:off x="0" y="0"/>
+          <a:ext cx="0" cy="0"/>
+          <a:chOff x="0" y="0"/>
+          <a:chExt cx="0" cy="0"/>
+        </a:xfrm>
+      </p:grpSpPr>
+      <p:sp>
+        <p:nvSpPr>
+          <p:cNvPr id="2" name="Slide Image Placeholder 1"/>
+          <p:cNvSpPr>
+            <a:spLocks noGrp="1" noRot="1" noChangeAspect="1"/>
+          </p:cNvSpPr>
+          <p:nvPr>
+            <p:ph type="sldImg"/>
+          </p:nvPr>
+        </p:nvSpPr>
+        <p:spPr/>
+      </p:sp>
+      <p:sp>
+        <p:nvSpPr>
+          <p:cNvPr id="3" name="Notes Placeholder 2"/>
+          <p:cNvSpPr>
+            <a:spLocks noGrp="1"/>
+          </p:cNvSpPr>
+          <p:nvPr>
+            <p:ph type="body" idx="1"/>
+          </p:nvPr>
+        </p:nvSpPr>
+        <p:spPr/>
+        <p:txBody>
+          <a:bodyPr/>
+          <a:lstStyle/>
+          <a:p>
+            <a:r>
+              <a:rPr lang="en-US" dirty="0"/>
+              <a:t>Also varies across lanes for a given carrier</a:t>
+            </a:r>
+          </a:p>
+          <a:p>
+            <a:endParaRPr lang="en-US" dirty="0"/>
+          </a:p>
+          <a:p>
+            <a:r>
+              <a:rPr lang="en-US" dirty="0"/>
+              <a:t>Higher utilization = less frequent service LB to Busan</a:t>
+            </a:r>
+          </a:p>
+          <a:p>
+            <a:endParaRPr lang="en-US" dirty="0"/>
+          </a:p>
+          <a:p>
+            <a:r>
+              <a:rPr lang="en-US" dirty="0"/>
+              <a:t>Higher utilization = more frequent service LB to HK </a:t>
+            </a:r>
+          </a:p>
+        </p:txBody>
+      </p:sp>
+      <p:sp>
+        <p:nvSpPr>
+          <p:cNvPr id="4" name="Slide Number Placeholder 3"/>
+          <p:cNvSpPr>
+            <a:spLocks noGrp="1"/>
+          </p:cNvSpPr>
+          <p:nvPr>
+            <p:ph type="sldNum" sz="quarter" idx="5"/>
+          </p:nvPr>
+        </p:nvSpPr>
+        <p:spPr/>
+        <p:txBody>
+          <a:bodyPr/>
+          <a:lstStyle/>
+          <a:p>
+            <a:fld id="{7533C227-D97C-7C43-8E0F-F2A2332E3D76}" type="slidenum">
+              <a:rPr lang="en-US" smtClean="0"/>
+              <a:t>18</a:t>
+            </a:fld>
+            <a:endParaRPr lang="en-US"/>
+          </a:p>
+        </p:txBody>
+      </p:sp>
+    </p:spTree>
+    <p:extLst>
+      <p:ext uri="{BB962C8B-B14F-4D97-AF65-F5344CB8AC3E}">
+        <p14:creationId xmlns:p14="http://schemas.microsoft.com/office/powerpoint/2010/main" val="271260865"/>
+      </p:ext>
+    </p:extLst>
+  </p:cSld>
+  <p:clrMapOvr>
+    <a:masterClrMapping/>
+  </p:clrMapOvr>
+</p:notes>
+</file>
+
+<file path=ppt/notesSlides/notesSlide2.xml><?xml version="1.0" encoding="utf-8"?>
+<p:notes xmlns:a="http://schemas.openxmlformats.org/drawingml/2006/main" xmlns:r="http://schemas.openxmlformats.org/officeDocument/2006/relationships" xmlns:p="http://schemas.openxmlformats.org/presentationml/2006/main">
+  <p:cSld>
+    <p:spTree>
+      <p:nvGrpSpPr>
+        <p:cNvPr id="1" name=""/>
+        <p:cNvGrpSpPr/>
+        <p:nvPr/>
+      </p:nvGrpSpPr>
+      <p:grpSpPr>
+        <a:xfrm>
+          <a:off x="0" y="0"/>
+          <a:ext cx="0" cy="0"/>
+          <a:chOff x="0" y="0"/>
+          <a:chExt cx="0" cy="0"/>
+        </a:xfrm>
+      </p:grpSpPr>
+      <p:sp>
+        <p:nvSpPr>
+          <p:cNvPr id="2" name="Slide Image Placeholder 1"/>
+          <p:cNvSpPr>
+            <a:spLocks noGrp="1" noRot="1" noChangeAspect="1"/>
+          </p:cNvSpPr>
+          <p:nvPr>
+            <p:ph type="sldImg"/>
+          </p:nvPr>
+        </p:nvSpPr>
+        <p:spPr/>
+      </p:sp>
+      <p:sp>
+        <p:nvSpPr>
+          <p:cNvPr id="3" name="Notes Placeholder 2"/>
+          <p:cNvSpPr>
+            <a:spLocks noGrp="1"/>
+          </p:cNvSpPr>
+          <p:nvPr>
+            <p:ph type="body" idx="1"/>
+          </p:nvPr>
+        </p:nvSpPr>
+        <p:spPr/>
+        <p:txBody>
+          <a:bodyPr/>
+          <a:lstStyle/>
+          <a:p>
+            <a:r>
+              <a:rPr lang="en-US" dirty="0"/>
+              <a:t>Port Economics, Management, and Policy</a:t>
+            </a:r>
+          </a:p>
+          <a:p>
+            <a:endParaRPr lang="en-US" dirty="0"/>
+          </a:p>
+          <a:p>
+            <a:r>
+              <a:rPr lang="en-US" dirty="0"/>
+              <a:t>Carriers on bottom are some of the largest in the world</a:t>
+            </a:r>
+          </a:p>
+          <a:p>
+            <a:r>
+              <a:rPr lang="en-US" dirty="0"/>
+              <a:t>~2013-2015 was a major transition </a:t>
+            </a:r>
+          </a:p>
+        </p:txBody>
+      </p:sp>
+      <p:sp>
+        <p:nvSpPr>
+          <p:cNvPr id="4" name="Slide Number Placeholder 3"/>
+          <p:cNvSpPr>
+            <a:spLocks noGrp="1"/>
+          </p:cNvSpPr>
+          <p:nvPr>
+            <p:ph type="sldNum" sz="quarter" idx="5"/>
+          </p:nvPr>
+        </p:nvSpPr>
+        <p:spPr/>
+        <p:txBody>
+          <a:bodyPr/>
+          <a:lstStyle/>
+          <a:p>
+            <a:fld id="{7533C227-D97C-7C43-8E0F-F2A2332E3D76}" type="slidenum">
+              <a:rPr lang="en-US" smtClean="0"/>
+              <a:t>3</a:t>
+            </a:fld>
+            <a:endParaRPr lang="en-US"/>
+          </a:p>
+        </p:txBody>
+      </p:sp>
+    </p:spTree>
+    <p:extLst>
+      <p:ext uri="{BB962C8B-B14F-4D97-AF65-F5344CB8AC3E}">
+        <p14:creationId xmlns:p14="http://schemas.microsoft.com/office/powerpoint/2010/main" val="2949853355"/>
+      </p:ext>
+    </p:extLst>
+  </p:cSld>
+  <p:clrMapOvr>
+    <a:masterClrMapping/>
+  </p:clrMapOvr>
+</p:notes>
+</file>
+
+<file path=ppt/notesSlides/notesSlide3.xml><?xml version="1.0" encoding="utf-8"?>
+<p:notes xmlns:a="http://schemas.openxmlformats.org/drawingml/2006/main" xmlns:r="http://schemas.openxmlformats.org/officeDocument/2006/relationships" xmlns:p="http://schemas.openxmlformats.org/presentationml/2006/main">
+  <p:cSld>
+    <p:spTree>
+      <p:nvGrpSpPr>
+        <p:cNvPr id="1" name=""/>
+        <p:cNvGrpSpPr/>
+        <p:nvPr/>
+      </p:nvGrpSpPr>
+      <p:grpSpPr>
+        <a:xfrm>
+          <a:off x="0" y="0"/>
+          <a:ext cx="0" cy="0"/>
+          <a:chOff x="0" y="0"/>
+          <a:chExt cx="0" cy="0"/>
+        </a:xfrm>
+      </p:grpSpPr>
+      <p:sp>
+        <p:nvSpPr>
+          <p:cNvPr id="2" name="Slide Image Placeholder 1"/>
+          <p:cNvSpPr>
+            <a:spLocks noGrp="1" noRot="1" noChangeAspect="1"/>
+          </p:cNvSpPr>
+          <p:nvPr>
+            <p:ph type="sldImg"/>
+          </p:nvPr>
+        </p:nvSpPr>
+        <p:spPr/>
+      </p:sp>
+      <p:sp>
+        <p:nvSpPr>
+          <p:cNvPr id="3" name="Notes Placeholder 2"/>
+          <p:cNvSpPr>
+            <a:spLocks noGrp="1"/>
+          </p:cNvSpPr>
+          <p:nvPr>
+            <p:ph type="body" idx="1"/>
+          </p:nvPr>
+        </p:nvSpPr>
+        <p:spPr/>
+        <p:txBody>
+          <a:bodyPr/>
+          <a:lstStyle/>
+          <a:p>
+            <a:r>
+              <a:rPr lang="en-US" dirty="0"/>
+              <a:t>Our first task is to study impacts of alliances on US ag producers</a:t>
+            </a:r>
+          </a:p>
+          <a:p>
+            <a:endParaRPr lang="en-US" dirty="0"/>
+          </a:p>
+          <a:p>
+            <a:r>
+              <a:rPr lang="en-US" dirty="0"/>
+              <a:t>Since this is PNREC, we look at west coast only</a:t>
+            </a:r>
+          </a:p>
+          <a:p>
+            <a:endParaRPr lang="en-US" dirty="0"/>
+          </a:p>
+          <a:p>
+            <a:r>
+              <a:rPr lang="en-US" dirty="0"/>
+              <a:t>Data is from 15.5M bills of lading - all maritime exports since 2005</a:t>
+            </a:r>
+          </a:p>
+          <a:p>
+            <a:endParaRPr lang="en-US" dirty="0"/>
+          </a:p>
+          <a:p>
+            <a:endParaRPr lang="en-US" dirty="0"/>
+          </a:p>
+        </p:txBody>
+      </p:sp>
+      <p:sp>
+        <p:nvSpPr>
+          <p:cNvPr id="4" name="Slide Number Placeholder 3"/>
+          <p:cNvSpPr>
+            <a:spLocks noGrp="1"/>
+          </p:cNvSpPr>
+          <p:nvPr>
+            <p:ph type="sldNum" sz="quarter" idx="5"/>
+          </p:nvPr>
+        </p:nvSpPr>
+        <p:spPr/>
+        <p:txBody>
+          <a:bodyPr/>
+          <a:lstStyle/>
+          <a:p>
+            <a:fld id="{7533C227-D97C-7C43-8E0F-F2A2332E3D76}" type="slidenum">
+              <a:rPr lang="en-US" smtClean="0"/>
+              <a:t>4</a:t>
+            </a:fld>
+            <a:endParaRPr lang="en-US"/>
+          </a:p>
+        </p:txBody>
+      </p:sp>
+    </p:spTree>
+    <p:extLst>
+      <p:ext uri="{BB962C8B-B14F-4D97-AF65-F5344CB8AC3E}">
+        <p14:creationId xmlns:p14="http://schemas.microsoft.com/office/powerpoint/2010/main" val="4273830447"/>
+      </p:ext>
+    </p:extLst>
+  </p:cSld>
+  <p:clrMapOvr>
+    <a:masterClrMapping/>
+  </p:clrMapOvr>
+</p:notes>
+</file>
+
+<file path=ppt/notesSlides/notesSlide4.xml><?xml version="1.0" encoding="utf-8"?>
+<p:notes xmlns:a="http://schemas.openxmlformats.org/drawingml/2006/main" xmlns:r="http://schemas.openxmlformats.org/officeDocument/2006/relationships" xmlns:p="http://schemas.openxmlformats.org/presentationml/2006/main">
+  <p:cSld>
+    <p:spTree>
+      <p:nvGrpSpPr>
+        <p:cNvPr id="1" name=""/>
+        <p:cNvGrpSpPr/>
+        <p:nvPr/>
+      </p:nvGrpSpPr>
+      <p:grpSpPr>
+        <a:xfrm>
+          <a:off x="0" y="0"/>
+          <a:ext cx="0" cy="0"/>
+          <a:chOff x="0" y="0"/>
+          <a:chExt cx="0" cy="0"/>
+        </a:xfrm>
+      </p:grpSpPr>
+      <p:sp>
+        <p:nvSpPr>
+          <p:cNvPr id="2" name="Slide Image Placeholder 1"/>
+          <p:cNvSpPr>
+            <a:spLocks noGrp="1" noRot="1" noChangeAspect="1"/>
+          </p:cNvSpPr>
+          <p:nvPr>
+            <p:ph type="sldImg"/>
+          </p:nvPr>
+        </p:nvSpPr>
+        <p:spPr/>
+      </p:sp>
+      <p:sp>
+        <p:nvSpPr>
+          <p:cNvPr id="3" name="Notes Placeholder 2"/>
+          <p:cNvSpPr>
+            <a:spLocks noGrp="1"/>
+          </p:cNvSpPr>
+          <p:nvPr>
+            <p:ph type="body" idx="1"/>
+          </p:nvPr>
+        </p:nvSpPr>
+        <p:spPr/>
+        <p:txBody>
+          <a:bodyPr/>
+          <a:lstStyle/>
+          <a:p>
+            <a:r>
+              <a:rPr lang="en-US" dirty="0"/>
+              <a:t>Normalizing to % of total reveals how much market share these alliances represent</a:t>
+            </a:r>
+          </a:p>
+          <a:p>
+            <a:endParaRPr lang="en-US" dirty="0"/>
+          </a:p>
+          <a:p>
+            <a:r>
+              <a:rPr lang="en-US" dirty="0"/>
+              <a:t>2023 - 3 alliances account for ~2/3 of exports</a:t>
+            </a:r>
+          </a:p>
+          <a:p>
+            <a:endParaRPr lang="en-US" dirty="0"/>
+          </a:p>
+          <a:p>
+            <a:r>
+              <a:rPr lang="en-US" dirty="0"/>
+              <a:t>Globally, &gt;3/4 of capacity sails under an alliance flag </a:t>
+            </a:r>
+          </a:p>
+        </p:txBody>
+      </p:sp>
+      <p:sp>
+        <p:nvSpPr>
+          <p:cNvPr id="4" name="Slide Number Placeholder 3"/>
+          <p:cNvSpPr>
+            <a:spLocks noGrp="1"/>
+          </p:cNvSpPr>
+          <p:nvPr>
+            <p:ph type="sldNum" sz="quarter" idx="5"/>
+          </p:nvPr>
+        </p:nvSpPr>
+        <p:spPr/>
+        <p:txBody>
+          <a:bodyPr/>
+          <a:lstStyle/>
+          <a:p>
+            <a:fld id="{7533C227-D97C-7C43-8E0F-F2A2332E3D76}" type="slidenum">
+              <a:rPr lang="en-US" smtClean="0"/>
+              <a:t>5</a:t>
+            </a:fld>
+            <a:endParaRPr lang="en-US"/>
+          </a:p>
+        </p:txBody>
+      </p:sp>
+    </p:spTree>
+    <p:extLst>
+      <p:ext uri="{BB962C8B-B14F-4D97-AF65-F5344CB8AC3E}">
+        <p14:creationId xmlns:p14="http://schemas.microsoft.com/office/powerpoint/2010/main" val="4265908325"/>
+      </p:ext>
+    </p:extLst>
+  </p:cSld>
+  <p:clrMapOvr>
+    <a:masterClrMapping/>
+  </p:clrMapOvr>
+</p:notes>
+</file>
+
+<file path=ppt/notesSlides/notesSlide5.xml><?xml version="1.0" encoding="utf-8"?>
+<p:notes xmlns:a="http://schemas.openxmlformats.org/drawingml/2006/main" xmlns:r="http://schemas.openxmlformats.org/officeDocument/2006/relationships" xmlns:p="http://schemas.openxmlformats.org/presentationml/2006/main">
+  <p:cSld>
+    <p:spTree>
+      <p:nvGrpSpPr>
+        <p:cNvPr id="1" name=""/>
+        <p:cNvGrpSpPr/>
+        <p:nvPr/>
+      </p:nvGrpSpPr>
+      <p:grpSpPr>
+        <a:xfrm>
+          <a:off x="0" y="0"/>
+          <a:ext cx="0" cy="0"/>
+          <a:chOff x="0" y="0"/>
+          <a:chExt cx="0" cy="0"/>
+        </a:xfrm>
+      </p:grpSpPr>
+      <p:sp>
+        <p:nvSpPr>
+          <p:cNvPr id="2" name="Slide Image Placeholder 1"/>
+          <p:cNvSpPr>
+            <a:spLocks noGrp="1" noRot="1" noChangeAspect="1"/>
+          </p:cNvSpPr>
+          <p:nvPr>
+            <p:ph type="sldImg"/>
+          </p:nvPr>
+        </p:nvSpPr>
+        <p:spPr/>
+      </p:sp>
+      <p:sp>
+        <p:nvSpPr>
+          <p:cNvPr id="3" name="Notes Placeholder 2"/>
+          <p:cNvSpPr>
+            <a:spLocks noGrp="1"/>
+          </p:cNvSpPr>
+          <p:nvPr>
+            <p:ph type="body" idx="1"/>
+          </p:nvPr>
+        </p:nvSpPr>
+        <p:spPr/>
+        <p:txBody>
+          <a:bodyPr/>
+          <a:lstStyle/>
+          <a:p>
+            <a:r>
+              <a:rPr lang="en-US" dirty="0"/>
+              <a:t>Who Maersk shares with</a:t>
+            </a:r>
+          </a:p>
+        </p:txBody>
+      </p:sp>
+      <p:sp>
+        <p:nvSpPr>
+          <p:cNvPr id="4" name="Slide Number Placeholder 3"/>
+          <p:cNvSpPr>
+            <a:spLocks noGrp="1"/>
+          </p:cNvSpPr>
+          <p:nvPr>
+            <p:ph type="sldNum" sz="quarter" idx="5"/>
+          </p:nvPr>
+        </p:nvSpPr>
+        <p:spPr/>
+        <p:txBody>
+          <a:bodyPr/>
+          <a:lstStyle/>
+          <a:p>
+            <a:fld id="{7533C227-D97C-7C43-8E0F-F2A2332E3D76}" type="slidenum">
+              <a:rPr lang="en-US" smtClean="0"/>
+              <a:t>8</a:t>
+            </a:fld>
+            <a:endParaRPr lang="en-US"/>
+          </a:p>
+        </p:txBody>
+      </p:sp>
+    </p:spTree>
+    <p:extLst>
+      <p:ext uri="{BB962C8B-B14F-4D97-AF65-F5344CB8AC3E}">
+        <p14:creationId xmlns:p14="http://schemas.microsoft.com/office/powerpoint/2010/main" val="2230947675"/>
+      </p:ext>
+    </p:extLst>
+  </p:cSld>
+  <p:clrMapOvr>
+    <a:masterClrMapping/>
+  </p:clrMapOvr>
+</p:notes>
+</file>
+
+<file path=ppt/notesSlides/notesSlide6.xml><?xml version="1.0" encoding="utf-8"?>
+<p:notes xmlns:a="http://schemas.openxmlformats.org/drawingml/2006/main" xmlns:r="http://schemas.openxmlformats.org/officeDocument/2006/relationships" xmlns:p="http://schemas.openxmlformats.org/presentationml/2006/main">
+  <p:cSld>
+    <p:spTree>
+      <p:nvGrpSpPr>
+        <p:cNvPr id="1" name=""/>
+        <p:cNvGrpSpPr/>
+        <p:nvPr/>
+      </p:nvGrpSpPr>
+      <p:grpSpPr>
+        <a:xfrm>
+          <a:off x="0" y="0"/>
+          <a:ext cx="0" cy="0"/>
+          <a:chOff x="0" y="0"/>
+          <a:chExt cx="0" cy="0"/>
+        </a:xfrm>
+      </p:grpSpPr>
+      <p:sp>
+        <p:nvSpPr>
+          <p:cNvPr id="2" name="Slide Image Placeholder 1"/>
+          <p:cNvSpPr>
+            <a:spLocks noGrp="1" noRot="1" noChangeAspect="1"/>
+          </p:cNvSpPr>
+          <p:nvPr>
+            <p:ph type="sldImg"/>
+          </p:nvPr>
+        </p:nvSpPr>
+        <p:spPr/>
+      </p:sp>
+      <p:sp>
+        <p:nvSpPr>
+          <p:cNvPr id="3" name="Notes Placeholder 2"/>
+          <p:cNvSpPr>
+            <a:spLocks noGrp="1"/>
+          </p:cNvSpPr>
+          <p:nvPr>
+            <p:ph type="body" idx="1"/>
+          </p:nvPr>
+        </p:nvSpPr>
+        <p:spPr/>
+        <p:txBody>
+          <a:bodyPr/>
+          <a:lstStyle/>
+          <a:p>
+            <a:r>
+              <a:rPr lang="en-US" dirty="0"/>
+              <a:t>Carriers in Alliances share cargo at higher rates than carriers not in alliances</a:t>
+            </a:r>
+          </a:p>
+        </p:txBody>
+      </p:sp>
+      <p:sp>
+        <p:nvSpPr>
+          <p:cNvPr id="4" name="Slide Number Placeholder 3"/>
+          <p:cNvSpPr>
+            <a:spLocks noGrp="1"/>
+          </p:cNvSpPr>
+          <p:nvPr>
+            <p:ph type="sldNum" sz="quarter" idx="5"/>
+          </p:nvPr>
+        </p:nvSpPr>
+        <p:spPr/>
+        <p:txBody>
+          <a:bodyPr/>
+          <a:lstStyle/>
+          <a:p>
+            <a:fld id="{7533C227-D97C-7C43-8E0F-F2A2332E3D76}" type="slidenum">
+              <a:rPr lang="en-US" smtClean="0"/>
+              <a:t>10</a:t>
+            </a:fld>
+            <a:endParaRPr lang="en-US"/>
+          </a:p>
+        </p:txBody>
+      </p:sp>
+    </p:spTree>
+    <p:extLst>
+      <p:ext uri="{BB962C8B-B14F-4D97-AF65-F5344CB8AC3E}">
+        <p14:creationId xmlns:p14="http://schemas.microsoft.com/office/powerpoint/2010/main" val="2547871300"/>
+      </p:ext>
+    </p:extLst>
+  </p:cSld>
+  <p:clrMapOvr>
+    <a:masterClrMapping/>
+  </p:clrMapOvr>
+</p:notes>
+</file>
+
+<file path=ppt/notesSlides/notesSlide7.xml><?xml version="1.0" encoding="utf-8"?>
+<p:notes xmlns:a="http://schemas.openxmlformats.org/drawingml/2006/main" xmlns:r="http://schemas.openxmlformats.org/officeDocument/2006/relationships" xmlns:p="http://schemas.openxmlformats.org/presentationml/2006/main">
+  <p:cSld>
+    <p:spTree>
+      <p:nvGrpSpPr>
+        <p:cNvPr id="1" name=""/>
+        <p:cNvGrpSpPr/>
+        <p:nvPr/>
+      </p:nvGrpSpPr>
+      <p:grpSpPr>
+        <a:xfrm>
+          <a:off x="0" y="0"/>
+          <a:ext cx="0" cy="0"/>
+          <a:chOff x="0" y="0"/>
+          <a:chExt cx="0" cy="0"/>
+        </a:xfrm>
+      </p:grpSpPr>
+      <p:sp>
+        <p:nvSpPr>
+          <p:cNvPr id="2" name="Slide Image Placeholder 1"/>
+          <p:cNvSpPr>
+            <a:spLocks noGrp="1" noRot="1" noChangeAspect="1"/>
+          </p:cNvSpPr>
+          <p:nvPr>
+            <p:ph type="sldImg"/>
+          </p:nvPr>
+        </p:nvSpPr>
+        <p:spPr/>
+      </p:sp>
+      <p:sp>
+        <p:nvSpPr>
+          <p:cNvPr id="3" name="Notes Placeholder 2"/>
+          <p:cNvSpPr>
+            <a:spLocks noGrp="1"/>
+          </p:cNvSpPr>
+          <p:nvPr>
+            <p:ph type="body" idx="1"/>
+          </p:nvPr>
+        </p:nvSpPr>
+        <p:spPr/>
+        <p:txBody>
+          <a:bodyPr/>
+          <a:lstStyle/>
+          <a:p>
+            <a:r>
+              <a:rPr lang="en-US" dirty="0"/>
+              <a:t>Cargo sharing is very important </a:t>
+            </a:r>
+          </a:p>
+          <a:p>
+            <a:endParaRPr lang="en-US" dirty="0"/>
+          </a:p>
+          <a:p>
+            <a:r>
+              <a:rPr lang="en-US" dirty="0"/>
+              <a:t>Varies over time</a:t>
+            </a:r>
+          </a:p>
+        </p:txBody>
+      </p:sp>
+      <p:sp>
+        <p:nvSpPr>
+          <p:cNvPr id="4" name="Slide Number Placeholder 3"/>
+          <p:cNvSpPr>
+            <a:spLocks noGrp="1"/>
+          </p:cNvSpPr>
+          <p:nvPr>
+            <p:ph type="sldNum" sz="quarter" idx="5"/>
+          </p:nvPr>
+        </p:nvSpPr>
+        <p:spPr/>
+        <p:txBody>
+          <a:bodyPr/>
+          <a:lstStyle/>
+          <a:p>
+            <a:fld id="{7533C227-D97C-7C43-8E0F-F2A2332E3D76}" type="slidenum">
+              <a:rPr lang="en-US" smtClean="0"/>
+              <a:t>13</a:t>
+            </a:fld>
+            <a:endParaRPr lang="en-US"/>
+          </a:p>
+        </p:txBody>
+      </p:sp>
+    </p:spTree>
+    <p:extLst>
+      <p:ext uri="{BB962C8B-B14F-4D97-AF65-F5344CB8AC3E}">
+        <p14:creationId xmlns:p14="http://schemas.microsoft.com/office/powerpoint/2010/main" val="3142130078"/>
+      </p:ext>
+    </p:extLst>
+  </p:cSld>
+  <p:clrMapOvr>
+    <a:masterClrMapping/>
+  </p:clrMapOvr>
+</p:notes>
+</file>
+
+<file path=ppt/notesSlides/notesSlide8.xml><?xml version="1.0" encoding="utf-8"?>
+<p:notes xmlns:a="http://schemas.openxmlformats.org/drawingml/2006/main" xmlns:r="http://schemas.openxmlformats.org/officeDocument/2006/relationships" xmlns:p="http://schemas.openxmlformats.org/presentationml/2006/main">
+  <p:cSld>
+    <p:spTree>
+      <p:nvGrpSpPr>
+        <p:cNvPr id="1" name=""/>
+        <p:cNvGrpSpPr/>
+        <p:nvPr/>
+      </p:nvGrpSpPr>
+      <p:grpSpPr>
+        <a:xfrm>
+          <a:off x="0" y="0"/>
+          <a:ext cx="0" cy="0"/>
+          <a:chOff x="0" y="0"/>
+          <a:chExt cx="0" cy="0"/>
+        </a:xfrm>
+      </p:grpSpPr>
+      <p:sp>
+        <p:nvSpPr>
+          <p:cNvPr id="2" name="Slide Image Placeholder 1"/>
+          <p:cNvSpPr>
+            <a:spLocks noGrp="1" noRot="1" noChangeAspect="1"/>
+          </p:cNvSpPr>
+          <p:nvPr>
+            <p:ph type="sldImg"/>
+          </p:nvPr>
+        </p:nvSpPr>
+        <p:spPr/>
+      </p:sp>
+      <p:sp>
+        <p:nvSpPr>
+          <p:cNvPr id="3" name="Notes Placeholder 2"/>
+          <p:cNvSpPr>
+            <a:spLocks noGrp="1"/>
+          </p:cNvSpPr>
+          <p:nvPr>
+            <p:ph type="body" idx="1"/>
+          </p:nvPr>
+        </p:nvSpPr>
+        <p:spPr/>
+        <p:txBody>
+          <a:bodyPr/>
+          <a:lstStyle/>
+          <a:p>
+            <a:r>
+              <a:rPr lang="en-US" dirty="0"/>
+              <a:t>Zooming in on the proportion of shared cargo that goes to allies gives us our Alliance Utilization metric</a:t>
+            </a:r>
+          </a:p>
+        </p:txBody>
+      </p:sp>
+      <p:sp>
+        <p:nvSpPr>
+          <p:cNvPr id="4" name="Slide Number Placeholder 3"/>
+          <p:cNvSpPr>
+            <a:spLocks noGrp="1"/>
+          </p:cNvSpPr>
+          <p:nvPr>
+            <p:ph type="sldNum" sz="quarter" idx="5"/>
+          </p:nvPr>
+        </p:nvSpPr>
+        <p:spPr/>
+        <p:txBody>
+          <a:bodyPr/>
+          <a:lstStyle/>
+          <a:p>
+            <a:fld id="{7533C227-D97C-7C43-8E0F-F2A2332E3D76}" type="slidenum">
+              <a:rPr lang="en-US" smtClean="0"/>
+              <a:t>14</a:t>
+            </a:fld>
+            <a:endParaRPr lang="en-US"/>
+          </a:p>
+        </p:txBody>
+      </p:sp>
+    </p:spTree>
+    <p:extLst>
+      <p:ext uri="{BB962C8B-B14F-4D97-AF65-F5344CB8AC3E}">
+        <p14:creationId xmlns:p14="http://schemas.microsoft.com/office/powerpoint/2010/main" val="1675227139"/>
+      </p:ext>
+    </p:extLst>
+  </p:cSld>
+  <p:clrMapOvr>
+    <a:masterClrMapping/>
+  </p:clrMapOvr>
+</p:notes>
+</file>
+
+<file path=ppt/notesSlides/notesSlide9.xml><?xml version="1.0" encoding="utf-8"?>
+<p:notes xmlns:a="http://schemas.openxmlformats.org/drawingml/2006/main" xmlns:r="http://schemas.openxmlformats.org/officeDocument/2006/relationships" xmlns:p="http://schemas.openxmlformats.org/presentationml/2006/main">
+  <p:cSld>
+    <p:spTree>
+      <p:nvGrpSpPr>
+        <p:cNvPr id="1" name=""/>
+        <p:cNvGrpSpPr/>
+        <p:nvPr/>
+      </p:nvGrpSpPr>
+      <p:grpSpPr>
+        <a:xfrm>
+          <a:off x="0" y="0"/>
+          <a:ext cx="0" cy="0"/>
+          <a:chOff x="0" y="0"/>
+          <a:chExt cx="0" cy="0"/>
+        </a:xfrm>
+      </p:grpSpPr>
+      <p:sp>
+        <p:nvSpPr>
+          <p:cNvPr id="2" name="Slide Image Placeholder 1"/>
+          <p:cNvSpPr>
+            <a:spLocks noGrp="1" noRot="1" noChangeAspect="1"/>
+          </p:cNvSpPr>
+          <p:nvPr>
+            <p:ph type="sldImg"/>
+          </p:nvPr>
+        </p:nvSpPr>
+        <p:spPr/>
+      </p:sp>
+      <p:sp>
+        <p:nvSpPr>
+          <p:cNvPr id="3" name="Notes Placeholder 2"/>
+          <p:cNvSpPr>
+            <a:spLocks noGrp="1"/>
+          </p:cNvSpPr>
+          <p:nvPr>
+            <p:ph type="body" idx="1"/>
+          </p:nvPr>
+        </p:nvSpPr>
+        <p:spPr/>
+        <p:txBody>
+          <a:bodyPr/>
+          <a:lstStyle/>
+          <a:p>
+            <a:r>
+              <a:rPr lang="en-US" dirty="0"/>
+              <a:t>Quite a lot of variance not just over time but also between ports</a:t>
+            </a:r>
+          </a:p>
+        </p:txBody>
+      </p:sp>
+      <p:sp>
+        <p:nvSpPr>
+          <p:cNvPr id="4" name="Slide Number Placeholder 3"/>
+          <p:cNvSpPr>
+            <a:spLocks noGrp="1"/>
+          </p:cNvSpPr>
+          <p:nvPr>
+            <p:ph type="sldNum" sz="quarter" idx="5"/>
+          </p:nvPr>
+        </p:nvSpPr>
+        <p:spPr/>
+        <p:txBody>
+          <a:bodyPr/>
+          <a:lstStyle/>
+          <a:p>
+            <a:fld id="{7533C227-D97C-7C43-8E0F-F2A2332E3D76}" type="slidenum">
+              <a:rPr lang="en-US" smtClean="0"/>
+              <a:t>15</a:t>
+            </a:fld>
+            <a:endParaRPr lang="en-US"/>
+          </a:p>
+        </p:txBody>
+      </p:sp>
+    </p:spTree>
+    <p:extLst>
+      <p:ext uri="{BB962C8B-B14F-4D97-AF65-F5344CB8AC3E}">
+        <p14:creationId xmlns:p14="http://schemas.microsoft.com/office/powerpoint/2010/main" val="2784423262"/>
+      </p:ext>
+    </p:extLst>
+  </p:cSld>
+  <p:clrMapOvr>
+    <a:masterClrMapping/>
+  </p:clrMapOvr>
+</p:notes>
+</file>
+
 <file path=ppt/slideLayouts/slideLayout1.xml><?xml version="1.0" encoding="utf-8"?>
 <p:sldLayout xmlns:a="http://schemas.openxmlformats.org/drawingml/2006/main" xmlns:r="http://schemas.openxmlformats.org/officeDocument/2006/relationships" xmlns:p="http://schemas.openxmlformats.org/presentationml/2006/main" type="title" preserve="1">
   <p:cSld name="Title Slide">
@@ -298,7 +1794,7 @@
           <a:p>
             <a:fld id="{72EA7947-E287-4738-8C82-07CE4F01EF03}" type="datetime2">
               <a:rPr lang="en-US" smtClean="0"/>
-              <a:t>Monday, May 20, 2024</a:t>
+              <a:t>Wednesday, May 22, 2024</a:t>
             </a:fld>
             <a:endParaRPr lang="en-US" dirty="0"/>
           </a:p>
@@ -1334,7 +2830,7 @@
           <a:p>
             <a:fld id="{EE2EBD84-71F4-4271-8C46-0D47C0A9B12E}" type="datetime2">
               <a:rPr lang="en-US" smtClean="0"/>
-              <a:t>Monday, May 20, 2024</a:t>
+              <a:t>Wednesday, May 22, 2024</a:t>
             </a:fld>
             <a:endParaRPr lang="en-US"/>
           </a:p>
@@ -1545,7 +3041,7 @@
           <a:p>
             <a:fld id="{ABAE0CE1-F450-4107-B2CB-17B18F8A3F4A}" type="datetime2">
               <a:rPr lang="en-US" smtClean="0"/>
-              <a:t>Monday, May 20, 2024</a:t>
+              <a:t>Wednesday, May 22, 2024</a:t>
             </a:fld>
             <a:endParaRPr lang="en-US"/>
           </a:p>
@@ -2255,7 +3751,7 @@
           <a:p>
             <a:fld id="{6FE8C025-CD7A-4966-867E-81CF82B15267}" type="datetime2">
               <a:rPr lang="en-US" smtClean="0"/>
-              <a:t>Monday, May 20, 2024</a:t>
+              <a:t>Wednesday, May 22, 2024</a:t>
             </a:fld>
             <a:endParaRPr lang="en-US"/>
           </a:p>
@@ -2875,7 +4371,7 @@
           <a:p>
             <a:fld id="{FE809929-0719-4517-94D6-FDF7F99E70F6}" type="datetime2">
               <a:rPr lang="en-US" smtClean="0"/>
-              <a:t>Monday, May 20, 2024</a:t>
+              <a:t>Wednesday, May 22, 2024</a:t>
             </a:fld>
             <a:endParaRPr lang="en-US"/>
           </a:p>
@@ -3993,7 +5489,7 @@
           <a:p>
             <a:fld id="{20E95673-5512-4AAA-9AEB-E00C61EC65D5}" type="datetime2">
               <a:rPr lang="en-US" smtClean="0"/>
-              <a:t>Monday, May 20, 2024</a:t>
+              <a:t>Wednesday, May 22, 2024</a:t>
             </a:fld>
             <a:endParaRPr lang="en-US"/>
           </a:p>
@@ -4540,7 +6036,7 @@
           <a:p>
             <a:fld id="{C13138FA-2E87-4873-8BBA-13E447C9A99A}" type="datetime2">
               <a:rPr lang="en-US" smtClean="0"/>
-              <a:t>Monday, May 20, 2024</a:t>
+              <a:t>Wednesday, May 22, 2024</a:t>
             </a:fld>
             <a:endParaRPr lang="en-US"/>
           </a:p>
@@ -4701,7 +6197,7 @@
           <a:p>
             <a:fld id="{D75BB40A-97BD-4BFB-B639-0BFF95FDE8B7}" type="datetime2">
               <a:rPr lang="en-US" smtClean="0"/>
-              <a:t>Monday, May 20, 2024</a:t>
+              <a:t>Wednesday, May 22, 2024</a:t>
             </a:fld>
             <a:endParaRPr lang="en-US"/>
           </a:p>
@@ -5736,7 +7232,7 @@
           <a:p>
             <a:fld id="{9EE9E0E3-ECF6-4CFE-8698-AEFEBCECC3C0}" type="datetime2">
               <a:rPr lang="en-US" smtClean="0"/>
-              <a:t>Monday, May 20, 2024</a:t>
+              <a:t>Wednesday, May 22, 2024</a:t>
             </a:fld>
             <a:endParaRPr lang="en-US"/>
           </a:p>
@@ -6382,7 +7878,7 @@
           <a:p>
             <a:fld id="{251462FC-960E-4740-921F-B36862979F21}" type="datetime2">
               <a:rPr lang="en-US" smtClean="0"/>
-              <a:t>Monday, May 20, 2024</a:t>
+              <a:t>Wednesday, May 22, 2024</a:t>
             </a:fld>
             <a:endParaRPr lang="en-US"/>
           </a:p>
@@ -7146,7 +8642,7 @@
           <a:p>
             <a:fld id="{E50BC9E2-CB44-4C05-9BB5-496C18A241E0}" type="datetime2">
               <a:rPr lang="en-US" smtClean="0"/>
-              <a:t>Monday, May 20, 2024</a:t>
+              <a:t>Wednesday, May 22, 2024</a:t>
             </a:fld>
             <a:endParaRPr lang="en-US"/>
           </a:p>
@@ -7399,7 +8895,7 @@
           <a:p>
             <a:fld id="{246CB39B-5F4C-4A7E-9BE3-AAFD45576D16}" type="datetime2">
               <a:rPr lang="en-US" smtClean="0"/>
-              <a:t>Monday, May 20, 2024</a:t>
+              <a:t>Wednesday, May 22, 2024</a:t>
             </a:fld>
             <a:endParaRPr lang="en-US" dirty="0"/>
           </a:p>
@@ -7989,47 +9485,104 @@
         <p:spPr>
           <a:xfrm>
             <a:off x="550863" y="3909514"/>
-            <a:ext cx="3565525" cy="1731656"/>
+            <a:ext cx="3565525" cy="2384898"/>
           </a:xfrm>
         </p:spPr>
         <p:txBody>
           <a:bodyPr>
-            <a:normAutofit/>
+            <a:normAutofit fontScale="92500" lnSpcReduction="20000"/>
           </a:bodyPr>
           <a:lstStyle/>
           <a:p>
-            <a:r>
-              <a:rPr lang="en-US" sz="1800" dirty="0">
-                <a:solidFill>
-                  <a:schemeClr val="tx1">
-                    <a:alpha val="60000"/>
-                  </a:schemeClr>
-                </a:solidFill>
-              </a:rPr>
+            <a:pPr>
+              <a:lnSpc>
+                <a:spcPct val="120000"/>
+              </a:lnSpc>
+              <a:spcBef>
+                <a:spcPts val="0"/>
+              </a:spcBef>
+              <a:spcAft>
+                <a:spcPts val="200"/>
+              </a:spcAft>
+            </a:pPr>
+            <a:r>
+              <a:rPr lang="en-US" sz="1800" b="1" dirty="0"/>
+              <a:t>Adam Wilson, M.S.</a:t>
+            </a:r>
+          </a:p>
+          <a:p>
+            <a:pPr>
+              <a:lnSpc>
+                <a:spcPct val="120000"/>
+              </a:lnSpc>
+              <a:spcBef>
+                <a:spcPts val="0"/>
+              </a:spcBef>
+              <a:spcAft>
+                <a:spcPts val="200"/>
+              </a:spcAft>
+            </a:pPr>
+            <a:r>
+              <a:rPr lang="en-US" sz="1800" dirty="0"/>
+              <a:t>Jake Wagner, Ph.D.</a:t>
+            </a:r>
+          </a:p>
+          <a:p>
+            <a:pPr>
+              <a:lnSpc>
+                <a:spcPct val="120000"/>
+              </a:lnSpc>
+              <a:spcBef>
+                <a:spcPts val="0"/>
+              </a:spcBef>
+              <a:spcAft>
+                <a:spcPts val="200"/>
+              </a:spcAft>
+            </a:pPr>
+            <a:r>
+              <a:rPr lang="en-US" sz="1800" dirty="0"/>
+              <a:t>Eric Jessup, Ph.D.</a:t>
+            </a:r>
+          </a:p>
+          <a:p>
+            <a:pPr>
+              <a:lnSpc>
+                <a:spcPct val="120000"/>
+              </a:lnSpc>
+              <a:spcBef>
+                <a:spcPts val="0"/>
+              </a:spcBef>
+              <a:spcAft>
+                <a:spcPts val="200"/>
+              </a:spcAft>
+            </a:pPr>
+            <a:endParaRPr lang="en-US" sz="1800" dirty="0"/>
+          </a:p>
+          <a:p>
+            <a:pPr>
+              <a:spcBef>
+                <a:spcPts val="0"/>
+              </a:spcBef>
+            </a:pPr>
+            <a:r>
+              <a:rPr lang="en-US" sz="1800" dirty="0"/>
               <a:t>Transportation Research Group</a:t>
             </a:r>
           </a:p>
           <a:p>
-            <a:r>
-              <a:rPr lang="en-US" sz="1800" dirty="0">
-                <a:solidFill>
-                  <a:schemeClr val="tx1">
-                    <a:alpha val="60000"/>
-                  </a:schemeClr>
-                </a:solidFill>
-              </a:rPr>
+            <a:pPr>
+              <a:spcBef>
+                <a:spcPts val="0"/>
+              </a:spcBef>
+            </a:pPr>
+            <a:r>
+              <a:rPr lang="en-US" sz="1800" dirty="0"/>
               <a:t>School of Economic Sciences</a:t>
             </a:r>
           </a:p>
           <a:p>
             <a:r>
-              <a:rPr lang="en-US" sz="1800" dirty="0">
-                <a:solidFill>
-                  <a:schemeClr val="tx1">
-                    <a:alpha val="60000"/>
-                  </a:schemeClr>
-                </a:solidFill>
-              </a:rPr>
+              <a:rPr lang="en-US" sz="1800" dirty="0"/>
               <a:t>College of Agriculture and Natural Resource Sciences</a:t>
             </a:r>
           </a:p>
@@ -8728,6 +10281,499 @@
           <a:chExt cx="0" cy="0"/>
         </a:xfrm>
       </p:grpSpPr>
+      <p:pic>
+        <p:nvPicPr>
+          <p:cNvPr id="2" name="Picture 1">
+            <a:extLst>
+              <a:ext uri="{FF2B5EF4-FFF2-40B4-BE49-F238E27FC236}">
+                <a16:creationId xmlns:a16="http://schemas.microsoft.com/office/drawing/2014/main" id="{CC1CF00F-535A-B9D9-C103-645B7BA05003}"/>
+              </a:ext>
+            </a:extLst>
+          </p:cNvPr>
+          <p:cNvPicPr>
+            <a:picLocks noChangeAspect="1"/>
+          </p:cNvPicPr>
+          <p:nvPr/>
+        </p:nvPicPr>
+        <p:blipFill>
+          <a:blip r:embed="rId3"/>
+          <a:stretch>
+            <a:fillRect/>
+          </a:stretch>
+        </p:blipFill>
+        <p:spPr>
+          <a:xfrm>
+            <a:off x="335280" y="228600"/>
+            <a:ext cx="11521440" cy="6400800"/>
+          </a:xfrm>
+          <a:prstGeom prst="rect">
+            <a:avLst/>
+          </a:prstGeom>
+        </p:spPr>
+      </p:pic>
+    </p:spTree>
+    <p:extLst>
+      <p:ext uri="{BB962C8B-B14F-4D97-AF65-F5344CB8AC3E}">
+        <p14:creationId xmlns:p14="http://schemas.microsoft.com/office/powerpoint/2010/main" val="4048034761"/>
+      </p:ext>
+    </p:extLst>
+  </p:cSld>
+  <p:clrMapOvr>
+    <a:masterClrMapping/>
+  </p:clrMapOvr>
+</p:sld>
+</file>
+
+<file path=ppt/slides/slide11.xml><?xml version="1.0" encoding="utf-8"?>
+<p:sld xmlns:a="http://schemas.openxmlformats.org/drawingml/2006/main" xmlns:r="http://schemas.openxmlformats.org/officeDocument/2006/relationships" xmlns:p="http://schemas.openxmlformats.org/presentationml/2006/main">
+  <p:cSld>
+    <p:spTree>
+      <p:nvGrpSpPr>
+        <p:cNvPr id="1" name=""/>
+        <p:cNvGrpSpPr/>
+        <p:nvPr/>
+      </p:nvGrpSpPr>
+      <p:grpSpPr>
+        <a:xfrm>
+          <a:off x="0" y="0"/>
+          <a:ext cx="0" cy="0"/>
+          <a:chOff x="0" y="0"/>
+          <a:chExt cx="0" cy="0"/>
+        </a:xfrm>
+      </p:grpSpPr>
+      <p:sp>
+        <p:nvSpPr>
+          <p:cNvPr id="2" name="Title 1">
+            <a:extLst>
+              <a:ext uri="{FF2B5EF4-FFF2-40B4-BE49-F238E27FC236}">
+                <a16:creationId xmlns:a16="http://schemas.microsoft.com/office/drawing/2014/main" id="{00F7FCF6-A5A0-B02A-783E-2193C1BFCF7E}"/>
+              </a:ext>
+            </a:extLst>
+          </p:cNvPr>
+          <p:cNvSpPr>
+            <a:spLocks noGrp="1"/>
+          </p:cNvSpPr>
+          <p:nvPr>
+            <p:ph type="title"/>
+          </p:nvPr>
+        </p:nvSpPr>
+        <p:spPr/>
+        <p:txBody>
+          <a:bodyPr>
+            <a:normAutofit/>
+          </a:bodyPr>
+          <a:lstStyle/>
+          <a:p>
+            <a:r>
+              <a:rPr lang="en-US" dirty="0"/>
+              <a:t>Measuring Alliance Activity</a:t>
+            </a:r>
+          </a:p>
+        </p:txBody>
+      </p:sp>
+      <p:sp>
+        <p:nvSpPr>
+          <p:cNvPr id="3" name="Content Placeholder 2">
+            <a:extLst>
+              <a:ext uri="{FF2B5EF4-FFF2-40B4-BE49-F238E27FC236}">
+                <a16:creationId xmlns:a16="http://schemas.microsoft.com/office/drawing/2014/main" id="{A16A1964-752C-2A09-5211-DCC330769732}"/>
+              </a:ext>
+            </a:extLst>
+          </p:cNvPr>
+          <p:cNvSpPr>
+            <a:spLocks noGrp="1"/>
+          </p:cNvSpPr>
+          <p:nvPr>
+            <p:ph idx="1"/>
+          </p:nvPr>
+        </p:nvSpPr>
+        <p:spPr>
+          <a:xfrm>
+            <a:off x="550864" y="1881275"/>
+            <a:ext cx="11090274" cy="3979625"/>
+          </a:xfrm>
+        </p:spPr>
+        <p:txBody>
+          <a:bodyPr>
+            <a:normAutofit/>
+          </a:bodyPr>
+          <a:lstStyle/>
+          <a:p>
+            <a:r>
+              <a:rPr lang="en-US" dirty="0"/>
+              <a:t>Do Alliances make maritime shipping more efficient? </a:t>
+            </a:r>
+          </a:p>
+          <a:p>
+            <a:r>
+              <a:rPr lang="en-US" dirty="0">
+                <a:solidFill>
+                  <a:schemeClr val="tx1">
+                    <a:alpha val="85000"/>
+                  </a:schemeClr>
+                </a:solidFill>
+              </a:rPr>
+              <a:t>Do Alliances give carriers too much market power?</a:t>
+            </a:r>
+          </a:p>
+          <a:p>
+            <a:r>
+              <a:rPr lang="en-US" dirty="0">
+                <a:solidFill>
+                  <a:schemeClr val="tx1">
+                    <a:alpha val="85000"/>
+                  </a:schemeClr>
+                </a:solidFill>
+              </a:rPr>
+              <a:t>None of these concerns are well-studied in peer-reviewed literature.</a:t>
+            </a:r>
+            <a:endParaRPr lang="en-US" dirty="0"/>
+          </a:p>
+          <a:p>
+            <a:r>
+              <a:rPr lang="en-US" dirty="0">
+                <a:solidFill>
+                  <a:schemeClr val="tx1">
+                    <a:alpha val="85000"/>
+                  </a:schemeClr>
+                </a:solidFill>
+              </a:rPr>
+              <a:t>Premise: Impacts of </a:t>
+            </a:r>
+            <a:r>
+              <a:rPr lang="en-US" dirty="0"/>
+              <a:t>a</a:t>
+            </a:r>
+            <a:r>
+              <a:rPr lang="en-US" dirty="0">
+                <a:solidFill>
+                  <a:schemeClr val="tx1">
+                    <a:alpha val="85000"/>
+                  </a:schemeClr>
+                </a:solidFill>
+              </a:rPr>
+              <a:t>lliances depend on how much carriers utilize the </a:t>
+            </a:r>
+            <a:r>
+              <a:rPr lang="en-US" dirty="0"/>
+              <a:t>alliance</a:t>
+            </a:r>
+            <a:r>
+              <a:rPr lang="en-US" dirty="0">
+                <a:solidFill>
+                  <a:schemeClr val="tx1">
+                    <a:alpha val="85000"/>
+                  </a:schemeClr>
+                </a:solidFill>
+              </a:rPr>
+              <a:t> </a:t>
+            </a:r>
+          </a:p>
+          <a:p>
+            <a:pPr lvl="1"/>
+            <a:r>
+              <a:rPr lang="en-US" dirty="0">
+                <a:solidFill>
+                  <a:schemeClr val="tx1">
+                    <a:alpha val="85000"/>
+                  </a:schemeClr>
+                </a:solidFill>
+              </a:rPr>
+              <a:t>To our knowledge, this has not been done. </a:t>
+            </a:r>
+          </a:p>
+        </p:txBody>
+      </p:sp>
+    </p:spTree>
+    <p:extLst>
+      <p:ext uri="{BB962C8B-B14F-4D97-AF65-F5344CB8AC3E}">
+        <p14:creationId xmlns:p14="http://schemas.microsoft.com/office/powerpoint/2010/main" val="3291558162"/>
+      </p:ext>
+    </p:extLst>
+  </p:cSld>
+  <p:clrMapOvr>
+    <a:masterClrMapping/>
+  </p:clrMapOvr>
+  <p:timing>
+    <p:tnLst>
+      <p:par>
+        <p:cTn id="1" dur="indefinite" restart="never" nodeType="tmRoot">
+          <p:childTnLst>
+            <p:seq concurrent="1" nextAc="seek">
+              <p:cTn id="2" dur="indefinite" nodeType="mainSeq">
+                <p:childTnLst>
+                  <p:par>
+                    <p:cTn id="3" fill="hold">
+                      <p:stCondLst>
+                        <p:cond delay="indefinite"/>
+                      </p:stCondLst>
+                      <p:childTnLst>
+                        <p:par>
+                          <p:cTn id="4" fill="hold">
+                            <p:stCondLst>
+                              <p:cond delay="0"/>
+                            </p:stCondLst>
+                            <p:childTnLst>
+                              <p:par>
+                                <p:cTn id="5" presetID="1" presetClass="entr" presetSubtype="0" fill="hold" grpId="0" nodeType="clickEffect">
+                                  <p:stCondLst>
+                                    <p:cond delay="0"/>
+                                  </p:stCondLst>
+                                  <p:childTnLst>
+                                    <p:set>
+                                      <p:cBhvr>
+                                        <p:cTn id="6" dur="1" fill="hold">
+                                          <p:stCondLst>
+                                            <p:cond delay="0"/>
+                                          </p:stCondLst>
+                                        </p:cTn>
+                                        <p:tgtEl>
+                                          <p:spTgt spid="3">
+                                            <p:txEl>
+                                              <p:pRg st="0" end="0"/>
+                                            </p:txEl>
+                                          </p:spTgt>
+                                        </p:tgtEl>
+                                        <p:attrNameLst>
+                                          <p:attrName>style.visibility</p:attrName>
+                                        </p:attrNameLst>
+                                      </p:cBhvr>
+                                      <p:to>
+                                        <p:strVal val="visible"/>
+                                      </p:to>
+                                    </p:set>
+                                  </p:childTnLst>
+                                </p:cTn>
+                              </p:par>
+                            </p:childTnLst>
+                          </p:cTn>
+                        </p:par>
+                      </p:childTnLst>
+                    </p:cTn>
+                  </p:par>
+                  <p:par>
+                    <p:cTn id="7" fill="hold">
+                      <p:stCondLst>
+                        <p:cond delay="indefinite"/>
+                      </p:stCondLst>
+                      <p:childTnLst>
+                        <p:par>
+                          <p:cTn id="8" fill="hold">
+                            <p:stCondLst>
+                              <p:cond delay="0"/>
+                            </p:stCondLst>
+                            <p:childTnLst>
+                              <p:par>
+                                <p:cTn id="9" presetID="1" presetClass="entr" presetSubtype="0" fill="hold" grpId="0" nodeType="clickEffect">
+                                  <p:stCondLst>
+                                    <p:cond delay="0"/>
+                                  </p:stCondLst>
+                                  <p:childTnLst>
+                                    <p:set>
+                                      <p:cBhvr>
+                                        <p:cTn id="10" dur="1" fill="hold">
+                                          <p:stCondLst>
+                                            <p:cond delay="0"/>
+                                          </p:stCondLst>
+                                        </p:cTn>
+                                        <p:tgtEl>
+                                          <p:spTgt spid="3">
+                                            <p:txEl>
+                                              <p:pRg st="1" end="1"/>
+                                            </p:txEl>
+                                          </p:spTgt>
+                                        </p:tgtEl>
+                                        <p:attrNameLst>
+                                          <p:attrName>style.visibility</p:attrName>
+                                        </p:attrNameLst>
+                                      </p:cBhvr>
+                                      <p:to>
+                                        <p:strVal val="visible"/>
+                                      </p:to>
+                                    </p:set>
+                                  </p:childTnLst>
+                                </p:cTn>
+                              </p:par>
+                            </p:childTnLst>
+                          </p:cTn>
+                        </p:par>
+                      </p:childTnLst>
+                    </p:cTn>
+                  </p:par>
+                  <p:par>
+                    <p:cTn id="11" fill="hold">
+                      <p:stCondLst>
+                        <p:cond delay="indefinite"/>
+                      </p:stCondLst>
+                      <p:childTnLst>
+                        <p:par>
+                          <p:cTn id="12" fill="hold">
+                            <p:stCondLst>
+                              <p:cond delay="0"/>
+                            </p:stCondLst>
+                            <p:childTnLst>
+                              <p:par>
+                                <p:cTn id="13" presetID="1" presetClass="entr" presetSubtype="0" fill="hold" grpId="0" nodeType="clickEffect">
+                                  <p:stCondLst>
+                                    <p:cond delay="0"/>
+                                  </p:stCondLst>
+                                  <p:childTnLst>
+                                    <p:set>
+                                      <p:cBhvr>
+                                        <p:cTn id="14" dur="1" fill="hold">
+                                          <p:stCondLst>
+                                            <p:cond delay="0"/>
+                                          </p:stCondLst>
+                                        </p:cTn>
+                                        <p:tgtEl>
+                                          <p:spTgt spid="3">
+                                            <p:txEl>
+                                              <p:pRg st="2" end="2"/>
+                                            </p:txEl>
+                                          </p:spTgt>
+                                        </p:tgtEl>
+                                        <p:attrNameLst>
+                                          <p:attrName>style.visibility</p:attrName>
+                                        </p:attrNameLst>
+                                      </p:cBhvr>
+                                      <p:to>
+                                        <p:strVal val="visible"/>
+                                      </p:to>
+                                    </p:set>
+                                  </p:childTnLst>
+                                </p:cTn>
+                              </p:par>
+                            </p:childTnLst>
+                          </p:cTn>
+                        </p:par>
+                      </p:childTnLst>
+                    </p:cTn>
+                  </p:par>
+                  <p:par>
+                    <p:cTn id="15" fill="hold">
+                      <p:stCondLst>
+                        <p:cond delay="indefinite"/>
+                      </p:stCondLst>
+                      <p:childTnLst>
+                        <p:par>
+                          <p:cTn id="16" fill="hold">
+                            <p:stCondLst>
+                              <p:cond delay="0"/>
+                            </p:stCondLst>
+                            <p:childTnLst>
+                              <p:par>
+                                <p:cTn id="17" presetID="1" presetClass="entr" presetSubtype="0" fill="hold" grpId="0" nodeType="clickEffect">
+                                  <p:stCondLst>
+                                    <p:cond delay="0"/>
+                                  </p:stCondLst>
+                                  <p:childTnLst>
+                                    <p:set>
+                                      <p:cBhvr>
+                                        <p:cTn id="18" dur="1" fill="hold">
+                                          <p:stCondLst>
+                                            <p:cond delay="0"/>
+                                          </p:stCondLst>
+                                        </p:cTn>
+                                        <p:tgtEl>
+                                          <p:spTgt spid="3">
+                                            <p:txEl>
+                                              <p:pRg st="3" end="3"/>
+                                            </p:txEl>
+                                          </p:spTgt>
+                                        </p:tgtEl>
+                                        <p:attrNameLst>
+                                          <p:attrName>style.visibility</p:attrName>
+                                        </p:attrNameLst>
+                                      </p:cBhvr>
+                                      <p:to>
+                                        <p:strVal val="visible"/>
+                                      </p:to>
+                                    </p:set>
+                                  </p:childTnLst>
+                                </p:cTn>
+                              </p:par>
+                              <p:par>
+                                <p:cTn id="19" presetID="1" presetClass="entr" presetSubtype="0" fill="hold" grpId="0" nodeType="withEffect">
+                                  <p:stCondLst>
+                                    <p:cond delay="0"/>
+                                  </p:stCondLst>
+                                  <p:childTnLst>
+                                    <p:set>
+                                      <p:cBhvr>
+                                        <p:cTn id="20" dur="1" fill="hold">
+                                          <p:stCondLst>
+                                            <p:cond delay="0"/>
+                                          </p:stCondLst>
+                                        </p:cTn>
+                                        <p:tgtEl>
+                                          <p:spTgt spid="3">
+                                            <p:txEl>
+                                              <p:pRg st="4" end="4"/>
+                                            </p:txEl>
+                                          </p:spTgt>
+                                        </p:tgtEl>
+                                        <p:attrNameLst>
+                                          <p:attrName>style.visibility</p:attrName>
+                                        </p:attrNameLst>
+                                      </p:cBhvr>
+                                      <p:to>
+                                        <p:strVal val="visible"/>
+                                      </p:to>
+                                    </p:set>
+                                  </p:childTnLst>
+                                </p:cTn>
+                              </p:par>
+                            </p:childTnLst>
+                          </p:cTn>
+                        </p:par>
+                      </p:childTnLst>
+                    </p:cTn>
+                  </p:par>
+                </p:childTnLst>
+              </p:cTn>
+              <p:prevCondLst>
+                <p:cond evt="onPrev" delay="0">
+                  <p:tgtEl>
+                    <p:sldTgt/>
+                  </p:tgtEl>
+                </p:cond>
+              </p:prevCondLst>
+              <p:nextCondLst>
+                <p:cond evt="onNext" delay="0">
+                  <p:tgtEl>
+                    <p:sldTgt/>
+                  </p:tgtEl>
+                </p:cond>
+              </p:nextCondLst>
+            </p:seq>
+          </p:childTnLst>
+        </p:cTn>
+      </p:par>
+    </p:tnLst>
+    <p:bldLst>
+      <p:bldP spid="3" grpId="0" build="p"/>
+    </p:bldLst>
+  </p:timing>
+</p:sld>
+</file>
+
+<file path=ppt/slides/slide12.xml><?xml version="1.0" encoding="utf-8"?>
+<p:sld xmlns:a="http://schemas.openxmlformats.org/drawingml/2006/main" xmlns:r="http://schemas.openxmlformats.org/officeDocument/2006/relationships" xmlns:p="http://schemas.openxmlformats.org/presentationml/2006/main">
+  <p:cSld>
+    <p:spTree>
+      <p:nvGrpSpPr>
+        <p:cNvPr id="1" name=""/>
+        <p:cNvGrpSpPr/>
+        <p:nvPr/>
+      </p:nvGrpSpPr>
+      <p:grpSpPr>
+        <a:xfrm>
+          <a:off x="0" y="0"/>
+          <a:ext cx="0" cy="0"/>
+          <a:chOff x="0" y="0"/>
+          <a:chExt cx="0" cy="0"/>
+        </a:xfrm>
+      </p:grpSpPr>
       <p:sp>
         <p:nvSpPr>
           <p:cNvPr id="2" name="Title 1">
@@ -8751,13 +10797,13 @@
           <a:p>
             <a:r>
               <a:rPr lang="en-US" dirty="0"/>
-              <a:t>Measuring OCA Utilization</a:t>
+              <a:t>Measuring Utilization</a:t>
             </a:r>
           </a:p>
         </p:txBody>
       </p:sp>
-      <mc:AlternateContent xmlns:mc="http://schemas.openxmlformats.org/markup-compatibility/2006" xmlns:a14="http://schemas.microsoft.com/office/drawing/2010/main">
-        <mc:Choice Requires="a14">
+      <mc:AlternateContent xmlns:mc="http://schemas.openxmlformats.org/markup-compatibility/2006">
+        <mc:Choice xmlns:a14="http://schemas.microsoft.com/office/drawing/2010/main" Requires="a14">
           <p:sp>
             <p:nvSpPr>
               <p:cNvPr id="3" name="Content Placeholder 2">
@@ -8781,19 +10827,19 @@
               <a:p>
                 <a:r>
                   <a:rPr lang="en-US" dirty="0"/>
-                  <a:t>OCAs are not utilized on all lanes, and utilization varies over time.</a:t>
+                  <a:t>Alliances are not utilized on all lanes, and utilization varies over time.</a:t>
                 </a:r>
               </a:p>
               <a:p>
                 <a:r>
                   <a:rPr lang="en-US" dirty="0"/>
-                  <a:t>Premise: Impacts of OCAs on a given lane are proportional to utilization </a:t>
+                  <a:t>Premise: Impacts of Alliances on a given lane are proportional to utilization </a:t>
                 </a:r>
               </a:p>
               <a:p>
                 <a:r>
                   <a:rPr lang="en-US" dirty="0"/>
-                  <a:t>We are developing a metric for OCA utilization based on cargo sharing behavior</a:t>
+                  <a:t>We are developing a metric for Alliance utilization based on cargo sharing behavior</a:t>
                 </a:r>
               </a:p>
               <a:p>
@@ -8950,7 +10996,7 @@
             </p:txBody>
           </p:sp>
         </mc:Choice>
-        <mc:Fallback xmlns="">
+        <mc:Fallback>
           <p:sp>
             <p:nvSpPr>
               <p:cNvPr id="3" name="Content Placeholder 2">
@@ -9000,225 +11046,239 @@
   <p:clrMapOvr>
     <a:masterClrMapping/>
   </p:clrMapOvr>
-</p:sld>
-</file>
-
-<file path=ppt/slides/slide11.xml><?xml version="1.0" encoding="utf-8"?>
-<p:sld xmlns:a="http://schemas.openxmlformats.org/drawingml/2006/main" xmlns:r="http://schemas.openxmlformats.org/officeDocument/2006/relationships" xmlns:p="http://schemas.openxmlformats.org/presentationml/2006/main">
-  <p:cSld>
-    <p:spTree>
-      <p:nvGrpSpPr>
-        <p:cNvPr id="1" name=""/>
-        <p:cNvGrpSpPr/>
-        <p:nvPr/>
-      </p:nvGrpSpPr>
-      <p:grpSpPr>
-        <a:xfrm>
-          <a:off x="0" y="0"/>
-          <a:ext cx="0" cy="0"/>
-          <a:chOff x="0" y="0"/>
-          <a:chExt cx="0" cy="0"/>
-        </a:xfrm>
-      </p:grpSpPr>
-      <p:sp>
-        <p:nvSpPr>
-          <p:cNvPr id="2" name="Title 1">
-            <a:extLst>
-              <a:ext uri="{FF2B5EF4-FFF2-40B4-BE49-F238E27FC236}">
-                <a16:creationId xmlns:a16="http://schemas.microsoft.com/office/drawing/2014/main" id="{BD3D2DDA-6E53-BC56-3749-8C9A7B0140C5}"/>
-              </a:ext>
-            </a:extLst>
-          </p:cNvPr>
-          <p:cNvSpPr>
-            <a:spLocks noGrp="1"/>
-          </p:cNvSpPr>
-          <p:nvPr>
-            <p:ph type="title"/>
-          </p:nvPr>
-        </p:nvSpPr>
-        <p:spPr/>
-        <p:txBody>
-          <a:bodyPr/>
-          <a:lstStyle/>
-          <a:p>
-            <a:r>
-              <a:rPr lang="en-US" dirty="0"/>
-              <a:t>Cargo Sharing</a:t>
-            </a:r>
-          </a:p>
-        </p:txBody>
-      </p:sp>
-      <p:sp>
-        <p:nvSpPr>
-          <p:cNvPr id="3" name="Content Placeholder 2">
-            <a:extLst>
-              <a:ext uri="{FF2B5EF4-FFF2-40B4-BE49-F238E27FC236}">
-                <a16:creationId xmlns:a16="http://schemas.microsoft.com/office/drawing/2014/main" id="{C0490D74-F13F-5733-CD43-9CA2E2DC2E82}"/>
-              </a:ext>
-            </a:extLst>
-          </p:cNvPr>
-          <p:cNvSpPr>
-            <a:spLocks noGrp="1"/>
-          </p:cNvSpPr>
-          <p:nvPr>
-            <p:ph idx="1"/>
-          </p:nvPr>
-        </p:nvSpPr>
-        <p:spPr/>
-        <p:txBody>
-          <a:bodyPr/>
-          <a:lstStyle/>
-          <a:p>
-            <a:r>
-              <a:rPr lang="en-US" sz="2400" dirty="0"/>
-              <a:t>We define a vessel’s ”Primary Carrier” as the carrier representing the most cargo carried on that vessel in any given month.</a:t>
-            </a:r>
-          </a:p>
-          <a:p>
-            <a:r>
-              <a:rPr lang="en-US" sz="2400" dirty="0"/>
-              <a:t>“Shared Cargo” is the cargo carried on a vessel not from the primary carrier.</a:t>
-            </a:r>
-          </a:p>
-          <a:p>
-            <a:endParaRPr lang="en-US" dirty="0"/>
-          </a:p>
-        </p:txBody>
-      </p:sp>
-    </p:spTree>
-    <p:extLst>
-      <p:ext uri="{BB962C8B-B14F-4D97-AF65-F5344CB8AC3E}">
-        <p14:creationId xmlns:p14="http://schemas.microsoft.com/office/powerpoint/2010/main" val="2517794356"/>
-      </p:ext>
-    </p:extLst>
-  </p:cSld>
-  <p:clrMapOvr>
-    <a:masterClrMapping/>
-  </p:clrMapOvr>
-</p:sld>
-</file>
-
-<file path=ppt/slides/slide12.xml><?xml version="1.0" encoding="utf-8"?>
-<p:sld xmlns:a="http://schemas.openxmlformats.org/drawingml/2006/main" xmlns:r="http://schemas.openxmlformats.org/officeDocument/2006/relationships" xmlns:p="http://schemas.openxmlformats.org/presentationml/2006/main">
-  <p:cSld>
-    <p:spTree>
-      <p:nvGrpSpPr>
-        <p:cNvPr id="1" name=""/>
-        <p:cNvGrpSpPr/>
-        <p:nvPr/>
-      </p:nvGrpSpPr>
-      <p:grpSpPr>
-        <a:xfrm>
-          <a:off x="0" y="0"/>
-          <a:ext cx="0" cy="0"/>
-          <a:chOff x="0" y="0"/>
-          <a:chExt cx="0" cy="0"/>
-        </a:xfrm>
-      </p:grpSpPr>
-      <p:pic>
-        <p:nvPicPr>
-          <p:cNvPr id="3" name="Picture 2" descr="A graph of different colored lines&#10;&#10;Description automatically generated">
-            <a:extLst>
-              <a:ext uri="{FF2B5EF4-FFF2-40B4-BE49-F238E27FC236}">
-                <a16:creationId xmlns:a16="http://schemas.microsoft.com/office/drawing/2014/main" id="{12E08F26-CF4B-736A-9BF3-668F96B713BA}"/>
-              </a:ext>
-            </a:extLst>
-          </p:cNvPr>
-          <p:cNvPicPr>
-            <a:picLocks noChangeAspect="1"/>
-          </p:cNvPicPr>
-          <p:nvPr/>
-        </p:nvPicPr>
-        <p:blipFill>
-          <a:blip r:embed="rId2"/>
-          <a:stretch>
-            <a:fillRect/>
-          </a:stretch>
-        </p:blipFill>
-        <p:spPr>
-          <a:xfrm>
-            <a:off x="0" y="658090"/>
-            <a:ext cx="12192000" cy="5541816"/>
-          </a:xfrm>
-          <a:prstGeom prst="rect">
-            <a:avLst/>
-          </a:prstGeom>
-        </p:spPr>
-      </p:pic>
-    </p:spTree>
-    <p:extLst>
-      <p:ext uri="{BB962C8B-B14F-4D97-AF65-F5344CB8AC3E}">
-        <p14:creationId xmlns:p14="http://schemas.microsoft.com/office/powerpoint/2010/main" val="32356986"/>
-      </p:ext>
-    </p:extLst>
-  </p:cSld>
-  <p:clrMapOvr>
-    <a:masterClrMapping/>
-  </p:clrMapOvr>
+  <p:timing>
+    <p:tnLst>
+      <p:par>
+        <p:cTn id="1" dur="indefinite" restart="never" nodeType="tmRoot">
+          <p:childTnLst>
+            <p:seq concurrent="1" nextAc="seek">
+              <p:cTn id="2" dur="indefinite" nodeType="mainSeq">
+                <p:childTnLst>
+                  <p:par>
+                    <p:cTn id="3" fill="hold">
+                      <p:stCondLst>
+                        <p:cond delay="indefinite"/>
+                      </p:stCondLst>
+                      <p:childTnLst>
+                        <p:par>
+                          <p:cTn id="4" fill="hold">
+                            <p:stCondLst>
+                              <p:cond delay="0"/>
+                            </p:stCondLst>
+                            <p:childTnLst>
+                              <p:par>
+                                <p:cTn id="5" presetID="1" presetClass="entr" presetSubtype="0" fill="hold" grpId="0" nodeType="clickEffect">
+                                  <p:stCondLst>
+                                    <p:cond delay="0"/>
+                                  </p:stCondLst>
+                                  <p:childTnLst>
+                                    <p:set>
+                                      <p:cBhvr>
+                                        <p:cTn id="6" dur="1" fill="hold">
+                                          <p:stCondLst>
+                                            <p:cond delay="0"/>
+                                          </p:stCondLst>
+                                        </p:cTn>
+                                        <p:tgtEl>
+                                          <p:spTgt spid="3">
+                                            <p:txEl>
+                                              <p:pRg st="0" end="0"/>
+                                            </p:txEl>
+                                          </p:spTgt>
+                                        </p:tgtEl>
+                                        <p:attrNameLst>
+                                          <p:attrName>style.visibility</p:attrName>
+                                        </p:attrNameLst>
+                                      </p:cBhvr>
+                                      <p:to>
+                                        <p:strVal val="visible"/>
+                                      </p:to>
+                                    </p:set>
+                                  </p:childTnLst>
+                                </p:cTn>
+                              </p:par>
+                            </p:childTnLst>
+                          </p:cTn>
+                        </p:par>
+                      </p:childTnLst>
+                    </p:cTn>
+                  </p:par>
+                  <p:par>
+                    <p:cTn id="7" fill="hold">
+                      <p:stCondLst>
+                        <p:cond delay="indefinite"/>
+                      </p:stCondLst>
+                      <p:childTnLst>
+                        <p:par>
+                          <p:cTn id="8" fill="hold">
+                            <p:stCondLst>
+                              <p:cond delay="0"/>
+                            </p:stCondLst>
+                            <p:childTnLst>
+                              <p:par>
+                                <p:cTn id="9" presetID="1" presetClass="entr" presetSubtype="0" fill="hold" grpId="0" nodeType="clickEffect">
+                                  <p:stCondLst>
+                                    <p:cond delay="0"/>
+                                  </p:stCondLst>
+                                  <p:childTnLst>
+                                    <p:set>
+                                      <p:cBhvr>
+                                        <p:cTn id="10" dur="1" fill="hold">
+                                          <p:stCondLst>
+                                            <p:cond delay="0"/>
+                                          </p:stCondLst>
+                                        </p:cTn>
+                                        <p:tgtEl>
+                                          <p:spTgt spid="3">
+                                            <p:txEl>
+                                              <p:pRg st="1" end="1"/>
+                                            </p:txEl>
+                                          </p:spTgt>
+                                        </p:tgtEl>
+                                        <p:attrNameLst>
+                                          <p:attrName>style.visibility</p:attrName>
+                                        </p:attrNameLst>
+                                      </p:cBhvr>
+                                      <p:to>
+                                        <p:strVal val="visible"/>
+                                      </p:to>
+                                    </p:set>
+                                  </p:childTnLst>
+                                </p:cTn>
+                              </p:par>
+                            </p:childTnLst>
+                          </p:cTn>
+                        </p:par>
+                      </p:childTnLst>
+                    </p:cTn>
+                  </p:par>
+                  <p:par>
+                    <p:cTn id="11" fill="hold">
+                      <p:stCondLst>
+                        <p:cond delay="indefinite"/>
+                      </p:stCondLst>
+                      <p:childTnLst>
+                        <p:par>
+                          <p:cTn id="12" fill="hold">
+                            <p:stCondLst>
+                              <p:cond delay="0"/>
+                            </p:stCondLst>
+                            <p:childTnLst>
+                              <p:par>
+                                <p:cTn id="13" presetID="1" presetClass="entr" presetSubtype="0" fill="hold" grpId="0" nodeType="clickEffect">
+                                  <p:stCondLst>
+                                    <p:cond delay="0"/>
+                                  </p:stCondLst>
+                                  <p:childTnLst>
+                                    <p:set>
+                                      <p:cBhvr>
+                                        <p:cTn id="14" dur="1" fill="hold">
+                                          <p:stCondLst>
+                                            <p:cond delay="0"/>
+                                          </p:stCondLst>
+                                        </p:cTn>
+                                        <p:tgtEl>
+                                          <p:spTgt spid="3">
+                                            <p:txEl>
+                                              <p:pRg st="2" end="2"/>
+                                            </p:txEl>
+                                          </p:spTgt>
+                                        </p:tgtEl>
+                                        <p:attrNameLst>
+                                          <p:attrName>style.visibility</p:attrName>
+                                        </p:attrNameLst>
+                                      </p:cBhvr>
+                                      <p:to>
+                                        <p:strVal val="visible"/>
+                                      </p:to>
+                                    </p:set>
+                                  </p:childTnLst>
+                                </p:cTn>
+                              </p:par>
+                            </p:childTnLst>
+                          </p:cTn>
+                        </p:par>
+                      </p:childTnLst>
+                    </p:cTn>
+                  </p:par>
+                  <p:par>
+                    <p:cTn id="15" fill="hold">
+                      <p:stCondLst>
+                        <p:cond delay="indefinite"/>
+                      </p:stCondLst>
+                      <p:childTnLst>
+                        <p:par>
+                          <p:cTn id="16" fill="hold">
+                            <p:stCondLst>
+                              <p:cond delay="0"/>
+                            </p:stCondLst>
+                            <p:childTnLst>
+                              <p:par>
+                                <p:cTn id="17" presetID="1" presetClass="entr" presetSubtype="0" fill="hold" grpId="0" nodeType="clickEffect">
+                                  <p:stCondLst>
+                                    <p:cond delay="0"/>
+                                  </p:stCondLst>
+                                  <p:childTnLst>
+                                    <p:set>
+                                      <p:cBhvr>
+                                        <p:cTn id="18" dur="1" fill="hold">
+                                          <p:stCondLst>
+                                            <p:cond delay="0"/>
+                                          </p:stCondLst>
+                                        </p:cTn>
+                                        <p:tgtEl>
+                                          <p:spTgt spid="3">
+                                            <p:txEl>
+                                              <p:pRg st="3" end="3"/>
+                                            </p:txEl>
+                                          </p:spTgt>
+                                        </p:tgtEl>
+                                        <p:attrNameLst>
+                                          <p:attrName>style.visibility</p:attrName>
+                                        </p:attrNameLst>
+                                      </p:cBhvr>
+                                      <p:to>
+                                        <p:strVal val="visible"/>
+                                      </p:to>
+                                    </p:set>
+                                  </p:childTnLst>
+                                </p:cTn>
+                              </p:par>
+                            </p:childTnLst>
+                          </p:cTn>
+                        </p:par>
+                      </p:childTnLst>
+                    </p:cTn>
+                  </p:par>
+                </p:childTnLst>
+              </p:cTn>
+              <p:prevCondLst>
+                <p:cond evt="onPrev" delay="0">
+                  <p:tgtEl>
+                    <p:sldTgt/>
+                  </p:tgtEl>
+                </p:cond>
+              </p:prevCondLst>
+              <p:nextCondLst>
+                <p:cond evt="onNext" delay="0">
+                  <p:tgtEl>
+                    <p:sldTgt/>
+                  </p:tgtEl>
+                </p:cond>
+              </p:nextCondLst>
+            </p:seq>
+          </p:childTnLst>
+        </p:cTn>
+      </p:par>
+    </p:tnLst>
+    <p:bldLst>
+      <p:bldP spid="3" grpId="0" build="p"/>
+    </p:bldLst>
+  </p:timing>
 </p:sld>
 </file>
 
 <file path=ppt/slides/slide13.xml><?xml version="1.0" encoding="utf-8"?>
-<p:sld xmlns:a="http://schemas.openxmlformats.org/drawingml/2006/main" xmlns:r="http://schemas.openxmlformats.org/officeDocument/2006/relationships" xmlns:p="http://schemas.openxmlformats.org/presentationml/2006/main">
-  <p:cSld>
-    <p:spTree>
-      <p:nvGrpSpPr>
-        <p:cNvPr id="1" name=""/>
-        <p:cNvGrpSpPr/>
-        <p:nvPr/>
-      </p:nvGrpSpPr>
-      <p:grpSpPr>
-        <a:xfrm>
-          <a:off x="0" y="0"/>
-          <a:ext cx="0" cy="0"/>
-          <a:chOff x="0" y="0"/>
-          <a:chExt cx="0" cy="0"/>
-        </a:xfrm>
-      </p:grpSpPr>
-      <p:pic>
-        <p:nvPicPr>
-          <p:cNvPr id="5" name="Picture 4" descr="A graph of different colored lines&#10;&#10;Description automatically generated">
-            <a:extLst>
-              <a:ext uri="{FF2B5EF4-FFF2-40B4-BE49-F238E27FC236}">
-                <a16:creationId xmlns:a16="http://schemas.microsoft.com/office/drawing/2014/main" id="{4DFCC526-2BD8-D201-DF89-E230C4BFDC53}"/>
-              </a:ext>
-            </a:extLst>
-          </p:cNvPr>
-          <p:cNvPicPr>
-            <a:picLocks noChangeAspect="1"/>
-          </p:cNvPicPr>
-          <p:nvPr/>
-        </p:nvPicPr>
-        <p:blipFill>
-          <a:blip r:embed="rId2"/>
-          <a:stretch>
-            <a:fillRect/>
-          </a:stretch>
-        </p:blipFill>
-        <p:spPr>
-          <a:xfrm>
-            <a:off x="0" y="659245"/>
-            <a:ext cx="12186926" cy="5539510"/>
-          </a:xfrm>
-          <a:prstGeom prst="rect">
-            <a:avLst/>
-          </a:prstGeom>
-        </p:spPr>
-      </p:pic>
-    </p:spTree>
-    <p:extLst>
-      <p:ext uri="{BB962C8B-B14F-4D97-AF65-F5344CB8AC3E}">
-        <p14:creationId xmlns:p14="http://schemas.microsoft.com/office/powerpoint/2010/main" val="1854961387"/>
-      </p:ext>
-    </p:extLst>
-  </p:cSld>
-  <p:clrMapOvr>
-    <a:masterClrMapping/>
-  </p:clrMapOvr>
-</p:sld>
-</file>
-
-<file path=ppt/slides/slide14.xml><?xml version="1.0" encoding="utf-8"?>
 <p:sld xmlns:a="http://schemas.openxmlformats.org/drawingml/2006/main" xmlns:r="http://schemas.openxmlformats.org/officeDocument/2006/relationships" xmlns:p="http://schemas.openxmlformats.org/presentationml/2006/main">
   <p:cSld>
     <p:spTree>
@@ -9250,7 +11310,7 @@
           <p:nvPr/>
         </p:nvPicPr>
         <p:blipFill>
-          <a:blip r:embed="rId2"/>
+          <a:blip r:embed="rId3"/>
           <a:stretch>
             <a:fillRect/>
           </a:stretch>
@@ -9269,6 +11329,66 @@
     <p:extLst>
       <p:ext uri="{BB962C8B-B14F-4D97-AF65-F5344CB8AC3E}">
         <p14:creationId xmlns:p14="http://schemas.microsoft.com/office/powerpoint/2010/main" val="9489644"/>
+      </p:ext>
+    </p:extLst>
+  </p:cSld>
+  <p:clrMapOvr>
+    <a:masterClrMapping/>
+  </p:clrMapOvr>
+</p:sld>
+</file>
+
+<file path=ppt/slides/slide14.xml><?xml version="1.0" encoding="utf-8"?>
+<p:sld xmlns:a="http://schemas.openxmlformats.org/drawingml/2006/main" xmlns:r="http://schemas.openxmlformats.org/officeDocument/2006/relationships" xmlns:p="http://schemas.openxmlformats.org/presentationml/2006/main">
+  <p:cSld>
+    <p:spTree>
+      <p:nvGrpSpPr>
+        <p:cNvPr id="1" name=""/>
+        <p:cNvGrpSpPr/>
+        <p:nvPr/>
+      </p:nvGrpSpPr>
+      <p:grpSpPr>
+        <a:xfrm>
+          <a:off x="0" y="0"/>
+          <a:ext cx="0" cy="0"/>
+          <a:chOff x="0" y="0"/>
+          <a:chExt cx="0" cy="0"/>
+        </a:xfrm>
+      </p:grpSpPr>
+      <p:pic>
+        <p:nvPicPr>
+          <p:cNvPr id="4" name="Picture 3">
+            <a:extLst>
+              <a:ext uri="{FF2B5EF4-FFF2-40B4-BE49-F238E27FC236}">
+                <a16:creationId xmlns:a16="http://schemas.microsoft.com/office/drawing/2014/main" id="{B3B2FBC3-03B1-BBEE-258E-511C72B656BB}"/>
+              </a:ext>
+            </a:extLst>
+          </p:cNvPr>
+          <p:cNvPicPr>
+            <a:picLocks noChangeAspect="1"/>
+          </p:cNvPicPr>
+          <p:nvPr/>
+        </p:nvPicPr>
+        <p:blipFill>
+          <a:blip r:embed="rId3"/>
+          <a:stretch>
+            <a:fillRect/>
+          </a:stretch>
+        </p:blipFill>
+        <p:spPr>
+          <a:xfrm>
+            <a:off x="475129" y="306294"/>
+            <a:ext cx="11241742" cy="6245412"/>
+          </a:xfrm>
+          <a:prstGeom prst="rect">
+            <a:avLst/>
+          </a:prstGeom>
+        </p:spPr>
+      </p:pic>
+    </p:spTree>
+    <p:extLst>
+      <p:ext uri="{BB962C8B-B14F-4D97-AF65-F5344CB8AC3E}">
+        <p14:creationId xmlns:p14="http://schemas.microsoft.com/office/powerpoint/2010/main" val="3969749951"/>
       </p:ext>
     </p:extLst>
   </p:cSld>
@@ -9300,7 +11420,7 @@
           <p:cNvPr id="2" name="Picture 1">
             <a:extLst>
               <a:ext uri="{FF2B5EF4-FFF2-40B4-BE49-F238E27FC236}">
-                <a16:creationId xmlns:a16="http://schemas.microsoft.com/office/drawing/2014/main" id="{CC1CF00F-535A-B9D9-C103-645B7BA05003}"/>
+                <a16:creationId xmlns:a16="http://schemas.microsoft.com/office/drawing/2014/main" id="{596B27E6-2C24-8D7B-4F2E-7794F23C27E2}"/>
               </a:ext>
             </a:extLst>
           </p:cNvPr>
@@ -9310,15 +11430,15 @@
           <p:nvPr/>
         </p:nvPicPr>
         <p:blipFill>
-          <a:blip r:embed="rId2"/>
+          <a:blip r:embed="rId3"/>
           <a:stretch>
             <a:fillRect/>
           </a:stretch>
         </p:blipFill>
         <p:spPr>
           <a:xfrm>
-            <a:off x="335280" y="228600"/>
-            <a:ext cx="11521440" cy="6400800"/>
+            <a:off x="495300" y="317500"/>
+            <a:ext cx="11201400" cy="6223000"/>
           </a:xfrm>
           <a:prstGeom prst="rect">
             <a:avLst/>
@@ -9328,7 +11448,7 @@
     </p:spTree>
     <p:extLst>
       <p:ext uri="{BB962C8B-B14F-4D97-AF65-F5344CB8AC3E}">
-        <p14:creationId xmlns:p14="http://schemas.microsoft.com/office/powerpoint/2010/main" val="4048034761"/>
+        <p14:creationId xmlns:p14="http://schemas.microsoft.com/office/powerpoint/2010/main" val="3751274947"/>
       </p:ext>
     </p:extLst>
   </p:cSld>
@@ -9360,7 +11480,7 @@
           <p:cNvPr id="2" name="Picture 1">
             <a:extLst>
               <a:ext uri="{FF2B5EF4-FFF2-40B4-BE49-F238E27FC236}">
-                <a16:creationId xmlns:a16="http://schemas.microsoft.com/office/drawing/2014/main" id="{9E2EAF86-99AE-71F1-18B6-A30EDE341CE3}"/>
+                <a16:creationId xmlns:a16="http://schemas.microsoft.com/office/drawing/2014/main" id="{2BB294BC-E94C-920E-55D1-8227D828141D}"/>
               </a:ext>
             </a:extLst>
           </p:cNvPr>
@@ -9370,15 +11490,15 @@
           <p:nvPr/>
         </p:nvPicPr>
         <p:blipFill>
-          <a:blip r:embed="rId2"/>
+          <a:blip r:embed="rId3"/>
           <a:stretch>
             <a:fillRect/>
           </a:stretch>
         </p:blipFill>
         <p:spPr>
           <a:xfrm>
-            <a:off x="381000" y="254000"/>
-            <a:ext cx="11430000" cy="6350000"/>
+            <a:off x="1606550" y="222250"/>
+            <a:ext cx="8978900" cy="6413500"/>
           </a:xfrm>
           <a:prstGeom prst="rect">
             <a:avLst/>
@@ -9388,7 +11508,7 @@
     </p:spTree>
     <p:extLst>
       <p:ext uri="{BB962C8B-B14F-4D97-AF65-F5344CB8AC3E}">
-        <p14:creationId xmlns:p14="http://schemas.microsoft.com/office/powerpoint/2010/main" val="3969749951"/>
+        <p14:creationId xmlns:p14="http://schemas.microsoft.com/office/powerpoint/2010/main" val="1353151747"/>
       </p:ext>
     </p:extLst>
   </p:cSld>
@@ -9417,10 +11537,10 @@
       </p:grpSpPr>
       <p:pic>
         <p:nvPicPr>
-          <p:cNvPr id="3" name="Picture 2">
+          <p:cNvPr id="4" name="Picture 3">
             <a:extLst>
               <a:ext uri="{FF2B5EF4-FFF2-40B4-BE49-F238E27FC236}">
-                <a16:creationId xmlns:a16="http://schemas.microsoft.com/office/drawing/2014/main" id="{BF15E949-11C4-A1BA-3C41-94F20EF0E27F}"/>
+                <a16:creationId xmlns:a16="http://schemas.microsoft.com/office/drawing/2014/main" id="{669A8788-EAF7-6E61-4E09-9D50C9E6A628}"/>
               </a:ext>
             </a:extLst>
           </p:cNvPr>
@@ -9430,15 +11550,15 @@
           <p:nvPr/>
         </p:nvPicPr>
         <p:blipFill>
-          <a:blip r:embed="rId2"/>
+          <a:blip r:embed="rId3"/>
           <a:stretch>
             <a:fillRect/>
           </a:stretch>
         </p:blipFill>
         <p:spPr>
           <a:xfrm>
-            <a:off x="381000" y="254000"/>
-            <a:ext cx="11430000" cy="6350000"/>
+            <a:off x="952500" y="0"/>
+            <a:ext cx="10287000" cy="6858000"/>
           </a:xfrm>
           <a:prstGeom prst="rect">
             <a:avLst/>
@@ -9448,7 +11568,7 @@
     </p:spTree>
     <p:extLst>
       <p:ext uri="{BB962C8B-B14F-4D97-AF65-F5344CB8AC3E}">
-        <p14:creationId xmlns:p14="http://schemas.microsoft.com/office/powerpoint/2010/main" val="1104407931"/>
+        <p14:creationId xmlns:p14="http://schemas.microsoft.com/office/powerpoint/2010/main" val="180870616"/>
       </p:ext>
     </p:extLst>
   </p:cSld>
@@ -9477,10 +11597,10 @@
       </p:grpSpPr>
       <p:pic>
         <p:nvPicPr>
-          <p:cNvPr id="2" name="Picture 1">
+          <p:cNvPr id="4" name="Picture 3">
             <a:extLst>
               <a:ext uri="{FF2B5EF4-FFF2-40B4-BE49-F238E27FC236}">
-                <a16:creationId xmlns:a16="http://schemas.microsoft.com/office/drawing/2014/main" id="{596B27E6-2C24-8D7B-4F2E-7794F23C27E2}"/>
+                <a16:creationId xmlns:a16="http://schemas.microsoft.com/office/drawing/2014/main" id="{B3127B6D-6ED4-66AA-952E-38DE011BBD6A}"/>
               </a:ext>
             </a:extLst>
           </p:cNvPr>
@@ -9490,15 +11610,15 @@
           <p:nvPr/>
         </p:nvPicPr>
         <p:blipFill>
-          <a:blip r:embed="rId2"/>
+          <a:blip r:embed="rId3"/>
           <a:stretch>
             <a:fillRect/>
           </a:stretch>
         </p:blipFill>
         <p:spPr>
           <a:xfrm>
-            <a:off x="495300" y="317500"/>
-            <a:ext cx="11201400" cy="6223000"/>
+            <a:off x="952500" y="0"/>
+            <a:ext cx="10287000" cy="6858000"/>
           </a:xfrm>
           <a:prstGeom prst="rect">
             <a:avLst/>
@@ -9508,7 +11628,7 @@
     </p:spTree>
     <p:extLst>
       <p:ext uri="{BB962C8B-B14F-4D97-AF65-F5344CB8AC3E}">
-        <p14:creationId xmlns:p14="http://schemas.microsoft.com/office/powerpoint/2010/main" val="3751274947"/>
+        <p14:creationId xmlns:p14="http://schemas.microsoft.com/office/powerpoint/2010/main" val="440031584"/>
       </p:ext>
     </p:extLst>
   </p:cSld>
@@ -9535,46 +11655,360 @@
           <a:chExt cx="0" cy="0"/>
         </a:xfrm>
       </p:grpSpPr>
-      <p:pic>
-        <p:nvPicPr>
-          <p:cNvPr id="2" name="Picture 1">
+      <p:sp>
+        <p:nvSpPr>
+          <p:cNvPr id="2" name="Title 1">
             <a:extLst>
               <a:ext uri="{FF2B5EF4-FFF2-40B4-BE49-F238E27FC236}">
-                <a16:creationId xmlns:a16="http://schemas.microsoft.com/office/drawing/2014/main" id="{2BB294BC-E94C-920E-55D1-8227D828141D}"/>
+                <a16:creationId xmlns:a16="http://schemas.microsoft.com/office/drawing/2014/main" id="{19EAA029-7673-8249-43FC-31B91BEFE7BE}"/>
               </a:ext>
             </a:extLst>
           </p:cNvPr>
-          <p:cNvPicPr>
-            <a:picLocks noChangeAspect="1"/>
-          </p:cNvPicPr>
-          <p:nvPr/>
-        </p:nvPicPr>
-        <p:blipFill>
-          <a:blip r:embed="rId2"/>
-          <a:stretch>
-            <a:fillRect/>
-          </a:stretch>
-        </p:blipFill>
-        <p:spPr>
-          <a:xfrm>
-            <a:off x="1606550" y="222250"/>
-            <a:ext cx="8978900" cy="6413500"/>
-          </a:xfrm>
-          <a:prstGeom prst="rect">
-            <a:avLst/>
-          </a:prstGeom>
-        </p:spPr>
-      </p:pic>
+          <p:cNvSpPr>
+            <a:spLocks noGrp="1"/>
+          </p:cNvSpPr>
+          <p:nvPr>
+            <p:ph type="title"/>
+          </p:nvPr>
+        </p:nvSpPr>
+        <p:spPr/>
+        <p:txBody>
+          <a:bodyPr/>
+          <a:lstStyle/>
+          <a:p>
+            <a:r>
+              <a:rPr lang="en-US" dirty="0"/>
+              <a:t>Limitations</a:t>
+            </a:r>
+          </a:p>
+        </p:txBody>
+      </p:sp>
+      <p:sp>
+        <p:nvSpPr>
+          <p:cNvPr id="3" name="Content Placeholder 2">
+            <a:extLst>
+              <a:ext uri="{FF2B5EF4-FFF2-40B4-BE49-F238E27FC236}">
+                <a16:creationId xmlns:a16="http://schemas.microsoft.com/office/drawing/2014/main" id="{149A675F-7EE3-BF0E-23B9-DD104AB800E2}"/>
+              </a:ext>
+            </a:extLst>
+          </p:cNvPr>
+          <p:cNvSpPr>
+            <a:spLocks noGrp="1"/>
+          </p:cNvSpPr>
+          <p:nvPr>
+            <p:ph idx="1"/>
+          </p:nvPr>
+        </p:nvSpPr>
+        <p:spPr/>
+        <p:txBody>
+          <a:bodyPr/>
+          <a:lstStyle/>
+          <a:p>
+            <a:r>
+              <a:rPr lang="en-US" dirty="0"/>
+              <a:t>The PIERS data do not include empty haul</a:t>
+            </a:r>
+          </a:p>
+          <a:p>
+            <a:pPr lvl="1"/>
+            <a:r>
+              <a:rPr lang="en-US" dirty="0"/>
+              <a:t>We also have a few data integrity issues to iron out</a:t>
+            </a:r>
+          </a:p>
+          <a:p>
+            <a:r>
+              <a:rPr lang="en-US" dirty="0"/>
+              <a:t>Utilization metric does not perfectly capture all alliance behaviors (e.g., carriers may deploy larger ships with more room to share)</a:t>
+            </a:r>
+          </a:p>
+          <a:p>
+            <a:r>
+              <a:rPr lang="en-US" dirty="0"/>
+              <a:t>Alliances are only one form of vessel sharing agreements; we do not observe any other form of these agreements. </a:t>
+            </a:r>
+          </a:p>
+          <a:p>
+            <a:r>
+              <a:rPr lang="en-US" dirty="0"/>
+              <a:t>Other limitations, probably. We’d love to hear from you! </a:t>
+            </a:r>
+          </a:p>
+          <a:p>
+            <a:endParaRPr lang="en-US" dirty="0"/>
+          </a:p>
+        </p:txBody>
+      </p:sp>
     </p:spTree>
     <p:extLst>
       <p:ext uri="{BB962C8B-B14F-4D97-AF65-F5344CB8AC3E}">
-        <p14:creationId xmlns:p14="http://schemas.microsoft.com/office/powerpoint/2010/main" val="1353151747"/>
+        <p14:creationId xmlns:p14="http://schemas.microsoft.com/office/powerpoint/2010/main" val="1936259183"/>
       </p:ext>
     </p:extLst>
   </p:cSld>
   <p:clrMapOvr>
     <a:masterClrMapping/>
   </p:clrMapOvr>
+  <p:timing>
+    <p:tnLst>
+      <p:par>
+        <p:cTn id="1" dur="indefinite" restart="never" nodeType="tmRoot">
+          <p:childTnLst>
+            <p:seq concurrent="1" nextAc="seek">
+              <p:cTn id="2" dur="indefinite" nodeType="mainSeq">
+                <p:childTnLst>
+                  <p:par>
+                    <p:cTn id="3" fill="hold">
+                      <p:stCondLst>
+                        <p:cond delay="indefinite"/>
+                      </p:stCondLst>
+                      <p:childTnLst>
+                        <p:par>
+                          <p:cTn id="4" fill="hold">
+                            <p:stCondLst>
+                              <p:cond delay="0"/>
+                            </p:stCondLst>
+                            <p:childTnLst>
+                              <p:par>
+                                <p:cTn id="5" presetID="1" presetClass="entr" presetSubtype="0" fill="hold" grpId="0" nodeType="clickEffect">
+                                  <p:stCondLst>
+                                    <p:cond delay="0"/>
+                                  </p:stCondLst>
+                                  <p:childTnLst>
+                                    <p:set>
+                                      <p:cBhvr>
+                                        <p:cTn id="6" dur="1" fill="hold">
+                                          <p:stCondLst>
+                                            <p:cond delay="0"/>
+                                          </p:stCondLst>
+                                        </p:cTn>
+                                        <p:tgtEl>
+                                          <p:spTgt spid="3">
+                                            <p:txEl>
+                                              <p:pRg st="0" end="0"/>
+                                            </p:txEl>
+                                          </p:spTgt>
+                                        </p:tgtEl>
+                                        <p:attrNameLst>
+                                          <p:attrName>style.visibility</p:attrName>
+                                        </p:attrNameLst>
+                                      </p:cBhvr>
+                                      <p:to>
+                                        <p:strVal val="visible"/>
+                                      </p:to>
+                                    </p:set>
+                                  </p:childTnLst>
+                                </p:cTn>
+                              </p:par>
+                              <p:par>
+                                <p:cTn id="7" presetID="1" presetClass="entr" presetSubtype="0" fill="hold" grpId="0" nodeType="withEffect">
+                                  <p:stCondLst>
+                                    <p:cond delay="0"/>
+                                  </p:stCondLst>
+                                  <p:childTnLst>
+                                    <p:set>
+                                      <p:cBhvr>
+                                        <p:cTn id="8" dur="1" fill="hold">
+                                          <p:stCondLst>
+                                            <p:cond delay="0"/>
+                                          </p:stCondLst>
+                                        </p:cTn>
+                                        <p:tgtEl>
+                                          <p:spTgt spid="3">
+                                            <p:txEl>
+                                              <p:pRg st="1" end="1"/>
+                                            </p:txEl>
+                                          </p:spTgt>
+                                        </p:tgtEl>
+                                        <p:attrNameLst>
+                                          <p:attrName>style.visibility</p:attrName>
+                                        </p:attrNameLst>
+                                      </p:cBhvr>
+                                      <p:to>
+                                        <p:strVal val="visible"/>
+                                      </p:to>
+                                    </p:set>
+                                  </p:childTnLst>
+                                </p:cTn>
+                              </p:par>
+                            </p:childTnLst>
+                          </p:cTn>
+                        </p:par>
+                      </p:childTnLst>
+                    </p:cTn>
+                  </p:par>
+                  <p:par>
+                    <p:cTn id="9" fill="hold">
+                      <p:stCondLst>
+                        <p:cond delay="indefinite"/>
+                      </p:stCondLst>
+                      <p:childTnLst>
+                        <p:par>
+                          <p:cTn id="10" fill="hold">
+                            <p:stCondLst>
+                              <p:cond delay="0"/>
+                            </p:stCondLst>
+                            <p:childTnLst>
+                              <p:par>
+                                <p:cTn id="11" presetID="1" presetClass="entr" presetSubtype="0" fill="hold" grpId="0" nodeType="clickEffect">
+                                  <p:stCondLst>
+                                    <p:cond delay="0"/>
+                                  </p:stCondLst>
+                                  <p:childTnLst>
+                                    <p:set>
+                                      <p:cBhvr>
+                                        <p:cTn id="12" dur="1" fill="hold">
+                                          <p:stCondLst>
+                                            <p:cond delay="0"/>
+                                          </p:stCondLst>
+                                        </p:cTn>
+                                        <p:tgtEl>
+                                          <p:spTgt spid="3">
+                                            <p:txEl>
+                                              <p:pRg st="2" end="2"/>
+                                            </p:txEl>
+                                          </p:spTgt>
+                                        </p:tgtEl>
+                                        <p:attrNameLst>
+                                          <p:attrName>style.visibility</p:attrName>
+                                        </p:attrNameLst>
+                                      </p:cBhvr>
+                                      <p:to>
+                                        <p:strVal val="visible"/>
+                                      </p:to>
+                                    </p:set>
+                                  </p:childTnLst>
+                                </p:cTn>
+                              </p:par>
+                            </p:childTnLst>
+                          </p:cTn>
+                        </p:par>
+                      </p:childTnLst>
+                    </p:cTn>
+                  </p:par>
+                  <p:par>
+                    <p:cTn id="13" fill="hold">
+                      <p:stCondLst>
+                        <p:cond delay="indefinite"/>
+                      </p:stCondLst>
+                      <p:childTnLst>
+                        <p:par>
+                          <p:cTn id="14" fill="hold">
+                            <p:stCondLst>
+                              <p:cond delay="0"/>
+                            </p:stCondLst>
+                            <p:childTnLst>
+                              <p:par>
+                                <p:cTn id="15" presetID="1" presetClass="entr" presetSubtype="0" fill="hold" grpId="0" nodeType="clickEffect">
+                                  <p:stCondLst>
+                                    <p:cond delay="0"/>
+                                  </p:stCondLst>
+                                  <p:childTnLst>
+                                    <p:set>
+                                      <p:cBhvr>
+                                        <p:cTn id="16" dur="1" fill="hold">
+                                          <p:stCondLst>
+                                            <p:cond delay="0"/>
+                                          </p:stCondLst>
+                                        </p:cTn>
+                                        <p:tgtEl>
+                                          <p:spTgt spid="3">
+                                            <p:txEl>
+                                              <p:pRg st="3" end="3"/>
+                                            </p:txEl>
+                                          </p:spTgt>
+                                        </p:tgtEl>
+                                        <p:attrNameLst>
+                                          <p:attrName>style.visibility</p:attrName>
+                                        </p:attrNameLst>
+                                      </p:cBhvr>
+                                      <p:to>
+                                        <p:strVal val="visible"/>
+                                      </p:to>
+                                    </p:set>
+                                  </p:childTnLst>
+                                </p:cTn>
+                              </p:par>
+                            </p:childTnLst>
+                          </p:cTn>
+                        </p:par>
+                      </p:childTnLst>
+                    </p:cTn>
+                  </p:par>
+                  <p:par>
+                    <p:cTn id="17" fill="hold">
+                      <p:stCondLst>
+                        <p:cond delay="indefinite"/>
+                      </p:stCondLst>
+                      <p:childTnLst>
+                        <p:par>
+                          <p:cTn id="18" fill="hold">
+                            <p:stCondLst>
+                              <p:cond delay="0"/>
+                            </p:stCondLst>
+                            <p:childTnLst>
+                              <p:par>
+                                <p:cTn id="19" presetID="1" presetClass="entr" presetSubtype="0" fill="hold" grpId="0" nodeType="clickEffect">
+                                  <p:stCondLst>
+                                    <p:cond delay="0"/>
+                                  </p:stCondLst>
+                                  <p:childTnLst>
+                                    <p:set>
+                                      <p:cBhvr>
+                                        <p:cTn id="20" dur="1" fill="hold">
+                                          <p:stCondLst>
+                                            <p:cond delay="0"/>
+                                          </p:stCondLst>
+                                        </p:cTn>
+                                        <p:tgtEl>
+                                          <p:spTgt spid="3">
+                                            <p:txEl>
+                                              <p:pRg st="4" end="4"/>
+                                            </p:txEl>
+                                          </p:spTgt>
+                                        </p:tgtEl>
+                                        <p:attrNameLst>
+                                          <p:attrName>style.visibility</p:attrName>
+                                        </p:attrNameLst>
+                                      </p:cBhvr>
+                                      <p:to>
+                                        <p:strVal val="visible"/>
+                                      </p:to>
+                                    </p:set>
+                                  </p:childTnLst>
+                                </p:cTn>
+                              </p:par>
+                            </p:childTnLst>
+                          </p:cTn>
+                        </p:par>
+                      </p:childTnLst>
+                    </p:cTn>
+                  </p:par>
+                </p:childTnLst>
+              </p:cTn>
+              <p:prevCondLst>
+                <p:cond evt="onPrev" delay="0">
+                  <p:tgtEl>
+                    <p:sldTgt/>
+                  </p:tgtEl>
+                </p:cond>
+              </p:prevCondLst>
+              <p:nextCondLst>
+                <p:cond evt="onNext" delay="0">
+                  <p:tgtEl>
+                    <p:sldTgt/>
+                  </p:tgtEl>
+                </p:cond>
+              </p:nextCondLst>
+            </p:seq>
+          </p:childTnLst>
+        </p:cTn>
+      </p:par>
+    </p:tnLst>
+    <p:bldLst>
+      <p:bldP spid="3" grpId="0" build="p"/>
+    </p:bldLst>
+  </p:timing>
 </p:sld>
 </file>
 
@@ -9614,13 +12048,13 @@
         <p:spPr/>
         <p:txBody>
           <a:bodyPr>
-            <a:normAutofit fontScale="90000"/>
+            <a:normAutofit/>
           </a:bodyPr>
           <a:lstStyle/>
           <a:p>
             <a:r>
               <a:rPr lang="en-US" dirty="0"/>
-              <a:t>What are Ocean Carrier Alliances (OCAs)?</a:t>
+              <a:t>What are Ocean Carrier Alliances?</a:t>
             </a:r>
           </a:p>
         </p:txBody>
@@ -9661,7 +12095,7 @@
           <a:p>
             <a:r>
               <a:rPr lang="en-US" dirty="0"/>
-              <a:t>OCAs allow carriers to offer additional services (e.g., additional lanes) and more efficiently allocate capacity.</a:t>
+              <a:t>Alliances allow carriers to offer additional services (e.g., additional lanes) and more efficiently allocate capacity.</a:t>
             </a:r>
           </a:p>
           <a:p>
@@ -9699,165 +12133,283 @@
   <p:clrMapOvr>
     <a:masterClrMapping/>
   </p:clrMapOvr>
+  <p:timing>
+    <p:tnLst>
+      <p:par>
+        <p:cTn id="1" dur="indefinite" restart="never" nodeType="tmRoot">
+          <p:childTnLst>
+            <p:seq concurrent="1" nextAc="seek">
+              <p:cTn id="2" dur="indefinite" nodeType="mainSeq">
+                <p:childTnLst>
+                  <p:par>
+                    <p:cTn id="3" fill="hold">
+                      <p:stCondLst>
+                        <p:cond delay="indefinite"/>
+                      </p:stCondLst>
+                      <p:childTnLst>
+                        <p:par>
+                          <p:cTn id="4" fill="hold">
+                            <p:stCondLst>
+                              <p:cond delay="0"/>
+                            </p:stCondLst>
+                            <p:childTnLst>
+                              <p:par>
+                                <p:cTn id="5" presetID="1" presetClass="entr" presetSubtype="0" fill="hold" grpId="0" nodeType="clickEffect">
+                                  <p:stCondLst>
+                                    <p:cond delay="0"/>
+                                  </p:stCondLst>
+                                  <p:childTnLst>
+                                    <p:set>
+                                      <p:cBhvr>
+                                        <p:cTn id="6" dur="1" fill="hold">
+                                          <p:stCondLst>
+                                            <p:cond delay="0"/>
+                                          </p:stCondLst>
+                                        </p:cTn>
+                                        <p:tgtEl>
+                                          <p:spTgt spid="3">
+                                            <p:txEl>
+                                              <p:pRg st="0" end="0"/>
+                                            </p:txEl>
+                                          </p:spTgt>
+                                        </p:tgtEl>
+                                        <p:attrNameLst>
+                                          <p:attrName>style.visibility</p:attrName>
+                                        </p:attrNameLst>
+                                      </p:cBhvr>
+                                      <p:to>
+                                        <p:strVal val="visible"/>
+                                      </p:to>
+                                    </p:set>
+                                  </p:childTnLst>
+                                </p:cTn>
+                              </p:par>
+                              <p:par>
+                                <p:cTn id="7" presetID="1" presetClass="entr" presetSubtype="0" fill="hold" grpId="0" nodeType="withEffect">
+                                  <p:stCondLst>
+                                    <p:cond delay="0"/>
+                                  </p:stCondLst>
+                                  <p:childTnLst>
+                                    <p:set>
+                                      <p:cBhvr>
+                                        <p:cTn id="8" dur="1" fill="hold">
+                                          <p:stCondLst>
+                                            <p:cond delay="0"/>
+                                          </p:stCondLst>
+                                        </p:cTn>
+                                        <p:tgtEl>
+                                          <p:spTgt spid="3">
+                                            <p:txEl>
+                                              <p:pRg st="1" end="1"/>
+                                            </p:txEl>
+                                          </p:spTgt>
+                                        </p:tgtEl>
+                                        <p:attrNameLst>
+                                          <p:attrName>style.visibility</p:attrName>
+                                        </p:attrNameLst>
+                                      </p:cBhvr>
+                                      <p:to>
+                                        <p:strVal val="visible"/>
+                                      </p:to>
+                                    </p:set>
+                                  </p:childTnLst>
+                                </p:cTn>
+                              </p:par>
+                            </p:childTnLst>
+                          </p:cTn>
+                        </p:par>
+                      </p:childTnLst>
+                    </p:cTn>
+                  </p:par>
+                  <p:par>
+                    <p:cTn id="9" fill="hold">
+                      <p:stCondLst>
+                        <p:cond delay="indefinite"/>
+                      </p:stCondLst>
+                      <p:childTnLst>
+                        <p:par>
+                          <p:cTn id="10" fill="hold">
+                            <p:stCondLst>
+                              <p:cond delay="0"/>
+                            </p:stCondLst>
+                            <p:childTnLst>
+                              <p:par>
+                                <p:cTn id="11" presetID="1" presetClass="entr" presetSubtype="0" fill="hold" grpId="0" nodeType="clickEffect">
+                                  <p:stCondLst>
+                                    <p:cond delay="0"/>
+                                  </p:stCondLst>
+                                  <p:childTnLst>
+                                    <p:set>
+                                      <p:cBhvr>
+                                        <p:cTn id="12" dur="1" fill="hold">
+                                          <p:stCondLst>
+                                            <p:cond delay="0"/>
+                                          </p:stCondLst>
+                                        </p:cTn>
+                                        <p:tgtEl>
+                                          <p:spTgt spid="3">
+                                            <p:txEl>
+                                              <p:pRg st="2" end="2"/>
+                                            </p:txEl>
+                                          </p:spTgt>
+                                        </p:tgtEl>
+                                        <p:attrNameLst>
+                                          <p:attrName>style.visibility</p:attrName>
+                                        </p:attrNameLst>
+                                      </p:cBhvr>
+                                      <p:to>
+                                        <p:strVal val="visible"/>
+                                      </p:to>
+                                    </p:set>
+                                  </p:childTnLst>
+                                </p:cTn>
+                              </p:par>
+                              <p:par>
+                                <p:cTn id="13" presetID="1" presetClass="entr" presetSubtype="0" fill="hold" grpId="0" nodeType="withEffect">
+                                  <p:stCondLst>
+                                    <p:cond delay="0"/>
+                                  </p:stCondLst>
+                                  <p:childTnLst>
+                                    <p:set>
+                                      <p:cBhvr>
+                                        <p:cTn id="14" dur="1" fill="hold">
+                                          <p:stCondLst>
+                                            <p:cond delay="0"/>
+                                          </p:stCondLst>
+                                        </p:cTn>
+                                        <p:tgtEl>
+                                          <p:spTgt spid="3">
+                                            <p:txEl>
+                                              <p:pRg st="3" end="3"/>
+                                            </p:txEl>
+                                          </p:spTgt>
+                                        </p:tgtEl>
+                                        <p:attrNameLst>
+                                          <p:attrName>style.visibility</p:attrName>
+                                        </p:attrNameLst>
+                                      </p:cBhvr>
+                                      <p:to>
+                                        <p:strVal val="visible"/>
+                                      </p:to>
+                                    </p:set>
+                                  </p:childTnLst>
+                                </p:cTn>
+                              </p:par>
+                            </p:childTnLst>
+                          </p:cTn>
+                        </p:par>
+                      </p:childTnLst>
+                    </p:cTn>
+                  </p:par>
+                  <p:par>
+                    <p:cTn id="15" fill="hold">
+                      <p:stCondLst>
+                        <p:cond delay="indefinite"/>
+                      </p:stCondLst>
+                      <p:childTnLst>
+                        <p:par>
+                          <p:cTn id="16" fill="hold">
+                            <p:stCondLst>
+                              <p:cond delay="0"/>
+                            </p:stCondLst>
+                            <p:childTnLst>
+                              <p:par>
+                                <p:cTn id="17" presetID="1" presetClass="entr" presetSubtype="0" fill="hold" grpId="0" nodeType="clickEffect">
+                                  <p:stCondLst>
+                                    <p:cond delay="0"/>
+                                  </p:stCondLst>
+                                  <p:childTnLst>
+                                    <p:set>
+                                      <p:cBhvr>
+                                        <p:cTn id="18" dur="1" fill="hold">
+                                          <p:stCondLst>
+                                            <p:cond delay="0"/>
+                                          </p:stCondLst>
+                                        </p:cTn>
+                                        <p:tgtEl>
+                                          <p:spTgt spid="3">
+                                            <p:txEl>
+                                              <p:pRg st="4" end="4"/>
+                                            </p:txEl>
+                                          </p:spTgt>
+                                        </p:tgtEl>
+                                        <p:attrNameLst>
+                                          <p:attrName>style.visibility</p:attrName>
+                                        </p:attrNameLst>
+                                      </p:cBhvr>
+                                      <p:to>
+                                        <p:strVal val="visible"/>
+                                      </p:to>
+                                    </p:set>
+                                  </p:childTnLst>
+                                </p:cTn>
+                              </p:par>
+                              <p:par>
+                                <p:cTn id="19" presetID="1" presetClass="entr" presetSubtype="0" fill="hold" grpId="0" nodeType="withEffect">
+                                  <p:stCondLst>
+                                    <p:cond delay="0"/>
+                                  </p:stCondLst>
+                                  <p:childTnLst>
+                                    <p:set>
+                                      <p:cBhvr>
+                                        <p:cTn id="20" dur="1" fill="hold">
+                                          <p:stCondLst>
+                                            <p:cond delay="0"/>
+                                          </p:stCondLst>
+                                        </p:cTn>
+                                        <p:tgtEl>
+                                          <p:spTgt spid="3">
+                                            <p:txEl>
+                                              <p:pRg st="5" end="5"/>
+                                            </p:txEl>
+                                          </p:spTgt>
+                                        </p:tgtEl>
+                                        <p:attrNameLst>
+                                          <p:attrName>style.visibility</p:attrName>
+                                        </p:attrNameLst>
+                                      </p:cBhvr>
+                                      <p:to>
+                                        <p:strVal val="visible"/>
+                                      </p:to>
+                                    </p:set>
+                                  </p:childTnLst>
+                                </p:cTn>
+                              </p:par>
+                            </p:childTnLst>
+                          </p:cTn>
+                        </p:par>
+                      </p:childTnLst>
+                    </p:cTn>
+                  </p:par>
+                </p:childTnLst>
+              </p:cTn>
+              <p:prevCondLst>
+                <p:cond evt="onPrev" delay="0">
+                  <p:tgtEl>
+                    <p:sldTgt/>
+                  </p:tgtEl>
+                </p:cond>
+              </p:prevCondLst>
+              <p:nextCondLst>
+                <p:cond evt="onNext" delay="0">
+                  <p:tgtEl>
+                    <p:sldTgt/>
+                  </p:tgtEl>
+                </p:cond>
+              </p:nextCondLst>
+            </p:seq>
+          </p:childTnLst>
+        </p:cTn>
+      </p:par>
+    </p:tnLst>
+    <p:bldLst>
+      <p:bldP spid="3" grpId="0" build="p"/>
+    </p:bldLst>
+  </p:timing>
 </p:sld>
 </file>
 
 <file path=ppt/slides/slide20.xml><?xml version="1.0" encoding="utf-8"?>
-<p:sld xmlns:a="http://schemas.openxmlformats.org/drawingml/2006/main" xmlns:r="http://schemas.openxmlformats.org/officeDocument/2006/relationships" xmlns:p="http://schemas.openxmlformats.org/presentationml/2006/main">
-  <p:cSld>
-    <p:spTree>
-      <p:nvGrpSpPr>
-        <p:cNvPr id="1" name=""/>
-        <p:cNvGrpSpPr/>
-        <p:nvPr/>
-      </p:nvGrpSpPr>
-      <p:grpSpPr>
-        <a:xfrm>
-          <a:off x="0" y="0"/>
-          <a:ext cx="0" cy="0"/>
-          <a:chOff x="0" y="0"/>
-          <a:chExt cx="0" cy="0"/>
-        </a:xfrm>
-      </p:grpSpPr>
-      <p:pic>
-        <p:nvPicPr>
-          <p:cNvPr id="4" name="Picture 3">
-            <a:extLst>
-              <a:ext uri="{FF2B5EF4-FFF2-40B4-BE49-F238E27FC236}">
-                <a16:creationId xmlns:a16="http://schemas.microsoft.com/office/drawing/2014/main" id="{669A8788-EAF7-6E61-4E09-9D50C9E6A628}"/>
-              </a:ext>
-            </a:extLst>
-          </p:cNvPr>
-          <p:cNvPicPr>
-            <a:picLocks noChangeAspect="1"/>
-          </p:cNvPicPr>
-          <p:nvPr/>
-        </p:nvPicPr>
-        <p:blipFill>
-          <a:blip r:embed="rId2"/>
-          <a:stretch>
-            <a:fillRect/>
-          </a:stretch>
-        </p:blipFill>
-        <p:spPr>
-          <a:xfrm>
-            <a:off x="952500" y="0"/>
-            <a:ext cx="10287000" cy="6858000"/>
-          </a:xfrm>
-          <a:prstGeom prst="rect">
-            <a:avLst/>
-          </a:prstGeom>
-        </p:spPr>
-      </p:pic>
-    </p:spTree>
-    <p:extLst>
-      <p:ext uri="{BB962C8B-B14F-4D97-AF65-F5344CB8AC3E}">
-        <p14:creationId xmlns:p14="http://schemas.microsoft.com/office/powerpoint/2010/main" val="180870616"/>
-      </p:ext>
-    </p:extLst>
-  </p:cSld>
-  <p:clrMapOvr>
-    <a:masterClrMapping/>
-  </p:clrMapOvr>
-</p:sld>
-</file>
-
-<file path=ppt/slides/slide21.xml><?xml version="1.0" encoding="utf-8"?>
-<p:sld xmlns:a="http://schemas.openxmlformats.org/drawingml/2006/main" xmlns:r="http://schemas.openxmlformats.org/officeDocument/2006/relationships" xmlns:p="http://schemas.openxmlformats.org/presentationml/2006/main">
-  <p:cSld>
-    <p:spTree>
-      <p:nvGrpSpPr>
-        <p:cNvPr id="1" name=""/>
-        <p:cNvGrpSpPr/>
-        <p:nvPr/>
-      </p:nvGrpSpPr>
-      <p:grpSpPr>
-        <a:xfrm>
-          <a:off x="0" y="0"/>
-          <a:ext cx="0" cy="0"/>
-          <a:chOff x="0" y="0"/>
-          <a:chExt cx="0" cy="0"/>
-        </a:xfrm>
-      </p:grpSpPr>
-      <p:sp>
-        <p:nvSpPr>
-          <p:cNvPr id="2" name="Title 1">
-            <a:extLst>
-              <a:ext uri="{FF2B5EF4-FFF2-40B4-BE49-F238E27FC236}">
-                <a16:creationId xmlns:a16="http://schemas.microsoft.com/office/drawing/2014/main" id="{19EAA029-7673-8249-43FC-31B91BEFE7BE}"/>
-              </a:ext>
-            </a:extLst>
-          </p:cNvPr>
-          <p:cNvSpPr>
-            <a:spLocks noGrp="1"/>
-          </p:cNvSpPr>
-          <p:nvPr>
-            <p:ph type="title"/>
-          </p:nvPr>
-        </p:nvSpPr>
-        <p:spPr/>
-        <p:txBody>
-          <a:bodyPr/>
-          <a:lstStyle/>
-          <a:p>
-            <a:r>
-              <a:rPr lang="en-US" dirty="0"/>
-              <a:t>Limitations</a:t>
-            </a:r>
-          </a:p>
-        </p:txBody>
-      </p:sp>
-      <p:sp>
-        <p:nvSpPr>
-          <p:cNvPr id="3" name="Content Placeholder 2">
-            <a:extLst>
-              <a:ext uri="{FF2B5EF4-FFF2-40B4-BE49-F238E27FC236}">
-                <a16:creationId xmlns:a16="http://schemas.microsoft.com/office/drawing/2014/main" id="{149A675F-7EE3-BF0E-23B9-DD104AB800E2}"/>
-              </a:ext>
-            </a:extLst>
-          </p:cNvPr>
-          <p:cNvSpPr>
-            <a:spLocks noGrp="1"/>
-          </p:cNvSpPr>
-          <p:nvPr>
-            <p:ph idx="1"/>
-          </p:nvPr>
-        </p:nvSpPr>
-        <p:spPr/>
-        <p:txBody>
-          <a:bodyPr/>
-          <a:lstStyle/>
-          <a:p>
-            <a:r>
-              <a:rPr lang="en-US" dirty="0"/>
-              <a:t>The PIERS data do not include empty haul</a:t>
-            </a:r>
-          </a:p>
-          <a:p>
-            <a:r>
-              <a:rPr lang="en-US" dirty="0"/>
-              <a:t>OCAs are only one form of vessel sharing agreements (VSA); we do not observe any other form of VSA. </a:t>
-            </a:r>
-          </a:p>
-          <a:p>
-            <a:endParaRPr lang="en-US" dirty="0"/>
-          </a:p>
-        </p:txBody>
-      </p:sp>
-    </p:spTree>
-    <p:extLst>
-      <p:ext uri="{BB962C8B-B14F-4D97-AF65-F5344CB8AC3E}">
-        <p14:creationId xmlns:p14="http://schemas.microsoft.com/office/powerpoint/2010/main" val="1936259183"/>
-      </p:ext>
-    </p:extLst>
-  </p:cSld>
-  <p:clrMapOvr>
-    <a:masterClrMapping/>
-  </p:clrMapOvr>
-</p:sld>
-</file>
-
-<file path=ppt/slides/slide22.xml><?xml version="1.0" encoding="utf-8"?>
 <p:sld xmlns:a="http://schemas.openxmlformats.org/drawingml/2006/main" xmlns:r="http://schemas.openxmlformats.org/officeDocument/2006/relationships" xmlns:p="http://schemas.openxmlformats.org/presentationml/2006/main">
   <p:cSld>
     <p:spTree>
@@ -9925,19 +12477,25 @@
           <a:p>
             <a:r>
               <a:rPr lang="en-US" dirty="0"/>
+              <a:t>Carrier Alliances are a big deal.</a:t>
+            </a:r>
+          </a:p>
+          <a:p>
+            <a:r>
+              <a:rPr lang="en-US" dirty="0"/>
+              <a:t>Policy makers need better research to make difficult decisions. </a:t>
+            </a:r>
+          </a:p>
+          <a:p>
+            <a:r>
+              <a:rPr lang="en-US" dirty="0"/>
               <a:t>Alliance utilization varies over time and across lanes</a:t>
             </a:r>
           </a:p>
           <a:p>
             <a:r>
               <a:rPr lang="en-US" dirty="0"/>
-              <a:t>Impacts on producers depend on utilization</a:t>
-            </a:r>
-          </a:p>
-          <a:p>
-            <a:r>
-              <a:rPr lang="en-US" dirty="0"/>
-              <a:t>Study results re: US ag producers expected this fall</a:t>
+              <a:t>Impacts on producers depend on utilization of the alliance.</a:t>
             </a:r>
           </a:p>
           <a:p>
@@ -9967,130 +12525,337 @@
   <p:clrMapOvr>
     <a:masterClrMapping/>
   </p:clrMapOvr>
+  <p:timing>
+    <p:tnLst>
+      <p:par>
+        <p:cTn id="1" dur="indefinite" restart="never" nodeType="tmRoot">
+          <p:childTnLst>
+            <p:seq concurrent="1" nextAc="seek">
+              <p:cTn id="2" dur="indefinite" nodeType="mainSeq">
+                <p:childTnLst>
+                  <p:par>
+                    <p:cTn id="3" fill="hold">
+                      <p:stCondLst>
+                        <p:cond delay="indefinite"/>
+                      </p:stCondLst>
+                      <p:childTnLst>
+                        <p:par>
+                          <p:cTn id="4" fill="hold">
+                            <p:stCondLst>
+                              <p:cond delay="0"/>
+                            </p:stCondLst>
+                            <p:childTnLst>
+                              <p:par>
+                                <p:cTn id="5" presetID="1" presetClass="entr" presetSubtype="0" fill="hold" grpId="0" nodeType="clickEffect">
+                                  <p:stCondLst>
+                                    <p:cond delay="0"/>
+                                  </p:stCondLst>
+                                  <p:childTnLst>
+                                    <p:set>
+                                      <p:cBhvr>
+                                        <p:cTn id="6" dur="1" fill="hold">
+                                          <p:stCondLst>
+                                            <p:cond delay="0"/>
+                                          </p:stCondLst>
+                                        </p:cTn>
+                                        <p:tgtEl>
+                                          <p:spTgt spid="3">
+                                            <p:txEl>
+                                              <p:pRg st="0" end="0"/>
+                                            </p:txEl>
+                                          </p:spTgt>
+                                        </p:tgtEl>
+                                        <p:attrNameLst>
+                                          <p:attrName>style.visibility</p:attrName>
+                                        </p:attrNameLst>
+                                      </p:cBhvr>
+                                      <p:to>
+                                        <p:strVal val="visible"/>
+                                      </p:to>
+                                    </p:set>
+                                  </p:childTnLst>
+                                </p:cTn>
+                              </p:par>
+                            </p:childTnLst>
+                          </p:cTn>
+                        </p:par>
+                      </p:childTnLst>
+                    </p:cTn>
+                  </p:par>
+                  <p:par>
+                    <p:cTn id="7" fill="hold">
+                      <p:stCondLst>
+                        <p:cond delay="indefinite"/>
+                      </p:stCondLst>
+                      <p:childTnLst>
+                        <p:par>
+                          <p:cTn id="8" fill="hold">
+                            <p:stCondLst>
+                              <p:cond delay="0"/>
+                            </p:stCondLst>
+                            <p:childTnLst>
+                              <p:par>
+                                <p:cTn id="9" presetID="1" presetClass="entr" presetSubtype="0" fill="hold" grpId="0" nodeType="clickEffect">
+                                  <p:stCondLst>
+                                    <p:cond delay="0"/>
+                                  </p:stCondLst>
+                                  <p:childTnLst>
+                                    <p:set>
+                                      <p:cBhvr>
+                                        <p:cTn id="10" dur="1" fill="hold">
+                                          <p:stCondLst>
+                                            <p:cond delay="0"/>
+                                          </p:stCondLst>
+                                        </p:cTn>
+                                        <p:tgtEl>
+                                          <p:spTgt spid="3">
+                                            <p:txEl>
+                                              <p:pRg st="1" end="1"/>
+                                            </p:txEl>
+                                          </p:spTgt>
+                                        </p:tgtEl>
+                                        <p:attrNameLst>
+                                          <p:attrName>style.visibility</p:attrName>
+                                        </p:attrNameLst>
+                                      </p:cBhvr>
+                                      <p:to>
+                                        <p:strVal val="visible"/>
+                                      </p:to>
+                                    </p:set>
+                                  </p:childTnLst>
+                                </p:cTn>
+                              </p:par>
+                            </p:childTnLst>
+                          </p:cTn>
+                        </p:par>
+                      </p:childTnLst>
+                    </p:cTn>
+                  </p:par>
+                  <p:par>
+                    <p:cTn id="11" fill="hold">
+                      <p:stCondLst>
+                        <p:cond delay="indefinite"/>
+                      </p:stCondLst>
+                      <p:childTnLst>
+                        <p:par>
+                          <p:cTn id="12" fill="hold">
+                            <p:stCondLst>
+                              <p:cond delay="0"/>
+                            </p:stCondLst>
+                            <p:childTnLst>
+                              <p:par>
+                                <p:cTn id="13" presetID="1" presetClass="entr" presetSubtype="0" fill="hold" grpId="0" nodeType="clickEffect">
+                                  <p:stCondLst>
+                                    <p:cond delay="0"/>
+                                  </p:stCondLst>
+                                  <p:childTnLst>
+                                    <p:set>
+                                      <p:cBhvr>
+                                        <p:cTn id="14" dur="1" fill="hold">
+                                          <p:stCondLst>
+                                            <p:cond delay="0"/>
+                                          </p:stCondLst>
+                                        </p:cTn>
+                                        <p:tgtEl>
+                                          <p:spTgt spid="3">
+                                            <p:txEl>
+                                              <p:pRg st="2" end="2"/>
+                                            </p:txEl>
+                                          </p:spTgt>
+                                        </p:tgtEl>
+                                        <p:attrNameLst>
+                                          <p:attrName>style.visibility</p:attrName>
+                                        </p:attrNameLst>
+                                      </p:cBhvr>
+                                      <p:to>
+                                        <p:strVal val="visible"/>
+                                      </p:to>
+                                    </p:set>
+                                  </p:childTnLst>
+                                </p:cTn>
+                              </p:par>
+                            </p:childTnLst>
+                          </p:cTn>
+                        </p:par>
+                      </p:childTnLst>
+                    </p:cTn>
+                  </p:par>
+                  <p:par>
+                    <p:cTn id="15" fill="hold">
+                      <p:stCondLst>
+                        <p:cond delay="indefinite"/>
+                      </p:stCondLst>
+                      <p:childTnLst>
+                        <p:par>
+                          <p:cTn id="16" fill="hold">
+                            <p:stCondLst>
+                              <p:cond delay="0"/>
+                            </p:stCondLst>
+                            <p:childTnLst>
+                              <p:par>
+                                <p:cTn id="17" presetID="1" presetClass="entr" presetSubtype="0" fill="hold" grpId="0" nodeType="clickEffect">
+                                  <p:stCondLst>
+                                    <p:cond delay="0"/>
+                                  </p:stCondLst>
+                                  <p:childTnLst>
+                                    <p:set>
+                                      <p:cBhvr>
+                                        <p:cTn id="18" dur="1" fill="hold">
+                                          <p:stCondLst>
+                                            <p:cond delay="0"/>
+                                          </p:stCondLst>
+                                        </p:cTn>
+                                        <p:tgtEl>
+                                          <p:spTgt spid="3">
+                                            <p:txEl>
+                                              <p:pRg st="3" end="3"/>
+                                            </p:txEl>
+                                          </p:spTgt>
+                                        </p:tgtEl>
+                                        <p:attrNameLst>
+                                          <p:attrName>style.visibility</p:attrName>
+                                        </p:attrNameLst>
+                                      </p:cBhvr>
+                                      <p:to>
+                                        <p:strVal val="visible"/>
+                                      </p:to>
+                                    </p:set>
+                                  </p:childTnLst>
+                                </p:cTn>
+                              </p:par>
+                            </p:childTnLst>
+                          </p:cTn>
+                        </p:par>
+                      </p:childTnLst>
+                    </p:cTn>
+                  </p:par>
+                  <p:par>
+                    <p:cTn id="19" fill="hold">
+                      <p:stCondLst>
+                        <p:cond delay="indefinite"/>
+                      </p:stCondLst>
+                      <p:childTnLst>
+                        <p:par>
+                          <p:cTn id="20" fill="hold">
+                            <p:stCondLst>
+                              <p:cond delay="0"/>
+                            </p:stCondLst>
+                            <p:childTnLst>
+                              <p:par>
+                                <p:cTn id="21" presetID="1" presetClass="entr" presetSubtype="0" fill="hold" grpId="0" nodeType="clickEffect">
+                                  <p:stCondLst>
+                                    <p:cond delay="0"/>
+                                  </p:stCondLst>
+                                  <p:childTnLst>
+                                    <p:set>
+                                      <p:cBhvr>
+                                        <p:cTn id="22" dur="1" fill="hold">
+                                          <p:stCondLst>
+                                            <p:cond delay="0"/>
+                                          </p:stCondLst>
+                                        </p:cTn>
+                                        <p:tgtEl>
+                                          <p:spTgt spid="3">
+                                            <p:txEl>
+                                              <p:pRg st="4" end="4"/>
+                                            </p:txEl>
+                                          </p:spTgt>
+                                        </p:tgtEl>
+                                        <p:attrNameLst>
+                                          <p:attrName>style.visibility</p:attrName>
+                                        </p:attrNameLst>
+                                      </p:cBhvr>
+                                      <p:to>
+                                        <p:strVal val="visible"/>
+                                      </p:to>
+                                    </p:set>
+                                  </p:childTnLst>
+                                </p:cTn>
+                              </p:par>
+                            </p:childTnLst>
+                          </p:cTn>
+                        </p:par>
+                      </p:childTnLst>
+                    </p:cTn>
+                  </p:par>
+                  <p:par>
+                    <p:cTn id="23" fill="hold">
+                      <p:stCondLst>
+                        <p:cond delay="indefinite"/>
+                      </p:stCondLst>
+                      <p:childTnLst>
+                        <p:par>
+                          <p:cTn id="24" fill="hold">
+                            <p:stCondLst>
+                              <p:cond delay="0"/>
+                            </p:stCondLst>
+                            <p:childTnLst>
+                              <p:par>
+                                <p:cTn id="25" presetID="1" presetClass="entr" presetSubtype="0" fill="hold" grpId="0" nodeType="clickEffect">
+                                  <p:stCondLst>
+                                    <p:cond delay="0"/>
+                                  </p:stCondLst>
+                                  <p:childTnLst>
+                                    <p:set>
+                                      <p:cBhvr>
+                                        <p:cTn id="26" dur="1" fill="hold">
+                                          <p:stCondLst>
+                                            <p:cond delay="0"/>
+                                          </p:stCondLst>
+                                        </p:cTn>
+                                        <p:tgtEl>
+                                          <p:spTgt spid="3">
+                                            <p:txEl>
+                                              <p:pRg st="5" end="5"/>
+                                            </p:txEl>
+                                          </p:spTgt>
+                                        </p:tgtEl>
+                                        <p:attrNameLst>
+                                          <p:attrName>style.visibility</p:attrName>
+                                        </p:attrNameLst>
+                                      </p:cBhvr>
+                                      <p:to>
+                                        <p:strVal val="visible"/>
+                                      </p:to>
+                                    </p:set>
+                                  </p:childTnLst>
+                                </p:cTn>
+                              </p:par>
+                            </p:childTnLst>
+                          </p:cTn>
+                        </p:par>
+                      </p:childTnLst>
+                    </p:cTn>
+                  </p:par>
+                </p:childTnLst>
+              </p:cTn>
+              <p:prevCondLst>
+                <p:cond evt="onPrev" delay="0">
+                  <p:tgtEl>
+                    <p:sldTgt/>
+                  </p:tgtEl>
+                </p:cond>
+              </p:prevCondLst>
+              <p:nextCondLst>
+                <p:cond evt="onNext" delay="0">
+                  <p:tgtEl>
+                    <p:sldTgt/>
+                  </p:tgtEl>
+                </p:cond>
+              </p:nextCondLst>
+            </p:seq>
+          </p:childTnLst>
+        </p:cTn>
+      </p:par>
+    </p:tnLst>
+    <p:bldLst>
+      <p:bldP spid="3" grpId="0" uiExpand="1" build="p"/>
+    </p:bldLst>
+  </p:timing>
 </p:sld>
 </file>
 
 <file path=ppt/slides/slide3.xml><?xml version="1.0" encoding="utf-8"?>
-<p:sld xmlns:a="http://schemas.openxmlformats.org/drawingml/2006/main" xmlns:r="http://schemas.openxmlformats.org/officeDocument/2006/relationships" xmlns:p="http://schemas.openxmlformats.org/presentationml/2006/main">
-  <p:cSld>
-    <p:spTree>
-      <p:nvGrpSpPr>
-        <p:cNvPr id="1" name=""/>
-        <p:cNvGrpSpPr/>
-        <p:nvPr/>
-      </p:nvGrpSpPr>
-      <p:grpSpPr>
-        <a:xfrm>
-          <a:off x="0" y="0"/>
-          <a:ext cx="0" cy="0"/>
-          <a:chOff x="0" y="0"/>
-          <a:chExt cx="0" cy="0"/>
-        </a:xfrm>
-      </p:grpSpPr>
-      <p:pic>
-        <p:nvPicPr>
-          <p:cNvPr id="6" name="Picture 5" descr="A chart of different colored squares&#10;&#10;Description automatically generated">
-            <a:extLst>
-              <a:ext uri="{FF2B5EF4-FFF2-40B4-BE49-F238E27FC236}">
-                <a16:creationId xmlns:a16="http://schemas.microsoft.com/office/drawing/2014/main" id="{52488248-A3C7-CD22-E7C3-C518EE077DE3}"/>
-              </a:ext>
-            </a:extLst>
-          </p:cNvPr>
-          <p:cNvPicPr>
-            <a:picLocks noChangeAspect="1"/>
-          </p:cNvPicPr>
-          <p:nvPr/>
-        </p:nvPicPr>
-        <p:blipFill>
-          <a:blip r:embed="rId2"/>
-          <a:stretch>
-            <a:fillRect/>
-          </a:stretch>
-        </p:blipFill>
-        <p:spPr>
-          <a:xfrm>
-            <a:off x="406549" y="268194"/>
-            <a:ext cx="11378902" cy="6321612"/>
-          </a:xfrm>
-          <a:prstGeom prst="rect">
-            <a:avLst/>
-          </a:prstGeom>
-        </p:spPr>
-      </p:pic>
-    </p:spTree>
-    <p:extLst>
-      <p:ext uri="{BB962C8B-B14F-4D97-AF65-F5344CB8AC3E}">
-        <p14:creationId xmlns:p14="http://schemas.microsoft.com/office/powerpoint/2010/main" val="1585077462"/>
-      </p:ext>
-    </p:extLst>
-  </p:cSld>
-  <p:clrMapOvr>
-    <a:masterClrMapping/>
-  </p:clrMapOvr>
-</p:sld>
-</file>
-
-<file path=ppt/slides/slide4.xml><?xml version="1.0" encoding="utf-8"?>
-<p:sld xmlns:a="http://schemas.openxmlformats.org/drawingml/2006/main" xmlns:r="http://schemas.openxmlformats.org/officeDocument/2006/relationships" xmlns:p="http://schemas.openxmlformats.org/presentationml/2006/main">
-  <p:cSld>
-    <p:spTree>
-      <p:nvGrpSpPr>
-        <p:cNvPr id="1" name=""/>
-        <p:cNvGrpSpPr/>
-        <p:nvPr/>
-      </p:nvGrpSpPr>
-      <p:grpSpPr>
-        <a:xfrm>
-          <a:off x="0" y="0"/>
-          <a:ext cx="0" cy="0"/>
-          <a:chOff x="0" y="0"/>
-          <a:chExt cx="0" cy="0"/>
-        </a:xfrm>
-      </p:grpSpPr>
-      <p:pic>
-        <p:nvPicPr>
-          <p:cNvPr id="6" name="Picture 5" descr="A chart of different colored squares&#10;&#10;Description automatically generated">
-            <a:extLst>
-              <a:ext uri="{FF2B5EF4-FFF2-40B4-BE49-F238E27FC236}">
-                <a16:creationId xmlns:a16="http://schemas.microsoft.com/office/drawing/2014/main" id="{E33BB4B4-1BB2-FD3D-9516-5A143F0A0FEF}"/>
-              </a:ext>
-            </a:extLst>
-          </p:cNvPr>
-          <p:cNvPicPr>
-            <a:picLocks noChangeAspect="1"/>
-          </p:cNvPicPr>
-          <p:nvPr/>
-        </p:nvPicPr>
-        <p:blipFill>
-          <a:blip r:embed="rId2"/>
-          <a:stretch>
-            <a:fillRect/>
-          </a:stretch>
-        </p:blipFill>
-        <p:spPr>
-          <a:xfrm>
-            <a:off x="430754" y="281641"/>
-            <a:ext cx="11330492" cy="6294718"/>
-          </a:xfrm>
-          <a:prstGeom prst="rect">
-            <a:avLst/>
-          </a:prstGeom>
-        </p:spPr>
-      </p:pic>
-    </p:spTree>
-    <p:extLst>
-      <p:ext uri="{BB962C8B-B14F-4D97-AF65-F5344CB8AC3E}">
-        <p14:creationId xmlns:p14="http://schemas.microsoft.com/office/powerpoint/2010/main" val="2094747406"/>
-      </p:ext>
-    </p:extLst>
-  </p:cSld>
-  <p:clrMapOvr>
-    <a:masterClrMapping/>
-  </p:clrMapOvr>
-</p:sld>
-</file>
-
-<file path=ppt/slides/slide5.xml><?xml version="1.0" encoding="utf-8"?>
 <p:sld xmlns:a="http://schemas.openxmlformats.org/drawingml/2006/main" xmlns:r="http://schemas.openxmlformats.org/officeDocument/2006/relationships" xmlns:p="http://schemas.openxmlformats.org/presentationml/2006/main">
   <p:cSld>
     <p:spTree>
@@ -10150,7 +12915,7 @@
           <p:nvPr/>
         </p:nvPicPr>
         <p:blipFill>
-          <a:blip r:embed="rId2"/>
+          <a:blip r:embed="rId3"/>
           <a:stretch>
             <a:fillRect/>
           </a:stretch>
@@ -10212,6 +12977,126 @@
     <p:extLst>
       <p:ext uri="{BB962C8B-B14F-4D97-AF65-F5344CB8AC3E}">
         <p14:creationId xmlns:p14="http://schemas.microsoft.com/office/powerpoint/2010/main" val="3206686003"/>
+      </p:ext>
+    </p:extLst>
+  </p:cSld>
+  <p:clrMapOvr>
+    <a:masterClrMapping/>
+  </p:clrMapOvr>
+</p:sld>
+</file>
+
+<file path=ppt/slides/slide4.xml><?xml version="1.0" encoding="utf-8"?>
+<p:sld xmlns:a="http://schemas.openxmlformats.org/drawingml/2006/main" xmlns:r="http://schemas.openxmlformats.org/officeDocument/2006/relationships" xmlns:p="http://schemas.openxmlformats.org/presentationml/2006/main">
+  <p:cSld>
+    <p:spTree>
+      <p:nvGrpSpPr>
+        <p:cNvPr id="1" name=""/>
+        <p:cNvGrpSpPr/>
+        <p:nvPr/>
+      </p:nvGrpSpPr>
+      <p:grpSpPr>
+        <a:xfrm>
+          <a:off x="0" y="0"/>
+          <a:ext cx="0" cy="0"/>
+          <a:chOff x="0" y="0"/>
+          <a:chExt cx="0" cy="0"/>
+        </a:xfrm>
+      </p:grpSpPr>
+      <p:pic>
+        <p:nvPicPr>
+          <p:cNvPr id="6" name="Picture 5" descr="A chart of different colored squares&#10;&#10;Description automatically generated">
+            <a:extLst>
+              <a:ext uri="{FF2B5EF4-FFF2-40B4-BE49-F238E27FC236}">
+                <a16:creationId xmlns:a16="http://schemas.microsoft.com/office/drawing/2014/main" id="{52488248-A3C7-CD22-E7C3-C518EE077DE3}"/>
+              </a:ext>
+            </a:extLst>
+          </p:cNvPr>
+          <p:cNvPicPr>
+            <a:picLocks noChangeAspect="1"/>
+          </p:cNvPicPr>
+          <p:nvPr/>
+        </p:nvPicPr>
+        <p:blipFill>
+          <a:blip r:embed="rId3"/>
+          <a:stretch>
+            <a:fillRect/>
+          </a:stretch>
+        </p:blipFill>
+        <p:spPr>
+          <a:xfrm>
+            <a:off x="406549" y="268194"/>
+            <a:ext cx="11378902" cy="6321612"/>
+          </a:xfrm>
+          <a:prstGeom prst="rect">
+            <a:avLst/>
+          </a:prstGeom>
+        </p:spPr>
+      </p:pic>
+    </p:spTree>
+    <p:extLst>
+      <p:ext uri="{BB962C8B-B14F-4D97-AF65-F5344CB8AC3E}">
+        <p14:creationId xmlns:p14="http://schemas.microsoft.com/office/powerpoint/2010/main" val="1585077462"/>
+      </p:ext>
+    </p:extLst>
+  </p:cSld>
+  <p:clrMapOvr>
+    <a:masterClrMapping/>
+  </p:clrMapOvr>
+</p:sld>
+</file>
+
+<file path=ppt/slides/slide5.xml><?xml version="1.0" encoding="utf-8"?>
+<p:sld xmlns:a="http://schemas.openxmlformats.org/drawingml/2006/main" xmlns:r="http://schemas.openxmlformats.org/officeDocument/2006/relationships" xmlns:p="http://schemas.openxmlformats.org/presentationml/2006/main">
+  <p:cSld>
+    <p:spTree>
+      <p:nvGrpSpPr>
+        <p:cNvPr id="1" name=""/>
+        <p:cNvGrpSpPr/>
+        <p:nvPr/>
+      </p:nvGrpSpPr>
+      <p:grpSpPr>
+        <a:xfrm>
+          <a:off x="0" y="0"/>
+          <a:ext cx="0" cy="0"/>
+          <a:chOff x="0" y="0"/>
+          <a:chExt cx="0" cy="0"/>
+        </a:xfrm>
+      </p:grpSpPr>
+      <p:pic>
+        <p:nvPicPr>
+          <p:cNvPr id="6" name="Picture 5" descr="A chart of different colored squares&#10;&#10;Description automatically generated">
+            <a:extLst>
+              <a:ext uri="{FF2B5EF4-FFF2-40B4-BE49-F238E27FC236}">
+                <a16:creationId xmlns:a16="http://schemas.microsoft.com/office/drawing/2014/main" id="{E33BB4B4-1BB2-FD3D-9516-5A143F0A0FEF}"/>
+              </a:ext>
+            </a:extLst>
+          </p:cNvPr>
+          <p:cNvPicPr>
+            <a:picLocks noChangeAspect="1"/>
+          </p:cNvPicPr>
+          <p:nvPr/>
+        </p:nvPicPr>
+        <p:blipFill>
+          <a:blip r:embed="rId3"/>
+          <a:stretch>
+            <a:fillRect/>
+          </a:stretch>
+        </p:blipFill>
+        <p:spPr>
+          <a:xfrm>
+            <a:off x="430754" y="281641"/>
+            <a:ext cx="11330492" cy="6294718"/>
+          </a:xfrm>
+          <a:prstGeom prst="rect">
+            <a:avLst/>
+          </a:prstGeom>
+        </p:spPr>
+      </p:pic>
+    </p:spTree>
+    <p:extLst>
+      <p:ext uri="{BB962C8B-B14F-4D97-AF65-F5344CB8AC3E}">
+        <p14:creationId xmlns:p14="http://schemas.microsoft.com/office/powerpoint/2010/main" val="2094747406"/>
       </p:ext>
     </p:extLst>
   </p:cSld>
@@ -10266,7 +13151,7 @@
           <a:p>
             <a:r>
               <a:rPr lang="en-US" dirty="0"/>
-              <a:t>Do OCAs Reduce Competition?</a:t>
+              <a:t>Do Alliances Reduce Competition?</a:t>
             </a:r>
           </a:p>
         </p:txBody>
@@ -10299,13 +13184,13 @@
           <a:p>
             <a:r>
               <a:rPr lang="en-US" dirty="0"/>
-              <a:t>Carriers argue that the increased efficiencies help keep costs down and allow them to provide better service.</a:t>
+              <a:t>Carriers argue that alliances increase efficiencies, helping keep costs down and allowing them to provide better service.</a:t>
             </a:r>
           </a:p>
           <a:p>
             <a:r>
               <a:rPr lang="en-US" dirty="0"/>
-              <a:t>Shippers and regulating bodies are concerned that OCAs give carriers too much market power</a:t>
+              <a:t>Shippers and regulating bodies are concerned that Alliances give carriers too much market power</a:t>
             </a:r>
           </a:p>
           <a:p>
@@ -10316,20 +13201,12 @@
             </a:r>
           </a:p>
           <a:p>
-            <a:pPr lvl="1"/>
             <a:r>
               <a:rPr lang="en-US" dirty="0"/>
-              <a:t>Industry analysts point out that OCAs currently represent some ¾ of global capacity </a:t>
-            </a:r>
-          </a:p>
-          <a:p>
-            <a:r>
-              <a:rPr lang="en-US" dirty="0"/>
-              <a:t>OCAs have historically been exempt from antitrust regulation</a:t>
-            </a:r>
-          </a:p>
-          <a:p>
-            <a:pPr lvl="1"/>
+              <a:t>Alliances have historically been exempt from antitrust regulation</a:t>
+            </a:r>
+          </a:p>
+          <a:p>
             <a:r>
               <a:rPr lang="en-US" dirty="0"/>
               <a:t>This tide may be changing: EU exemption expired in April, and US is investigating similar moves</a:t>
@@ -10347,6 +13224,266 @@
   <p:clrMapOvr>
     <a:masterClrMapping/>
   </p:clrMapOvr>
+  <p:timing>
+    <p:tnLst>
+      <p:par>
+        <p:cTn id="1" dur="indefinite" restart="never" nodeType="tmRoot">
+          <p:childTnLst>
+            <p:seq concurrent="1" nextAc="seek">
+              <p:cTn id="2" dur="indefinite" nodeType="mainSeq">
+                <p:childTnLst>
+                  <p:par>
+                    <p:cTn id="3" fill="hold">
+                      <p:stCondLst>
+                        <p:cond delay="indefinite"/>
+                      </p:stCondLst>
+                      <p:childTnLst>
+                        <p:par>
+                          <p:cTn id="4" fill="hold">
+                            <p:stCondLst>
+                              <p:cond delay="0"/>
+                            </p:stCondLst>
+                            <p:childTnLst>
+                              <p:par>
+                                <p:cTn id="5" presetID="1" presetClass="entr" presetSubtype="0" fill="hold" grpId="0" nodeType="clickEffect">
+                                  <p:stCondLst>
+                                    <p:cond delay="0"/>
+                                  </p:stCondLst>
+                                  <p:childTnLst>
+                                    <p:set>
+                                      <p:cBhvr>
+                                        <p:cTn id="6" dur="1" fill="hold">
+                                          <p:stCondLst>
+                                            <p:cond delay="0"/>
+                                          </p:stCondLst>
+                                        </p:cTn>
+                                        <p:tgtEl>
+                                          <p:spTgt spid="3">
+                                            <p:txEl>
+                                              <p:pRg st="0" end="0"/>
+                                            </p:txEl>
+                                          </p:spTgt>
+                                        </p:tgtEl>
+                                        <p:attrNameLst>
+                                          <p:attrName>style.visibility</p:attrName>
+                                        </p:attrNameLst>
+                                      </p:cBhvr>
+                                      <p:to>
+                                        <p:strVal val="visible"/>
+                                      </p:to>
+                                    </p:set>
+                                  </p:childTnLst>
+                                </p:cTn>
+                              </p:par>
+                            </p:childTnLst>
+                          </p:cTn>
+                        </p:par>
+                      </p:childTnLst>
+                    </p:cTn>
+                  </p:par>
+                  <p:par>
+                    <p:cTn id="7" fill="hold">
+                      <p:stCondLst>
+                        <p:cond delay="indefinite"/>
+                      </p:stCondLst>
+                      <p:childTnLst>
+                        <p:par>
+                          <p:cTn id="8" fill="hold">
+                            <p:stCondLst>
+                              <p:cond delay="0"/>
+                            </p:stCondLst>
+                            <p:childTnLst>
+                              <p:par>
+                                <p:cTn id="9" presetID="1" presetClass="entr" presetSubtype="0" fill="hold" grpId="0" nodeType="clickEffect">
+                                  <p:stCondLst>
+                                    <p:cond delay="0"/>
+                                  </p:stCondLst>
+                                  <p:childTnLst>
+                                    <p:set>
+                                      <p:cBhvr>
+                                        <p:cTn id="10" dur="1" fill="hold">
+                                          <p:stCondLst>
+                                            <p:cond delay="0"/>
+                                          </p:stCondLst>
+                                        </p:cTn>
+                                        <p:tgtEl>
+                                          <p:spTgt spid="3">
+                                            <p:txEl>
+                                              <p:pRg st="1" end="1"/>
+                                            </p:txEl>
+                                          </p:spTgt>
+                                        </p:tgtEl>
+                                        <p:attrNameLst>
+                                          <p:attrName>style.visibility</p:attrName>
+                                        </p:attrNameLst>
+                                      </p:cBhvr>
+                                      <p:to>
+                                        <p:strVal val="visible"/>
+                                      </p:to>
+                                    </p:set>
+                                  </p:childTnLst>
+                                </p:cTn>
+                              </p:par>
+                              <p:par>
+                                <p:cTn id="11" presetID="1" presetClass="entr" presetSubtype="0" fill="hold" grpId="0" nodeType="withEffect">
+                                  <p:stCondLst>
+                                    <p:cond delay="0"/>
+                                  </p:stCondLst>
+                                  <p:childTnLst>
+                                    <p:set>
+                                      <p:cBhvr>
+                                        <p:cTn id="12" dur="1" fill="hold">
+                                          <p:stCondLst>
+                                            <p:cond delay="0"/>
+                                          </p:stCondLst>
+                                        </p:cTn>
+                                        <p:tgtEl>
+                                          <p:spTgt spid="3">
+                                            <p:txEl>
+                                              <p:pRg st="2" end="2"/>
+                                            </p:txEl>
+                                          </p:spTgt>
+                                        </p:tgtEl>
+                                        <p:attrNameLst>
+                                          <p:attrName>style.visibility</p:attrName>
+                                        </p:attrNameLst>
+                                      </p:cBhvr>
+                                      <p:to>
+                                        <p:strVal val="visible"/>
+                                      </p:to>
+                                    </p:set>
+                                  </p:childTnLst>
+                                </p:cTn>
+                              </p:par>
+                            </p:childTnLst>
+                          </p:cTn>
+                        </p:par>
+                      </p:childTnLst>
+                    </p:cTn>
+                  </p:par>
+                  <p:par>
+                    <p:cTn id="13" fill="hold">
+                      <p:stCondLst>
+                        <p:cond delay="indefinite"/>
+                      </p:stCondLst>
+                      <p:childTnLst>
+                        <p:par>
+                          <p:cTn id="14" fill="hold">
+                            <p:stCondLst>
+                              <p:cond delay="0"/>
+                            </p:stCondLst>
+                            <p:childTnLst>
+                              <p:par>
+                                <p:cTn id="15" presetID="1" presetClass="entr" presetSubtype="0" fill="hold" grpId="0" nodeType="clickEffect">
+                                  <p:stCondLst>
+                                    <p:cond delay="0"/>
+                                  </p:stCondLst>
+                                  <p:childTnLst>
+                                    <p:set>
+                                      <p:cBhvr>
+                                        <p:cTn id="16" dur="1" fill="hold">
+                                          <p:stCondLst>
+                                            <p:cond delay="0"/>
+                                          </p:stCondLst>
+                                        </p:cTn>
+                                        <p:tgtEl>
+                                          <p:spTgt spid="3">
+                                            <p:txEl>
+                                              <p:pRg st="3" end="3"/>
+                                            </p:txEl>
+                                          </p:spTgt>
+                                        </p:tgtEl>
+                                        <p:attrNameLst>
+                                          <p:attrName>style.visibility</p:attrName>
+                                        </p:attrNameLst>
+                                      </p:cBhvr>
+                                      <p:to>
+                                        <p:strVal val="visible"/>
+                                      </p:to>
+                                    </p:set>
+                                  </p:childTnLst>
+                                </p:cTn>
+                              </p:par>
+                            </p:childTnLst>
+                          </p:cTn>
+                        </p:par>
+                      </p:childTnLst>
+                    </p:cTn>
+                  </p:par>
+                  <p:par>
+                    <p:cTn id="17" fill="hold">
+                      <p:stCondLst>
+                        <p:cond delay="indefinite"/>
+                      </p:stCondLst>
+                      <p:childTnLst>
+                        <p:par>
+                          <p:cTn id="18" fill="hold">
+                            <p:stCondLst>
+                              <p:cond delay="0"/>
+                            </p:stCondLst>
+                            <p:childTnLst>
+                              <p:par>
+                                <p:cTn id="19" presetID="1" presetClass="entr" presetSubtype="0" fill="hold" grpId="0" nodeType="clickEffect">
+                                  <p:stCondLst>
+                                    <p:cond delay="0"/>
+                                  </p:stCondLst>
+                                  <p:childTnLst>
+                                    <p:set>
+                                      <p:cBhvr>
+                                        <p:cTn id="20" dur="1" fill="hold">
+                                          <p:stCondLst>
+                                            <p:cond delay="0"/>
+                                          </p:stCondLst>
+                                        </p:cTn>
+                                        <p:tgtEl>
+                                          <p:spTgt spid="3">
+                                            <p:txEl>
+                                              <p:pRg st="4" end="4"/>
+                                            </p:txEl>
+                                          </p:spTgt>
+                                        </p:tgtEl>
+                                        <p:attrNameLst>
+                                          <p:attrName>style.visibility</p:attrName>
+                                        </p:attrNameLst>
+                                      </p:cBhvr>
+                                      <p:to>
+                                        <p:strVal val="visible"/>
+                                      </p:to>
+                                    </p:set>
+                                  </p:childTnLst>
+                                </p:cTn>
+                              </p:par>
+                            </p:childTnLst>
+                          </p:cTn>
+                        </p:par>
+                      </p:childTnLst>
+                    </p:cTn>
+                  </p:par>
+                </p:childTnLst>
+              </p:cTn>
+              <p:prevCondLst>
+                <p:cond evt="onPrev" delay="0">
+                  <p:tgtEl>
+                    <p:sldTgt/>
+                  </p:tgtEl>
+                </p:cond>
+              </p:prevCondLst>
+              <p:nextCondLst>
+                <p:cond evt="onNext" delay="0">
+                  <p:tgtEl>
+                    <p:sldTgt/>
+                  </p:tgtEl>
+                </p:cond>
+              </p:nextCondLst>
+            </p:seq>
+          </p:childTnLst>
+        </p:cTn>
+      </p:par>
+    </p:tnLst>
+    <p:bldLst>
+      <p:bldP spid="3" grpId="0" build="p"/>
+    </p:bldLst>
+  </p:timing>
 </p:sld>
 </file>
 
@@ -10372,7 +13509,7 @@
           <p:cNvPr id="2" name="Title 1">
             <a:extLst>
               <a:ext uri="{FF2B5EF4-FFF2-40B4-BE49-F238E27FC236}">
-                <a16:creationId xmlns:a16="http://schemas.microsoft.com/office/drawing/2014/main" id="{00F7FCF6-A5A0-B02A-783E-2193C1BFCF7E}"/>
+                <a16:creationId xmlns:a16="http://schemas.microsoft.com/office/drawing/2014/main" id="{B9CB85E9-79E3-DF12-DE13-944330691EEA}"/>
               </a:ext>
             </a:extLst>
           </p:cNvPr>
@@ -10385,14 +13522,12 @@
         </p:nvSpPr>
         <p:spPr/>
         <p:txBody>
-          <a:bodyPr>
-            <a:normAutofit/>
-          </a:bodyPr>
+          <a:bodyPr/>
           <a:lstStyle/>
           <a:p>
             <a:r>
               <a:rPr lang="en-US" dirty="0"/>
-              <a:t>WSU Transportation Research Group</a:t>
+              <a:t>Why should we care?</a:t>
             </a:r>
           </a:p>
         </p:txBody>
@@ -10402,7 +13537,7 @@
           <p:cNvPr id="3" name="Content Placeholder 2">
             <a:extLst>
               <a:ext uri="{FF2B5EF4-FFF2-40B4-BE49-F238E27FC236}">
-                <a16:creationId xmlns:a16="http://schemas.microsoft.com/office/drawing/2014/main" id="{A16A1964-752C-2A09-5211-DCC330769732}"/>
+                <a16:creationId xmlns:a16="http://schemas.microsoft.com/office/drawing/2014/main" id="{26353A4A-6FDD-AD35-30C1-411D8F8BD984}"/>
               </a:ext>
             </a:extLst>
           </p:cNvPr>
@@ -10413,149 +13548,434 @@
             <p:ph idx="1"/>
           </p:nvPr>
         </p:nvSpPr>
-        <p:spPr>
-          <a:xfrm>
-            <a:off x="550864" y="1881275"/>
-            <a:ext cx="11090274" cy="3979625"/>
-          </a:xfrm>
-        </p:spPr>
+        <p:spPr/>
         <p:txBody>
           <a:bodyPr>
-            <a:normAutofit fontScale="85000" lnSpcReduction="20000"/>
+            <a:normAutofit fontScale="92500" lnSpcReduction="10000"/>
           </a:bodyPr>
           <a:lstStyle/>
           <a:p>
             <a:r>
-              <a:rPr lang="en-US" dirty="0">
-                <a:solidFill>
-                  <a:schemeClr val="tx1">
-                    <a:alpha val="85000"/>
-                  </a:schemeClr>
-                </a:solidFill>
-              </a:rPr>
-              <a:t>USDA Grant</a:t>
+              <a:rPr lang="en-US" dirty="0"/>
+              <a:t>90% of world trade (Source: OECD)</a:t>
+            </a:r>
+          </a:p>
+          <a:p>
+            <a:r>
+              <a:rPr lang="en-US" dirty="0"/>
+              <a:t>3% of global green house gas emissions (Source: UNCTAD)</a:t>
+            </a:r>
+          </a:p>
+          <a:p>
+            <a:r>
+              <a:rPr lang="en-US" dirty="0"/>
+              <a:t>Small changes make big differences</a:t>
             </a:r>
           </a:p>
           <a:p>
             <a:pPr lvl="1"/>
             <a:r>
               <a:rPr lang="en-US" dirty="0"/>
-              <a:t>This research is supported by the U.S. Department of Agriculture, Agricultural Marketing Service. The findings and conclusions in this publication are those of the authors and should not be construed to represent any official USDA or U.S. Government determination or policy.</a:t>
-            </a:r>
-            <a:endParaRPr lang="en-US" dirty="0">
-              <a:solidFill>
-                <a:schemeClr val="tx1">
-                  <a:alpha val="85000"/>
-                </a:schemeClr>
-              </a:solidFill>
-            </a:endParaRPr>
-          </a:p>
-          <a:p>
-            <a:r>
-              <a:rPr lang="en-US" dirty="0">
-                <a:solidFill>
-                  <a:schemeClr val="tx1">
-                    <a:alpha val="85000"/>
-                  </a:schemeClr>
-                </a:solidFill>
-              </a:rPr>
-              <a:t>Investigating impacts </a:t>
+              <a:t>Experimental wing design on a single ship saved 3 </a:t>
+            </a:r>
+            <a:r>
+              <a:rPr lang="en-US" dirty="0" err="1"/>
+              <a:t>tonnes</a:t>
             </a:r>
             <a:r>
               <a:rPr lang="en-US" dirty="0"/>
-              <a:t>of OCAs on Containerized Ag Exports</a:t>
-            </a:r>
-            <a:endParaRPr lang="en-US" dirty="0">
-              <a:solidFill>
-                <a:schemeClr val="tx1">
-                  <a:alpha val="85000"/>
-                </a:schemeClr>
-              </a:solidFill>
-            </a:endParaRPr>
+              <a:t> of fuel per day and 11.2 </a:t>
+            </a:r>
+            <a:r>
+              <a:rPr lang="en-US" dirty="0" err="1"/>
+              <a:t>tonnes</a:t>
+            </a:r>
+            <a:r>
+              <a:rPr lang="en-US" dirty="0"/>
+              <a:t> of carbon emissions </a:t>
+            </a:r>
+          </a:p>
+          <a:p>
+            <a:r>
+              <a:rPr lang="en-US" dirty="0"/>
+              <a:t>Competitive markets are assumed to be more efficient</a:t>
+            </a:r>
           </a:p>
           <a:p>
             <a:pPr lvl="1"/>
             <a:r>
-              <a:rPr lang="en-US" dirty="0">
-                <a:solidFill>
-                  <a:schemeClr val="tx1">
-                    <a:alpha val="85000"/>
-                  </a:schemeClr>
-                </a:solidFill>
-              </a:rPr>
-              <a:t>Price</a:t>
-            </a:r>
+              <a:rPr lang="en-US" dirty="0"/>
+              <a:t>This should be held in balance with physical efficiencies and environmental impacts</a:t>
+            </a:r>
+          </a:p>
+          <a:p>
+            <a:r>
+              <a:rPr lang="en-US" dirty="0"/>
+              <a:t>Alliances aren’t just bureaucratic paperwork! Carriers change their behavior dramatically based on alliance membership. </a:t>
+            </a:r>
+          </a:p>
+          <a:p>
+            <a:pPr marL="0" indent="0">
+              <a:buNone/>
+            </a:pPr>
+            <a:endParaRPr lang="en-US" dirty="0"/>
           </a:p>
           <a:p>
             <a:pPr lvl="1"/>
-            <a:r>
-              <a:rPr lang="en-US" dirty="0">
-                <a:solidFill>
-                  <a:schemeClr val="tx1">
-                    <a:alpha val="85000"/>
-                  </a:schemeClr>
-                </a:solidFill>
-              </a:rPr>
-              <a:t>Quality of Service</a:t>
-            </a:r>
-          </a:p>
-          <a:p>
-            <a:pPr lvl="2"/>
-            <a:r>
-              <a:rPr lang="en-US" dirty="0">
-                <a:solidFill>
-                  <a:schemeClr val="tx1">
-                    <a:alpha val="85000"/>
-                  </a:schemeClr>
-                </a:solidFill>
-              </a:rPr>
-              <a:t>Service Frequency (number of voyages, total capacity)</a:t>
-            </a:r>
-          </a:p>
-          <a:p>
-            <a:pPr lvl="2"/>
-            <a:r>
-              <a:rPr lang="en-US" dirty="0"/>
-              <a:t>Competitive Options (number of carriers servicing a given lane)</a:t>
-            </a:r>
-          </a:p>
-          <a:p>
-            <a:r>
-              <a:rPr lang="en-US" dirty="0">
-                <a:solidFill>
-                  <a:schemeClr val="tx1">
-                    <a:alpha val="85000"/>
-                  </a:schemeClr>
-                </a:solidFill>
-              </a:rPr>
-              <a:t>Premise: Impacts of OCAs depend on how much carriers utilize the OCA </a:t>
-            </a:r>
-          </a:p>
-          <a:p>
-            <a:pPr lvl="1"/>
-            <a:r>
-              <a:rPr lang="en-US" dirty="0">
-                <a:solidFill>
-                  <a:schemeClr val="tx1">
-                    <a:alpha val="85000"/>
-                  </a:schemeClr>
-                </a:solidFill>
-              </a:rPr>
-              <a:t>To our knowledge, this has not been studied</a:t>
-            </a:r>
+            <a:endParaRPr lang="en-US" dirty="0"/>
           </a:p>
         </p:txBody>
       </p:sp>
     </p:spTree>
     <p:extLst>
       <p:ext uri="{BB962C8B-B14F-4D97-AF65-F5344CB8AC3E}">
-        <p14:creationId xmlns:p14="http://schemas.microsoft.com/office/powerpoint/2010/main" val="3291558162"/>
+        <p14:creationId xmlns:p14="http://schemas.microsoft.com/office/powerpoint/2010/main" val="302836283"/>
       </p:ext>
     </p:extLst>
   </p:cSld>
   <p:clrMapOvr>
     <a:masterClrMapping/>
   </p:clrMapOvr>
+  <p:timing>
+    <p:tnLst>
+      <p:par>
+        <p:cTn id="1" dur="indefinite" restart="never" nodeType="tmRoot">
+          <p:childTnLst>
+            <p:seq concurrent="1" nextAc="seek">
+              <p:cTn id="2" dur="indefinite" nodeType="mainSeq">
+                <p:childTnLst>
+                  <p:par>
+                    <p:cTn id="3" fill="hold">
+                      <p:stCondLst>
+                        <p:cond delay="indefinite"/>
+                      </p:stCondLst>
+                      <p:childTnLst>
+                        <p:par>
+                          <p:cTn id="4" fill="hold">
+                            <p:stCondLst>
+                              <p:cond delay="0"/>
+                            </p:stCondLst>
+                            <p:childTnLst>
+                              <p:par>
+                                <p:cTn id="5" presetID="1" presetClass="entr" presetSubtype="0" fill="hold" grpId="0" nodeType="clickEffect">
+                                  <p:stCondLst>
+                                    <p:cond delay="0"/>
+                                  </p:stCondLst>
+                                  <p:childTnLst>
+                                    <p:set>
+                                      <p:cBhvr>
+                                        <p:cTn id="6" dur="1" fill="hold">
+                                          <p:stCondLst>
+                                            <p:cond delay="0"/>
+                                          </p:stCondLst>
+                                        </p:cTn>
+                                        <p:tgtEl>
+                                          <p:spTgt spid="3">
+                                            <p:txEl>
+                                              <p:pRg st="0" end="0"/>
+                                            </p:txEl>
+                                          </p:spTgt>
+                                        </p:tgtEl>
+                                        <p:attrNameLst>
+                                          <p:attrName>style.visibility</p:attrName>
+                                        </p:attrNameLst>
+                                      </p:cBhvr>
+                                      <p:to>
+                                        <p:strVal val="visible"/>
+                                      </p:to>
+                                    </p:set>
+                                  </p:childTnLst>
+                                </p:cTn>
+                              </p:par>
+                            </p:childTnLst>
+                          </p:cTn>
+                        </p:par>
+                      </p:childTnLst>
+                    </p:cTn>
+                  </p:par>
+                  <p:par>
+                    <p:cTn id="7" fill="hold">
+                      <p:stCondLst>
+                        <p:cond delay="indefinite"/>
+                      </p:stCondLst>
+                      <p:childTnLst>
+                        <p:par>
+                          <p:cTn id="8" fill="hold">
+                            <p:stCondLst>
+                              <p:cond delay="0"/>
+                            </p:stCondLst>
+                            <p:childTnLst>
+                              <p:par>
+                                <p:cTn id="9" presetID="1" presetClass="entr" presetSubtype="0" fill="hold" grpId="0" nodeType="clickEffect">
+                                  <p:stCondLst>
+                                    <p:cond delay="0"/>
+                                  </p:stCondLst>
+                                  <p:childTnLst>
+                                    <p:set>
+                                      <p:cBhvr>
+                                        <p:cTn id="10" dur="1" fill="hold">
+                                          <p:stCondLst>
+                                            <p:cond delay="0"/>
+                                          </p:stCondLst>
+                                        </p:cTn>
+                                        <p:tgtEl>
+                                          <p:spTgt spid="3">
+                                            <p:txEl>
+                                              <p:pRg st="1" end="1"/>
+                                            </p:txEl>
+                                          </p:spTgt>
+                                        </p:tgtEl>
+                                        <p:attrNameLst>
+                                          <p:attrName>style.visibility</p:attrName>
+                                        </p:attrNameLst>
+                                      </p:cBhvr>
+                                      <p:to>
+                                        <p:strVal val="visible"/>
+                                      </p:to>
+                                    </p:set>
+                                  </p:childTnLst>
+                                </p:cTn>
+                              </p:par>
+                            </p:childTnLst>
+                          </p:cTn>
+                        </p:par>
+                      </p:childTnLst>
+                    </p:cTn>
+                  </p:par>
+                  <p:par>
+                    <p:cTn id="11" fill="hold">
+                      <p:stCondLst>
+                        <p:cond delay="indefinite"/>
+                      </p:stCondLst>
+                      <p:childTnLst>
+                        <p:par>
+                          <p:cTn id="12" fill="hold">
+                            <p:stCondLst>
+                              <p:cond delay="0"/>
+                            </p:stCondLst>
+                            <p:childTnLst>
+                              <p:par>
+                                <p:cTn id="13" presetID="1" presetClass="entr" presetSubtype="0" fill="hold" grpId="0" nodeType="clickEffect">
+                                  <p:stCondLst>
+                                    <p:cond delay="0"/>
+                                  </p:stCondLst>
+                                  <p:childTnLst>
+                                    <p:set>
+                                      <p:cBhvr>
+                                        <p:cTn id="14" dur="1" fill="hold">
+                                          <p:stCondLst>
+                                            <p:cond delay="0"/>
+                                          </p:stCondLst>
+                                        </p:cTn>
+                                        <p:tgtEl>
+                                          <p:spTgt spid="3">
+                                            <p:txEl>
+                                              <p:pRg st="2" end="2"/>
+                                            </p:txEl>
+                                          </p:spTgt>
+                                        </p:tgtEl>
+                                        <p:attrNameLst>
+                                          <p:attrName>style.visibility</p:attrName>
+                                        </p:attrNameLst>
+                                      </p:cBhvr>
+                                      <p:to>
+                                        <p:strVal val="visible"/>
+                                      </p:to>
+                                    </p:set>
+                                  </p:childTnLst>
+                                </p:cTn>
+                              </p:par>
+                              <p:par>
+                                <p:cTn id="15" presetID="1" presetClass="entr" presetSubtype="0" fill="hold" grpId="0" nodeType="withEffect">
+                                  <p:stCondLst>
+                                    <p:cond delay="0"/>
+                                  </p:stCondLst>
+                                  <p:childTnLst>
+                                    <p:set>
+                                      <p:cBhvr>
+                                        <p:cTn id="16" dur="1" fill="hold">
+                                          <p:stCondLst>
+                                            <p:cond delay="0"/>
+                                          </p:stCondLst>
+                                        </p:cTn>
+                                        <p:tgtEl>
+                                          <p:spTgt spid="3">
+                                            <p:txEl>
+                                              <p:pRg st="3" end="3"/>
+                                            </p:txEl>
+                                          </p:spTgt>
+                                        </p:tgtEl>
+                                        <p:attrNameLst>
+                                          <p:attrName>style.visibility</p:attrName>
+                                        </p:attrNameLst>
+                                      </p:cBhvr>
+                                      <p:to>
+                                        <p:strVal val="visible"/>
+                                      </p:to>
+                                    </p:set>
+                                  </p:childTnLst>
+                                </p:cTn>
+                              </p:par>
+                            </p:childTnLst>
+                          </p:cTn>
+                        </p:par>
+                      </p:childTnLst>
+                    </p:cTn>
+                  </p:par>
+                  <p:par>
+                    <p:cTn id="17" fill="hold">
+                      <p:stCondLst>
+                        <p:cond delay="indefinite"/>
+                      </p:stCondLst>
+                      <p:childTnLst>
+                        <p:par>
+                          <p:cTn id="18" fill="hold">
+                            <p:stCondLst>
+                              <p:cond delay="0"/>
+                            </p:stCondLst>
+                            <p:childTnLst>
+                              <p:par>
+                                <p:cTn id="19" presetID="1" presetClass="entr" presetSubtype="0" fill="hold" grpId="0" nodeType="clickEffect">
+                                  <p:stCondLst>
+                                    <p:cond delay="0"/>
+                                  </p:stCondLst>
+                                  <p:childTnLst>
+                                    <p:set>
+                                      <p:cBhvr>
+                                        <p:cTn id="20" dur="1" fill="hold">
+                                          <p:stCondLst>
+                                            <p:cond delay="0"/>
+                                          </p:stCondLst>
+                                        </p:cTn>
+                                        <p:tgtEl>
+                                          <p:spTgt spid="3">
+                                            <p:txEl>
+                                              <p:pRg st="4" end="4"/>
+                                            </p:txEl>
+                                          </p:spTgt>
+                                        </p:tgtEl>
+                                        <p:attrNameLst>
+                                          <p:attrName>style.visibility</p:attrName>
+                                        </p:attrNameLst>
+                                      </p:cBhvr>
+                                      <p:to>
+                                        <p:strVal val="visible"/>
+                                      </p:to>
+                                    </p:set>
+                                  </p:childTnLst>
+                                </p:cTn>
+                              </p:par>
+                              <p:par>
+                                <p:cTn id="21" presetID="1" presetClass="entr" presetSubtype="0" fill="hold" grpId="0" nodeType="withEffect">
+                                  <p:stCondLst>
+                                    <p:cond delay="0"/>
+                                  </p:stCondLst>
+                                  <p:childTnLst>
+                                    <p:set>
+                                      <p:cBhvr>
+                                        <p:cTn id="22" dur="1" fill="hold">
+                                          <p:stCondLst>
+                                            <p:cond delay="0"/>
+                                          </p:stCondLst>
+                                        </p:cTn>
+                                        <p:tgtEl>
+                                          <p:spTgt spid="3">
+                                            <p:txEl>
+                                              <p:pRg st="5" end="5"/>
+                                            </p:txEl>
+                                          </p:spTgt>
+                                        </p:tgtEl>
+                                        <p:attrNameLst>
+                                          <p:attrName>style.visibility</p:attrName>
+                                        </p:attrNameLst>
+                                      </p:cBhvr>
+                                      <p:to>
+                                        <p:strVal val="visible"/>
+                                      </p:to>
+                                    </p:set>
+                                  </p:childTnLst>
+                                </p:cTn>
+                              </p:par>
+                            </p:childTnLst>
+                          </p:cTn>
+                        </p:par>
+                      </p:childTnLst>
+                    </p:cTn>
+                  </p:par>
+                  <p:par>
+                    <p:cTn id="23" fill="hold">
+                      <p:stCondLst>
+                        <p:cond delay="indefinite"/>
+                      </p:stCondLst>
+                      <p:childTnLst>
+                        <p:par>
+                          <p:cTn id="24" fill="hold">
+                            <p:stCondLst>
+                              <p:cond delay="0"/>
+                            </p:stCondLst>
+                            <p:childTnLst>
+                              <p:par>
+                                <p:cTn id="25" presetID="1" presetClass="entr" presetSubtype="0" fill="hold" grpId="0" nodeType="clickEffect">
+                                  <p:stCondLst>
+                                    <p:cond delay="0"/>
+                                  </p:stCondLst>
+                                  <p:childTnLst>
+                                    <p:set>
+                                      <p:cBhvr>
+                                        <p:cTn id="26" dur="1" fill="hold">
+                                          <p:stCondLst>
+                                            <p:cond delay="0"/>
+                                          </p:stCondLst>
+                                        </p:cTn>
+                                        <p:tgtEl>
+                                          <p:spTgt spid="3">
+                                            <p:txEl>
+                                              <p:pRg st="6" end="6"/>
+                                            </p:txEl>
+                                          </p:spTgt>
+                                        </p:tgtEl>
+                                        <p:attrNameLst>
+                                          <p:attrName>style.visibility</p:attrName>
+                                        </p:attrNameLst>
+                                      </p:cBhvr>
+                                      <p:to>
+                                        <p:strVal val="visible"/>
+                                      </p:to>
+                                    </p:set>
+                                  </p:childTnLst>
+                                </p:cTn>
+                              </p:par>
+                            </p:childTnLst>
+                          </p:cTn>
+                        </p:par>
+                      </p:childTnLst>
+                    </p:cTn>
+                  </p:par>
+                </p:childTnLst>
+              </p:cTn>
+              <p:prevCondLst>
+                <p:cond evt="onPrev" delay="0">
+                  <p:tgtEl>
+                    <p:sldTgt/>
+                  </p:tgtEl>
+                </p:cond>
+              </p:prevCondLst>
+              <p:nextCondLst>
+                <p:cond evt="onNext" delay="0">
+                  <p:tgtEl>
+                    <p:sldTgt/>
+                  </p:tgtEl>
+                </p:cond>
+              </p:nextCondLst>
+            </p:seq>
+          </p:childTnLst>
+        </p:cTn>
+      </p:par>
+    </p:tnLst>
+    <p:bldLst>
+      <p:bldP spid="3" grpId="0" build="p"/>
+    </p:bldLst>
+  </p:timing>
 </p:sld>
 </file>
 
@@ -10576,156 +13996,40 @@
           <a:chExt cx="0" cy="0"/>
         </a:xfrm>
       </p:grpSpPr>
-      <p:sp>
-        <p:nvSpPr>
-          <p:cNvPr id="2" name="Title 1">
+      <p:pic>
+        <p:nvPicPr>
+          <p:cNvPr id="3" name="Picture 2" descr="A graph of different colored lines&#10;&#10;Description automatically generated">
             <a:extLst>
               <a:ext uri="{FF2B5EF4-FFF2-40B4-BE49-F238E27FC236}">
-                <a16:creationId xmlns:a16="http://schemas.microsoft.com/office/drawing/2014/main" id="{27E6CFF0-D9F3-AF5F-7929-8B88904CC5BF}"/>
+                <a16:creationId xmlns:a16="http://schemas.microsoft.com/office/drawing/2014/main" id="{12E08F26-CF4B-736A-9BF3-668F96B713BA}"/>
               </a:ext>
             </a:extLst>
           </p:cNvPr>
-          <p:cNvSpPr>
-            <a:spLocks noGrp="1"/>
-          </p:cNvSpPr>
-          <p:nvPr>
-            <p:ph type="title"/>
-          </p:nvPr>
-        </p:nvSpPr>
+          <p:cNvPicPr>
+            <a:picLocks noChangeAspect="1"/>
+          </p:cNvPicPr>
+          <p:nvPr/>
+        </p:nvPicPr>
+        <p:blipFill>
+          <a:blip r:embed="rId3"/>
+          <a:stretch>
+            <a:fillRect/>
+          </a:stretch>
+        </p:blipFill>
         <p:spPr>
           <a:xfrm>
-            <a:off x="550862" y="549275"/>
-            <a:ext cx="11091600" cy="921716"/>
+            <a:off x="0" y="658090"/>
+            <a:ext cx="12192000" cy="5541816"/>
           </a:xfrm>
+          <a:prstGeom prst="rect">
+            <a:avLst/>
+          </a:prstGeom>
         </p:spPr>
-        <p:txBody>
-          <a:bodyPr/>
-          <a:lstStyle/>
-          <a:p>
-            <a:r>
-              <a:rPr lang="en-US" dirty="0"/>
-              <a:t>Data Sets</a:t>
-            </a:r>
-          </a:p>
-        </p:txBody>
-      </p:sp>
-      <p:sp>
-        <p:nvSpPr>
-          <p:cNvPr id="3" name="Content Placeholder 2">
-            <a:extLst>
-              <a:ext uri="{FF2B5EF4-FFF2-40B4-BE49-F238E27FC236}">
-                <a16:creationId xmlns:a16="http://schemas.microsoft.com/office/drawing/2014/main" id="{3C168641-2F2C-B26F-D8DD-3203CBD7147D}"/>
-              </a:ext>
-            </a:extLst>
-          </p:cNvPr>
-          <p:cNvSpPr>
-            <a:spLocks noGrp="1"/>
-          </p:cNvSpPr>
-          <p:nvPr>
-            <p:ph idx="1"/>
-          </p:nvPr>
-        </p:nvSpPr>
-        <p:spPr>
-          <a:xfrm>
-            <a:off x="549537" y="1755391"/>
-            <a:ext cx="11090274" cy="4404109"/>
-          </a:xfrm>
-        </p:spPr>
-        <p:txBody>
-          <a:bodyPr>
-            <a:normAutofit lnSpcReduction="10000"/>
-          </a:bodyPr>
-          <a:lstStyle/>
-          <a:p>
-            <a:r>
-              <a:rPr lang="en-US" dirty="0"/>
-              <a:t>S&amp;P </a:t>
-            </a:r>
-            <a:r>
-              <a:rPr lang="en-US" dirty="0" err="1"/>
-              <a:t>Global’s</a:t>
-            </a:r>
-            <a:r>
-              <a:rPr lang="en-US" dirty="0"/>
-              <a:t> PIERS database</a:t>
-            </a:r>
-          </a:p>
-          <a:p>
-            <a:pPr lvl="1"/>
-            <a:r>
-              <a:rPr lang="en-US" dirty="0"/>
-              <a:t>Bill of Lading level data including volume, date, arrival and departure ports, commodity codes, vessel IDs (IMO codes), etc.</a:t>
-            </a:r>
-          </a:p>
-          <a:p>
-            <a:pPr lvl="1"/>
-            <a:r>
-              <a:rPr lang="en-US" dirty="0"/>
-              <a:t>Dataset captures all maritime containerized freight bills processed by US Customs since 2005 </a:t>
-            </a:r>
-          </a:p>
-          <a:p>
-            <a:pPr lvl="1"/>
-            <a:r>
-              <a:rPr lang="en-US" dirty="0"/>
-              <a:t>Excludes trade via air, truck, rail, Canadian and Mexican borders, etc.</a:t>
-            </a:r>
-          </a:p>
-          <a:p>
-            <a:pPr lvl="1"/>
-            <a:r>
-              <a:rPr lang="en-US" dirty="0"/>
-              <a:t>~179M import bills, ~70M export bills</a:t>
-            </a:r>
-          </a:p>
-          <a:p>
-            <a:r>
-              <a:rPr lang="en-US" dirty="0"/>
-              <a:t>Alliance Membership Data</a:t>
-            </a:r>
-          </a:p>
-          <a:p>
-            <a:pPr lvl="1"/>
-            <a:r>
-              <a:rPr lang="en-US" dirty="0"/>
-              <a:t>Referencing the work of Port Economics, Management and Policy’s Theo </a:t>
-            </a:r>
-            <a:r>
-              <a:rPr lang="en-US" dirty="0" err="1"/>
-              <a:t>Notteboom</a:t>
-            </a:r>
-            <a:r>
-              <a:rPr lang="en-US" dirty="0"/>
-              <a:t> </a:t>
-            </a:r>
-          </a:p>
-          <a:p>
-            <a:r>
-              <a:rPr lang="en-US" dirty="0"/>
-              <a:t>Future analysis will include </a:t>
-            </a:r>
-            <a:r>
-              <a:rPr lang="en-US" dirty="0" err="1"/>
-              <a:t>Drewery’s</a:t>
-            </a:r>
-            <a:r>
-              <a:rPr lang="en-US" dirty="0"/>
-              <a:t> Container Insights price data</a:t>
-            </a:r>
-          </a:p>
-          <a:p>
-            <a:pPr lvl="1"/>
-            <a:r>
-              <a:rPr lang="en-US" dirty="0"/>
-              <a:t>Average prices per TEU for a given lane and month</a:t>
-            </a:r>
-          </a:p>
-        </p:txBody>
-      </p:sp>
+      </p:pic>
     </p:spTree>
     <p:extLst>
       <p:ext uri="{BB962C8B-B14F-4D97-AF65-F5344CB8AC3E}">
-        <p14:creationId xmlns:p14="http://schemas.microsoft.com/office/powerpoint/2010/main" val="3328601177"/>
+        <p14:creationId xmlns:p14="http://schemas.microsoft.com/office/powerpoint/2010/main" val="32356986"/>
       </p:ext>
     </p:extLst>
   </p:cSld>
@@ -10752,66 +14056,40 @@
           <a:chExt cx="0" cy="0"/>
         </a:xfrm>
       </p:grpSpPr>
-      <p:sp>
-        <p:nvSpPr>
-          <p:cNvPr id="2" name="Title 1">
+      <p:pic>
+        <p:nvPicPr>
+          <p:cNvPr id="5" name="Picture 4" descr="A graph of different colored lines&#10;&#10;Description automatically generated">
             <a:extLst>
               <a:ext uri="{FF2B5EF4-FFF2-40B4-BE49-F238E27FC236}">
-                <a16:creationId xmlns:a16="http://schemas.microsoft.com/office/drawing/2014/main" id="{1F1E5F77-54E7-5CCE-8DC8-8B127751AF3E}"/>
+                <a16:creationId xmlns:a16="http://schemas.microsoft.com/office/drawing/2014/main" id="{4DFCC526-2BD8-D201-DF89-E230C4BFDC53}"/>
               </a:ext>
             </a:extLst>
           </p:cNvPr>
-          <p:cNvSpPr>
-            <a:spLocks noGrp="1"/>
-          </p:cNvSpPr>
-          <p:nvPr>
-            <p:ph type="title"/>
-          </p:nvPr>
-        </p:nvSpPr>
-        <p:spPr/>
-        <p:txBody>
-          <a:bodyPr/>
-          <a:lstStyle/>
-          <a:p>
-            <a:r>
-              <a:rPr lang="en-US" dirty="0"/>
-              <a:t>West Coast Exports	</a:t>
-            </a:r>
-          </a:p>
-        </p:txBody>
-      </p:sp>
-      <p:sp>
-        <p:nvSpPr>
-          <p:cNvPr id="3" name="Content Placeholder 2">
-            <a:extLst>
-              <a:ext uri="{FF2B5EF4-FFF2-40B4-BE49-F238E27FC236}">
-                <a16:creationId xmlns:a16="http://schemas.microsoft.com/office/drawing/2014/main" id="{F14797B4-7159-0C1C-7514-D17F610840B4}"/>
-              </a:ext>
-            </a:extLst>
-          </p:cNvPr>
-          <p:cNvSpPr>
-            <a:spLocks noGrp="1"/>
-          </p:cNvSpPr>
-          <p:nvPr>
-            <p:ph idx="1"/>
-          </p:nvPr>
-        </p:nvSpPr>
-        <p:spPr/>
-        <p:txBody>
-          <a:bodyPr/>
-          <a:lstStyle/>
-          <a:p>
-            <a:r>
-              <a:rPr lang="en-US" dirty="0"/>
-              <a:t>Since we are initially focused on the impacts of OCAs on US producers and this is PNREC, this presentation presents data from US West Coast ports only.</a:t>
-            </a:r>
-          </a:p>
-        </p:txBody>
-      </p:sp>
+          <p:cNvPicPr>
+            <a:picLocks noChangeAspect="1"/>
+          </p:cNvPicPr>
+          <p:nvPr/>
+        </p:nvPicPr>
+        <p:blipFill>
+          <a:blip r:embed="rId2"/>
+          <a:stretch>
+            <a:fillRect/>
+          </a:stretch>
+        </p:blipFill>
+        <p:spPr>
+          <a:xfrm>
+            <a:off x="0" y="659245"/>
+            <a:ext cx="12186926" cy="5539510"/>
+          </a:xfrm>
+          <a:prstGeom prst="rect">
+            <a:avLst/>
+          </a:prstGeom>
+        </p:spPr>
+      </p:pic>
     </p:spTree>
     <p:extLst>
       <p:ext uri="{BB962C8B-B14F-4D97-AF65-F5344CB8AC3E}">
-        <p14:creationId xmlns:p14="http://schemas.microsoft.com/office/powerpoint/2010/main" val="1438172883"/>
+        <p14:creationId xmlns:p14="http://schemas.microsoft.com/office/powerpoint/2010/main" val="1854961387"/>
       </p:ext>
     </p:extLst>
   </p:cSld>
@@ -11020,4 +14298,319 @@
     </a:ext>
   </a:extLst>
 </a:theme>
+</file>
+
+<file path=ppt/theme/theme2.xml><?xml version="1.0" encoding="utf-8"?>
+<a:theme xmlns:a="http://schemas.openxmlformats.org/drawingml/2006/main" name="Office Theme">
+  <a:themeElements>
+    <a:clrScheme name="Office">
+      <a:dk1>
+        <a:sysClr val="windowText" lastClr="000000"/>
+      </a:dk1>
+      <a:lt1>
+        <a:sysClr val="window" lastClr="FFFFFF"/>
+      </a:lt1>
+      <a:dk2>
+        <a:srgbClr val="0E2841"/>
+      </a:dk2>
+      <a:lt2>
+        <a:srgbClr val="E8E8E8"/>
+      </a:lt2>
+      <a:accent1>
+        <a:srgbClr val="156082"/>
+      </a:accent1>
+      <a:accent2>
+        <a:srgbClr val="E97132"/>
+      </a:accent2>
+      <a:accent3>
+        <a:srgbClr val="196B24"/>
+      </a:accent3>
+      <a:accent4>
+        <a:srgbClr val="0F9ED5"/>
+      </a:accent4>
+      <a:accent5>
+        <a:srgbClr val="A02B93"/>
+      </a:accent5>
+      <a:accent6>
+        <a:srgbClr val="4EA72E"/>
+      </a:accent6>
+      <a:hlink>
+        <a:srgbClr val="467886"/>
+      </a:hlink>
+      <a:folHlink>
+        <a:srgbClr val="96607D"/>
+      </a:folHlink>
+    </a:clrScheme>
+    <a:fontScheme name="Office">
+      <a:majorFont>
+        <a:latin typeface="Aptos Display" panose="02110004020202020204"/>
+        <a:ea typeface=""/>
+        <a:cs typeface=""/>
+        <a:font script="Jpan" typeface="游ゴシック Light"/>
+        <a:font script="Hang" typeface="맑은 고딕"/>
+        <a:font script="Hans" typeface="等线 Light"/>
+        <a:font script="Hant" typeface="新細明體"/>
+        <a:font script="Arab" typeface="Times New Roman"/>
+        <a:font script="Hebr" typeface="Times New Roman"/>
+        <a:font script="Thai" typeface="Angsana New"/>
+        <a:font script="Ethi" typeface="Nyala"/>
+        <a:font script="Beng" typeface="Vrinda"/>
+        <a:font script="Gujr" typeface="Shruti"/>
+        <a:font script="Khmr" typeface="MoolBoran"/>
+        <a:font script="Knda" typeface="Tunga"/>
+        <a:font script="Guru" typeface="Raavi"/>
+        <a:font script="Cans" typeface="Euphemia"/>
+        <a:font script="Cher" typeface="Plantagenet Cherokee"/>
+        <a:font script="Yiii" typeface="Microsoft Yi Baiti"/>
+        <a:font script="Tibt" typeface="Microsoft Himalaya"/>
+        <a:font script="Thaa" typeface="MV Boli"/>
+        <a:font script="Deva" typeface="Mangal"/>
+        <a:font script="Telu" typeface="Gautami"/>
+        <a:font script="Taml" typeface="Latha"/>
+        <a:font script="Syrc" typeface="Estrangelo Edessa"/>
+        <a:font script="Orya" typeface="Kalinga"/>
+        <a:font script="Mlym" typeface="Kartika"/>
+        <a:font script="Laoo" typeface="DokChampa"/>
+        <a:font script="Sinh" typeface="Iskoola Pota"/>
+        <a:font script="Mong" typeface="Mongolian Baiti"/>
+        <a:font script="Viet" typeface="Times New Roman"/>
+        <a:font script="Uigh" typeface="Microsoft Uighur"/>
+        <a:font script="Geor" typeface="Sylfaen"/>
+        <a:font script="Armn" typeface="Arial"/>
+        <a:font script="Bugi" typeface="Leelawadee UI"/>
+        <a:font script="Bopo" typeface="Microsoft JhengHei"/>
+        <a:font script="Java" typeface="Javanese Text"/>
+        <a:font script="Lisu" typeface="Segoe UI"/>
+        <a:font script="Mymr" typeface="Myanmar Text"/>
+        <a:font script="Nkoo" typeface="Ebrima"/>
+        <a:font script="Olck" typeface="Nirmala UI"/>
+        <a:font script="Osma" typeface="Ebrima"/>
+        <a:font script="Phag" typeface="Phagspa"/>
+        <a:font script="Syrn" typeface="Estrangelo Edessa"/>
+        <a:font script="Syrj" typeface="Estrangelo Edessa"/>
+        <a:font script="Syre" typeface="Estrangelo Edessa"/>
+        <a:font script="Sora" typeface="Nirmala UI"/>
+        <a:font script="Tale" typeface="Microsoft Tai Le"/>
+        <a:font script="Talu" typeface="Microsoft New Tai Lue"/>
+        <a:font script="Tfng" typeface="Ebrima"/>
+      </a:majorFont>
+      <a:minorFont>
+        <a:latin typeface="Aptos" panose="02110004020202020204"/>
+        <a:ea typeface=""/>
+        <a:cs typeface=""/>
+        <a:font script="Jpan" typeface="游ゴシック"/>
+        <a:font script="Hang" typeface="맑은 고딕"/>
+        <a:font script="Hans" typeface="等线"/>
+        <a:font script="Hant" typeface="新細明體"/>
+        <a:font script="Arab" typeface="Arial"/>
+        <a:font script="Hebr" typeface="Arial"/>
+        <a:font script="Thai" typeface="Cordia New"/>
+        <a:font script="Ethi" typeface="Nyala"/>
+        <a:font script="Beng" typeface="Vrinda"/>
+        <a:font script="Gujr" typeface="Shruti"/>
+        <a:font script="Khmr" typeface="DaunPenh"/>
+        <a:font script="Knda" typeface="Tunga"/>
+        <a:font script="Guru" typeface="Raavi"/>
+        <a:font script="Cans" typeface="Euphemia"/>
+        <a:font script="Cher" typeface="Plantagenet Cherokee"/>
+        <a:font script="Yiii" typeface="Microsoft Yi Baiti"/>
+        <a:font script="Tibt" typeface="Microsoft Himalaya"/>
+        <a:font script="Thaa" typeface="MV Boli"/>
+        <a:font script="Deva" typeface="Mangal"/>
+        <a:font script="Telu" typeface="Gautami"/>
+        <a:font script="Taml" typeface="Latha"/>
+        <a:font script="Syrc" typeface="Estrangelo Edessa"/>
+        <a:font script="Orya" typeface="Kalinga"/>
+        <a:font script="Mlym" typeface="Kartika"/>
+        <a:font script="Laoo" typeface="DokChampa"/>
+        <a:font script="Sinh" typeface="Iskoola Pota"/>
+        <a:font script="Mong" typeface="Mongolian Baiti"/>
+        <a:font script="Viet" typeface="Arial"/>
+        <a:font script="Uigh" typeface="Microsoft Uighur"/>
+        <a:font script="Geor" typeface="Sylfaen"/>
+        <a:font script="Armn" typeface="Arial"/>
+        <a:font script="Bugi" typeface="Leelawadee UI"/>
+        <a:font script="Bopo" typeface="Microsoft JhengHei"/>
+        <a:font script="Java" typeface="Javanese Text"/>
+        <a:font script="Lisu" typeface="Segoe UI"/>
+        <a:font script="Mymr" typeface="Myanmar Text"/>
+        <a:font script="Nkoo" typeface="Ebrima"/>
+        <a:font script="Olck" typeface="Nirmala UI"/>
+        <a:font script="Osma" typeface="Ebrima"/>
+        <a:font script="Phag" typeface="Phagspa"/>
+        <a:font script="Syrn" typeface="Estrangelo Edessa"/>
+        <a:font script="Syrj" typeface="Estrangelo Edessa"/>
+        <a:font script="Syre" typeface="Estrangelo Edessa"/>
+        <a:font script="Sora" typeface="Nirmala UI"/>
+        <a:font script="Tale" typeface="Microsoft Tai Le"/>
+        <a:font script="Talu" typeface="Microsoft New Tai Lue"/>
+        <a:font script="Tfng" typeface="Ebrima"/>
+      </a:minorFont>
+    </a:fontScheme>
+    <a:fmtScheme name="Office">
+      <a:fillStyleLst>
+        <a:solidFill>
+          <a:schemeClr val="phClr"/>
+        </a:solidFill>
+        <a:gradFill rotWithShape="1">
+          <a:gsLst>
+            <a:gs pos="0">
+              <a:schemeClr val="phClr">
+                <a:lumMod val="110000"/>
+                <a:satMod val="105000"/>
+                <a:tint val="67000"/>
+              </a:schemeClr>
+            </a:gs>
+            <a:gs pos="50000">
+              <a:schemeClr val="phClr">
+                <a:lumMod val="105000"/>
+                <a:satMod val="103000"/>
+                <a:tint val="73000"/>
+              </a:schemeClr>
+            </a:gs>
+            <a:gs pos="100000">
+              <a:schemeClr val="phClr">
+                <a:lumMod val="105000"/>
+                <a:satMod val="109000"/>
+                <a:tint val="81000"/>
+              </a:schemeClr>
+            </a:gs>
+          </a:gsLst>
+          <a:lin ang="5400000" scaled="0"/>
+        </a:gradFill>
+        <a:gradFill rotWithShape="1">
+          <a:gsLst>
+            <a:gs pos="0">
+              <a:schemeClr val="phClr">
+                <a:satMod val="103000"/>
+                <a:lumMod val="102000"/>
+                <a:tint val="94000"/>
+              </a:schemeClr>
+            </a:gs>
+            <a:gs pos="50000">
+              <a:schemeClr val="phClr">
+                <a:satMod val="110000"/>
+                <a:lumMod val="100000"/>
+                <a:shade val="100000"/>
+              </a:schemeClr>
+            </a:gs>
+            <a:gs pos="100000">
+              <a:schemeClr val="phClr">
+                <a:lumMod val="99000"/>
+                <a:satMod val="120000"/>
+                <a:shade val="78000"/>
+              </a:schemeClr>
+            </a:gs>
+          </a:gsLst>
+          <a:lin ang="5400000" scaled="0"/>
+        </a:gradFill>
+      </a:fillStyleLst>
+      <a:lnStyleLst>
+        <a:ln w="12700" cap="flat" cmpd="sng" algn="ctr">
+          <a:solidFill>
+            <a:schemeClr val="phClr"/>
+          </a:solidFill>
+          <a:prstDash val="solid"/>
+          <a:miter lim="800000"/>
+        </a:ln>
+        <a:ln w="19050" cap="flat" cmpd="sng" algn="ctr">
+          <a:solidFill>
+            <a:schemeClr val="phClr"/>
+          </a:solidFill>
+          <a:prstDash val="solid"/>
+          <a:miter lim="800000"/>
+        </a:ln>
+        <a:ln w="25400" cap="flat" cmpd="sng" algn="ctr">
+          <a:solidFill>
+            <a:schemeClr val="phClr"/>
+          </a:solidFill>
+          <a:prstDash val="solid"/>
+          <a:miter lim="800000"/>
+        </a:ln>
+      </a:lnStyleLst>
+      <a:effectStyleLst>
+        <a:effectStyle>
+          <a:effectLst/>
+        </a:effectStyle>
+        <a:effectStyle>
+          <a:effectLst/>
+        </a:effectStyle>
+        <a:effectStyle>
+          <a:effectLst>
+            <a:outerShdw blurRad="57150" dist="19050" dir="5400000" algn="ctr" rotWithShape="0">
+              <a:srgbClr val="000000">
+                <a:alpha val="63000"/>
+              </a:srgbClr>
+            </a:outerShdw>
+          </a:effectLst>
+        </a:effectStyle>
+      </a:effectStyleLst>
+      <a:bgFillStyleLst>
+        <a:solidFill>
+          <a:schemeClr val="phClr"/>
+        </a:solidFill>
+        <a:solidFill>
+          <a:schemeClr val="phClr">
+            <a:tint val="95000"/>
+            <a:satMod val="170000"/>
+          </a:schemeClr>
+        </a:solidFill>
+        <a:gradFill rotWithShape="1">
+          <a:gsLst>
+            <a:gs pos="0">
+              <a:schemeClr val="phClr">
+                <a:tint val="93000"/>
+                <a:satMod val="150000"/>
+                <a:shade val="98000"/>
+                <a:lumMod val="102000"/>
+              </a:schemeClr>
+            </a:gs>
+            <a:gs pos="50000">
+              <a:schemeClr val="phClr">
+                <a:tint val="98000"/>
+                <a:satMod val="130000"/>
+                <a:shade val="90000"/>
+                <a:lumMod val="103000"/>
+              </a:schemeClr>
+            </a:gs>
+            <a:gs pos="100000">
+              <a:schemeClr val="phClr">
+                <a:shade val="63000"/>
+                <a:satMod val="120000"/>
+              </a:schemeClr>
+            </a:gs>
+          </a:gsLst>
+          <a:lin ang="5400000" scaled="0"/>
+        </a:gradFill>
+      </a:bgFillStyleLst>
+    </a:fmtScheme>
+  </a:themeElements>
+  <a:objectDefaults>
+    <a:lnDef>
+      <a:spPr/>
+      <a:bodyPr/>
+      <a:lstStyle/>
+      <a:style>
+        <a:lnRef idx="2">
+          <a:schemeClr val="accent1"/>
+        </a:lnRef>
+        <a:fillRef idx="0">
+          <a:schemeClr val="accent1"/>
+        </a:fillRef>
+        <a:effectRef idx="1">
+          <a:schemeClr val="accent1"/>
+        </a:effectRef>
+        <a:fontRef idx="minor">
+          <a:schemeClr val="tx1"/>
+        </a:fontRef>
+      </a:style>
+    </a:lnDef>
+  </a:objectDefaults>
+  <a:extraClrSchemeLst/>
+  <a:extLst>
+    <a:ext uri="{05A4C25C-085E-4340-85A3-A5531E510DB2}">
+      <thm15:themeFamily xmlns:thm15="http://schemas.microsoft.com/office/thememl/2012/main" name="Office Theme" id="{2E142A2C-CD16-42D6-873A-C26D2A0506FA}" vid="{1BDDFF52-6CD6-40A5-AB3C-68EB2F1E4D0A}"/>
+    </a:ext>
+  </a:extLst>
+</a:theme>
 </file>